--- a/22_I3D/22_I3D_Corrige.pptx
+++ b/22_I3D/22_I3D_Corrige.pptx
@@ -9,6 +9,7 @@
     <p:sldId id="265" r:id="rId3"/>
     <p:sldId id="266" r:id="rId4"/>
     <p:sldId id="267" r:id="rId5"/>
+    <p:sldId id="268" r:id="rId6"/>
   </p:sldIdLst>
   <p:sldSz cx="12192000" cy="6858000"/>
   <p:notesSz cx="6858000" cy="9144000"/>
@@ -4204,8 +4205,8 @@
           <a:chExt cx="0" cy="0"/>
         </a:xfrm>
       </p:grpSpPr>
-      <mc:AlternateContent xmlns:mc="http://schemas.openxmlformats.org/markup-compatibility/2006">
-        <mc:Choice xmlns:a14="http://schemas.microsoft.com/office/drawing/2010/main" Requires="a14">
+      <mc:AlternateContent xmlns:mc="http://schemas.openxmlformats.org/markup-compatibility/2006" xmlns:a14="http://schemas.microsoft.com/office/drawing/2010/main">
+        <mc:Choice Requires="a14">
           <p:sp>
             <p:nvSpPr>
               <p:cNvPr id="4" name="Titre 3">
@@ -4265,7 +4266,7 @@
             </p:txBody>
           </p:sp>
         </mc:Choice>
-        <mc:Fallback>
+        <mc:Fallback xmlns="">
           <p:sp>
             <p:nvSpPr>
               <p:cNvPr id="4" name="Titre 3">
@@ -4735,13 +4736,22 @@
           <a:p>
             <a:pPr algn="ctr"/>
             <a:r>
+              <a:rPr lang="fr-FR" sz="1200" dirty="0">
+                <a:solidFill>
+                  <a:srgbClr val="08A559"/>
+                </a:solidFill>
+                <a:latin typeface="Arial Nova" panose="020B0504020202020204" pitchFamily="34" charset="0"/>
+              </a:rPr>
+              <a:t>Carte </a:t>
+            </a:r>
+            <a:r>
               <a:rPr lang="fr-FR" sz="1200" dirty="0" err="1">
                 <a:solidFill>
                   <a:srgbClr val="08A559"/>
                 </a:solidFill>
                 <a:latin typeface="Arial Nova" panose="020B0504020202020204" pitchFamily="34" charset="0"/>
               </a:rPr>
-              <a:t>Tranceiver</a:t>
+              <a:t>eMOTRONIC</a:t>
             </a:r>
             <a:endParaRPr lang="fr-FR" sz="1200" dirty="0">
               <a:solidFill>
@@ -4749,18 +4759,6 @@
               </a:solidFill>
               <a:latin typeface="Arial Nova" panose="020B0504020202020204" pitchFamily="34" charset="0"/>
             </a:endParaRPr>
-          </a:p>
-          <a:p>
-            <a:pPr algn="ctr"/>
-            <a:r>
-              <a:rPr lang="fr-FR" sz="1200" dirty="0">
-                <a:solidFill>
-                  <a:srgbClr val="08A559"/>
-                </a:solidFill>
-                <a:latin typeface="Arial Nova" panose="020B0504020202020204" pitchFamily="34" charset="0"/>
-              </a:rPr>
-              <a:t>Liaison USB</a:t>
-            </a:r>
           </a:p>
         </p:txBody>
       </p:sp>
@@ -4967,7 +4965,7 @@
         <p:spPr>
           <a:xfrm>
             <a:off x="3229319" y="4003689"/>
-            <a:ext cx="1440000" cy="742525"/>
+            <a:ext cx="1440000" cy="572255"/>
           </a:xfrm>
           <a:prstGeom prst="roundRect">
             <a:avLst>
@@ -5005,25 +5003,7 @@
           <a:p>
             <a:pPr algn="ctr"/>
             <a:r>
-              <a:rPr lang="fr-FR" sz="1200" dirty="0">
-                <a:solidFill>
-                  <a:srgbClr val="0C7391"/>
-                </a:solidFill>
-                <a:latin typeface="Arial Nova" panose="020B0504020202020204" pitchFamily="34" charset="0"/>
-              </a:rPr>
-              <a:t>Pilotes moteur pas à pas</a:t>
-            </a:r>
-            <a:endParaRPr lang="fr-FR" sz="900" dirty="0">
-              <a:solidFill>
-                <a:srgbClr val="0C7391"/>
-              </a:solidFill>
-              <a:latin typeface="Arial Nova" panose="020B0504020202020204" pitchFamily="34" charset="0"/>
-            </a:endParaRPr>
-          </a:p>
-          <a:p>
-            <a:pPr algn="ctr"/>
-            <a:r>
-              <a:rPr lang="fr-FR" sz="900" dirty="0">
+              <a:rPr lang="fr-FR" sz="1100" dirty="0">
                 <a:solidFill>
                   <a:srgbClr val="0C7391"/>
                 </a:solidFill>
@@ -5032,7 +5012,7 @@
               <a:t>Carte </a:t>
             </a:r>
             <a:r>
-              <a:rPr lang="fr-FR" sz="900" dirty="0" err="1">
+              <a:rPr lang="fr-FR" sz="1100" dirty="0" err="1">
                 <a:solidFill>
                   <a:srgbClr val="0C7391"/>
                 </a:solidFill>
@@ -5040,7 +5020,7 @@
               </a:rPr>
               <a:t>eMOTRONIC</a:t>
             </a:r>
-            <a:endParaRPr lang="fr-FR" sz="1200" dirty="0">
+            <a:endParaRPr lang="fr-FR" dirty="0">
               <a:solidFill>
                 <a:srgbClr val="0C7391"/>
               </a:solidFill>
@@ -6596,8 +6576,8 @@
           </a:prstGeom>
         </p:spPr>
       </p:pic>
-      <mc:AlternateContent xmlns:mc="http://schemas.openxmlformats.org/markup-compatibility/2006">
-        <mc:Choice xmlns:a14="http://schemas.microsoft.com/office/drawing/2010/main" Requires="a14">
+      <mc:AlternateContent xmlns:mc="http://schemas.openxmlformats.org/markup-compatibility/2006" xmlns:a14="http://schemas.microsoft.com/office/drawing/2010/main">
+        <mc:Choice Requires="a14">
           <p:sp>
             <p:nvSpPr>
               <p:cNvPr id="64" name="ZoneTexte 63">
@@ -6661,7 +6641,7 @@
             </p:txBody>
           </p:sp>
         </mc:Choice>
-        <mc:Fallback>
+        <mc:Fallback xmlns="">
           <p:sp>
             <p:nvSpPr>
               <p:cNvPr id="64" name="ZoneTexte 63">
@@ -6706,8 +6686,8 @@
           </p:sp>
         </mc:Fallback>
       </mc:AlternateContent>
-      <mc:AlternateContent xmlns:mc="http://schemas.openxmlformats.org/markup-compatibility/2006">
-        <mc:Choice xmlns:a14="http://schemas.microsoft.com/office/drawing/2010/main" Requires="a14">
+      <mc:AlternateContent xmlns:mc="http://schemas.openxmlformats.org/markup-compatibility/2006" xmlns:a14="http://schemas.microsoft.com/office/drawing/2010/main">
+        <mc:Choice Requires="a14">
           <p:sp>
             <p:nvSpPr>
               <p:cNvPr id="65" name="ZoneTexte 64">
@@ -6771,7 +6751,7 @@
             </p:txBody>
           </p:sp>
         </mc:Choice>
-        <mc:Fallback>
+        <mc:Fallback xmlns="">
           <p:sp>
             <p:nvSpPr>
               <p:cNvPr id="65" name="ZoneTexte 64">
@@ -8421,6 +8401,3315 @@
     <p:extLst>
       <p:ext uri="{BB962C8B-B14F-4D97-AF65-F5344CB8AC3E}">
         <p14:creationId xmlns:p14="http://schemas.microsoft.com/office/powerpoint/2010/main" val="284060875"/>
+      </p:ext>
+    </p:extLst>
+  </p:cSld>
+  <p:clrMapOvr>
+    <a:masterClrMapping/>
+  </p:clrMapOvr>
+</p:sld>
+</file>
+
+<file path=ppt/slides/slide5.xml><?xml version="1.0" encoding="utf-8"?>
+<p:sld xmlns:a="http://schemas.openxmlformats.org/drawingml/2006/main" xmlns:r="http://schemas.openxmlformats.org/officeDocument/2006/relationships" xmlns:p="http://schemas.openxmlformats.org/presentationml/2006/main">
+  <p:cSld>
+    <p:spTree>
+      <p:nvGrpSpPr>
+        <p:cNvPr id="1" name=""/>
+        <p:cNvGrpSpPr/>
+        <p:nvPr/>
+      </p:nvGrpSpPr>
+      <p:grpSpPr>
+        <a:xfrm>
+          <a:off x="0" y="0"/>
+          <a:ext cx="0" cy="0"/>
+          <a:chOff x="0" y="0"/>
+          <a:chExt cx="0" cy="0"/>
+        </a:xfrm>
+      </p:grpSpPr>
+      <p:sp>
+        <p:nvSpPr>
+          <p:cNvPr id="4" name="Titre 3">
+            <a:extLst>
+              <a:ext uri="{FF2B5EF4-FFF2-40B4-BE49-F238E27FC236}">
+                <a16:creationId xmlns:a16="http://schemas.microsoft.com/office/drawing/2014/main" id="{E5C1CAA4-BEC8-E034-06F5-82D8ED3BFB47}"/>
+              </a:ext>
+            </a:extLst>
+          </p:cNvPr>
+          <p:cNvSpPr>
+            <a:spLocks noGrp="1"/>
+          </p:cNvSpPr>
+          <p:nvPr>
+            <p:ph type="title"/>
+          </p:nvPr>
+        </p:nvSpPr>
+        <p:spPr/>
+        <p:txBody>
+          <a:bodyPr/>
+          <a:lstStyle/>
+          <a:p>
+            <a:r>
+              <a:rPr lang="fr-FR" dirty="0"/>
+              <a:t>Chaine fonctionnelle de la tête chauffante</a:t>
+            </a:r>
+          </a:p>
+        </p:txBody>
+      </p:sp>
+      <p:sp>
+        <p:nvSpPr>
+          <p:cNvPr id="6" name="Rectangle : coins arrondis 5">
+            <a:extLst>
+              <a:ext uri="{FF2B5EF4-FFF2-40B4-BE49-F238E27FC236}">
+                <a16:creationId xmlns:a16="http://schemas.microsoft.com/office/drawing/2014/main" id="{F7822C3A-6752-03D9-8DF8-C9BF49763BD8}"/>
+              </a:ext>
+            </a:extLst>
+          </p:cNvPr>
+          <p:cNvSpPr/>
+          <p:nvPr/>
+        </p:nvSpPr>
+        <p:spPr>
+          <a:xfrm>
+            <a:off x="1056905" y="1330378"/>
+            <a:ext cx="1440000" cy="540000"/>
+          </a:xfrm>
+          <a:prstGeom prst="roundRect">
+            <a:avLst>
+              <a:gd name="adj" fmla="val 11914"/>
+            </a:avLst>
+          </a:prstGeom>
+          <a:noFill/>
+          <a:ln w="19050">
+            <a:solidFill>
+              <a:srgbClr val="004F77"/>
+            </a:solidFill>
+          </a:ln>
+        </p:spPr>
+        <p:style>
+          <a:lnRef idx="2">
+            <a:schemeClr val="accent1">
+              <a:shade val="50000"/>
+            </a:schemeClr>
+          </a:lnRef>
+          <a:fillRef idx="1">
+            <a:schemeClr val="accent1"/>
+          </a:fillRef>
+          <a:effectRef idx="0">
+            <a:schemeClr val="accent1"/>
+          </a:effectRef>
+          <a:fontRef idx="minor">
+            <a:schemeClr val="lt1"/>
+          </a:fontRef>
+        </p:style>
+        <p:txBody>
+          <a:bodyPr rtlCol="0" anchor="ctr"/>
+          <a:lstStyle/>
+          <a:p>
+            <a:pPr algn="ctr"/>
+            <a:r>
+              <a:rPr lang="fr-FR" sz="1400" dirty="0">
+                <a:solidFill>
+                  <a:srgbClr val="004F77"/>
+                </a:solidFill>
+                <a:latin typeface="Arial Nova" panose="020B0504020202020204" pitchFamily="34" charset="0"/>
+              </a:rPr>
+              <a:t>Acquérir</a:t>
+            </a:r>
+          </a:p>
+        </p:txBody>
+      </p:sp>
+      <p:sp>
+        <p:nvSpPr>
+          <p:cNvPr id="7" name="Rectangle : coins arrondis 6">
+            <a:extLst>
+              <a:ext uri="{FF2B5EF4-FFF2-40B4-BE49-F238E27FC236}">
+                <a16:creationId xmlns:a16="http://schemas.microsoft.com/office/drawing/2014/main" id="{FEC70D79-FF53-E1E6-8F5D-7DB4552BDEB8}"/>
+              </a:ext>
+            </a:extLst>
+          </p:cNvPr>
+          <p:cNvSpPr/>
+          <p:nvPr/>
+        </p:nvSpPr>
+        <p:spPr>
+          <a:xfrm>
+            <a:off x="1056905" y="2105524"/>
+            <a:ext cx="1440000" cy="536003"/>
+          </a:xfrm>
+          <a:prstGeom prst="roundRect">
+            <a:avLst>
+              <a:gd name="adj" fmla="val 11914"/>
+            </a:avLst>
+          </a:prstGeom>
+          <a:solidFill>
+            <a:srgbClr val="DFE3EB"/>
+          </a:solidFill>
+          <a:ln w="19050">
+            <a:solidFill>
+              <a:srgbClr val="DFE3EB"/>
+            </a:solidFill>
+          </a:ln>
+        </p:spPr>
+        <p:style>
+          <a:lnRef idx="2">
+            <a:schemeClr val="accent1">
+              <a:shade val="50000"/>
+            </a:schemeClr>
+          </a:lnRef>
+          <a:fillRef idx="1">
+            <a:schemeClr val="accent1"/>
+          </a:fillRef>
+          <a:effectRef idx="0">
+            <a:schemeClr val="accent1"/>
+          </a:effectRef>
+          <a:fontRef idx="minor">
+            <a:schemeClr val="lt1"/>
+          </a:fontRef>
+        </p:style>
+        <p:txBody>
+          <a:bodyPr lIns="0" tIns="0" rIns="0" bIns="0" rtlCol="0" anchor="ctr"/>
+          <a:lstStyle/>
+          <a:p>
+            <a:pPr algn="ctr"/>
+            <a:r>
+              <a:rPr lang="fr-FR" sz="1200" dirty="0">
+                <a:solidFill>
+                  <a:srgbClr val="004F77"/>
+                </a:solidFill>
+                <a:latin typeface="Arial Nova" panose="020B0504020202020204" pitchFamily="34" charset="0"/>
+              </a:rPr>
+              <a:t>Thermistance</a:t>
+            </a:r>
+          </a:p>
+        </p:txBody>
+      </p:sp>
+      <p:sp>
+        <p:nvSpPr>
+          <p:cNvPr id="8" name="Rectangle : coins arrondis 7">
+            <a:extLst>
+              <a:ext uri="{FF2B5EF4-FFF2-40B4-BE49-F238E27FC236}">
+                <a16:creationId xmlns:a16="http://schemas.microsoft.com/office/drawing/2014/main" id="{492C39D7-C7C7-3458-7E55-FC4FCBD955B0}"/>
+              </a:ext>
+            </a:extLst>
+          </p:cNvPr>
+          <p:cNvSpPr/>
+          <p:nvPr/>
+        </p:nvSpPr>
+        <p:spPr>
+          <a:xfrm>
+            <a:off x="3229319" y="1328842"/>
+            <a:ext cx="1440000" cy="540000"/>
+          </a:xfrm>
+          <a:prstGeom prst="roundRect">
+            <a:avLst>
+              <a:gd name="adj" fmla="val 11914"/>
+            </a:avLst>
+          </a:prstGeom>
+          <a:noFill/>
+          <a:ln w="19050">
+            <a:solidFill>
+              <a:srgbClr val="004F77"/>
+            </a:solidFill>
+          </a:ln>
+        </p:spPr>
+        <p:style>
+          <a:lnRef idx="2">
+            <a:schemeClr val="accent1">
+              <a:shade val="50000"/>
+            </a:schemeClr>
+          </a:lnRef>
+          <a:fillRef idx="1">
+            <a:schemeClr val="accent1"/>
+          </a:fillRef>
+          <a:effectRef idx="0">
+            <a:schemeClr val="accent1"/>
+          </a:effectRef>
+          <a:fontRef idx="minor">
+            <a:schemeClr val="lt1"/>
+          </a:fontRef>
+        </p:style>
+        <p:txBody>
+          <a:bodyPr rtlCol="0" anchor="ctr"/>
+          <a:lstStyle/>
+          <a:p>
+            <a:pPr algn="ctr"/>
+            <a:r>
+              <a:rPr lang="fr-FR" sz="1400" dirty="0">
+                <a:solidFill>
+                  <a:srgbClr val="0C7391"/>
+                </a:solidFill>
+                <a:latin typeface="Arial Nova" panose="020B0504020202020204" pitchFamily="34" charset="0"/>
+              </a:rPr>
+              <a:t>Traiter</a:t>
+            </a:r>
+          </a:p>
+        </p:txBody>
+      </p:sp>
+      <p:sp>
+        <p:nvSpPr>
+          <p:cNvPr id="9" name="Rectangle : coins arrondis 8">
+            <a:extLst>
+              <a:ext uri="{FF2B5EF4-FFF2-40B4-BE49-F238E27FC236}">
+                <a16:creationId xmlns:a16="http://schemas.microsoft.com/office/drawing/2014/main" id="{5E73C37F-4A2D-AB41-B3A3-7332F9A357A2}"/>
+              </a:ext>
+            </a:extLst>
+          </p:cNvPr>
+          <p:cNvSpPr/>
+          <p:nvPr/>
+        </p:nvSpPr>
+        <p:spPr>
+          <a:xfrm>
+            <a:off x="3218894" y="2121703"/>
+            <a:ext cx="1440000" cy="540000"/>
+          </a:xfrm>
+          <a:prstGeom prst="roundRect">
+            <a:avLst>
+              <a:gd name="adj" fmla="val 11914"/>
+            </a:avLst>
+          </a:prstGeom>
+          <a:solidFill>
+            <a:srgbClr val="E4EBF0"/>
+          </a:solidFill>
+          <a:ln w="19050">
+            <a:solidFill>
+              <a:srgbClr val="E4EBF0"/>
+            </a:solidFill>
+          </a:ln>
+        </p:spPr>
+        <p:style>
+          <a:lnRef idx="2">
+            <a:schemeClr val="accent1">
+              <a:shade val="50000"/>
+            </a:schemeClr>
+          </a:lnRef>
+          <a:fillRef idx="1">
+            <a:schemeClr val="accent1"/>
+          </a:fillRef>
+          <a:effectRef idx="0">
+            <a:schemeClr val="accent1"/>
+          </a:effectRef>
+          <a:fontRef idx="minor">
+            <a:schemeClr val="lt1"/>
+          </a:fontRef>
+        </p:style>
+        <p:txBody>
+          <a:bodyPr rtlCol="0" anchor="ctr"/>
+          <a:lstStyle/>
+          <a:p>
+            <a:pPr algn="ctr"/>
+            <a:r>
+              <a:rPr lang="fr-FR" sz="1200" dirty="0">
+                <a:solidFill>
+                  <a:srgbClr val="0C7391"/>
+                </a:solidFill>
+                <a:latin typeface="Arial Nova" panose="020B0504020202020204" pitchFamily="34" charset="0"/>
+              </a:rPr>
+              <a:t>Carte </a:t>
+            </a:r>
+            <a:r>
+              <a:rPr lang="fr-FR" sz="1200" dirty="0" err="1">
+                <a:solidFill>
+                  <a:srgbClr val="0C7391"/>
+                </a:solidFill>
+                <a:latin typeface="Arial Nova" panose="020B0504020202020204" pitchFamily="34" charset="0"/>
+              </a:rPr>
+              <a:t>eMOTRONIC</a:t>
+            </a:r>
+            <a:endParaRPr lang="fr-FR" sz="1200" dirty="0">
+              <a:solidFill>
+                <a:srgbClr val="0C7391"/>
+              </a:solidFill>
+              <a:latin typeface="Arial Nova" panose="020B0504020202020204" pitchFamily="34" charset="0"/>
+            </a:endParaRPr>
+          </a:p>
+        </p:txBody>
+      </p:sp>
+      <p:sp>
+        <p:nvSpPr>
+          <p:cNvPr id="10" name="Rectangle : coins arrondis 9">
+            <a:extLst>
+              <a:ext uri="{FF2B5EF4-FFF2-40B4-BE49-F238E27FC236}">
+                <a16:creationId xmlns:a16="http://schemas.microsoft.com/office/drawing/2014/main" id="{8BE8DB55-CD2C-9609-869B-BFB5FBA5A6D3}"/>
+              </a:ext>
+            </a:extLst>
+          </p:cNvPr>
+          <p:cNvSpPr/>
+          <p:nvPr/>
+        </p:nvSpPr>
+        <p:spPr>
+          <a:xfrm>
+            <a:off x="5389319" y="1306501"/>
+            <a:ext cx="1440000" cy="576000"/>
+          </a:xfrm>
+          <a:prstGeom prst="roundRect">
+            <a:avLst>
+              <a:gd name="adj" fmla="val 11914"/>
+            </a:avLst>
+          </a:prstGeom>
+          <a:noFill/>
+          <a:ln w="19050">
+            <a:solidFill>
+              <a:srgbClr val="08A559"/>
+            </a:solidFill>
+          </a:ln>
+        </p:spPr>
+        <p:style>
+          <a:lnRef idx="2">
+            <a:schemeClr val="accent1">
+              <a:shade val="50000"/>
+            </a:schemeClr>
+          </a:lnRef>
+          <a:fillRef idx="1">
+            <a:schemeClr val="accent1"/>
+          </a:fillRef>
+          <a:effectRef idx="0">
+            <a:schemeClr val="accent1"/>
+          </a:effectRef>
+          <a:fontRef idx="minor">
+            <a:schemeClr val="lt1"/>
+          </a:fontRef>
+        </p:style>
+        <p:txBody>
+          <a:bodyPr rtlCol="0" anchor="ctr"/>
+          <a:lstStyle/>
+          <a:p>
+            <a:pPr algn="ctr"/>
+            <a:r>
+              <a:rPr lang="fr-FR" sz="1400" dirty="0">
+                <a:solidFill>
+                  <a:srgbClr val="08A559"/>
+                </a:solidFill>
+                <a:latin typeface="Arial Nova" panose="020B0504020202020204" pitchFamily="34" charset="0"/>
+              </a:rPr>
+              <a:t>Communiquer</a:t>
+            </a:r>
+          </a:p>
+        </p:txBody>
+      </p:sp>
+      <p:sp>
+        <p:nvSpPr>
+          <p:cNvPr id="11" name="Rectangle : coins arrondis 10">
+            <a:extLst>
+              <a:ext uri="{FF2B5EF4-FFF2-40B4-BE49-F238E27FC236}">
+                <a16:creationId xmlns:a16="http://schemas.microsoft.com/office/drawing/2014/main" id="{E7C50B13-9945-267C-9C0F-3901C1922B55}"/>
+              </a:ext>
+            </a:extLst>
+          </p:cNvPr>
+          <p:cNvSpPr/>
+          <p:nvPr/>
+        </p:nvSpPr>
+        <p:spPr>
+          <a:xfrm>
+            <a:off x="5389319" y="2100470"/>
+            <a:ext cx="1406281" cy="534390"/>
+          </a:xfrm>
+          <a:prstGeom prst="roundRect">
+            <a:avLst>
+              <a:gd name="adj" fmla="val 11914"/>
+            </a:avLst>
+          </a:prstGeom>
+          <a:solidFill>
+            <a:srgbClr val="E8F3E8"/>
+          </a:solidFill>
+          <a:ln w="19050">
+            <a:solidFill>
+              <a:srgbClr val="E8F3E8"/>
+            </a:solidFill>
+          </a:ln>
+        </p:spPr>
+        <p:style>
+          <a:lnRef idx="2">
+            <a:schemeClr val="accent1">
+              <a:shade val="50000"/>
+            </a:schemeClr>
+          </a:lnRef>
+          <a:fillRef idx="1">
+            <a:schemeClr val="accent1"/>
+          </a:fillRef>
+          <a:effectRef idx="0">
+            <a:schemeClr val="accent1"/>
+          </a:effectRef>
+          <a:fontRef idx="minor">
+            <a:schemeClr val="lt1"/>
+          </a:fontRef>
+        </p:style>
+        <p:txBody>
+          <a:bodyPr rtlCol="0" anchor="ctr"/>
+          <a:lstStyle/>
+          <a:p>
+            <a:pPr algn="ctr"/>
+            <a:r>
+              <a:rPr lang="fr-FR" sz="1200" dirty="0">
+                <a:solidFill>
+                  <a:srgbClr val="08A559"/>
+                </a:solidFill>
+                <a:latin typeface="Arial Nova" panose="020B0504020202020204" pitchFamily="34" charset="0"/>
+              </a:rPr>
+              <a:t>Carte </a:t>
+            </a:r>
+            <a:r>
+              <a:rPr lang="fr-FR" sz="1200" dirty="0" err="1">
+                <a:solidFill>
+                  <a:srgbClr val="08A559"/>
+                </a:solidFill>
+                <a:latin typeface="Arial Nova" panose="020B0504020202020204" pitchFamily="34" charset="0"/>
+              </a:rPr>
+              <a:t>eMOTRONIC</a:t>
+            </a:r>
+            <a:endParaRPr lang="fr-FR" sz="1200" dirty="0">
+              <a:solidFill>
+                <a:srgbClr val="08A559"/>
+              </a:solidFill>
+              <a:latin typeface="Arial Nova" panose="020B0504020202020204" pitchFamily="34" charset="0"/>
+            </a:endParaRPr>
+          </a:p>
+        </p:txBody>
+      </p:sp>
+      <p:sp>
+        <p:nvSpPr>
+          <p:cNvPr id="12" name="Rectangle : coins arrondis 11">
+            <a:extLst>
+              <a:ext uri="{FF2B5EF4-FFF2-40B4-BE49-F238E27FC236}">
+                <a16:creationId xmlns:a16="http://schemas.microsoft.com/office/drawing/2014/main" id="{8CFBB7BE-C306-859A-CF41-F04DD9BC455C}"/>
+              </a:ext>
+            </a:extLst>
+          </p:cNvPr>
+          <p:cNvSpPr/>
+          <p:nvPr/>
+        </p:nvSpPr>
+        <p:spPr>
+          <a:xfrm>
+            <a:off x="1056905" y="3323232"/>
+            <a:ext cx="1440000" cy="540000"/>
+          </a:xfrm>
+          <a:prstGeom prst="roundRect">
+            <a:avLst>
+              <a:gd name="adj" fmla="val 11914"/>
+            </a:avLst>
+          </a:prstGeom>
+          <a:noFill/>
+          <a:ln w="19050">
+            <a:solidFill>
+              <a:srgbClr val="FDAD57"/>
+            </a:solidFill>
+          </a:ln>
+        </p:spPr>
+        <p:style>
+          <a:lnRef idx="2">
+            <a:schemeClr val="accent1">
+              <a:shade val="50000"/>
+            </a:schemeClr>
+          </a:lnRef>
+          <a:fillRef idx="1">
+            <a:schemeClr val="accent1"/>
+          </a:fillRef>
+          <a:effectRef idx="0">
+            <a:schemeClr val="accent1"/>
+          </a:effectRef>
+          <a:fontRef idx="minor">
+            <a:schemeClr val="lt1"/>
+          </a:fontRef>
+        </p:style>
+        <p:txBody>
+          <a:bodyPr rtlCol="0" anchor="ctr"/>
+          <a:lstStyle/>
+          <a:p>
+            <a:pPr algn="ctr"/>
+            <a:r>
+              <a:rPr lang="fr-FR" sz="1400" dirty="0">
+                <a:solidFill>
+                  <a:srgbClr val="FDAD57"/>
+                </a:solidFill>
+                <a:latin typeface="Arial Nova" panose="020B0504020202020204" pitchFamily="34" charset="0"/>
+              </a:rPr>
+              <a:t>Alimenter</a:t>
+            </a:r>
+          </a:p>
+        </p:txBody>
+      </p:sp>
+      <p:sp>
+        <p:nvSpPr>
+          <p:cNvPr id="13" name="Rectangle : coins arrondis 12">
+            <a:extLst>
+              <a:ext uri="{FF2B5EF4-FFF2-40B4-BE49-F238E27FC236}">
+                <a16:creationId xmlns:a16="http://schemas.microsoft.com/office/drawing/2014/main" id="{D364B3FD-91A8-1B5F-5FD3-55E164E3B9AE}"/>
+              </a:ext>
+            </a:extLst>
+          </p:cNvPr>
+          <p:cNvSpPr/>
+          <p:nvPr/>
+        </p:nvSpPr>
+        <p:spPr>
+          <a:xfrm>
+            <a:off x="1056905" y="4017987"/>
+            <a:ext cx="1440000" cy="540000"/>
+          </a:xfrm>
+          <a:prstGeom prst="roundRect">
+            <a:avLst>
+              <a:gd name="adj" fmla="val 11914"/>
+            </a:avLst>
+          </a:prstGeom>
+          <a:solidFill>
+            <a:srgbClr val="FEE6CC"/>
+          </a:solidFill>
+          <a:ln w="19050">
+            <a:solidFill>
+              <a:srgbClr val="FEE6CC"/>
+            </a:solidFill>
+          </a:ln>
+        </p:spPr>
+        <p:style>
+          <a:lnRef idx="2">
+            <a:schemeClr val="accent1">
+              <a:shade val="50000"/>
+            </a:schemeClr>
+          </a:lnRef>
+          <a:fillRef idx="1">
+            <a:schemeClr val="accent1"/>
+          </a:fillRef>
+          <a:effectRef idx="0">
+            <a:schemeClr val="accent1"/>
+          </a:effectRef>
+          <a:fontRef idx="minor">
+            <a:schemeClr val="lt1"/>
+          </a:fontRef>
+        </p:style>
+        <p:txBody>
+          <a:bodyPr rtlCol="0" anchor="ctr"/>
+          <a:lstStyle/>
+          <a:p>
+            <a:pPr algn="ctr"/>
+            <a:r>
+              <a:rPr lang="fr-FR" sz="1200" dirty="0">
+                <a:solidFill>
+                  <a:srgbClr val="FDAD57"/>
+                </a:solidFill>
+                <a:latin typeface="Arial Nova" panose="020B0504020202020204" pitchFamily="34" charset="0"/>
+              </a:rPr>
+              <a:t>Alimentation</a:t>
+            </a:r>
+          </a:p>
+        </p:txBody>
+      </p:sp>
+      <p:sp>
+        <p:nvSpPr>
+          <p:cNvPr id="14" name="Rectangle : coins arrondis 13">
+            <a:extLst>
+              <a:ext uri="{FF2B5EF4-FFF2-40B4-BE49-F238E27FC236}">
+                <a16:creationId xmlns:a16="http://schemas.microsoft.com/office/drawing/2014/main" id="{96A2B729-7EE6-8CA6-72B2-5A16AA5A785A}"/>
+              </a:ext>
+            </a:extLst>
+          </p:cNvPr>
+          <p:cNvSpPr/>
+          <p:nvPr/>
+        </p:nvSpPr>
+        <p:spPr>
+          <a:xfrm>
+            <a:off x="3218894" y="3318469"/>
+            <a:ext cx="1440000" cy="540000"/>
+          </a:xfrm>
+          <a:prstGeom prst="roundRect">
+            <a:avLst>
+              <a:gd name="adj" fmla="val 11914"/>
+            </a:avLst>
+          </a:prstGeom>
+          <a:noFill/>
+          <a:ln w="19050">
+            <a:solidFill>
+              <a:srgbClr val="0C7391"/>
+            </a:solidFill>
+          </a:ln>
+        </p:spPr>
+        <p:style>
+          <a:lnRef idx="2">
+            <a:schemeClr val="accent1">
+              <a:shade val="50000"/>
+            </a:schemeClr>
+          </a:lnRef>
+          <a:fillRef idx="1">
+            <a:schemeClr val="accent1"/>
+          </a:fillRef>
+          <a:effectRef idx="0">
+            <a:schemeClr val="accent1"/>
+          </a:effectRef>
+          <a:fontRef idx="minor">
+            <a:schemeClr val="lt1"/>
+          </a:fontRef>
+        </p:style>
+        <p:txBody>
+          <a:bodyPr rtlCol="0" anchor="ctr"/>
+          <a:lstStyle/>
+          <a:p>
+            <a:pPr algn="ctr"/>
+            <a:r>
+              <a:rPr lang="fr-FR" sz="1400" dirty="0">
+                <a:solidFill>
+                  <a:srgbClr val="0C7391"/>
+                </a:solidFill>
+                <a:latin typeface="Arial Nova" panose="020B0504020202020204" pitchFamily="34" charset="0"/>
+              </a:rPr>
+              <a:t>Distribuer</a:t>
+            </a:r>
+          </a:p>
+        </p:txBody>
+      </p:sp>
+      <p:sp>
+        <p:nvSpPr>
+          <p:cNvPr id="15" name="Rectangle : coins arrondis 14">
+            <a:extLst>
+              <a:ext uri="{FF2B5EF4-FFF2-40B4-BE49-F238E27FC236}">
+                <a16:creationId xmlns:a16="http://schemas.microsoft.com/office/drawing/2014/main" id="{3841B1B6-C546-170C-78BF-906D65F5DAA8}"/>
+              </a:ext>
+            </a:extLst>
+          </p:cNvPr>
+          <p:cNvSpPr/>
+          <p:nvPr/>
+        </p:nvSpPr>
+        <p:spPr>
+          <a:xfrm>
+            <a:off x="3229319" y="4003689"/>
+            <a:ext cx="1440000" cy="540001"/>
+          </a:xfrm>
+          <a:prstGeom prst="roundRect">
+            <a:avLst>
+              <a:gd name="adj" fmla="val 11914"/>
+            </a:avLst>
+          </a:prstGeom>
+          <a:solidFill>
+            <a:srgbClr val="9EC7D3"/>
+          </a:solidFill>
+          <a:ln w="19050">
+            <a:solidFill>
+              <a:srgbClr val="9EC7D3"/>
+            </a:solidFill>
+          </a:ln>
+        </p:spPr>
+        <p:style>
+          <a:lnRef idx="2">
+            <a:schemeClr val="accent1">
+              <a:shade val="50000"/>
+            </a:schemeClr>
+          </a:lnRef>
+          <a:fillRef idx="1">
+            <a:schemeClr val="accent1"/>
+          </a:fillRef>
+          <a:effectRef idx="0">
+            <a:schemeClr val="accent1"/>
+          </a:effectRef>
+          <a:fontRef idx="minor">
+            <a:schemeClr val="lt1"/>
+          </a:fontRef>
+        </p:style>
+        <p:txBody>
+          <a:bodyPr rtlCol="0" anchor="ctr"/>
+          <a:lstStyle/>
+          <a:p>
+            <a:pPr algn="ctr"/>
+            <a:r>
+              <a:rPr lang="fr-FR" sz="1200" dirty="0">
+                <a:solidFill>
+                  <a:srgbClr val="0C7391"/>
+                </a:solidFill>
+                <a:latin typeface="Arial Nova" panose="020B0504020202020204" pitchFamily="34" charset="0"/>
+              </a:rPr>
+              <a:t>Carte </a:t>
+            </a:r>
+            <a:r>
+              <a:rPr lang="fr-FR" sz="1200" dirty="0" err="1">
+                <a:solidFill>
+                  <a:srgbClr val="0C7391"/>
+                </a:solidFill>
+                <a:latin typeface="Arial Nova" panose="020B0504020202020204" pitchFamily="34" charset="0"/>
+              </a:rPr>
+              <a:t>eMOTRONIC</a:t>
+            </a:r>
+            <a:endParaRPr lang="fr-FR" sz="2000" dirty="0">
+              <a:solidFill>
+                <a:srgbClr val="0C7391"/>
+              </a:solidFill>
+              <a:latin typeface="Arial Nova" panose="020B0504020202020204" pitchFamily="34" charset="0"/>
+            </a:endParaRPr>
+          </a:p>
+        </p:txBody>
+      </p:sp>
+      <p:sp>
+        <p:nvSpPr>
+          <p:cNvPr id="16" name="Rectangle : coins arrondis 15">
+            <a:extLst>
+              <a:ext uri="{FF2B5EF4-FFF2-40B4-BE49-F238E27FC236}">
+                <a16:creationId xmlns:a16="http://schemas.microsoft.com/office/drawing/2014/main" id="{B8181AD4-9AB8-CA7B-EFBF-8B9CD4369264}"/>
+              </a:ext>
+            </a:extLst>
+          </p:cNvPr>
+          <p:cNvSpPr/>
+          <p:nvPr/>
+        </p:nvSpPr>
+        <p:spPr>
+          <a:xfrm>
+            <a:off x="5380883" y="3323232"/>
+            <a:ext cx="1440000" cy="540000"/>
+          </a:xfrm>
+          <a:prstGeom prst="roundRect">
+            <a:avLst>
+              <a:gd name="adj" fmla="val 11914"/>
+            </a:avLst>
+          </a:prstGeom>
+          <a:noFill/>
+          <a:ln w="19050">
+            <a:solidFill>
+              <a:srgbClr val="68348B"/>
+            </a:solidFill>
+          </a:ln>
+        </p:spPr>
+        <p:style>
+          <a:lnRef idx="2">
+            <a:schemeClr val="accent1">
+              <a:shade val="50000"/>
+            </a:schemeClr>
+          </a:lnRef>
+          <a:fillRef idx="1">
+            <a:schemeClr val="accent1"/>
+          </a:fillRef>
+          <a:effectRef idx="0">
+            <a:schemeClr val="accent1"/>
+          </a:effectRef>
+          <a:fontRef idx="minor">
+            <a:schemeClr val="lt1"/>
+          </a:fontRef>
+        </p:style>
+        <p:txBody>
+          <a:bodyPr rtlCol="0" anchor="ctr"/>
+          <a:lstStyle/>
+          <a:p>
+            <a:pPr algn="ctr"/>
+            <a:r>
+              <a:rPr lang="fr-FR" sz="1400" dirty="0">
+                <a:solidFill>
+                  <a:srgbClr val="68348B"/>
+                </a:solidFill>
+                <a:latin typeface="Arial Nova" panose="020B0504020202020204" pitchFamily="34" charset="0"/>
+              </a:rPr>
+              <a:t>Convertir</a:t>
+            </a:r>
+          </a:p>
+        </p:txBody>
+      </p:sp>
+      <p:sp>
+        <p:nvSpPr>
+          <p:cNvPr id="17" name="Rectangle : coins arrondis 16">
+            <a:extLst>
+              <a:ext uri="{FF2B5EF4-FFF2-40B4-BE49-F238E27FC236}">
+                <a16:creationId xmlns:a16="http://schemas.microsoft.com/office/drawing/2014/main" id="{7E462E27-42D7-734B-5E6F-B78EF40987B6}"/>
+              </a:ext>
+            </a:extLst>
+          </p:cNvPr>
+          <p:cNvSpPr/>
+          <p:nvPr/>
+        </p:nvSpPr>
+        <p:spPr>
+          <a:xfrm>
+            <a:off x="5389319" y="4003690"/>
+            <a:ext cx="1440000" cy="540000"/>
+          </a:xfrm>
+          <a:prstGeom prst="roundRect">
+            <a:avLst>
+              <a:gd name="adj" fmla="val 11914"/>
+            </a:avLst>
+          </a:prstGeom>
+          <a:solidFill>
+            <a:srgbClr val="C3AED1"/>
+          </a:solidFill>
+          <a:ln w="19050">
+            <a:solidFill>
+              <a:srgbClr val="C3AED1"/>
+            </a:solidFill>
+          </a:ln>
+        </p:spPr>
+        <p:style>
+          <a:lnRef idx="2">
+            <a:schemeClr val="accent1">
+              <a:shade val="50000"/>
+            </a:schemeClr>
+          </a:lnRef>
+          <a:fillRef idx="1">
+            <a:schemeClr val="accent1"/>
+          </a:fillRef>
+          <a:effectRef idx="0">
+            <a:schemeClr val="accent1"/>
+          </a:effectRef>
+          <a:fontRef idx="minor">
+            <a:schemeClr val="lt1"/>
+          </a:fontRef>
+        </p:style>
+        <p:txBody>
+          <a:bodyPr rtlCol="0" anchor="ctr"/>
+          <a:lstStyle/>
+          <a:p>
+            <a:pPr algn="ctr"/>
+            <a:r>
+              <a:rPr lang="fr-FR" sz="1200" dirty="0">
+                <a:solidFill>
+                  <a:srgbClr val="68348B"/>
+                </a:solidFill>
+                <a:latin typeface="Arial Nova" panose="020B0504020202020204" pitchFamily="34" charset="0"/>
+              </a:rPr>
+              <a:t>Résistance chauffante</a:t>
+            </a:r>
+          </a:p>
+        </p:txBody>
+      </p:sp>
+      <p:sp>
+        <p:nvSpPr>
+          <p:cNvPr id="18" name="Rectangle : coins arrondis 17">
+            <a:extLst>
+              <a:ext uri="{FF2B5EF4-FFF2-40B4-BE49-F238E27FC236}">
+                <a16:creationId xmlns:a16="http://schemas.microsoft.com/office/drawing/2014/main" id="{AA76E29F-1BCE-DD76-499C-CE8F3E850A8E}"/>
+              </a:ext>
+            </a:extLst>
+          </p:cNvPr>
+          <p:cNvSpPr/>
+          <p:nvPr/>
+        </p:nvSpPr>
+        <p:spPr>
+          <a:xfrm>
+            <a:off x="7542872" y="3326339"/>
+            <a:ext cx="1365662" cy="534390"/>
+          </a:xfrm>
+          <a:prstGeom prst="roundRect">
+            <a:avLst>
+              <a:gd name="adj" fmla="val 11914"/>
+            </a:avLst>
+          </a:prstGeom>
+          <a:noFill/>
+          <a:ln w="19050">
+            <a:solidFill>
+              <a:srgbClr val="EE685D"/>
+            </a:solidFill>
+          </a:ln>
+        </p:spPr>
+        <p:style>
+          <a:lnRef idx="2">
+            <a:schemeClr val="accent1">
+              <a:shade val="50000"/>
+            </a:schemeClr>
+          </a:lnRef>
+          <a:fillRef idx="1">
+            <a:schemeClr val="accent1"/>
+          </a:fillRef>
+          <a:effectRef idx="0">
+            <a:schemeClr val="accent1"/>
+          </a:effectRef>
+          <a:fontRef idx="minor">
+            <a:schemeClr val="lt1"/>
+          </a:fontRef>
+        </p:style>
+        <p:txBody>
+          <a:bodyPr rtlCol="0" anchor="ctr"/>
+          <a:lstStyle/>
+          <a:p>
+            <a:pPr algn="ctr"/>
+            <a:r>
+              <a:rPr lang="fr-FR" sz="1400" dirty="0">
+                <a:solidFill>
+                  <a:srgbClr val="EE685D"/>
+                </a:solidFill>
+                <a:latin typeface="Arial Nova" panose="020B0504020202020204" pitchFamily="34" charset="0"/>
+              </a:rPr>
+              <a:t>Transmettre</a:t>
+            </a:r>
+          </a:p>
+        </p:txBody>
+      </p:sp>
+      <p:sp>
+        <p:nvSpPr>
+          <p:cNvPr id="19" name="Rectangle : coins arrondis 18">
+            <a:extLst>
+              <a:ext uri="{FF2B5EF4-FFF2-40B4-BE49-F238E27FC236}">
+                <a16:creationId xmlns:a16="http://schemas.microsoft.com/office/drawing/2014/main" id="{A66FC087-C9BC-9FD1-6C13-AD7571852AD4}"/>
+              </a:ext>
+            </a:extLst>
+          </p:cNvPr>
+          <p:cNvSpPr/>
+          <p:nvPr/>
+        </p:nvSpPr>
+        <p:spPr>
+          <a:xfrm>
+            <a:off x="7549319" y="3983186"/>
+            <a:ext cx="1365662" cy="574801"/>
+          </a:xfrm>
+          <a:prstGeom prst="roundRect">
+            <a:avLst>
+              <a:gd name="adj" fmla="val 11914"/>
+            </a:avLst>
+          </a:prstGeom>
+          <a:solidFill>
+            <a:srgbClr val="F7B8B3"/>
+          </a:solidFill>
+          <a:ln w="19050">
+            <a:solidFill>
+              <a:srgbClr val="F7B8B3"/>
+            </a:solidFill>
+          </a:ln>
+        </p:spPr>
+        <p:style>
+          <a:lnRef idx="2">
+            <a:schemeClr val="accent1">
+              <a:shade val="50000"/>
+            </a:schemeClr>
+          </a:lnRef>
+          <a:fillRef idx="1">
+            <a:schemeClr val="accent1"/>
+          </a:fillRef>
+          <a:effectRef idx="0">
+            <a:schemeClr val="accent1"/>
+          </a:effectRef>
+          <a:fontRef idx="minor">
+            <a:schemeClr val="lt1"/>
+          </a:fontRef>
+        </p:style>
+        <p:txBody>
+          <a:bodyPr rtlCol="0" anchor="ctr"/>
+          <a:lstStyle/>
+          <a:p>
+            <a:pPr algn="ctr"/>
+            <a:r>
+              <a:rPr lang="fr-FR" sz="1200" dirty="0">
+                <a:solidFill>
+                  <a:srgbClr val="EE685D"/>
+                </a:solidFill>
+                <a:latin typeface="Arial Nova" panose="020B0504020202020204" pitchFamily="34" charset="0"/>
+              </a:rPr>
+              <a:t>Bloc aluminium</a:t>
+            </a:r>
+          </a:p>
+        </p:txBody>
+      </p:sp>
+      <p:pic>
+        <p:nvPicPr>
+          <p:cNvPr id="20" name="Image 19">
+            <a:extLst>
+              <a:ext uri="{FF2B5EF4-FFF2-40B4-BE49-F238E27FC236}">
+                <a16:creationId xmlns:a16="http://schemas.microsoft.com/office/drawing/2014/main" id="{7282EFC0-8E54-A4E0-6953-44E98A7B8B60}"/>
+              </a:ext>
+            </a:extLst>
+          </p:cNvPr>
+          <p:cNvPicPr>
+            <a:picLocks noChangeAspect="1"/>
+          </p:cNvPicPr>
+          <p:nvPr/>
+        </p:nvPicPr>
+        <p:blipFill>
+          <a:blip r:embed="rId2"/>
+          <a:stretch>
+            <a:fillRect/>
+          </a:stretch>
+        </p:blipFill>
+        <p:spPr>
+          <a:xfrm>
+            <a:off x="2624826" y="1384349"/>
+            <a:ext cx="434918" cy="152010"/>
+          </a:xfrm>
+          <a:prstGeom prst="rect">
+            <a:avLst/>
+          </a:prstGeom>
+        </p:spPr>
+      </p:pic>
+      <p:cxnSp>
+        <p:nvCxnSpPr>
+          <p:cNvPr id="21" name="Connecteur droit avec flèche 20">
+            <a:extLst>
+              <a:ext uri="{FF2B5EF4-FFF2-40B4-BE49-F238E27FC236}">
+                <a16:creationId xmlns:a16="http://schemas.microsoft.com/office/drawing/2014/main" id="{BE599621-6A35-D218-9184-0073520A41FC}"/>
+              </a:ext>
+            </a:extLst>
+          </p:cNvPr>
+          <p:cNvCxnSpPr>
+            <a:cxnSpLocks/>
+          </p:cNvCxnSpPr>
+          <p:nvPr/>
+        </p:nvCxnSpPr>
+        <p:spPr>
+          <a:xfrm flipV="1">
+            <a:off x="2496905" y="1608451"/>
+            <a:ext cx="720000" cy="1536"/>
+          </a:xfrm>
+          <a:prstGeom prst="straightConnector1">
+            <a:avLst/>
+          </a:prstGeom>
+          <a:ln w="25400" cap="rnd">
+            <a:solidFill>
+              <a:srgbClr val="004F77"/>
+            </a:solidFill>
+            <a:tailEnd type="triangle" w="med" len="lg"/>
+          </a:ln>
+        </p:spPr>
+        <p:style>
+          <a:lnRef idx="1">
+            <a:schemeClr val="accent1"/>
+          </a:lnRef>
+          <a:fillRef idx="0">
+            <a:schemeClr val="accent1"/>
+          </a:fillRef>
+          <a:effectRef idx="0">
+            <a:schemeClr val="accent1"/>
+          </a:effectRef>
+          <a:fontRef idx="minor">
+            <a:schemeClr val="tx1"/>
+          </a:fontRef>
+        </p:style>
+      </p:cxnSp>
+      <p:cxnSp>
+        <p:nvCxnSpPr>
+          <p:cNvPr id="22" name="Connecteur droit avec flèche 21">
+            <a:extLst>
+              <a:ext uri="{FF2B5EF4-FFF2-40B4-BE49-F238E27FC236}">
+                <a16:creationId xmlns:a16="http://schemas.microsoft.com/office/drawing/2014/main" id="{25CB3708-D27C-9C0F-920D-E2174EF1D3C1}"/>
+              </a:ext>
+            </a:extLst>
+          </p:cNvPr>
+          <p:cNvCxnSpPr/>
+          <p:nvPr/>
+        </p:nvCxnSpPr>
+        <p:spPr>
+          <a:xfrm flipV="1">
+            <a:off x="4669319" y="1594501"/>
+            <a:ext cx="720000" cy="1536"/>
+          </a:xfrm>
+          <a:prstGeom prst="straightConnector1">
+            <a:avLst/>
+          </a:prstGeom>
+          <a:ln w="25400" cap="rnd">
+            <a:solidFill>
+              <a:srgbClr val="004F77"/>
+            </a:solidFill>
+            <a:tailEnd type="triangle" w="med" len="lg"/>
+          </a:ln>
+        </p:spPr>
+        <p:style>
+          <a:lnRef idx="1">
+            <a:schemeClr val="accent1"/>
+          </a:lnRef>
+          <a:fillRef idx="0">
+            <a:schemeClr val="accent1"/>
+          </a:fillRef>
+          <a:effectRef idx="0">
+            <a:schemeClr val="accent1"/>
+          </a:effectRef>
+          <a:fontRef idx="minor">
+            <a:schemeClr val="tx1"/>
+          </a:fontRef>
+        </p:style>
+      </p:cxnSp>
+      <p:pic>
+        <p:nvPicPr>
+          <p:cNvPr id="23" name="Image 22">
+            <a:extLst>
+              <a:ext uri="{FF2B5EF4-FFF2-40B4-BE49-F238E27FC236}">
+                <a16:creationId xmlns:a16="http://schemas.microsoft.com/office/drawing/2014/main" id="{6B85577F-75F2-AC91-9B29-7674830D4F93}"/>
+              </a:ext>
+            </a:extLst>
+          </p:cNvPr>
+          <p:cNvPicPr>
+            <a:picLocks noChangeAspect="1"/>
+          </p:cNvPicPr>
+          <p:nvPr/>
+        </p:nvPicPr>
+        <p:blipFill>
+          <a:blip r:embed="rId3"/>
+          <a:stretch>
+            <a:fillRect/>
+          </a:stretch>
+        </p:blipFill>
+        <p:spPr>
+          <a:xfrm>
+            <a:off x="4838894" y="1199142"/>
+            <a:ext cx="360000" cy="360000"/>
+          </a:xfrm>
+          <a:prstGeom prst="rect">
+            <a:avLst/>
+          </a:prstGeom>
+        </p:spPr>
+      </p:pic>
+      <p:cxnSp>
+        <p:nvCxnSpPr>
+          <p:cNvPr id="24" name="Connecteur droit avec flèche 23">
+            <a:extLst>
+              <a:ext uri="{FF2B5EF4-FFF2-40B4-BE49-F238E27FC236}">
+                <a16:creationId xmlns:a16="http://schemas.microsoft.com/office/drawing/2014/main" id="{4D3E9C84-1558-D9D2-B9AE-51FFDFD2ACAC}"/>
+              </a:ext>
+            </a:extLst>
+          </p:cNvPr>
+          <p:cNvCxnSpPr>
+            <a:cxnSpLocks/>
+          </p:cNvCxnSpPr>
+          <p:nvPr/>
+        </p:nvCxnSpPr>
+        <p:spPr>
+          <a:xfrm flipV="1">
+            <a:off x="2509319" y="3591696"/>
+            <a:ext cx="720000" cy="1536"/>
+          </a:xfrm>
+          <a:prstGeom prst="straightConnector1">
+            <a:avLst/>
+          </a:prstGeom>
+          <a:ln w="25400" cap="rnd">
+            <a:solidFill>
+              <a:srgbClr val="FDAD57"/>
+            </a:solidFill>
+            <a:tailEnd type="triangle" w="med" len="lg"/>
+          </a:ln>
+        </p:spPr>
+        <p:style>
+          <a:lnRef idx="1">
+            <a:schemeClr val="accent1"/>
+          </a:lnRef>
+          <a:fillRef idx="0">
+            <a:schemeClr val="accent1"/>
+          </a:fillRef>
+          <a:effectRef idx="0">
+            <a:schemeClr val="accent1"/>
+          </a:effectRef>
+          <a:fontRef idx="minor">
+            <a:schemeClr val="tx1"/>
+          </a:fontRef>
+        </p:style>
+      </p:cxnSp>
+      <p:grpSp>
+        <p:nvGrpSpPr>
+          <p:cNvPr id="25" name="Groupe 24">
+            <a:extLst>
+              <a:ext uri="{FF2B5EF4-FFF2-40B4-BE49-F238E27FC236}">
+                <a16:creationId xmlns:a16="http://schemas.microsoft.com/office/drawing/2014/main" id="{F7A18018-C728-6B01-3037-0421AF781FBB}"/>
+              </a:ext>
+            </a:extLst>
+          </p:cNvPr>
+          <p:cNvGrpSpPr/>
+          <p:nvPr/>
+        </p:nvGrpSpPr>
+        <p:grpSpPr>
+          <a:xfrm>
+            <a:off x="1596905" y="3760610"/>
+            <a:ext cx="360000" cy="360000"/>
+            <a:chOff x="4197400" y="3547713"/>
+            <a:chExt cx="1800000" cy="1800000"/>
+          </a:xfrm>
+        </p:grpSpPr>
+        <p:sp>
+          <p:nvSpPr>
+            <p:cNvPr id="26" name="Ellipse 25">
+              <a:extLst>
+                <a:ext uri="{FF2B5EF4-FFF2-40B4-BE49-F238E27FC236}">
+                  <a16:creationId xmlns:a16="http://schemas.microsoft.com/office/drawing/2014/main" id="{AF615AC5-8CF6-FF34-1EF7-5C5D2FE5B9E8}"/>
+                </a:ext>
+              </a:extLst>
+            </p:cNvPr>
+            <p:cNvSpPr/>
+            <p:nvPr/>
+          </p:nvSpPr>
+          <p:spPr>
+            <a:xfrm>
+              <a:off x="4197400" y="3547713"/>
+              <a:ext cx="1800000" cy="1800000"/>
+            </a:xfrm>
+            <a:prstGeom prst="ellipse">
+              <a:avLst/>
+            </a:prstGeom>
+            <a:solidFill>
+              <a:srgbClr val="FFB25A"/>
+            </a:solidFill>
+            <a:ln>
+              <a:noFill/>
+            </a:ln>
+          </p:spPr>
+          <p:style>
+            <a:lnRef idx="2">
+              <a:schemeClr val="accent1">
+                <a:shade val="50000"/>
+              </a:schemeClr>
+            </a:lnRef>
+            <a:fillRef idx="1">
+              <a:schemeClr val="accent1"/>
+            </a:fillRef>
+            <a:effectRef idx="0">
+              <a:schemeClr val="accent1"/>
+            </a:effectRef>
+            <a:fontRef idx="minor">
+              <a:schemeClr val="lt1"/>
+            </a:fontRef>
+          </p:style>
+          <p:txBody>
+            <a:bodyPr rtlCol="0" anchor="ctr"/>
+            <a:lstStyle/>
+            <a:p>
+              <a:pPr algn="ctr"/>
+              <a:endParaRPr lang="fr-FR"/>
+            </a:p>
+          </p:txBody>
+        </p:sp>
+        <p:pic>
+          <p:nvPicPr>
+            <p:cNvPr id="27" name="Image 26">
+              <a:extLst>
+                <a:ext uri="{FF2B5EF4-FFF2-40B4-BE49-F238E27FC236}">
+                  <a16:creationId xmlns:a16="http://schemas.microsoft.com/office/drawing/2014/main" id="{D99F6707-A222-D5E1-C4A9-E878E9F04E6C}"/>
+                </a:ext>
+              </a:extLst>
+            </p:cNvPr>
+            <p:cNvPicPr>
+              <a:picLocks noChangeAspect="1"/>
+            </p:cNvPicPr>
+            <p:nvPr/>
+          </p:nvPicPr>
+          <p:blipFill>
+            <a:blip r:embed="rId4"/>
+            <a:stretch>
+              <a:fillRect/>
+            </a:stretch>
+          </p:blipFill>
+          <p:spPr>
+            <a:xfrm>
+              <a:off x="4526157" y="3876470"/>
+              <a:ext cx="1142486" cy="1142486"/>
+            </a:xfrm>
+            <a:prstGeom prst="rect">
+              <a:avLst/>
+            </a:prstGeom>
+          </p:spPr>
+        </p:pic>
+      </p:grpSp>
+      <p:pic>
+        <p:nvPicPr>
+          <p:cNvPr id="28" name="Image 27">
+            <a:extLst>
+              <a:ext uri="{FF2B5EF4-FFF2-40B4-BE49-F238E27FC236}">
+                <a16:creationId xmlns:a16="http://schemas.microsoft.com/office/drawing/2014/main" id="{35145E60-25D8-7A86-65AE-7F3729EC7848}"/>
+              </a:ext>
+            </a:extLst>
+          </p:cNvPr>
+          <p:cNvPicPr>
+            <a:picLocks noChangeAspect="1"/>
+          </p:cNvPicPr>
+          <p:nvPr/>
+        </p:nvPicPr>
+        <p:blipFill>
+          <a:blip r:embed="rId5"/>
+          <a:stretch>
+            <a:fillRect/>
+          </a:stretch>
+        </p:blipFill>
+        <p:spPr>
+          <a:xfrm>
+            <a:off x="498044" y="3446765"/>
+            <a:ext cx="360000" cy="360000"/>
+          </a:xfrm>
+          <a:prstGeom prst="rect">
+            <a:avLst/>
+          </a:prstGeom>
+        </p:spPr>
+      </p:pic>
+      <p:pic>
+        <p:nvPicPr>
+          <p:cNvPr id="29" name="Image 28">
+            <a:extLst>
+              <a:ext uri="{FF2B5EF4-FFF2-40B4-BE49-F238E27FC236}">
+                <a16:creationId xmlns:a16="http://schemas.microsoft.com/office/drawing/2014/main" id="{3C7DD139-EB5F-1D13-171E-251FB77C6B32}"/>
+              </a:ext>
+            </a:extLst>
+          </p:cNvPr>
+          <p:cNvPicPr>
+            <a:picLocks noChangeAspect="1"/>
+          </p:cNvPicPr>
+          <p:nvPr/>
+        </p:nvPicPr>
+        <p:blipFill>
+          <a:blip r:embed="rId5"/>
+          <a:stretch>
+            <a:fillRect/>
+          </a:stretch>
+        </p:blipFill>
+        <p:spPr>
+          <a:xfrm>
+            <a:off x="2676905" y="3173953"/>
+            <a:ext cx="360000" cy="360000"/>
+          </a:xfrm>
+          <a:prstGeom prst="rect">
+            <a:avLst/>
+          </a:prstGeom>
+        </p:spPr>
+      </p:pic>
+      <p:cxnSp>
+        <p:nvCxnSpPr>
+          <p:cNvPr id="34" name="Connecteur droit avec flèche 33">
+            <a:extLst>
+              <a:ext uri="{FF2B5EF4-FFF2-40B4-BE49-F238E27FC236}">
+                <a16:creationId xmlns:a16="http://schemas.microsoft.com/office/drawing/2014/main" id="{6E52C4D0-B55B-30AA-F92B-6E09F0A4D9C9}"/>
+              </a:ext>
+            </a:extLst>
+          </p:cNvPr>
+          <p:cNvCxnSpPr>
+            <a:cxnSpLocks/>
+          </p:cNvCxnSpPr>
+          <p:nvPr/>
+        </p:nvCxnSpPr>
+        <p:spPr>
+          <a:xfrm flipV="1">
+            <a:off x="4669319" y="3578864"/>
+            <a:ext cx="720000" cy="1536"/>
+          </a:xfrm>
+          <a:prstGeom prst="straightConnector1">
+            <a:avLst/>
+          </a:prstGeom>
+          <a:ln w="25400" cap="rnd">
+            <a:solidFill>
+              <a:srgbClr val="0C7391"/>
+            </a:solidFill>
+            <a:tailEnd type="triangle" w="med" len="lg"/>
+          </a:ln>
+        </p:spPr>
+        <p:style>
+          <a:lnRef idx="1">
+            <a:schemeClr val="accent1"/>
+          </a:lnRef>
+          <a:fillRef idx="0">
+            <a:schemeClr val="accent1"/>
+          </a:fillRef>
+          <a:effectRef idx="0">
+            <a:schemeClr val="accent1"/>
+          </a:effectRef>
+          <a:fontRef idx="minor">
+            <a:schemeClr val="tx1"/>
+          </a:fontRef>
+        </p:style>
+      </p:cxnSp>
+      <p:pic>
+        <p:nvPicPr>
+          <p:cNvPr id="35" name="Image 34">
+            <a:extLst>
+              <a:ext uri="{FF2B5EF4-FFF2-40B4-BE49-F238E27FC236}">
+                <a16:creationId xmlns:a16="http://schemas.microsoft.com/office/drawing/2014/main" id="{F31071D2-3D9A-9512-E018-EA9EA1D5A07B}"/>
+              </a:ext>
+            </a:extLst>
+          </p:cNvPr>
+          <p:cNvPicPr>
+            <a:picLocks noChangeAspect="1"/>
+          </p:cNvPicPr>
+          <p:nvPr/>
+        </p:nvPicPr>
+        <p:blipFill>
+          <a:blip r:embed="rId5"/>
+          <a:stretch>
+            <a:fillRect/>
+          </a:stretch>
+        </p:blipFill>
+        <p:spPr>
+          <a:xfrm>
+            <a:off x="4838894" y="3173953"/>
+            <a:ext cx="360000" cy="360000"/>
+          </a:xfrm>
+          <a:prstGeom prst="rect">
+            <a:avLst/>
+          </a:prstGeom>
+        </p:spPr>
+      </p:pic>
+      <p:cxnSp>
+        <p:nvCxnSpPr>
+          <p:cNvPr id="39" name="Connecteur droit avec flèche 38">
+            <a:extLst>
+              <a:ext uri="{FF2B5EF4-FFF2-40B4-BE49-F238E27FC236}">
+                <a16:creationId xmlns:a16="http://schemas.microsoft.com/office/drawing/2014/main" id="{75B4C387-2DFC-8DD6-0817-E4B93F7F3F85}"/>
+              </a:ext>
+            </a:extLst>
+          </p:cNvPr>
+          <p:cNvCxnSpPr>
+            <a:cxnSpLocks/>
+          </p:cNvCxnSpPr>
+          <p:nvPr/>
+        </p:nvCxnSpPr>
+        <p:spPr>
+          <a:xfrm flipV="1">
+            <a:off x="6829319" y="3588469"/>
+            <a:ext cx="720000" cy="1536"/>
+          </a:xfrm>
+          <a:prstGeom prst="straightConnector1">
+            <a:avLst/>
+          </a:prstGeom>
+          <a:ln w="25400" cap="rnd">
+            <a:solidFill>
+              <a:srgbClr val="68348B"/>
+            </a:solidFill>
+            <a:tailEnd type="triangle" w="med" len="lg"/>
+          </a:ln>
+        </p:spPr>
+        <p:style>
+          <a:lnRef idx="1">
+            <a:schemeClr val="accent1"/>
+          </a:lnRef>
+          <a:fillRef idx="0">
+            <a:schemeClr val="accent1"/>
+          </a:fillRef>
+          <a:effectRef idx="0">
+            <a:schemeClr val="accent1"/>
+          </a:effectRef>
+          <a:fontRef idx="minor">
+            <a:schemeClr val="tx1"/>
+          </a:fontRef>
+        </p:style>
+      </p:cxnSp>
+      <p:cxnSp>
+        <p:nvCxnSpPr>
+          <p:cNvPr id="44" name="Connecteur : en angle 43">
+            <a:extLst>
+              <a:ext uri="{FF2B5EF4-FFF2-40B4-BE49-F238E27FC236}">
+                <a16:creationId xmlns:a16="http://schemas.microsoft.com/office/drawing/2014/main" id="{2C5943AA-979A-103D-FC4E-264A925A4FF0}"/>
+              </a:ext>
+            </a:extLst>
+          </p:cNvPr>
+          <p:cNvCxnSpPr>
+            <a:cxnSpLocks/>
+            <a:stCxn id="10" idx="3"/>
+            <a:endCxn id="45" idx="3"/>
+          </p:cNvCxnSpPr>
+          <p:nvPr/>
+        </p:nvCxnSpPr>
+        <p:spPr>
+          <a:xfrm flipH="1">
+            <a:off x="6795600" y="1594501"/>
+            <a:ext cx="33719" cy="1346496"/>
+          </a:xfrm>
+          <a:prstGeom prst="bentConnector3">
+            <a:avLst>
+              <a:gd name="adj1" fmla="val -1067152"/>
+            </a:avLst>
+          </a:prstGeom>
+          <a:ln w="25400">
+            <a:solidFill>
+              <a:srgbClr val="08A559"/>
+            </a:solidFill>
+            <a:headEnd type="none"/>
+            <a:tailEnd type="triangle"/>
+          </a:ln>
+        </p:spPr>
+        <p:style>
+          <a:lnRef idx="1">
+            <a:schemeClr val="accent1"/>
+          </a:lnRef>
+          <a:fillRef idx="0">
+            <a:schemeClr val="accent1"/>
+          </a:fillRef>
+          <a:effectRef idx="0">
+            <a:schemeClr val="accent1"/>
+          </a:effectRef>
+          <a:fontRef idx="minor">
+            <a:schemeClr val="tx1"/>
+          </a:fontRef>
+        </p:style>
+      </p:cxnSp>
+      <p:sp>
+        <p:nvSpPr>
+          <p:cNvPr id="45" name="Rectangle : coins arrondis 44">
+            <a:extLst>
+              <a:ext uri="{FF2B5EF4-FFF2-40B4-BE49-F238E27FC236}">
+                <a16:creationId xmlns:a16="http://schemas.microsoft.com/office/drawing/2014/main" id="{4EDA86AC-B60C-0765-FBC6-4E7119B8D620}"/>
+              </a:ext>
+            </a:extLst>
+          </p:cNvPr>
+          <p:cNvSpPr/>
+          <p:nvPr/>
+        </p:nvSpPr>
+        <p:spPr>
+          <a:xfrm>
+            <a:off x="5389319" y="2775318"/>
+            <a:ext cx="1406281" cy="331358"/>
+          </a:xfrm>
+          <a:prstGeom prst="roundRect">
+            <a:avLst>
+              <a:gd name="adj" fmla="val 11914"/>
+            </a:avLst>
+          </a:prstGeom>
+          <a:solidFill>
+            <a:srgbClr val="08A559"/>
+          </a:solidFill>
+          <a:ln w="19050">
+            <a:noFill/>
+          </a:ln>
+        </p:spPr>
+        <p:style>
+          <a:lnRef idx="2">
+            <a:schemeClr val="accent1">
+              <a:shade val="50000"/>
+            </a:schemeClr>
+          </a:lnRef>
+          <a:fillRef idx="1">
+            <a:schemeClr val="accent1"/>
+          </a:fillRef>
+          <a:effectRef idx="0">
+            <a:schemeClr val="accent1"/>
+          </a:effectRef>
+          <a:fontRef idx="minor">
+            <a:schemeClr val="lt1"/>
+          </a:fontRef>
+        </p:style>
+        <p:txBody>
+          <a:bodyPr rtlCol="0" anchor="ctr"/>
+          <a:lstStyle/>
+          <a:p>
+            <a:pPr algn="ctr"/>
+            <a:r>
+              <a:rPr lang="fr-FR" sz="1200" dirty="0">
+                <a:solidFill>
+                  <a:schemeClr val="bg1"/>
+                </a:solidFill>
+                <a:latin typeface="Arial Nova" panose="020B0504020202020204" pitchFamily="34" charset="0"/>
+              </a:rPr>
+              <a:t>Ordres</a:t>
+            </a:r>
+          </a:p>
+        </p:txBody>
+      </p:sp>
+      <p:cxnSp>
+        <p:nvCxnSpPr>
+          <p:cNvPr id="46" name="Connecteur : en angle 45">
+            <a:extLst>
+              <a:ext uri="{FF2B5EF4-FFF2-40B4-BE49-F238E27FC236}">
+                <a16:creationId xmlns:a16="http://schemas.microsoft.com/office/drawing/2014/main" id="{C9DF5005-6531-4D0B-0B32-A0A73479B4F0}"/>
+              </a:ext>
+            </a:extLst>
+          </p:cNvPr>
+          <p:cNvCxnSpPr>
+            <a:cxnSpLocks/>
+            <a:stCxn id="45" idx="1"/>
+            <a:endCxn id="14" idx="0"/>
+          </p:cNvCxnSpPr>
+          <p:nvPr/>
+        </p:nvCxnSpPr>
+        <p:spPr>
+          <a:xfrm rot="10800000" flipV="1">
+            <a:off x="3938895" y="2940997"/>
+            <a:ext cx="1450425" cy="377472"/>
+          </a:xfrm>
+          <a:prstGeom prst="bentConnector2">
+            <a:avLst/>
+          </a:prstGeom>
+          <a:ln w="25400">
+            <a:solidFill>
+              <a:srgbClr val="08A559"/>
+            </a:solidFill>
+            <a:headEnd type="none"/>
+            <a:tailEnd type="triangle"/>
+          </a:ln>
+        </p:spPr>
+        <p:style>
+          <a:lnRef idx="1">
+            <a:schemeClr val="accent1"/>
+          </a:lnRef>
+          <a:fillRef idx="0">
+            <a:schemeClr val="accent1"/>
+          </a:fillRef>
+          <a:effectRef idx="0">
+            <a:schemeClr val="accent1"/>
+          </a:effectRef>
+          <a:fontRef idx="minor">
+            <a:schemeClr val="tx1"/>
+          </a:fontRef>
+        </p:style>
+      </p:cxnSp>
+      <p:pic>
+        <p:nvPicPr>
+          <p:cNvPr id="47" name="Image 46">
+            <a:extLst>
+              <a:ext uri="{FF2B5EF4-FFF2-40B4-BE49-F238E27FC236}">
+                <a16:creationId xmlns:a16="http://schemas.microsoft.com/office/drawing/2014/main" id="{5684C887-250C-3EE4-51A9-97E49BAEEC44}"/>
+              </a:ext>
+            </a:extLst>
+          </p:cNvPr>
+          <p:cNvPicPr>
+            <a:picLocks noChangeAspect="1"/>
+          </p:cNvPicPr>
+          <p:nvPr/>
+        </p:nvPicPr>
+        <p:blipFill>
+          <a:blip r:embed="rId3"/>
+          <a:stretch>
+            <a:fillRect/>
+          </a:stretch>
+        </p:blipFill>
+        <p:spPr>
+          <a:xfrm>
+            <a:off x="6903108" y="2723464"/>
+            <a:ext cx="180000" cy="180000"/>
+          </a:xfrm>
+          <a:prstGeom prst="rect">
+            <a:avLst/>
+          </a:prstGeom>
+        </p:spPr>
+      </p:pic>
+      <p:pic>
+        <p:nvPicPr>
+          <p:cNvPr id="48" name="Image 47">
+            <a:extLst>
+              <a:ext uri="{FF2B5EF4-FFF2-40B4-BE49-F238E27FC236}">
+                <a16:creationId xmlns:a16="http://schemas.microsoft.com/office/drawing/2014/main" id="{A2DBB512-E0D6-1DCF-AD42-945E61453018}"/>
+              </a:ext>
+            </a:extLst>
+          </p:cNvPr>
+          <p:cNvPicPr>
+            <a:picLocks noChangeAspect="1"/>
+          </p:cNvPicPr>
+          <p:nvPr/>
+        </p:nvPicPr>
+        <p:blipFill>
+          <a:blip r:embed="rId3"/>
+          <a:stretch>
+            <a:fillRect/>
+          </a:stretch>
+        </p:blipFill>
+        <p:spPr>
+          <a:xfrm>
+            <a:off x="3705152" y="2999093"/>
+            <a:ext cx="180000" cy="180000"/>
+          </a:xfrm>
+          <a:prstGeom prst="rect">
+            <a:avLst/>
+          </a:prstGeom>
+        </p:spPr>
+      </p:pic>
+      <p:sp>
+        <p:nvSpPr>
+          <p:cNvPr id="49" name="Rectangle : coins arrondis 48">
+            <a:extLst>
+              <a:ext uri="{FF2B5EF4-FFF2-40B4-BE49-F238E27FC236}">
+                <a16:creationId xmlns:a16="http://schemas.microsoft.com/office/drawing/2014/main" id="{41C8C10B-28B1-AAD9-17B3-48F680D32BCC}"/>
+              </a:ext>
+            </a:extLst>
+          </p:cNvPr>
+          <p:cNvSpPr/>
+          <p:nvPr/>
+        </p:nvSpPr>
+        <p:spPr>
+          <a:xfrm>
+            <a:off x="9634981" y="3314700"/>
+            <a:ext cx="1365662" cy="1194790"/>
+          </a:xfrm>
+          <a:prstGeom prst="roundRect">
+            <a:avLst>
+              <a:gd name="adj" fmla="val 11914"/>
+            </a:avLst>
+          </a:prstGeom>
+          <a:solidFill>
+            <a:srgbClr val="B2CAD6"/>
+          </a:solidFill>
+          <a:ln w="19050">
+            <a:solidFill>
+              <a:srgbClr val="B2CAD6"/>
+            </a:solidFill>
+          </a:ln>
+        </p:spPr>
+        <p:style>
+          <a:lnRef idx="2">
+            <a:schemeClr val="accent1">
+              <a:shade val="50000"/>
+            </a:schemeClr>
+          </a:lnRef>
+          <a:fillRef idx="1">
+            <a:schemeClr val="accent1"/>
+          </a:fillRef>
+          <a:effectRef idx="0">
+            <a:schemeClr val="accent1"/>
+          </a:effectRef>
+          <a:fontRef idx="minor">
+            <a:schemeClr val="lt1"/>
+          </a:fontRef>
+        </p:style>
+        <p:txBody>
+          <a:bodyPr rtlCol="0" anchor="ctr"/>
+          <a:lstStyle/>
+          <a:p>
+            <a:pPr algn="ctr"/>
+            <a:r>
+              <a:rPr lang="fr-FR" sz="1200" dirty="0">
+                <a:solidFill>
+                  <a:srgbClr val="0D587E"/>
+                </a:solidFill>
+                <a:latin typeface="Arial Nova" panose="020B0504020202020204" pitchFamily="34" charset="0"/>
+              </a:rPr>
+              <a:t>Tête d’impression</a:t>
+            </a:r>
+          </a:p>
+        </p:txBody>
+      </p:sp>
+      <p:cxnSp>
+        <p:nvCxnSpPr>
+          <p:cNvPr id="50" name="Connecteur droit avec flèche 49">
+            <a:extLst>
+              <a:ext uri="{FF2B5EF4-FFF2-40B4-BE49-F238E27FC236}">
+                <a16:creationId xmlns:a16="http://schemas.microsoft.com/office/drawing/2014/main" id="{505D6021-1B16-1674-733B-C648AC112904}"/>
+              </a:ext>
+            </a:extLst>
+          </p:cNvPr>
+          <p:cNvCxnSpPr>
+            <a:cxnSpLocks/>
+          </p:cNvCxnSpPr>
+          <p:nvPr/>
+        </p:nvCxnSpPr>
+        <p:spPr>
+          <a:xfrm flipV="1">
+            <a:off x="8911620" y="3588469"/>
+            <a:ext cx="720000" cy="1536"/>
+          </a:xfrm>
+          <a:prstGeom prst="straightConnector1">
+            <a:avLst/>
+          </a:prstGeom>
+          <a:ln w="25400" cap="rnd">
+            <a:solidFill>
+              <a:srgbClr val="68348B"/>
+            </a:solidFill>
+            <a:tailEnd type="triangle" w="med" len="lg"/>
+          </a:ln>
+        </p:spPr>
+        <p:style>
+          <a:lnRef idx="1">
+            <a:schemeClr val="accent1"/>
+          </a:lnRef>
+          <a:fillRef idx="0">
+            <a:schemeClr val="accent1"/>
+          </a:fillRef>
+          <a:effectRef idx="0">
+            <a:schemeClr val="accent1"/>
+          </a:effectRef>
+          <a:fontRef idx="minor">
+            <a:schemeClr val="tx1"/>
+          </a:fontRef>
+        </p:style>
+      </p:cxnSp>
+      <p:grpSp>
+        <p:nvGrpSpPr>
+          <p:cNvPr id="52" name="Groupe 51">
+            <a:extLst>
+              <a:ext uri="{FF2B5EF4-FFF2-40B4-BE49-F238E27FC236}">
+                <a16:creationId xmlns:a16="http://schemas.microsoft.com/office/drawing/2014/main" id="{C3681FD9-BFE4-7350-1964-9C093DDF1B5E}"/>
+              </a:ext>
+            </a:extLst>
+          </p:cNvPr>
+          <p:cNvGrpSpPr/>
+          <p:nvPr/>
+        </p:nvGrpSpPr>
+        <p:grpSpPr>
+          <a:xfrm>
+            <a:off x="3770117" y="1810931"/>
+            <a:ext cx="360000" cy="360000"/>
+            <a:chOff x="6138169" y="4069439"/>
+            <a:chExt cx="1800000" cy="1800000"/>
+          </a:xfrm>
+        </p:grpSpPr>
+        <p:sp>
+          <p:nvSpPr>
+            <p:cNvPr id="53" name="Ellipse 52">
+              <a:extLst>
+                <a:ext uri="{FF2B5EF4-FFF2-40B4-BE49-F238E27FC236}">
+                  <a16:creationId xmlns:a16="http://schemas.microsoft.com/office/drawing/2014/main" id="{599396A5-DEE6-FF8C-4576-A72DC9E6130D}"/>
+                </a:ext>
+              </a:extLst>
+            </p:cNvPr>
+            <p:cNvSpPr/>
+            <p:nvPr/>
+          </p:nvSpPr>
+          <p:spPr>
+            <a:xfrm>
+              <a:off x="6138169" y="4069439"/>
+              <a:ext cx="1800000" cy="1800000"/>
+            </a:xfrm>
+            <a:prstGeom prst="ellipse">
+              <a:avLst/>
+            </a:prstGeom>
+            <a:solidFill>
+              <a:srgbClr val="00547F"/>
+            </a:solidFill>
+            <a:ln>
+              <a:noFill/>
+            </a:ln>
+          </p:spPr>
+          <p:style>
+            <a:lnRef idx="2">
+              <a:schemeClr val="accent1">
+                <a:shade val="50000"/>
+              </a:schemeClr>
+            </a:lnRef>
+            <a:fillRef idx="1">
+              <a:schemeClr val="accent1"/>
+            </a:fillRef>
+            <a:effectRef idx="0">
+              <a:schemeClr val="accent1"/>
+            </a:effectRef>
+            <a:fontRef idx="minor">
+              <a:schemeClr val="lt1"/>
+            </a:fontRef>
+          </p:style>
+          <p:txBody>
+            <a:bodyPr rtlCol="0" anchor="ctr"/>
+            <a:lstStyle/>
+            <a:p>
+              <a:pPr algn="ctr"/>
+              <a:endParaRPr lang="fr-FR"/>
+            </a:p>
+          </p:txBody>
+        </p:sp>
+        <p:pic>
+          <p:nvPicPr>
+            <p:cNvPr id="54" name="Image 53">
+              <a:extLst>
+                <a:ext uri="{FF2B5EF4-FFF2-40B4-BE49-F238E27FC236}">
+                  <a16:creationId xmlns:a16="http://schemas.microsoft.com/office/drawing/2014/main" id="{F05DEF27-F929-BD20-2E07-1628A11DB346}"/>
+                </a:ext>
+              </a:extLst>
+            </p:cNvPr>
+            <p:cNvPicPr>
+              <a:picLocks noChangeAspect="1"/>
+            </p:cNvPicPr>
+            <p:nvPr/>
+          </p:nvPicPr>
+          <p:blipFill>
+            <a:blip r:embed="rId6"/>
+            <a:stretch>
+              <a:fillRect/>
+            </a:stretch>
+          </p:blipFill>
+          <p:spPr>
+            <a:xfrm>
+              <a:off x="6243433" y="4174703"/>
+              <a:ext cx="1589472" cy="1589472"/>
+            </a:xfrm>
+            <a:prstGeom prst="rect">
+              <a:avLst/>
+            </a:prstGeom>
+          </p:spPr>
+        </p:pic>
+      </p:grpSp>
+      <p:cxnSp>
+        <p:nvCxnSpPr>
+          <p:cNvPr id="55" name="Connecteur droit avec flèche 54">
+            <a:extLst>
+              <a:ext uri="{FF2B5EF4-FFF2-40B4-BE49-F238E27FC236}">
+                <a16:creationId xmlns:a16="http://schemas.microsoft.com/office/drawing/2014/main" id="{CEC25A5B-4B64-B67F-296D-04E6B189266D}"/>
+              </a:ext>
+            </a:extLst>
+          </p:cNvPr>
+          <p:cNvCxnSpPr/>
+          <p:nvPr/>
+        </p:nvCxnSpPr>
+        <p:spPr>
+          <a:xfrm flipV="1">
+            <a:off x="6829319" y="1516430"/>
+            <a:ext cx="720000" cy="1536"/>
+          </a:xfrm>
+          <a:prstGeom prst="straightConnector1">
+            <a:avLst/>
+          </a:prstGeom>
+          <a:ln w="25400">
+            <a:solidFill>
+              <a:srgbClr val="08A559"/>
+            </a:solidFill>
+            <a:headEnd type="none"/>
+            <a:tailEnd type="triangle"/>
+          </a:ln>
+        </p:spPr>
+        <p:style>
+          <a:lnRef idx="1">
+            <a:schemeClr val="accent1"/>
+          </a:lnRef>
+          <a:fillRef idx="0">
+            <a:schemeClr val="accent1"/>
+          </a:fillRef>
+          <a:effectRef idx="0">
+            <a:schemeClr val="accent1"/>
+          </a:effectRef>
+          <a:fontRef idx="minor">
+            <a:schemeClr val="tx1"/>
+          </a:fontRef>
+        </p:style>
+      </p:cxnSp>
+      <p:grpSp>
+        <p:nvGrpSpPr>
+          <p:cNvPr id="57" name="Groupe 56">
+            <a:extLst>
+              <a:ext uri="{FF2B5EF4-FFF2-40B4-BE49-F238E27FC236}">
+                <a16:creationId xmlns:a16="http://schemas.microsoft.com/office/drawing/2014/main" id="{CA7F3E2C-9FA7-42D8-DEF0-9439478A5709}"/>
+              </a:ext>
+            </a:extLst>
+          </p:cNvPr>
+          <p:cNvGrpSpPr/>
+          <p:nvPr/>
+        </p:nvGrpSpPr>
+        <p:grpSpPr>
+          <a:xfrm rot="5400000" flipV="1">
+            <a:off x="10181964" y="3934713"/>
+            <a:ext cx="835963" cy="1617775"/>
+            <a:chOff x="9150640" y="2423323"/>
+            <a:chExt cx="835963" cy="2135794"/>
+          </a:xfrm>
+        </p:grpSpPr>
+        <p:sp>
+          <p:nvSpPr>
+            <p:cNvPr id="58" name="Flèche : virage 57">
+              <a:extLst>
+                <a:ext uri="{FF2B5EF4-FFF2-40B4-BE49-F238E27FC236}">
+                  <a16:creationId xmlns:a16="http://schemas.microsoft.com/office/drawing/2014/main" id="{A404FB7A-E23C-BD6A-6263-4B2DE2013DB7}"/>
+                </a:ext>
+              </a:extLst>
+            </p:cNvPr>
+            <p:cNvSpPr/>
+            <p:nvPr/>
+          </p:nvSpPr>
+          <p:spPr>
+            <a:xfrm rot="5400000">
+              <a:off x="8500725" y="3073238"/>
+              <a:ext cx="2135794" cy="835963"/>
+            </a:xfrm>
+            <a:prstGeom prst="bentArrow">
+              <a:avLst>
+                <a:gd name="adj1" fmla="val 31434"/>
+                <a:gd name="adj2" fmla="val 25000"/>
+                <a:gd name="adj3" fmla="val 17852"/>
+                <a:gd name="adj4" fmla="val 20160"/>
+              </a:avLst>
+            </a:prstGeom>
+            <a:solidFill>
+              <a:srgbClr val="B2CAD6"/>
+            </a:solidFill>
+            <a:ln>
+              <a:noFill/>
+            </a:ln>
+          </p:spPr>
+          <p:style>
+            <a:lnRef idx="2">
+              <a:schemeClr val="accent1">
+                <a:shade val="50000"/>
+              </a:schemeClr>
+            </a:lnRef>
+            <a:fillRef idx="1">
+              <a:schemeClr val="accent1"/>
+            </a:fillRef>
+            <a:effectRef idx="0">
+              <a:schemeClr val="accent1"/>
+            </a:effectRef>
+            <a:fontRef idx="minor">
+              <a:schemeClr val="lt1"/>
+            </a:fontRef>
+          </p:style>
+          <p:txBody>
+            <a:bodyPr rtlCol="0" anchor="ctr"/>
+            <a:lstStyle/>
+            <a:p>
+              <a:pPr algn="ctr"/>
+              <a:endParaRPr lang="fr-FR" dirty="0">
+                <a:solidFill>
+                  <a:schemeClr val="tx1"/>
+                </a:solidFill>
+              </a:endParaRPr>
+            </a:p>
+          </p:txBody>
+        </p:sp>
+        <p:sp>
+          <p:nvSpPr>
+            <p:cNvPr id="59" name="ZoneTexte 58">
+              <a:extLst>
+                <a:ext uri="{FF2B5EF4-FFF2-40B4-BE49-F238E27FC236}">
+                  <a16:creationId xmlns:a16="http://schemas.microsoft.com/office/drawing/2014/main" id="{D9969D2B-BFBA-54A7-C4C5-06DFD5138BC1}"/>
+                </a:ext>
+              </a:extLst>
+            </p:cNvPr>
+            <p:cNvSpPr txBox="1"/>
+            <p:nvPr/>
+          </p:nvSpPr>
+          <p:spPr>
+            <a:xfrm rot="16200000">
+              <a:off x="8815678" y="3247763"/>
+              <a:ext cx="1918043" cy="369332"/>
+            </a:xfrm>
+            <a:prstGeom prst="rect">
+              <a:avLst/>
+            </a:prstGeom>
+            <a:noFill/>
+            <a:ln>
+              <a:noFill/>
+            </a:ln>
+          </p:spPr>
+          <p:txBody>
+            <a:bodyPr wrap="square" rtlCol="0">
+              <a:spAutoFit/>
+            </a:bodyPr>
+            <a:lstStyle/>
+            <a:p>
+              <a:r>
+                <a:rPr lang="fr-FR" sz="900" dirty="0">
+                  <a:solidFill>
+                    <a:schemeClr val="bg1"/>
+                  </a:solidFill>
+                  <a:latin typeface="Arial Nova" panose="020B0504020202020204" pitchFamily="34" charset="0"/>
+                </a:rPr>
+                <a:t>Tête d’impression chaude</a:t>
+              </a:r>
+            </a:p>
+          </p:txBody>
+        </p:sp>
+      </p:grpSp>
+      <p:grpSp>
+        <p:nvGrpSpPr>
+          <p:cNvPr id="60" name="Groupe 59">
+            <a:extLst>
+              <a:ext uri="{FF2B5EF4-FFF2-40B4-BE49-F238E27FC236}">
+                <a16:creationId xmlns:a16="http://schemas.microsoft.com/office/drawing/2014/main" id="{32A82909-C4F5-9AA0-D150-C388F421C774}"/>
+              </a:ext>
+            </a:extLst>
+          </p:cNvPr>
+          <p:cNvGrpSpPr/>
+          <p:nvPr/>
+        </p:nvGrpSpPr>
+        <p:grpSpPr>
+          <a:xfrm>
+            <a:off x="8594944" y="2722269"/>
+            <a:ext cx="1566153" cy="577809"/>
+            <a:chOff x="9058474" y="2836569"/>
+            <a:chExt cx="1566153" cy="577809"/>
+          </a:xfrm>
+        </p:grpSpPr>
+        <p:sp>
+          <p:nvSpPr>
+            <p:cNvPr id="61" name="Flèche : virage 60">
+              <a:extLst>
+                <a:ext uri="{FF2B5EF4-FFF2-40B4-BE49-F238E27FC236}">
+                  <a16:creationId xmlns:a16="http://schemas.microsoft.com/office/drawing/2014/main" id="{FED08932-ADD7-D2A1-8E5A-D62CEEB1B93F}"/>
+                </a:ext>
+              </a:extLst>
+            </p:cNvPr>
+            <p:cNvSpPr/>
+            <p:nvPr/>
+          </p:nvSpPr>
+          <p:spPr>
+            <a:xfrm rot="5400000">
+              <a:off x="9563593" y="2353345"/>
+              <a:ext cx="572849" cy="1549218"/>
+            </a:xfrm>
+            <a:prstGeom prst="bentArrow">
+              <a:avLst>
+                <a:gd name="adj1" fmla="val 38639"/>
+                <a:gd name="adj2" fmla="val 38302"/>
+                <a:gd name="adj3" fmla="val 16744"/>
+                <a:gd name="adj4" fmla="val 20160"/>
+              </a:avLst>
+            </a:prstGeom>
+            <a:solidFill>
+              <a:srgbClr val="B2CAD6"/>
+            </a:solidFill>
+            <a:ln>
+              <a:noFill/>
+            </a:ln>
+          </p:spPr>
+          <p:style>
+            <a:lnRef idx="2">
+              <a:schemeClr val="accent1">
+                <a:shade val="50000"/>
+              </a:schemeClr>
+            </a:lnRef>
+            <a:fillRef idx="1">
+              <a:schemeClr val="accent1"/>
+            </a:fillRef>
+            <a:effectRef idx="0">
+              <a:schemeClr val="accent1"/>
+            </a:effectRef>
+            <a:fontRef idx="minor">
+              <a:schemeClr val="lt1"/>
+            </a:fontRef>
+          </p:style>
+          <p:txBody>
+            <a:bodyPr rtlCol="0" anchor="ctr"/>
+            <a:lstStyle/>
+            <a:p>
+              <a:pPr algn="ctr"/>
+              <a:endParaRPr lang="fr-FR" dirty="0">
+                <a:solidFill>
+                  <a:schemeClr val="tx1"/>
+                </a:solidFill>
+              </a:endParaRPr>
+            </a:p>
+          </p:txBody>
+        </p:sp>
+        <p:sp>
+          <p:nvSpPr>
+            <p:cNvPr id="62" name="ZoneTexte 61">
+              <a:extLst>
+                <a:ext uri="{FF2B5EF4-FFF2-40B4-BE49-F238E27FC236}">
+                  <a16:creationId xmlns:a16="http://schemas.microsoft.com/office/drawing/2014/main" id="{2C25BFE2-5262-D3BC-BDD8-923C0B8002AD}"/>
+                </a:ext>
+              </a:extLst>
+            </p:cNvPr>
+            <p:cNvSpPr txBox="1"/>
+            <p:nvPr/>
+          </p:nvSpPr>
+          <p:spPr>
+            <a:xfrm>
+              <a:off x="9058474" y="2836569"/>
+              <a:ext cx="1473718" cy="215444"/>
+            </a:xfrm>
+            <a:prstGeom prst="rect">
+              <a:avLst/>
+            </a:prstGeom>
+            <a:noFill/>
+            <a:ln>
+              <a:noFill/>
+            </a:ln>
+          </p:spPr>
+          <p:txBody>
+            <a:bodyPr wrap="square" rtlCol="0">
+              <a:spAutoFit/>
+            </a:bodyPr>
+            <a:lstStyle/>
+            <a:p>
+              <a:r>
+                <a:rPr lang="fr-FR" sz="800" dirty="0">
+                  <a:solidFill>
+                    <a:schemeClr val="bg1"/>
+                  </a:solidFill>
+                  <a:latin typeface="Arial Nova" panose="020B0504020202020204" pitchFamily="34" charset="0"/>
+                </a:rPr>
+                <a:t>Tête d’impression froide</a:t>
+              </a:r>
+            </a:p>
+          </p:txBody>
+        </p:sp>
+      </p:grpSp>
+      <p:pic>
+        <p:nvPicPr>
+          <p:cNvPr id="63" name="Image 62">
+            <a:extLst>
+              <a:ext uri="{FF2B5EF4-FFF2-40B4-BE49-F238E27FC236}">
+                <a16:creationId xmlns:a16="http://schemas.microsoft.com/office/drawing/2014/main" id="{8DAAFC9A-79A3-4B2C-A73E-32BE33F6248E}"/>
+              </a:ext>
+            </a:extLst>
+          </p:cNvPr>
+          <p:cNvPicPr>
+            <a:picLocks noChangeAspect="1"/>
+          </p:cNvPicPr>
+          <p:nvPr/>
+        </p:nvPicPr>
+        <p:blipFill>
+          <a:blip r:embed="rId2"/>
+          <a:stretch>
+            <a:fillRect/>
+          </a:stretch>
+        </p:blipFill>
+        <p:spPr>
+          <a:xfrm>
+            <a:off x="588545" y="1536359"/>
+            <a:ext cx="434918" cy="152010"/>
+          </a:xfrm>
+          <a:prstGeom prst="rect">
+            <a:avLst/>
+          </a:prstGeom>
+        </p:spPr>
+      </p:pic>
+      <mc:AlternateContent xmlns:mc="http://schemas.openxmlformats.org/markup-compatibility/2006" xmlns:a14="http://schemas.microsoft.com/office/drawing/2010/main">
+        <mc:Choice Requires="a14">
+          <p:sp>
+            <p:nvSpPr>
+              <p:cNvPr id="64" name="ZoneTexte 63">
+                <a:extLst>
+                  <a:ext uri="{FF2B5EF4-FFF2-40B4-BE49-F238E27FC236}">
+                    <a16:creationId xmlns:a16="http://schemas.microsoft.com/office/drawing/2014/main" id="{A29D106A-C634-EC49-818B-7FFD6B86043E}"/>
+                  </a:ext>
+                </a:extLst>
+              </p:cNvPr>
+              <p:cNvSpPr txBox="1"/>
+              <p:nvPr/>
+            </p:nvSpPr>
+            <p:spPr>
+              <a:xfrm>
+                <a:off x="170158" y="3784816"/>
+                <a:ext cx="1161960" cy="276999"/>
+              </a:xfrm>
+              <a:prstGeom prst="rect">
+                <a:avLst/>
+              </a:prstGeom>
+              <a:noFill/>
+            </p:spPr>
+            <p:txBody>
+              <a:bodyPr wrap="square" rtlCol="0">
+                <a:spAutoFit/>
+              </a:bodyPr>
+              <a:lstStyle/>
+              <a:p>
+                <a:pPr algn="ctr"/>
+                <a:r>
+                  <a:rPr lang="fr-FR" sz="1200" b="1" dirty="0">
+                    <a:solidFill>
+                      <a:srgbClr val="FFB25A"/>
+                    </a:solidFill>
+                    <a:latin typeface="Arial Nova" panose="020B0504020202020204" pitchFamily="34" charset="0"/>
+                  </a:rPr>
+                  <a:t>230 V </a:t>
+                </a:r>
+                <a14:m>
+                  <m:oMath xmlns:m="http://schemas.openxmlformats.org/officeDocument/2006/math">
+                    <m:r>
+                      <a:rPr lang="fr-FR" sz="1200" b="1" i="1" smtClean="0">
+                        <a:solidFill>
+                          <a:srgbClr val="FFB25A"/>
+                        </a:solidFill>
+                        <a:latin typeface="Cambria Math" panose="02040503050406030204" pitchFamily="18" charset="0"/>
+                        <a:ea typeface="Cambria Math" panose="02040503050406030204" pitchFamily="18" charset="0"/>
+                        <a:cs typeface="Calibri" panose="020F0502020204030204" pitchFamily="34" charset="0"/>
+                      </a:rPr>
+                      <m:t>~</m:t>
+                    </m:r>
+                  </m:oMath>
+                </a14:m>
+                <a:endParaRPr lang="fr-FR" sz="1200" b="1" dirty="0">
+                  <a:solidFill>
+                    <a:srgbClr val="FFB25A"/>
+                  </a:solidFill>
+                  <a:latin typeface="Arial Nova" panose="020B0504020202020204" pitchFamily="34" charset="0"/>
+                </a:endParaRPr>
+              </a:p>
+            </p:txBody>
+          </p:sp>
+        </mc:Choice>
+        <mc:Fallback xmlns="">
+          <p:sp>
+            <p:nvSpPr>
+              <p:cNvPr id="64" name="ZoneTexte 63">
+                <a:extLst>
+                  <a:ext uri="{FF2B5EF4-FFF2-40B4-BE49-F238E27FC236}">
+                    <a16:creationId xmlns:a16="http://schemas.microsoft.com/office/drawing/2014/main" id="{A29D106A-C634-EC49-818B-7FFD6B86043E}"/>
+                  </a:ext>
+                </a:extLst>
+              </p:cNvPr>
+              <p:cNvSpPr txBox="1">
+                <a:spLocks noRot="1" noChangeAspect="1" noMove="1" noResize="1" noEditPoints="1" noAdjustHandles="1" noChangeArrowheads="1" noChangeShapeType="1" noTextEdit="1"/>
+              </p:cNvSpPr>
+              <p:nvPr/>
+            </p:nvSpPr>
+            <p:spPr>
+              <a:xfrm>
+                <a:off x="170158" y="3784816"/>
+                <a:ext cx="1161960" cy="276999"/>
+              </a:xfrm>
+              <a:prstGeom prst="rect">
+                <a:avLst/>
+              </a:prstGeom>
+              <a:blipFill>
+                <a:blip r:embed="rId9"/>
+                <a:stretch>
+                  <a:fillRect t="-2222" b="-17778"/>
+                </a:stretch>
+              </a:blipFill>
+            </p:spPr>
+            <p:txBody>
+              <a:bodyPr/>
+              <a:lstStyle/>
+              <a:p>
+                <a:r>
+                  <a:rPr lang="fr-FR">
+                    <a:noFill/>
+                  </a:rPr>
+                  <a:t> </a:t>
+                </a:r>
+              </a:p>
+            </p:txBody>
+          </p:sp>
+        </mc:Fallback>
+      </mc:AlternateContent>
+      <mc:AlternateContent xmlns:mc="http://schemas.openxmlformats.org/markup-compatibility/2006" xmlns:a14="http://schemas.microsoft.com/office/drawing/2010/main">
+        <mc:Choice Requires="a14">
+          <p:sp>
+            <p:nvSpPr>
+              <p:cNvPr id="65" name="ZoneTexte 64">
+                <a:extLst>
+                  <a:ext uri="{FF2B5EF4-FFF2-40B4-BE49-F238E27FC236}">
+                    <a16:creationId xmlns:a16="http://schemas.microsoft.com/office/drawing/2014/main" id="{98529472-463C-B655-7D36-3F43A14EC5EF}"/>
+                  </a:ext>
+                </a:extLst>
+              </p:cNvPr>
+              <p:cNvSpPr txBox="1"/>
+              <p:nvPr/>
+            </p:nvSpPr>
+            <p:spPr>
+              <a:xfrm>
+                <a:off x="2282648" y="3611652"/>
+                <a:ext cx="1161960" cy="276999"/>
+              </a:xfrm>
+              <a:prstGeom prst="rect">
+                <a:avLst/>
+              </a:prstGeom>
+              <a:noFill/>
+            </p:spPr>
+            <p:txBody>
+              <a:bodyPr wrap="square" rtlCol="0">
+                <a:spAutoFit/>
+              </a:bodyPr>
+              <a:lstStyle/>
+              <a:p>
+                <a:pPr algn="ctr"/>
+                <a:r>
+                  <a:rPr lang="fr-FR" sz="1200" b="1" dirty="0">
+                    <a:solidFill>
+                      <a:srgbClr val="FFB25A"/>
+                    </a:solidFill>
+                    <a:latin typeface="Arial Nova" panose="020B0504020202020204" pitchFamily="34" charset="0"/>
+                  </a:rPr>
+                  <a:t> xx V </a:t>
+                </a:r>
+                <a14:m>
+                  <m:oMath xmlns:m="http://schemas.openxmlformats.org/officeDocument/2006/math">
+                    <m:r>
+                      <a:rPr lang="fr-FR" sz="1200" b="1" i="0" smtClean="0">
+                        <a:solidFill>
+                          <a:srgbClr val="FFB25A"/>
+                        </a:solidFill>
+                        <a:latin typeface="Cambria Math" panose="02040503050406030204" pitchFamily="18" charset="0"/>
+                        <a:ea typeface="Cambria Math" panose="02040503050406030204" pitchFamily="18" charset="0"/>
+                        <a:cs typeface="Calibri" panose="020F0502020204030204" pitchFamily="34" charset="0"/>
+                      </a:rPr>
+                      <m:t>=</m:t>
+                    </m:r>
+                  </m:oMath>
+                </a14:m>
+                <a:endParaRPr lang="fr-FR" sz="1200" b="1" dirty="0">
+                  <a:solidFill>
+                    <a:srgbClr val="FFB25A"/>
+                  </a:solidFill>
+                  <a:latin typeface="Arial Nova" panose="020B0504020202020204" pitchFamily="34" charset="0"/>
+                </a:endParaRPr>
+              </a:p>
+            </p:txBody>
+          </p:sp>
+        </mc:Choice>
+        <mc:Fallback xmlns="">
+          <p:sp>
+            <p:nvSpPr>
+              <p:cNvPr id="65" name="ZoneTexte 64">
+                <a:extLst>
+                  <a:ext uri="{FF2B5EF4-FFF2-40B4-BE49-F238E27FC236}">
+                    <a16:creationId xmlns:a16="http://schemas.microsoft.com/office/drawing/2014/main" id="{98529472-463C-B655-7D36-3F43A14EC5EF}"/>
+                  </a:ext>
+                </a:extLst>
+              </p:cNvPr>
+              <p:cNvSpPr txBox="1">
+                <a:spLocks noRot="1" noChangeAspect="1" noMove="1" noResize="1" noEditPoints="1" noAdjustHandles="1" noChangeArrowheads="1" noChangeShapeType="1" noTextEdit="1"/>
+              </p:cNvSpPr>
+              <p:nvPr/>
+            </p:nvSpPr>
+            <p:spPr>
+              <a:xfrm>
+                <a:off x="2282648" y="3611652"/>
+                <a:ext cx="1161960" cy="276999"/>
+              </a:xfrm>
+              <a:prstGeom prst="rect">
+                <a:avLst/>
+              </a:prstGeom>
+              <a:blipFill>
+                <a:blip r:embed="rId10"/>
+                <a:stretch>
+                  <a:fillRect b="-15217"/>
+                </a:stretch>
+              </a:blipFill>
+            </p:spPr>
+            <p:txBody>
+              <a:bodyPr/>
+              <a:lstStyle/>
+              <a:p>
+                <a:r>
+                  <a:rPr lang="fr-FR">
+                    <a:noFill/>
+                  </a:rPr>
+                  <a:t> </a:t>
+                </a:r>
+              </a:p>
+            </p:txBody>
+          </p:sp>
+        </mc:Fallback>
+      </mc:AlternateContent>
+      <p:pic>
+        <p:nvPicPr>
+          <p:cNvPr id="75" name="Image 74">
+            <a:extLst>
+              <a:ext uri="{FF2B5EF4-FFF2-40B4-BE49-F238E27FC236}">
+                <a16:creationId xmlns:a16="http://schemas.microsoft.com/office/drawing/2014/main" id="{C3984323-3DB7-9552-D8F6-CC335C936535}"/>
+              </a:ext>
+            </a:extLst>
+          </p:cNvPr>
+          <p:cNvPicPr>
+            <a:picLocks noChangeAspect="1"/>
+          </p:cNvPicPr>
+          <p:nvPr/>
+        </p:nvPicPr>
+        <p:blipFill>
+          <a:blip r:embed="rId2"/>
+          <a:stretch>
+            <a:fillRect/>
+          </a:stretch>
+        </p:blipFill>
+        <p:spPr>
+          <a:xfrm>
+            <a:off x="9046789" y="3958363"/>
+            <a:ext cx="288000" cy="100660"/>
+          </a:xfrm>
+          <a:prstGeom prst="rect">
+            <a:avLst/>
+          </a:prstGeom>
+        </p:spPr>
+      </p:pic>
+      <p:grpSp>
+        <p:nvGrpSpPr>
+          <p:cNvPr id="79" name="Groupe 78">
+            <a:extLst>
+              <a:ext uri="{FF2B5EF4-FFF2-40B4-BE49-F238E27FC236}">
+                <a16:creationId xmlns:a16="http://schemas.microsoft.com/office/drawing/2014/main" id="{E5E8BA72-62F0-623B-BB03-9C97E1215258}"/>
+              </a:ext>
+            </a:extLst>
+          </p:cNvPr>
+          <p:cNvGrpSpPr/>
+          <p:nvPr/>
+        </p:nvGrpSpPr>
+        <p:grpSpPr>
+          <a:xfrm rot="5400000">
+            <a:off x="7557744" y="1266359"/>
+            <a:ext cx="540000" cy="540000"/>
+            <a:chOff x="8494276" y="748802"/>
+            <a:chExt cx="1800000" cy="1800000"/>
+          </a:xfrm>
+        </p:grpSpPr>
+        <p:sp>
+          <p:nvSpPr>
+            <p:cNvPr id="80" name="Ellipse 79">
+              <a:extLst>
+                <a:ext uri="{FF2B5EF4-FFF2-40B4-BE49-F238E27FC236}">
+                  <a16:creationId xmlns:a16="http://schemas.microsoft.com/office/drawing/2014/main" id="{8797782F-D293-857F-9535-3AEEA223291C}"/>
+                </a:ext>
+              </a:extLst>
+            </p:cNvPr>
+            <p:cNvSpPr/>
+            <p:nvPr/>
+          </p:nvSpPr>
+          <p:spPr>
+            <a:xfrm>
+              <a:off x="8494276" y="748802"/>
+              <a:ext cx="1800000" cy="1800000"/>
+            </a:xfrm>
+            <a:prstGeom prst="ellipse">
+              <a:avLst/>
+            </a:prstGeom>
+            <a:solidFill>
+              <a:srgbClr val="08AF5E"/>
+            </a:solidFill>
+            <a:ln>
+              <a:noFill/>
+            </a:ln>
+          </p:spPr>
+          <p:style>
+            <a:lnRef idx="2">
+              <a:schemeClr val="accent1">
+                <a:shade val="50000"/>
+              </a:schemeClr>
+            </a:lnRef>
+            <a:fillRef idx="1">
+              <a:schemeClr val="accent1"/>
+            </a:fillRef>
+            <a:effectRef idx="0">
+              <a:schemeClr val="accent1"/>
+            </a:effectRef>
+            <a:fontRef idx="minor">
+              <a:schemeClr val="lt1"/>
+            </a:fontRef>
+          </p:style>
+          <p:txBody>
+            <a:bodyPr rtlCol="0" anchor="ctr"/>
+            <a:lstStyle/>
+            <a:p>
+              <a:pPr algn="ctr"/>
+              <a:endParaRPr lang="fr-FR" dirty="0"/>
+            </a:p>
+          </p:txBody>
+        </p:sp>
+        <p:pic>
+          <p:nvPicPr>
+            <p:cNvPr id="81" name="Image 80">
+              <a:extLst>
+                <a:ext uri="{FF2B5EF4-FFF2-40B4-BE49-F238E27FC236}">
+                  <a16:creationId xmlns:a16="http://schemas.microsoft.com/office/drawing/2014/main" id="{3C056DE1-E9CB-4E8C-3E56-45F4E72EDF5E}"/>
+                </a:ext>
+              </a:extLst>
+            </p:cNvPr>
+            <p:cNvPicPr>
+              <a:picLocks noChangeAspect="1"/>
+            </p:cNvPicPr>
+            <p:nvPr/>
+          </p:nvPicPr>
+          <p:blipFill>
+            <a:blip r:embed="rId11"/>
+            <a:stretch>
+              <a:fillRect/>
+            </a:stretch>
+          </p:blipFill>
+          <p:spPr>
+            <a:xfrm>
+              <a:off x="8943232" y="938192"/>
+              <a:ext cx="902088" cy="1440000"/>
+            </a:xfrm>
+            <a:prstGeom prst="rect">
+              <a:avLst/>
+            </a:prstGeom>
+          </p:spPr>
+        </p:pic>
+      </p:grpSp>
+      <p:sp>
+        <p:nvSpPr>
+          <p:cNvPr id="72" name="Rectangle 71">
+            <a:extLst>
+              <a:ext uri="{FF2B5EF4-FFF2-40B4-BE49-F238E27FC236}">
+                <a16:creationId xmlns:a16="http://schemas.microsoft.com/office/drawing/2014/main" id="{22DFAA51-C6D3-9FCC-9035-87E9C9207526}"/>
+              </a:ext>
+            </a:extLst>
+          </p:cNvPr>
+          <p:cNvSpPr/>
+          <p:nvPr/>
+        </p:nvSpPr>
+        <p:spPr>
+          <a:xfrm>
+            <a:off x="461781" y="4858776"/>
+            <a:ext cx="6954225" cy="458305"/>
+          </a:xfrm>
+          <a:prstGeom prst="rect">
+            <a:avLst/>
+          </a:prstGeom>
+          <a:solidFill>
+            <a:srgbClr val="DFE3EB"/>
+          </a:solidFill>
+          <a:ln>
+            <a:noFill/>
+          </a:ln>
+        </p:spPr>
+        <p:style>
+          <a:lnRef idx="2">
+            <a:schemeClr val="accent1">
+              <a:shade val="50000"/>
+            </a:schemeClr>
+          </a:lnRef>
+          <a:fillRef idx="1">
+            <a:schemeClr val="accent1"/>
+          </a:fillRef>
+          <a:effectRef idx="0">
+            <a:schemeClr val="accent1"/>
+          </a:effectRef>
+          <a:fontRef idx="minor">
+            <a:schemeClr val="lt1"/>
+          </a:fontRef>
+        </p:style>
+        <p:txBody>
+          <a:bodyPr rtlCol="0" anchor="ctr"/>
+          <a:lstStyle/>
+          <a:p>
+            <a:pPr marL="449263" algn="just">
+              <a:lnSpc>
+                <a:spcPct val="150000"/>
+              </a:lnSpc>
+            </a:pPr>
+            <a:r>
+              <a:rPr lang="fr-FR" sz="1400" dirty="0">
+                <a:solidFill>
+                  <a:srgbClr val="00547F"/>
+                </a:solidFill>
+              </a:rPr>
+              <a:t>La thermistance permet d’assurer la régulation en température de la buse.</a:t>
+            </a:r>
+          </a:p>
+        </p:txBody>
+      </p:sp>
+      <p:grpSp>
+        <p:nvGrpSpPr>
+          <p:cNvPr id="103" name="Groupe 102">
+            <a:extLst>
+              <a:ext uri="{FF2B5EF4-FFF2-40B4-BE49-F238E27FC236}">
+                <a16:creationId xmlns:a16="http://schemas.microsoft.com/office/drawing/2014/main" id="{58AD15BE-FF0B-AB8F-1B32-BB8FEEBA2DEA}"/>
+              </a:ext>
+            </a:extLst>
+          </p:cNvPr>
+          <p:cNvGrpSpPr/>
+          <p:nvPr/>
+        </p:nvGrpSpPr>
+        <p:grpSpPr>
+          <a:xfrm>
+            <a:off x="4230625" y="3701815"/>
+            <a:ext cx="360000" cy="360000"/>
+            <a:chOff x="4235640" y="2696679"/>
+            <a:chExt cx="1800000" cy="1800000"/>
+          </a:xfrm>
+        </p:grpSpPr>
+        <p:sp>
+          <p:nvSpPr>
+            <p:cNvPr id="104" name="Ellipse 103">
+              <a:extLst>
+                <a:ext uri="{FF2B5EF4-FFF2-40B4-BE49-F238E27FC236}">
+                  <a16:creationId xmlns:a16="http://schemas.microsoft.com/office/drawing/2014/main" id="{617E9B91-42CB-D7A6-CB9D-2F41FFC4BB96}"/>
+                </a:ext>
+              </a:extLst>
+            </p:cNvPr>
+            <p:cNvSpPr/>
+            <p:nvPr/>
+          </p:nvSpPr>
+          <p:spPr>
+            <a:xfrm>
+              <a:off x="4235640" y="2696679"/>
+              <a:ext cx="1800000" cy="1800000"/>
+            </a:xfrm>
+            <a:prstGeom prst="ellipse">
+              <a:avLst/>
+            </a:prstGeom>
+            <a:solidFill>
+              <a:srgbClr val="0C7391"/>
+            </a:solidFill>
+            <a:ln>
+              <a:noFill/>
+            </a:ln>
+          </p:spPr>
+          <p:style>
+            <a:lnRef idx="2">
+              <a:schemeClr val="accent1">
+                <a:shade val="50000"/>
+              </a:schemeClr>
+            </a:lnRef>
+            <a:fillRef idx="1">
+              <a:schemeClr val="accent1"/>
+            </a:fillRef>
+            <a:effectRef idx="0">
+              <a:schemeClr val="accent1"/>
+            </a:effectRef>
+            <a:fontRef idx="minor">
+              <a:schemeClr val="lt1"/>
+            </a:fontRef>
+          </p:style>
+          <p:txBody>
+            <a:bodyPr rtlCol="0" anchor="ctr"/>
+            <a:lstStyle/>
+            <a:p>
+              <a:pPr algn="ctr"/>
+              <a:endParaRPr lang="fr-FR" dirty="0"/>
+            </a:p>
+          </p:txBody>
+        </p:sp>
+        <p:pic>
+          <p:nvPicPr>
+            <p:cNvPr id="105" name="Image 104">
+              <a:extLst>
+                <a:ext uri="{FF2B5EF4-FFF2-40B4-BE49-F238E27FC236}">
+                  <a16:creationId xmlns:a16="http://schemas.microsoft.com/office/drawing/2014/main" id="{99E60331-B84D-5566-9183-29714B6CECF8}"/>
+                </a:ext>
+              </a:extLst>
+            </p:cNvPr>
+            <p:cNvPicPr>
+              <a:picLocks noChangeAspect="1"/>
+            </p:cNvPicPr>
+            <p:nvPr/>
+          </p:nvPicPr>
+          <p:blipFill>
+            <a:blip r:embed="rId12"/>
+            <a:stretch>
+              <a:fillRect/>
+            </a:stretch>
+          </p:blipFill>
+          <p:spPr>
+            <a:xfrm>
+              <a:off x="4451640" y="3100228"/>
+              <a:ext cx="1368000" cy="992903"/>
+            </a:xfrm>
+            <a:prstGeom prst="rect">
+              <a:avLst/>
+            </a:prstGeom>
+          </p:spPr>
+        </p:pic>
+      </p:grpSp>
+      <p:grpSp>
+        <p:nvGrpSpPr>
+          <p:cNvPr id="2" name="Groupe 1">
+            <a:extLst>
+              <a:ext uri="{FF2B5EF4-FFF2-40B4-BE49-F238E27FC236}">
+                <a16:creationId xmlns:a16="http://schemas.microsoft.com/office/drawing/2014/main" id="{7CC15EA9-4198-B8DB-57C0-6420E633048A}"/>
+              </a:ext>
+            </a:extLst>
+          </p:cNvPr>
+          <p:cNvGrpSpPr/>
+          <p:nvPr/>
+        </p:nvGrpSpPr>
+        <p:grpSpPr>
+          <a:xfrm>
+            <a:off x="1596905" y="1770769"/>
+            <a:ext cx="360000" cy="360000"/>
+            <a:chOff x="2661375" y="133118"/>
+            <a:chExt cx="720000" cy="720000"/>
+          </a:xfrm>
+        </p:grpSpPr>
+        <p:sp>
+          <p:nvSpPr>
+            <p:cNvPr id="3" name="Ellipse 2">
+              <a:extLst>
+                <a:ext uri="{FF2B5EF4-FFF2-40B4-BE49-F238E27FC236}">
+                  <a16:creationId xmlns:a16="http://schemas.microsoft.com/office/drawing/2014/main" id="{53B975CA-E54E-5439-8DF8-5442D2D5A07F}"/>
+                </a:ext>
+              </a:extLst>
+            </p:cNvPr>
+            <p:cNvSpPr/>
+            <p:nvPr/>
+          </p:nvSpPr>
+          <p:spPr>
+            <a:xfrm>
+              <a:off x="2661375" y="133118"/>
+              <a:ext cx="720000" cy="720000"/>
+            </a:xfrm>
+            <a:prstGeom prst="ellipse">
+              <a:avLst/>
+            </a:prstGeom>
+            <a:solidFill>
+              <a:srgbClr val="00547F"/>
+            </a:solidFill>
+            <a:ln>
+              <a:noFill/>
+            </a:ln>
+          </p:spPr>
+          <p:style>
+            <a:lnRef idx="2">
+              <a:schemeClr val="accent1">
+                <a:shade val="50000"/>
+              </a:schemeClr>
+            </a:lnRef>
+            <a:fillRef idx="1">
+              <a:schemeClr val="accent1"/>
+            </a:fillRef>
+            <a:effectRef idx="0">
+              <a:schemeClr val="accent1"/>
+            </a:effectRef>
+            <a:fontRef idx="minor">
+              <a:schemeClr val="lt1"/>
+            </a:fontRef>
+          </p:style>
+          <p:txBody>
+            <a:bodyPr rtlCol="0" anchor="ctr"/>
+            <a:lstStyle/>
+            <a:p>
+              <a:pPr algn="ctr"/>
+              <a:endParaRPr lang="fr-FR"/>
+            </a:p>
+          </p:txBody>
+        </p:sp>
+        <p:pic>
+          <p:nvPicPr>
+            <p:cNvPr id="5" name="Image 4">
+              <a:extLst>
+                <a:ext uri="{FF2B5EF4-FFF2-40B4-BE49-F238E27FC236}">
+                  <a16:creationId xmlns:a16="http://schemas.microsoft.com/office/drawing/2014/main" id="{4AFF08F4-9A3F-379B-CD37-F985E5579227}"/>
+                </a:ext>
+              </a:extLst>
+            </p:cNvPr>
+            <p:cNvPicPr>
+              <a:picLocks noChangeAspect="1"/>
+            </p:cNvPicPr>
+            <p:nvPr/>
+          </p:nvPicPr>
+          <p:blipFill>
+            <a:blip r:embed="rId13"/>
+            <a:stretch>
+              <a:fillRect/>
+            </a:stretch>
+          </p:blipFill>
+          <p:spPr>
+            <a:xfrm>
+              <a:off x="2881875" y="205118"/>
+              <a:ext cx="279001" cy="576000"/>
+            </a:xfrm>
+            <a:prstGeom prst="rect">
+              <a:avLst/>
+            </a:prstGeom>
+          </p:spPr>
+        </p:pic>
+      </p:grpSp>
+      <p:grpSp>
+        <p:nvGrpSpPr>
+          <p:cNvPr id="30" name="Groupe 29">
+            <a:extLst>
+              <a:ext uri="{FF2B5EF4-FFF2-40B4-BE49-F238E27FC236}">
+                <a16:creationId xmlns:a16="http://schemas.microsoft.com/office/drawing/2014/main" id="{F9B3D931-CBC7-898B-6B71-7D90A7C401F3}"/>
+              </a:ext>
+            </a:extLst>
+          </p:cNvPr>
+          <p:cNvGrpSpPr/>
+          <p:nvPr/>
+        </p:nvGrpSpPr>
+        <p:grpSpPr>
+          <a:xfrm>
+            <a:off x="5916000" y="3726883"/>
+            <a:ext cx="360000" cy="360000"/>
+            <a:chOff x="10288921" y="4962102"/>
+            <a:chExt cx="1800000" cy="1800000"/>
+          </a:xfrm>
+        </p:grpSpPr>
+        <p:sp>
+          <p:nvSpPr>
+            <p:cNvPr id="31" name="Ellipse 30">
+              <a:extLst>
+                <a:ext uri="{FF2B5EF4-FFF2-40B4-BE49-F238E27FC236}">
+                  <a16:creationId xmlns:a16="http://schemas.microsoft.com/office/drawing/2014/main" id="{C8E53805-9DF8-5BF6-6CF5-D053CEE86D2B}"/>
+                </a:ext>
+              </a:extLst>
+            </p:cNvPr>
+            <p:cNvSpPr/>
+            <p:nvPr/>
+          </p:nvSpPr>
+          <p:spPr>
+            <a:xfrm>
+              <a:off x="10288921" y="4962102"/>
+              <a:ext cx="1800000" cy="1800000"/>
+            </a:xfrm>
+            <a:prstGeom prst="ellipse">
+              <a:avLst/>
+            </a:prstGeom>
+            <a:solidFill>
+              <a:srgbClr val="68348B"/>
+            </a:solidFill>
+            <a:ln>
+              <a:noFill/>
+            </a:ln>
+          </p:spPr>
+          <p:style>
+            <a:lnRef idx="2">
+              <a:schemeClr val="accent1">
+                <a:shade val="50000"/>
+              </a:schemeClr>
+            </a:lnRef>
+            <a:fillRef idx="1">
+              <a:schemeClr val="accent1"/>
+            </a:fillRef>
+            <a:effectRef idx="0">
+              <a:schemeClr val="accent1"/>
+            </a:effectRef>
+            <a:fontRef idx="minor">
+              <a:schemeClr val="lt1"/>
+            </a:fontRef>
+          </p:style>
+          <p:txBody>
+            <a:bodyPr rtlCol="0" anchor="ctr"/>
+            <a:lstStyle/>
+            <a:p>
+              <a:pPr algn="ctr"/>
+              <a:endParaRPr lang="fr-FR"/>
+            </a:p>
+          </p:txBody>
+        </p:sp>
+        <p:pic>
+          <p:nvPicPr>
+            <p:cNvPr id="32" name="Image 31">
+              <a:extLst>
+                <a:ext uri="{FF2B5EF4-FFF2-40B4-BE49-F238E27FC236}">
+                  <a16:creationId xmlns:a16="http://schemas.microsoft.com/office/drawing/2014/main" id="{5144BCC3-5BCE-084B-31A4-3A8EABEBF105}"/>
+                </a:ext>
+              </a:extLst>
+            </p:cNvPr>
+            <p:cNvPicPr>
+              <a:picLocks noChangeAspect="1"/>
+            </p:cNvPicPr>
+            <p:nvPr/>
+          </p:nvPicPr>
+          <p:blipFill>
+            <a:blip r:embed="rId14"/>
+            <a:stretch>
+              <a:fillRect/>
+            </a:stretch>
+          </p:blipFill>
+          <p:spPr>
+            <a:xfrm>
+              <a:off x="10628350" y="5172435"/>
+              <a:ext cx="1121142" cy="1332826"/>
+            </a:xfrm>
+            <a:prstGeom prst="rect">
+              <a:avLst/>
+            </a:prstGeom>
+          </p:spPr>
+        </p:pic>
+      </p:grpSp>
+      <p:grpSp>
+        <p:nvGrpSpPr>
+          <p:cNvPr id="33" name="Groupe 32">
+            <a:extLst>
+              <a:ext uri="{FF2B5EF4-FFF2-40B4-BE49-F238E27FC236}">
+                <a16:creationId xmlns:a16="http://schemas.microsoft.com/office/drawing/2014/main" id="{12746A10-06E0-18F6-D798-E5BC7D6AD5C8}"/>
+              </a:ext>
+            </a:extLst>
+          </p:cNvPr>
+          <p:cNvGrpSpPr/>
+          <p:nvPr/>
+        </p:nvGrpSpPr>
+        <p:grpSpPr>
+          <a:xfrm>
+            <a:off x="8692885" y="3904432"/>
+            <a:ext cx="288000" cy="288000"/>
+            <a:chOff x="2661375" y="133118"/>
+            <a:chExt cx="720000" cy="720000"/>
+          </a:xfrm>
+        </p:grpSpPr>
+        <p:sp>
+          <p:nvSpPr>
+            <p:cNvPr id="36" name="Ellipse 35">
+              <a:extLst>
+                <a:ext uri="{FF2B5EF4-FFF2-40B4-BE49-F238E27FC236}">
+                  <a16:creationId xmlns:a16="http://schemas.microsoft.com/office/drawing/2014/main" id="{8C7478A4-4970-1DA6-C997-09D1B55018D0}"/>
+                </a:ext>
+              </a:extLst>
+            </p:cNvPr>
+            <p:cNvSpPr/>
+            <p:nvPr/>
+          </p:nvSpPr>
+          <p:spPr>
+            <a:xfrm>
+              <a:off x="2661375" y="133118"/>
+              <a:ext cx="720000" cy="720000"/>
+            </a:xfrm>
+            <a:prstGeom prst="ellipse">
+              <a:avLst/>
+            </a:prstGeom>
+            <a:solidFill>
+              <a:srgbClr val="00547F"/>
+            </a:solidFill>
+            <a:ln>
+              <a:noFill/>
+            </a:ln>
+          </p:spPr>
+          <p:style>
+            <a:lnRef idx="2">
+              <a:schemeClr val="accent1">
+                <a:shade val="50000"/>
+              </a:schemeClr>
+            </a:lnRef>
+            <a:fillRef idx="1">
+              <a:schemeClr val="accent1"/>
+            </a:fillRef>
+            <a:effectRef idx="0">
+              <a:schemeClr val="accent1"/>
+            </a:effectRef>
+            <a:fontRef idx="minor">
+              <a:schemeClr val="lt1"/>
+            </a:fontRef>
+          </p:style>
+          <p:txBody>
+            <a:bodyPr rtlCol="0" anchor="ctr"/>
+            <a:lstStyle/>
+            <a:p>
+              <a:pPr algn="ctr"/>
+              <a:endParaRPr lang="fr-FR"/>
+            </a:p>
+          </p:txBody>
+        </p:sp>
+        <p:pic>
+          <p:nvPicPr>
+            <p:cNvPr id="37" name="Image 36">
+              <a:extLst>
+                <a:ext uri="{FF2B5EF4-FFF2-40B4-BE49-F238E27FC236}">
+                  <a16:creationId xmlns:a16="http://schemas.microsoft.com/office/drawing/2014/main" id="{6E57C66C-0DED-F402-B8A0-B5053FD9EF03}"/>
+                </a:ext>
+              </a:extLst>
+            </p:cNvPr>
+            <p:cNvPicPr>
+              <a:picLocks noChangeAspect="1"/>
+            </p:cNvPicPr>
+            <p:nvPr/>
+          </p:nvPicPr>
+          <p:blipFill>
+            <a:blip r:embed="rId13"/>
+            <a:stretch>
+              <a:fillRect/>
+            </a:stretch>
+          </p:blipFill>
+          <p:spPr>
+            <a:xfrm>
+              <a:off x="2881875" y="205118"/>
+              <a:ext cx="279001" cy="576000"/>
+            </a:xfrm>
+            <a:prstGeom prst="rect">
+              <a:avLst/>
+            </a:prstGeom>
+          </p:spPr>
+        </p:pic>
+      </p:grpSp>
+      <p:pic>
+        <p:nvPicPr>
+          <p:cNvPr id="42" name="Image 41">
+            <a:extLst>
+              <a:ext uri="{FF2B5EF4-FFF2-40B4-BE49-F238E27FC236}">
+                <a16:creationId xmlns:a16="http://schemas.microsoft.com/office/drawing/2014/main" id="{D16C93A5-CA91-D497-642B-B8498520FA2C}"/>
+              </a:ext>
+            </a:extLst>
+          </p:cNvPr>
+          <p:cNvPicPr>
+            <a:picLocks noChangeAspect="1"/>
+          </p:cNvPicPr>
+          <p:nvPr/>
+        </p:nvPicPr>
+        <p:blipFill>
+          <a:blip r:embed="rId15"/>
+          <a:stretch>
+            <a:fillRect/>
+          </a:stretch>
+        </p:blipFill>
+        <p:spPr>
+          <a:xfrm>
+            <a:off x="7098537" y="3223934"/>
+            <a:ext cx="163132" cy="336286"/>
+          </a:xfrm>
+          <a:prstGeom prst="rect">
+            <a:avLst/>
+          </a:prstGeom>
+        </p:spPr>
+      </p:pic>
+      <p:pic>
+        <p:nvPicPr>
+          <p:cNvPr id="51" name="Image 50">
+            <a:extLst>
+              <a:ext uri="{FF2B5EF4-FFF2-40B4-BE49-F238E27FC236}">
+                <a16:creationId xmlns:a16="http://schemas.microsoft.com/office/drawing/2014/main" id="{4647385B-A0EE-BA81-AD81-EEACDDA2DFDD}"/>
+              </a:ext>
+            </a:extLst>
+          </p:cNvPr>
+          <p:cNvPicPr>
+            <a:picLocks noChangeAspect="1"/>
+          </p:cNvPicPr>
+          <p:nvPr/>
+        </p:nvPicPr>
+        <p:blipFill>
+          <a:blip r:embed="rId15"/>
+          <a:stretch>
+            <a:fillRect/>
+          </a:stretch>
+        </p:blipFill>
+        <p:spPr>
+          <a:xfrm>
+            <a:off x="9189737" y="3217594"/>
+            <a:ext cx="163132" cy="336286"/>
+          </a:xfrm>
+          <a:prstGeom prst="rect">
+            <a:avLst/>
+          </a:prstGeom>
+        </p:spPr>
+      </p:pic>
+      <p:grpSp>
+        <p:nvGrpSpPr>
+          <p:cNvPr id="66" name="Groupe 65">
+            <a:extLst>
+              <a:ext uri="{FF2B5EF4-FFF2-40B4-BE49-F238E27FC236}">
+                <a16:creationId xmlns:a16="http://schemas.microsoft.com/office/drawing/2014/main" id="{795310B0-31AE-7004-0D4E-EA3F185CB336}"/>
+              </a:ext>
+            </a:extLst>
+          </p:cNvPr>
+          <p:cNvGrpSpPr/>
+          <p:nvPr/>
+        </p:nvGrpSpPr>
+        <p:grpSpPr>
+          <a:xfrm>
+            <a:off x="607138" y="4990346"/>
+            <a:ext cx="288000" cy="288000"/>
+            <a:chOff x="2661375" y="133118"/>
+            <a:chExt cx="720000" cy="720000"/>
+          </a:xfrm>
+        </p:grpSpPr>
+        <p:sp>
+          <p:nvSpPr>
+            <p:cNvPr id="67" name="Ellipse 66">
+              <a:extLst>
+                <a:ext uri="{FF2B5EF4-FFF2-40B4-BE49-F238E27FC236}">
+                  <a16:creationId xmlns:a16="http://schemas.microsoft.com/office/drawing/2014/main" id="{6BB02F96-5624-EA0E-3E22-E9CC1CDD77D0}"/>
+                </a:ext>
+              </a:extLst>
+            </p:cNvPr>
+            <p:cNvSpPr/>
+            <p:nvPr/>
+          </p:nvSpPr>
+          <p:spPr>
+            <a:xfrm>
+              <a:off x="2661375" y="133118"/>
+              <a:ext cx="720000" cy="720000"/>
+            </a:xfrm>
+            <a:prstGeom prst="ellipse">
+              <a:avLst/>
+            </a:prstGeom>
+            <a:solidFill>
+              <a:srgbClr val="00547F"/>
+            </a:solidFill>
+            <a:ln>
+              <a:noFill/>
+            </a:ln>
+          </p:spPr>
+          <p:style>
+            <a:lnRef idx="2">
+              <a:schemeClr val="accent1">
+                <a:shade val="50000"/>
+              </a:schemeClr>
+            </a:lnRef>
+            <a:fillRef idx="1">
+              <a:schemeClr val="accent1"/>
+            </a:fillRef>
+            <a:effectRef idx="0">
+              <a:schemeClr val="accent1"/>
+            </a:effectRef>
+            <a:fontRef idx="minor">
+              <a:schemeClr val="lt1"/>
+            </a:fontRef>
+          </p:style>
+          <p:txBody>
+            <a:bodyPr rtlCol="0" anchor="ctr"/>
+            <a:lstStyle/>
+            <a:p>
+              <a:pPr algn="ctr"/>
+              <a:endParaRPr lang="fr-FR"/>
+            </a:p>
+          </p:txBody>
+        </p:sp>
+        <p:pic>
+          <p:nvPicPr>
+            <p:cNvPr id="68" name="Image 67">
+              <a:extLst>
+                <a:ext uri="{FF2B5EF4-FFF2-40B4-BE49-F238E27FC236}">
+                  <a16:creationId xmlns:a16="http://schemas.microsoft.com/office/drawing/2014/main" id="{816A5883-1569-0957-EDCC-51E4B11AD03D}"/>
+                </a:ext>
+              </a:extLst>
+            </p:cNvPr>
+            <p:cNvPicPr>
+              <a:picLocks noChangeAspect="1"/>
+            </p:cNvPicPr>
+            <p:nvPr/>
+          </p:nvPicPr>
+          <p:blipFill>
+            <a:blip r:embed="rId13"/>
+            <a:stretch>
+              <a:fillRect/>
+            </a:stretch>
+          </p:blipFill>
+          <p:spPr>
+            <a:xfrm>
+              <a:off x="2881875" y="205118"/>
+              <a:ext cx="279001" cy="576000"/>
+            </a:xfrm>
+            <a:prstGeom prst="rect">
+              <a:avLst/>
+            </a:prstGeom>
+          </p:spPr>
+        </p:pic>
+      </p:grpSp>
+      <mc:AlternateContent xmlns:mc="http://schemas.openxmlformats.org/markup-compatibility/2006">
+        <mc:Choice xmlns:a14="http://schemas.microsoft.com/office/drawing/2010/main" Requires="a14">
+          <p:sp>
+            <p:nvSpPr>
+              <p:cNvPr id="38" name="ZoneTexte 37">
+                <a:extLst>
+                  <a:ext uri="{FF2B5EF4-FFF2-40B4-BE49-F238E27FC236}">
+                    <a16:creationId xmlns:a16="http://schemas.microsoft.com/office/drawing/2014/main" id="{5863B0B5-2860-F64C-0067-FC8D4998B8FF}"/>
+                  </a:ext>
+                </a:extLst>
+              </p:cNvPr>
+              <p:cNvSpPr txBox="1"/>
+              <p:nvPr/>
+            </p:nvSpPr>
+            <p:spPr>
+              <a:xfrm>
+                <a:off x="4434842" y="3600513"/>
+                <a:ext cx="1161960" cy="276999"/>
+              </a:xfrm>
+              <a:prstGeom prst="rect">
+                <a:avLst/>
+              </a:prstGeom>
+              <a:noFill/>
+            </p:spPr>
+            <p:txBody>
+              <a:bodyPr wrap="square" rtlCol="0">
+                <a:spAutoFit/>
+              </a:bodyPr>
+              <a:lstStyle/>
+              <a:p>
+                <a:pPr algn="ctr"/>
+                <a:r>
+                  <a:rPr lang="fr-FR" sz="1200" b="1" dirty="0">
+                    <a:solidFill>
+                      <a:srgbClr val="FFB25A"/>
+                    </a:solidFill>
+                    <a:latin typeface="Arial Nova" panose="020B0504020202020204" pitchFamily="34" charset="0"/>
+                  </a:rPr>
+                  <a:t> 24 V </a:t>
+                </a:r>
+                <a14:m>
+                  <m:oMath xmlns:m="http://schemas.openxmlformats.org/officeDocument/2006/math">
+                    <m:r>
+                      <a:rPr lang="fr-FR" sz="1200" b="1" i="0" smtClean="0">
+                        <a:solidFill>
+                          <a:srgbClr val="FFB25A"/>
+                        </a:solidFill>
+                        <a:latin typeface="Cambria Math" panose="02040503050406030204" pitchFamily="18" charset="0"/>
+                        <a:ea typeface="Cambria Math" panose="02040503050406030204" pitchFamily="18" charset="0"/>
+                        <a:cs typeface="Calibri" panose="020F0502020204030204" pitchFamily="34" charset="0"/>
+                      </a:rPr>
+                      <m:t>=</m:t>
+                    </m:r>
+                  </m:oMath>
+                </a14:m>
+                <a:endParaRPr lang="fr-FR" sz="1200" b="1" dirty="0">
+                  <a:solidFill>
+                    <a:srgbClr val="FFB25A"/>
+                  </a:solidFill>
+                  <a:latin typeface="Arial Nova" panose="020B0504020202020204" pitchFamily="34" charset="0"/>
+                </a:endParaRPr>
+              </a:p>
+            </p:txBody>
+          </p:sp>
+        </mc:Choice>
+        <mc:Fallback>
+          <p:sp>
+            <p:nvSpPr>
+              <p:cNvPr id="38" name="ZoneTexte 37">
+                <a:extLst>
+                  <a:ext uri="{FF2B5EF4-FFF2-40B4-BE49-F238E27FC236}">
+                    <a16:creationId xmlns:a16="http://schemas.microsoft.com/office/drawing/2014/main" id="{5863B0B5-2860-F64C-0067-FC8D4998B8FF}"/>
+                  </a:ext>
+                </a:extLst>
+              </p:cNvPr>
+              <p:cNvSpPr txBox="1">
+                <a:spLocks noRot="1" noChangeAspect="1" noMove="1" noResize="1" noEditPoints="1" noAdjustHandles="1" noChangeArrowheads="1" noChangeShapeType="1" noTextEdit="1"/>
+              </p:cNvSpPr>
+              <p:nvPr/>
+            </p:nvSpPr>
+            <p:spPr>
+              <a:xfrm>
+                <a:off x="4434842" y="3600513"/>
+                <a:ext cx="1161960" cy="276999"/>
+              </a:xfrm>
+              <a:prstGeom prst="rect">
+                <a:avLst/>
+              </a:prstGeom>
+              <a:blipFill>
+                <a:blip r:embed="rId16"/>
+                <a:stretch>
+                  <a:fillRect t="-2222" b="-17778"/>
+                </a:stretch>
+              </a:blipFill>
+            </p:spPr>
+            <p:txBody>
+              <a:bodyPr/>
+              <a:lstStyle/>
+              <a:p>
+                <a:r>
+                  <a:rPr lang="fr-FR">
+                    <a:noFill/>
+                  </a:rPr>
+                  <a:t> </a:t>
+                </a:r>
+              </a:p>
+            </p:txBody>
+          </p:sp>
+        </mc:Fallback>
+      </mc:AlternateContent>
+    </p:spTree>
+    <p:extLst>
+      <p:ext uri="{BB962C8B-B14F-4D97-AF65-F5344CB8AC3E}">
+        <p14:creationId xmlns:p14="http://schemas.microsoft.com/office/powerpoint/2010/main" val="2216586532"/>
       </p:ext>
     </p:extLst>
   </p:cSld>

--- a/22_I3D/22_I3D_Corrige.pptx
+++ b/22_I3D/22_I3D_Corrige.pptx
@@ -360,7 +360,7 @@
           <a:p>
             <a:fld id="{D7F135F6-2A09-4FDD-9ECA-096E230CA0FA}" type="datetimeFigureOut">
               <a:rPr lang="fr-FR" smtClean="0"/>
-              <a:t>25/06/2023</a:t>
+              <a:t>26/06/2023</a:t>
             </a:fld>
             <a:endParaRPr lang="fr-FR"/>
           </a:p>
@@ -565,7 +565,7 @@
           <a:p>
             <a:fld id="{D7F135F6-2A09-4FDD-9ECA-096E230CA0FA}" type="datetimeFigureOut">
               <a:rPr lang="fr-FR" smtClean="0"/>
-              <a:t>25/06/2023</a:t>
+              <a:t>26/06/2023</a:t>
             </a:fld>
             <a:endParaRPr lang="fr-FR"/>
           </a:p>
@@ -821,7 +821,7 @@
           <a:p>
             <a:fld id="{D7F135F6-2A09-4FDD-9ECA-096E230CA0FA}" type="datetimeFigureOut">
               <a:rPr lang="fr-FR" smtClean="0"/>
-              <a:t>25/06/2023</a:t>
+              <a:t>26/06/2023</a:t>
             </a:fld>
             <a:endParaRPr lang="fr-FR"/>
           </a:p>
@@ -1027,7 +1027,7 @@
           <a:p>
             <a:fld id="{D7F135F6-2A09-4FDD-9ECA-096E230CA0FA}" type="datetimeFigureOut">
               <a:rPr lang="fr-FR" smtClean="0"/>
-              <a:t>25/06/2023</a:t>
+              <a:t>26/06/2023</a:t>
             </a:fld>
             <a:endParaRPr lang="fr-FR"/>
           </a:p>
@@ -1389,7 +1389,7 @@
           <a:p>
             <a:fld id="{D7F135F6-2A09-4FDD-9ECA-096E230CA0FA}" type="datetimeFigureOut">
               <a:rPr lang="fr-FR" smtClean="0"/>
-              <a:t>25/06/2023</a:t>
+              <a:t>26/06/2023</a:t>
             </a:fld>
             <a:endParaRPr lang="fr-FR"/>
           </a:p>
@@ -1664,7 +1664,7 @@
           <a:p>
             <a:fld id="{D7F135F6-2A09-4FDD-9ECA-096E230CA0FA}" type="datetimeFigureOut">
               <a:rPr lang="fr-FR" smtClean="0"/>
-              <a:t>25/06/2023</a:t>
+              <a:t>26/06/2023</a:t>
             </a:fld>
             <a:endParaRPr lang="fr-FR"/>
           </a:p>
@@ -2043,7 +2043,7 @@
           <a:p>
             <a:fld id="{D7F135F6-2A09-4FDD-9ECA-096E230CA0FA}" type="datetimeFigureOut">
               <a:rPr lang="fr-FR" smtClean="0"/>
-              <a:t>25/06/2023</a:t>
+              <a:t>26/06/2023</a:t>
             </a:fld>
             <a:endParaRPr lang="fr-FR"/>
           </a:p>
@@ -2161,7 +2161,7 @@
           <a:p>
             <a:fld id="{D7F135F6-2A09-4FDD-9ECA-096E230CA0FA}" type="datetimeFigureOut">
               <a:rPr lang="fr-FR" smtClean="0"/>
-              <a:t>25/06/2023</a:t>
+              <a:t>26/06/2023</a:t>
             </a:fld>
             <a:endParaRPr lang="fr-FR"/>
           </a:p>
@@ -2335,7 +2335,7 @@
           <a:p>
             <a:fld id="{D7F135F6-2A09-4FDD-9ECA-096E230CA0FA}" type="datetimeFigureOut">
               <a:rPr lang="fr-FR" smtClean="0"/>
-              <a:t>25/06/2023</a:t>
+              <a:t>26/06/2023</a:t>
             </a:fld>
             <a:endParaRPr lang="fr-FR"/>
           </a:p>
@@ -2692,7 +2692,7 @@
           <a:p>
             <a:fld id="{D7F135F6-2A09-4FDD-9ECA-096E230CA0FA}" type="datetimeFigureOut">
               <a:rPr lang="fr-FR" smtClean="0"/>
-              <a:t>25/06/2023</a:t>
+              <a:t>26/06/2023</a:t>
             </a:fld>
             <a:endParaRPr lang="fr-FR"/>
           </a:p>
@@ -3077,7 +3077,7 @@
           <a:p>
             <a:fld id="{D7F135F6-2A09-4FDD-9ECA-096E230CA0FA}" type="datetimeFigureOut">
               <a:rPr lang="fr-FR" smtClean="0"/>
-              <a:t>25/06/2023</a:t>
+              <a:t>26/06/2023</a:t>
             </a:fld>
             <a:endParaRPr lang="fr-FR"/>
           </a:p>
@@ -3367,7 +3367,7 @@
           <a:p>
             <a:fld id="{D7F135F6-2A09-4FDD-9ECA-096E230CA0FA}" type="datetimeFigureOut">
               <a:rPr lang="fr-FR" smtClean="0"/>
-              <a:t>25/06/2023</a:t>
+              <a:t>26/06/2023</a:t>
             </a:fld>
             <a:endParaRPr lang="fr-FR" dirty="0"/>
           </a:p>
@@ -11848,36 +11848,6 @@
           </a:p>
         </p:txBody>
       </p:sp>
-      <p:pic>
-        <p:nvPicPr>
-          <p:cNvPr id="5" name="Image 4">
-            <a:extLst>
-              <a:ext uri="{FF2B5EF4-FFF2-40B4-BE49-F238E27FC236}">
-                <a16:creationId xmlns:a16="http://schemas.microsoft.com/office/drawing/2014/main" id="{7A835DD3-0426-7197-5D88-2611F6210F88}"/>
-              </a:ext>
-            </a:extLst>
-          </p:cNvPr>
-          <p:cNvPicPr>
-            <a:picLocks noChangeAspect="1"/>
-          </p:cNvPicPr>
-          <p:nvPr/>
-        </p:nvPicPr>
-        <p:blipFill>
-          <a:blip r:embed="rId2"/>
-          <a:stretch>
-            <a:fillRect/>
-          </a:stretch>
-        </p:blipFill>
-        <p:spPr>
-          <a:xfrm>
-            <a:off x="283757" y="1284515"/>
-            <a:ext cx="2589968" cy="4555268"/>
-          </a:xfrm>
-          <a:prstGeom prst="rect">
-            <a:avLst/>
-          </a:prstGeom>
-        </p:spPr>
-      </p:pic>
       <p:sp>
         <p:nvSpPr>
           <p:cNvPr id="6" name="Forme libre : forme 5">
@@ -12191,8 +12161,8 @@
           </a:fontRef>
         </p:style>
       </p:cxnSp>
-      <mc:AlternateContent xmlns:mc="http://schemas.openxmlformats.org/markup-compatibility/2006">
-        <mc:Choice xmlns:a14="http://schemas.microsoft.com/office/drawing/2010/main" Requires="a14">
+      <mc:AlternateContent xmlns:mc="http://schemas.openxmlformats.org/markup-compatibility/2006" xmlns:a14="http://schemas.microsoft.com/office/drawing/2010/main">
+        <mc:Choice Requires="a14">
           <p:sp>
             <p:nvSpPr>
               <p:cNvPr id="17" name="ZoneTexte 16">
@@ -12221,6 +12191,7 @@
               </a:bodyPr>
               <a:lstStyle/>
               <a:p>
+                <a:pPr/>
                 <a14:m>
                   <m:oMathPara xmlns:m="http://schemas.openxmlformats.org/officeDocument/2006/math">
                     <m:oMathParaPr>
@@ -12260,7 +12231,7 @@
             </p:txBody>
           </p:sp>
         </mc:Choice>
-        <mc:Fallback>
+        <mc:Fallback xmlns="">
           <p:sp>
             <p:nvSpPr>
               <p:cNvPr id="17" name="ZoneTexte 16">
@@ -12305,8 +12276,8 @@
           </p:sp>
         </mc:Fallback>
       </mc:AlternateContent>
-      <mc:AlternateContent xmlns:mc="http://schemas.openxmlformats.org/markup-compatibility/2006">
-        <mc:Choice xmlns:a14="http://schemas.microsoft.com/office/drawing/2010/main" Requires="a14">
+      <mc:AlternateContent xmlns:mc="http://schemas.openxmlformats.org/markup-compatibility/2006" xmlns:a14="http://schemas.microsoft.com/office/drawing/2010/main">
+        <mc:Choice Requires="a14">
           <p:sp>
             <p:nvSpPr>
               <p:cNvPr id="18" name="ZoneTexte 17">
@@ -12335,6 +12306,7 @@
               </a:bodyPr>
               <a:lstStyle/>
               <a:p>
+                <a:pPr/>
                 <a14:m>
                   <m:oMathPara xmlns:m="http://schemas.openxmlformats.org/officeDocument/2006/math">
                     <m:oMathParaPr>
@@ -12374,7 +12346,7 @@
             </p:txBody>
           </p:sp>
         </mc:Choice>
-        <mc:Fallback>
+        <mc:Fallback xmlns="">
           <p:sp>
             <p:nvSpPr>
               <p:cNvPr id="18" name="ZoneTexte 17">
@@ -12419,8 +12391,8 @@
           </p:sp>
         </mc:Fallback>
       </mc:AlternateContent>
-      <mc:AlternateContent xmlns:mc="http://schemas.openxmlformats.org/markup-compatibility/2006">
-        <mc:Choice xmlns:a14="http://schemas.microsoft.com/office/drawing/2010/main" Requires="a14">
+      <mc:AlternateContent xmlns:mc="http://schemas.openxmlformats.org/markup-compatibility/2006" xmlns:a14="http://schemas.microsoft.com/office/drawing/2010/main">
+        <mc:Choice Requires="a14">
           <p:sp>
             <p:nvSpPr>
               <p:cNvPr id="19" name="ZoneTexte 18">
@@ -12449,6 +12421,7 @@
               </a:bodyPr>
               <a:lstStyle/>
               <a:p>
+                <a:pPr/>
                 <a14:m>
                   <m:oMathPara xmlns:m="http://schemas.openxmlformats.org/officeDocument/2006/math">
                     <m:oMathParaPr>
@@ -12488,7 +12461,7 @@
             </p:txBody>
           </p:sp>
         </mc:Choice>
-        <mc:Fallback>
+        <mc:Fallback xmlns="">
           <p:sp>
             <p:nvSpPr>
               <p:cNvPr id="19" name="ZoneTexte 18">
@@ -12533,8 +12506,8 @@
           </p:sp>
         </mc:Fallback>
       </mc:AlternateContent>
-      <mc:AlternateContent xmlns:mc="http://schemas.openxmlformats.org/markup-compatibility/2006">
-        <mc:Choice xmlns:a14="http://schemas.microsoft.com/office/drawing/2010/main" Requires="a14">
+      <mc:AlternateContent xmlns:mc="http://schemas.openxmlformats.org/markup-compatibility/2006" xmlns:a14="http://schemas.microsoft.com/office/drawing/2010/main">
+        <mc:Choice Requires="a14">
           <p:sp>
             <p:nvSpPr>
               <p:cNvPr id="21" name="ZoneTexte 20">
@@ -12563,6 +12536,7 @@
               </a:bodyPr>
               <a:lstStyle/>
               <a:p>
+                <a:pPr/>
                 <a14:m>
                   <m:oMathPara xmlns:m="http://schemas.openxmlformats.org/officeDocument/2006/math">
                     <m:oMathParaPr>
@@ -12614,7 +12588,7 @@
             </p:txBody>
           </p:sp>
         </mc:Choice>
-        <mc:Fallback>
+        <mc:Fallback xmlns="">
           <p:sp>
             <p:nvSpPr>
               <p:cNvPr id="21" name="ZoneTexte 20">
@@ -12659,8 +12633,8 @@
           </p:sp>
         </mc:Fallback>
       </mc:AlternateContent>
-      <mc:AlternateContent xmlns:mc="http://schemas.openxmlformats.org/markup-compatibility/2006">
-        <mc:Choice xmlns:a14="http://schemas.microsoft.com/office/drawing/2010/main" Requires="a14">
+      <mc:AlternateContent xmlns:mc="http://schemas.openxmlformats.org/markup-compatibility/2006" xmlns:a14="http://schemas.microsoft.com/office/drawing/2010/main">
+        <mc:Choice Requires="a14">
           <p:sp>
             <p:nvSpPr>
               <p:cNvPr id="22" name="ZoneTexte 21">
@@ -12689,6 +12663,7 @@
               </a:bodyPr>
               <a:lstStyle/>
               <a:p>
+                <a:pPr/>
                 <a14:m>
                   <m:oMathPara xmlns:m="http://schemas.openxmlformats.org/officeDocument/2006/math">
                     <m:oMathParaPr>
@@ -12740,7 +12715,7 @@
             </p:txBody>
           </p:sp>
         </mc:Choice>
-        <mc:Fallback>
+        <mc:Fallback xmlns="">
           <p:sp>
             <p:nvSpPr>
               <p:cNvPr id="22" name="ZoneTexte 21">
@@ -12785,8 +12760,8 @@
           </p:sp>
         </mc:Fallback>
       </mc:AlternateContent>
-      <mc:AlternateContent xmlns:mc="http://schemas.openxmlformats.org/markup-compatibility/2006">
-        <mc:Choice xmlns:a14="http://schemas.microsoft.com/office/drawing/2010/main" Requires="a14">
+      <mc:AlternateContent xmlns:mc="http://schemas.openxmlformats.org/markup-compatibility/2006" xmlns:a14="http://schemas.microsoft.com/office/drawing/2010/main">
+        <mc:Choice Requires="a14">
           <p:sp>
             <p:nvSpPr>
               <p:cNvPr id="23" name="ZoneTexte 22">
@@ -12815,6 +12790,7 @@
               </a:bodyPr>
               <a:lstStyle/>
               <a:p>
+                <a:pPr/>
                 <a14:m>
                   <m:oMathPara xmlns:m="http://schemas.openxmlformats.org/officeDocument/2006/math">
                     <m:oMathParaPr>
@@ -12866,7 +12842,7 @@
             </p:txBody>
           </p:sp>
         </mc:Choice>
-        <mc:Fallback>
+        <mc:Fallback xmlns="">
           <p:sp>
             <p:nvSpPr>
               <p:cNvPr id="23" name="ZoneTexte 22">
@@ -12966,8 +12942,8 @@
           </a:p>
         </p:txBody>
       </p:sp>
-      <mc:AlternateContent xmlns:mc="http://schemas.openxmlformats.org/markup-compatibility/2006">
-        <mc:Choice xmlns:a14="http://schemas.microsoft.com/office/drawing/2010/main" Requires="a14">
+      <mc:AlternateContent xmlns:mc="http://schemas.openxmlformats.org/markup-compatibility/2006" xmlns:a14="http://schemas.microsoft.com/office/drawing/2010/main">
+        <mc:Choice Requires="a14">
           <p:sp>
             <p:nvSpPr>
               <p:cNvPr id="26" name="ZoneTexte 25">
@@ -12996,6 +12972,7 @@
               </a:bodyPr>
               <a:lstStyle/>
               <a:p>
+                <a:pPr/>
                 <a14:m>
                   <m:oMathPara xmlns:m="http://schemas.openxmlformats.org/officeDocument/2006/math">
                     <m:oMathParaPr>
@@ -13035,7 +13012,7 @@
             </p:txBody>
           </p:sp>
         </mc:Choice>
-        <mc:Fallback>
+        <mc:Fallback xmlns="">
           <p:sp>
             <p:nvSpPr>
               <p:cNvPr id="26" name="ZoneTexte 25">
@@ -13170,8 +13147,8 @@
           </a:fontRef>
         </p:style>
       </p:cxnSp>
-      <mc:AlternateContent xmlns:mc="http://schemas.openxmlformats.org/markup-compatibility/2006">
-        <mc:Choice xmlns:a14="http://schemas.microsoft.com/office/drawing/2010/main" Requires="a14">
+      <mc:AlternateContent xmlns:mc="http://schemas.openxmlformats.org/markup-compatibility/2006" xmlns:a14="http://schemas.microsoft.com/office/drawing/2010/main">
+        <mc:Choice Requires="a14">
           <p:sp>
             <p:nvSpPr>
               <p:cNvPr id="36" name="ZoneTexte 35">
@@ -13200,6 +13177,7 @@
               </a:bodyPr>
               <a:lstStyle/>
               <a:p>
+                <a:pPr/>
                 <a14:m>
                   <m:oMathPara xmlns:m="http://schemas.openxmlformats.org/officeDocument/2006/math">
                     <m:oMathParaPr>
@@ -13239,7 +13217,7 @@
             </p:txBody>
           </p:sp>
         </mc:Choice>
-        <mc:Fallback>
+        <mc:Fallback xmlns="">
           <p:sp>
             <p:nvSpPr>
               <p:cNvPr id="36" name="ZoneTexte 35">
@@ -13284,8 +13262,8 @@
           </p:sp>
         </mc:Fallback>
       </mc:AlternateContent>
-      <mc:AlternateContent xmlns:mc="http://schemas.openxmlformats.org/markup-compatibility/2006">
-        <mc:Choice xmlns:a14="http://schemas.microsoft.com/office/drawing/2010/main" Requires="a14">
+      <mc:AlternateContent xmlns:mc="http://schemas.openxmlformats.org/markup-compatibility/2006" xmlns:a14="http://schemas.microsoft.com/office/drawing/2010/main">
+        <mc:Choice Requires="a14">
           <p:sp>
             <p:nvSpPr>
               <p:cNvPr id="37" name="ZoneTexte 36">
@@ -13314,6 +13292,7 @@
               </a:bodyPr>
               <a:lstStyle/>
               <a:p>
+                <a:pPr/>
                 <a14:m>
                   <m:oMathPara xmlns:m="http://schemas.openxmlformats.org/officeDocument/2006/math">
                     <m:oMathParaPr>
@@ -13334,7 +13313,7 @@
             </p:txBody>
           </p:sp>
         </mc:Choice>
-        <mc:Fallback>
+        <mc:Fallback xmlns="">
           <p:sp>
             <p:nvSpPr>
               <p:cNvPr id="37" name="ZoneTexte 36">
@@ -13379,8 +13358,8 @@
           </p:sp>
         </mc:Fallback>
       </mc:AlternateContent>
-      <mc:AlternateContent xmlns:mc="http://schemas.openxmlformats.org/markup-compatibility/2006">
-        <mc:Choice xmlns:a14="http://schemas.microsoft.com/office/drawing/2010/main" Requires="a14">
+      <mc:AlternateContent xmlns:mc="http://schemas.openxmlformats.org/markup-compatibility/2006" xmlns:a14="http://schemas.microsoft.com/office/drawing/2010/main">
+        <mc:Choice Requires="a14">
           <p:sp>
             <p:nvSpPr>
               <p:cNvPr id="38" name="Espace réservé du contenu 2">
@@ -13982,13 +13961,7 @@
                       <a:rPr lang="fr-FR" b="0" i="1" smtClean="0">
                         <a:latin typeface="Cambria Math" panose="02040503050406030204" pitchFamily="18" charset="0"/>
                       </a:rPr>
-                      <m:t>=</m:t>
-                    </m:r>
-                    <m:r>
-                      <a:rPr lang="fr-FR" b="0" i="1" smtClean="0">
-                        <a:latin typeface="Cambria Math" panose="02040503050406030204" pitchFamily="18" charset="0"/>
-                      </a:rPr>
-                      <m:t>−</m:t>
+                      <m:t>=−</m:t>
                     </m:r>
                     <m:r>
                       <a:rPr lang="fr-FR" b="0" i="1" smtClean="0">
@@ -14224,13 +14197,7 @@
                       <a:rPr lang="fr-FR" b="0" i="1" smtClean="0">
                         <a:latin typeface="Cambria Math" panose="02040503050406030204" pitchFamily="18" charset="0"/>
                       </a:rPr>
-                      <m:t>=</m:t>
-                    </m:r>
-                    <m:r>
-                      <a:rPr lang="fr-FR" b="0" i="1" smtClean="0">
-                        <a:latin typeface="Cambria Math" panose="02040503050406030204" pitchFamily="18" charset="0"/>
-                      </a:rPr>
-                      <m:t>−</m:t>
+                      <m:t>=−</m:t>
                     </m:r>
                     <m:r>
                       <a:rPr lang="fr-FR" b="0" i="1" smtClean="0">
@@ -14591,7 +14558,7 @@
             </p:txBody>
           </p:sp>
         </mc:Choice>
-        <mc:Fallback>
+        <mc:Fallback xmlns="">
           <p:sp>
             <p:nvSpPr>
               <p:cNvPr id="38" name="Espace réservé du contenu 2">
@@ -14636,8 +14603,8 @@
           </p:sp>
         </mc:Fallback>
       </mc:AlternateContent>
-      <mc:AlternateContent xmlns:mc="http://schemas.openxmlformats.org/markup-compatibility/2006">
-        <mc:Choice xmlns:a14="http://schemas.microsoft.com/office/drawing/2010/main" Requires="a14">
+      <mc:AlternateContent xmlns:mc="http://schemas.openxmlformats.org/markup-compatibility/2006" xmlns:a14="http://schemas.microsoft.com/office/drawing/2010/main">
+        <mc:Choice Requires="a14">
           <p:sp>
             <p:nvSpPr>
               <p:cNvPr id="39" name="ZoneTexte 38">
@@ -14666,6 +14633,7 @@
               </a:bodyPr>
               <a:lstStyle/>
               <a:p>
+                <a:pPr/>
                 <a14:m>
                   <m:oMathPara xmlns:m="http://schemas.openxmlformats.org/officeDocument/2006/math">
                     <m:oMathParaPr>
@@ -14717,7 +14685,7 @@
             </p:txBody>
           </p:sp>
         </mc:Choice>
-        <mc:Fallback>
+        <mc:Fallback xmlns="">
           <p:sp>
             <p:nvSpPr>
               <p:cNvPr id="39" name="ZoneTexte 38">
@@ -15092,8 +15060,8 @@
           </a:p>
         </p:txBody>
       </p:sp>
-      <mc:AlternateContent xmlns:mc="http://schemas.openxmlformats.org/markup-compatibility/2006">
-        <mc:Choice xmlns:a14="http://schemas.microsoft.com/office/drawing/2010/main" Requires="a14">
+      <mc:AlternateContent xmlns:mc="http://schemas.openxmlformats.org/markup-compatibility/2006" xmlns:a14="http://schemas.microsoft.com/office/drawing/2010/main">
+        <mc:Choice Requires="a14">
           <p:sp>
             <p:nvSpPr>
               <p:cNvPr id="50" name="ZoneTexte 49">
@@ -15122,6 +15090,7 @@
               </a:bodyPr>
               <a:lstStyle/>
               <a:p>
+                <a:pPr/>
                 <a14:m>
                   <m:oMathPara xmlns:m="http://schemas.openxmlformats.org/officeDocument/2006/math">
                     <m:oMathParaPr>
@@ -15173,7 +15142,7 @@
             </p:txBody>
           </p:sp>
         </mc:Choice>
-        <mc:Fallback>
+        <mc:Fallback xmlns="">
           <p:sp>
             <p:nvSpPr>
               <p:cNvPr id="50" name="ZoneTexte 49">
@@ -15218,8 +15187,8 @@
           </p:sp>
         </mc:Fallback>
       </mc:AlternateContent>
-      <mc:AlternateContent xmlns:mc="http://schemas.openxmlformats.org/markup-compatibility/2006">
-        <mc:Choice xmlns:a14="http://schemas.microsoft.com/office/drawing/2010/main" Requires="a14">
+      <mc:AlternateContent xmlns:mc="http://schemas.openxmlformats.org/markup-compatibility/2006" xmlns:a14="http://schemas.microsoft.com/office/drawing/2010/main">
+        <mc:Choice Requires="a14">
           <p:sp>
             <p:nvSpPr>
               <p:cNvPr id="51" name="ZoneTexte 50">
@@ -15248,6 +15217,7 @@
               </a:bodyPr>
               <a:lstStyle/>
               <a:p>
+                <a:pPr/>
                 <a14:m>
                   <m:oMathPara xmlns:m="http://schemas.openxmlformats.org/officeDocument/2006/math">
                     <m:oMathParaPr>
@@ -15299,7 +15269,7 @@
             </p:txBody>
           </p:sp>
         </mc:Choice>
-        <mc:Fallback>
+        <mc:Fallback xmlns="">
           <p:sp>
             <p:nvSpPr>
               <p:cNvPr id="51" name="ZoneTexte 50">
@@ -15344,8 +15314,8 @@
           </p:sp>
         </mc:Fallback>
       </mc:AlternateContent>
-      <mc:AlternateContent xmlns:mc="http://schemas.openxmlformats.org/markup-compatibility/2006">
-        <mc:Choice xmlns:a14="http://schemas.microsoft.com/office/drawing/2010/main" Requires="a14">
+      <mc:AlternateContent xmlns:mc="http://schemas.openxmlformats.org/markup-compatibility/2006" xmlns:a14="http://schemas.microsoft.com/office/drawing/2010/main">
+        <mc:Choice Requires="a14">
           <p:sp>
             <p:nvSpPr>
               <p:cNvPr id="54" name="ZoneTexte 53">
@@ -15374,6 +15344,7 @@
               </a:bodyPr>
               <a:lstStyle/>
               <a:p>
+                <a:pPr/>
                 <a14:m>
                   <m:oMathPara xmlns:m="http://schemas.openxmlformats.org/officeDocument/2006/math">
                     <m:oMathParaPr>
@@ -15425,7 +15396,7 @@
             </p:txBody>
           </p:sp>
         </mc:Choice>
-        <mc:Fallback>
+        <mc:Fallback xmlns="">
           <p:sp>
             <p:nvSpPr>
               <p:cNvPr id="54" name="ZoneTexte 53">
@@ -15524,8 +15495,8 @@
           </a:p>
         </p:txBody>
       </p:sp>
-      <mc:AlternateContent xmlns:mc="http://schemas.openxmlformats.org/markup-compatibility/2006">
-        <mc:Choice xmlns:a14="http://schemas.microsoft.com/office/drawing/2010/main" Requires="a14">
+      <mc:AlternateContent xmlns:mc="http://schemas.openxmlformats.org/markup-compatibility/2006" xmlns:a14="http://schemas.microsoft.com/office/drawing/2010/main">
+        <mc:Choice Requires="a14">
           <p:sp>
             <p:nvSpPr>
               <p:cNvPr id="56" name="ZoneTexte 55">
@@ -15554,6 +15525,7 @@
               </a:bodyPr>
               <a:lstStyle/>
               <a:p>
+                <a:pPr/>
                 <a14:m>
                   <m:oMathPara xmlns:m="http://schemas.openxmlformats.org/officeDocument/2006/math">
                     <m:oMathParaPr>
@@ -15574,7 +15546,7 @@
             </p:txBody>
           </p:sp>
         </mc:Choice>
-        <mc:Fallback>
+        <mc:Fallback xmlns="">
           <p:sp>
             <p:nvSpPr>
               <p:cNvPr id="56" name="ZoneTexte 55">
@@ -15619,6 +15591,36 @@
           </p:sp>
         </mc:Fallback>
       </mc:AlternateContent>
+      <p:pic>
+        <p:nvPicPr>
+          <p:cNvPr id="3" name="Image 2">
+            <a:extLst>
+              <a:ext uri="{FF2B5EF4-FFF2-40B4-BE49-F238E27FC236}">
+                <a16:creationId xmlns:a16="http://schemas.microsoft.com/office/drawing/2014/main" id="{BF23A071-BECB-BB13-853B-061922E37921}"/>
+              </a:ext>
+            </a:extLst>
+          </p:cNvPr>
+          <p:cNvPicPr>
+            <a:picLocks noChangeAspect="1"/>
+          </p:cNvPicPr>
+          <p:nvPr/>
+        </p:nvPicPr>
+        <p:blipFill>
+          <a:blip r:embed="rId18"/>
+          <a:stretch>
+            <a:fillRect/>
+          </a:stretch>
+        </p:blipFill>
+        <p:spPr>
+          <a:xfrm>
+            <a:off x="-6485" y="1636912"/>
+            <a:ext cx="2973952" cy="4245943"/>
+          </a:xfrm>
+          <a:prstGeom prst="rect">
+            <a:avLst/>
+          </a:prstGeom>
+        </p:spPr>
+      </p:pic>
     </p:spTree>
     <p:extLst>
       <p:ext uri="{BB962C8B-B14F-4D97-AF65-F5344CB8AC3E}">
@@ -15674,8 +15676,8 @@
           </a:p>
         </p:txBody>
       </p:sp>
-      <mc:AlternateContent xmlns:mc="http://schemas.openxmlformats.org/markup-compatibility/2006">
-        <mc:Choice xmlns:a14="http://schemas.microsoft.com/office/drawing/2010/main" Requires="a14">
+      <mc:AlternateContent xmlns:mc="http://schemas.openxmlformats.org/markup-compatibility/2006" xmlns:a14="http://schemas.microsoft.com/office/drawing/2010/main">
+        <mc:Choice Requires="a14">
           <p:sp>
             <p:nvSpPr>
               <p:cNvPr id="3" name="Espace réservé du contenu 2">
@@ -19276,7 +19278,7 @@
                     <m:sSup>
                       <m:sSupPr>
                         <m:ctrlPr>
-                          <a:rPr lang="fr-FR" b="0" i="0" smtClean="0">
+                          <a:rPr lang="fr-FR" b="0" i="1" smtClean="0">
                             <a:latin typeface="Cambria Math" panose="02040503050406030204" pitchFamily="18" charset="0"/>
                           </a:rPr>
                         </m:ctrlPr>
@@ -20215,7 +20217,7 @@
             </p:txBody>
           </p:sp>
         </mc:Choice>
-        <mc:Fallback>
+        <mc:Fallback xmlns="">
           <p:sp>
             <p:nvSpPr>
               <p:cNvPr id="3" name="Espace réservé du contenu 2">
@@ -20289,6 +20291,36 @@
           </a:prstGeom>
         </p:spPr>
       </p:pic>
+      <p:pic>
+        <p:nvPicPr>
+          <p:cNvPr id="6" name="Image 5">
+            <a:extLst>
+              <a:ext uri="{FF2B5EF4-FFF2-40B4-BE49-F238E27FC236}">
+                <a16:creationId xmlns:a16="http://schemas.microsoft.com/office/drawing/2014/main" id="{7C3A7B4C-54DB-41F1-0688-0FA1A814112D}"/>
+              </a:ext>
+            </a:extLst>
+          </p:cNvPr>
+          <p:cNvPicPr>
+            <a:picLocks noChangeAspect="1"/>
+          </p:cNvPicPr>
+          <p:nvPr/>
+        </p:nvPicPr>
+        <p:blipFill>
+          <a:blip r:embed="rId4"/>
+          <a:stretch>
+            <a:fillRect/>
+          </a:stretch>
+        </p:blipFill>
+        <p:spPr>
+          <a:xfrm>
+            <a:off x="6567495" y="1754383"/>
+            <a:ext cx="3970139" cy="3422260"/>
+          </a:xfrm>
+          <a:prstGeom prst="rect">
+            <a:avLst/>
+          </a:prstGeom>
+        </p:spPr>
+      </p:pic>
     </p:spTree>
     <p:extLst>
       <p:ext uri="{BB962C8B-B14F-4D97-AF65-F5344CB8AC3E}">
@@ -20344,8 +20376,8 @@
           </a:p>
         </p:txBody>
       </p:sp>
-      <mc:AlternateContent xmlns:mc="http://schemas.openxmlformats.org/markup-compatibility/2006">
-        <mc:Choice xmlns:a14="http://schemas.microsoft.com/office/drawing/2010/main" Requires="a14">
+      <mc:AlternateContent xmlns:mc="http://schemas.openxmlformats.org/markup-compatibility/2006" xmlns:a14="http://schemas.microsoft.com/office/drawing/2010/main">
+        <mc:Choice Requires="a14">
           <p:sp>
             <p:nvSpPr>
               <p:cNvPr id="3" name="Espace réservé du contenu 2">
@@ -22325,7 +22357,7 @@
             </p:txBody>
           </p:sp>
         </mc:Choice>
-        <mc:Fallback>
+        <mc:Fallback xmlns="">
           <p:sp>
             <p:nvSpPr>
               <p:cNvPr id="3" name="Espace réservé du contenu 2">

--- a/22_I3D/22_I3D_Corrige.pptx
+++ b/22_I3D/22_I3D_Corrige.pptx
@@ -360,7 +360,7 @@
           <a:p>
             <a:fld id="{D7F135F6-2A09-4FDD-9ECA-096E230CA0FA}" type="datetimeFigureOut">
               <a:rPr lang="fr-FR" smtClean="0"/>
-              <a:t>26/06/2023</a:t>
+              <a:t>03/07/2023</a:t>
             </a:fld>
             <a:endParaRPr lang="fr-FR"/>
           </a:p>
@@ -565,7 +565,7 @@
           <a:p>
             <a:fld id="{D7F135F6-2A09-4FDD-9ECA-096E230CA0FA}" type="datetimeFigureOut">
               <a:rPr lang="fr-FR" smtClean="0"/>
-              <a:t>26/06/2023</a:t>
+              <a:t>03/07/2023</a:t>
             </a:fld>
             <a:endParaRPr lang="fr-FR"/>
           </a:p>
@@ -821,7 +821,7 @@
           <a:p>
             <a:fld id="{D7F135F6-2A09-4FDD-9ECA-096E230CA0FA}" type="datetimeFigureOut">
               <a:rPr lang="fr-FR" smtClean="0"/>
-              <a:t>26/06/2023</a:t>
+              <a:t>03/07/2023</a:t>
             </a:fld>
             <a:endParaRPr lang="fr-FR"/>
           </a:p>
@@ -1027,7 +1027,7 @@
           <a:p>
             <a:fld id="{D7F135F6-2A09-4FDD-9ECA-096E230CA0FA}" type="datetimeFigureOut">
               <a:rPr lang="fr-FR" smtClean="0"/>
-              <a:t>26/06/2023</a:t>
+              <a:t>03/07/2023</a:t>
             </a:fld>
             <a:endParaRPr lang="fr-FR"/>
           </a:p>
@@ -1389,7 +1389,7 @@
           <a:p>
             <a:fld id="{D7F135F6-2A09-4FDD-9ECA-096E230CA0FA}" type="datetimeFigureOut">
               <a:rPr lang="fr-FR" smtClean="0"/>
-              <a:t>26/06/2023</a:t>
+              <a:t>03/07/2023</a:t>
             </a:fld>
             <a:endParaRPr lang="fr-FR"/>
           </a:p>
@@ -1664,7 +1664,7 @@
           <a:p>
             <a:fld id="{D7F135F6-2A09-4FDD-9ECA-096E230CA0FA}" type="datetimeFigureOut">
               <a:rPr lang="fr-FR" smtClean="0"/>
-              <a:t>26/06/2023</a:t>
+              <a:t>03/07/2023</a:t>
             </a:fld>
             <a:endParaRPr lang="fr-FR"/>
           </a:p>
@@ -2043,7 +2043,7 @@
           <a:p>
             <a:fld id="{D7F135F6-2A09-4FDD-9ECA-096E230CA0FA}" type="datetimeFigureOut">
               <a:rPr lang="fr-FR" smtClean="0"/>
-              <a:t>26/06/2023</a:t>
+              <a:t>03/07/2023</a:t>
             </a:fld>
             <a:endParaRPr lang="fr-FR"/>
           </a:p>
@@ -2161,7 +2161,7 @@
           <a:p>
             <a:fld id="{D7F135F6-2A09-4FDD-9ECA-096E230CA0FA}" type="datetimeFigureOut">
               <a:rPr lang="fr-FR" smtClean="0"/>
-              <a:t>26/06/2023</a:t>
+              <a:t>03/07/2023</a:t>
             </a:fld>
             <a:endParaRPr lang="fr-FR"/>
           </a:p>
@@ -2335,7 +2335,7 @@
           <a:p>
             <a:fld id="{D7F135F6-2A09-4FDD-9ECA-096E230CA0FA}" type="datetimeFigureOut">
               <a:rPr lang="fr-FR" smtClean="0"/>
-              <a:t>26/06/2023</a:t>
+              <a:t>03/07/2023</a:t>
             </a:fld>
             <a:endParaRPr lang="fr-FR"/>
           </a:p>
@@ -2692,7 +2692,7 @@
           <a:p>
             <a:fld id="{D7F135F6-2A09-4FDD-9ECA-096E230CA0FA}" type="datetimeFigureOut">
               <a:rPr lang="fr-FR" smtClean="0"/>
-              <a:t>26/06/2023</a:t>
+              <a:t>03/07/2023</a:t>
             </a:fld>
             <a:endParaRPr lang="fr-FR"/>
           </a:p>
@@ -3077,7 +3077,7 @@
           <a:p>
             <a:fld id="{D7F135F6-2A09-4FDD-9ECA-096E230CA0FA}" type="datetimeFigureOut">
               <a:rPr lang="fr-FR" smtClean="0"/>
-              <a:t>26/06/2023</a:t>
+              <a:t>03/07/2023</a:t>
             </a:fld>
             <a:endParaRPr lang="fr-FR"/>
           </a:p>
@@ -3367,7 +3367,7 @@
           <a:p>
             <a:fld id="{D7F135F6-2A09-4FDD-9ECA-096E230CA0FA}" type="datetimeFigureOut">
               <a:rPr lang="fr-FR" smtClean="0"/>
-              <a:t>26/06/2023</a:t>
+              <a:t>03/07/2023</a:t>
             </a:fld>
             <a:endParaRPr lang="fr-FR" dirty="0"/>
           </a:p>
@@ -4209,6 +4209,202 @@
           <a:chExt cx="0" cy="0"/>
         </a:xfrm>
       </p:grpSpPr>
+      <mc:AlternateContent xmlns:mc="http://schemas.openxmlformats.org/markup-compatibility/2006">
+        <mc:Choice xmlns:a14="http://schemas.microsoft.com/office/drawing/2010/main" Requires="a14">
+          <p:sp>
+            <p:nvSpPr>
+              <p:cNvPr id="2" name="ZoneTexte 1">
+                <a:extLst>
+                  <a:ext uri="{FF2B5EF4-FFF2-40B4-BE49-F238E27FC236}">
+                    <a16:creationId xmlns:a16="http://schemas.microsoft.com/office/drawing/2014/main" id="{CE9B1931-07DA-0F46-7F7A-32594AF6DF26}"/>
+                  </a:ext>
+                </a:extLst>
+              </p:cNvPr>
+              <p:cNvSpPr txBox="1"/>
+              <p:nvPr/>
+            </p:nvSpPr>
+            <p:spPr>
+              <a:xfrm>
+                <a:off x="4492269" y="3596097"/>
+                <a:ext cx="1161960" cy="646331"/>
+              </a:xfrm>
+              <a:prstGeom prst="rect">
+                <a:avLst/>
+              </a:prstGeom>
+              <a:noFill/>
+            </p:spPr>
+            <p:txBody>
+              <a:bodyPr wrap="square" rtlCol="0">
+                <a:spAutoFit/>
+              </a:bodyPr>
+              <a:lstStyle/>
+              <a:p>
+                <a:pPr algn="ctr"/>
+                <a:r>
+                  <a:rPr lang="fr-FR" sz="1200" b="1" dirty="0">
+                    <a:solidFill>
+                      <a:srgbClr val="FFB25A"/>
+                    </a:solidFill>
+                    <a:latin typeface="Arial Nova" panose="020B0504020202020204" pitchFamily="34" charset="0"/>
+                  </a:rPr>
+                  <a:t> xx V </a:t>
+                </a:r>
+                <a14:m>
+                  <m:oMath xmlns:m="http://schemas.openxmlformats.org/officeDocument/2006/math">
+                    <m:r>
+                      <a:rPr lang="fr-FR" sz="1200" b="1" i="0" smtClean="0">
+                        <a:solidFill>
+                          <a:srgbClr val="FFB25A"/>
+                        </a:solidFill>
+                        <a:latin typeface="Cambria Math" panose="02040503050406030204" pitchFamily="18" charset="0"/>
+                        <a:ea typeface="Cambria Math" panose="02040503050406030204" pitchFamily="18" charset="0"/>
+                        <a:cs typeface="Calibri" panose="020F0502020204030204" pitchFamily="34" charset="0"/>
+                      </a:rPr>
+                      <m:t>=</m:t>
+                    </m:r>
+                  </m:oMath>
+                </a14:m>
+                <a:endParaRPr lang="fr-FR" sz="1200" b="1" dirty="0">
+                  <a:solidFill>
+                    <a:srgbClr val="FFB25A"/>
+                  </a:solidFill>
+                  <a:latin typeface="Arial Nova" panose="020B0504020202020204" pitchFamily="34" charset="0"/>
+                  <a:ea typeface="Cambria Math" panose="02040503050406030204" pitchFamily="18" charset="0"/>
+                  <a:cs typeface="Calibri" panose="020F0502020204030204" pitchFamily="34" charset="0"/>
+                </a:endParaRPr>
+              </a:p>
+              <a:p>
+                <a:pPr algn="ctr"/>
+                <a14:m>
+                  <m:oMathPara xmlns:m="http://schemas.openxmlformats.org/officeDocument/2006/math">
+                    <m:oMathParaPr>
+                      <m:jc m:val="centerGroup"/>
+                    </m:oMathParaPr>
+                    <m:oMath xmlns:m="http://schemas.openxmlformats.org/officeDocument/2006/math">
+                      <m:sSub>
+                        <m:sSubPr>
+                          <m:ctrlPr>
+                            <a:rPr lang="fr-FR" sz="1200" b="1" i="1" smtClean="0">
+                              <a:solidFill>
+                                <a:srgbClr val="FFB25A"/>
+                              </a:solidFill>
+                              <a:latin typeface="Cambria Math" panose="02040503050406030204" pitchFamily="18" charset="0"/>
+                              <a:ea typeface="Cambria Math" panose="02040503050406030204" pitchFamily="18" charset="0"/>
+                            </a:rPr>
+                          </m:ctrlPr>
+                        </m:sSubPr>
+                        <m:e>
+                          <m:r>
+                            <a:rPr lang="fr-FR" sz="1200" b="1" i="1" smtClean="0">
+                              <a:solidFill>
+                                <a:srgbClr val="FFB25A"/>
+                              </a:solidFill>
+                              <a:latin typeface="Cambria Math" panose="02040503050406030204" pitchFamily="18" charset="0"/>
+                              <a:ea typeface="Cambria Math" panose="02040503050406030204" pitchFamily="18" charset="0"/>
+                            </a:rPr>
+                            <m:t>𝓟</m:t>
+                          </m:r>
+                        </m:e>
+                        <m:sub>
+                          <m:r>
+                            <a:rPr lang="fr-FR" sz="1200" b="1" i="1" smtClean="0">
+                              <a:solidFill>
+                                <a:srgbClr val="FFB25A"/>
+                              </a:solidFill>
+                              <a:latin typeface="Cambria Math" panose="02040503050406030204" pitchFamily="18" charset="0"/>
+                              <a:ea typeface="Cambria Math" panose="02040503050406030204" pitchFamily="18" charset="0"/>
+                            </a:rPr>
+                            <m:t>𝒆𝒍𝒆𝒄</m:t>
+                          </m:r>
+                        </m:sub>
+                      </m:sSub>
+                      <m:r>
+                        <a:rPr lang="fr-FR" sz="1200" b="1" i="1" smtClean="0">
+                          <a:solidFill>
+                            <a:srgbClr val="FFB25A"/>
+                          </a:solidFill>
+                          <a:latin typeface="Cambria Math" panose="02040503050406030204" pitchFamily="18" charset="0"/>
+                          <a:ea typeface="Cambria Math" panose="02040503050406030204" pitchFamily="18" charset="0"/>
+                        </a:rPr>
+                        <m:t>=</m:t>
+                      </m:r>
+                      <m:r>
+                        <a:rPr lang="fr-FR" sz="1200" b="1" i="1" smtClean="0">
+                          <a:solidFill>
+                            <a:srgbClr val="FFB25A"/>
+                          </a:solidFill>
+                          <a:latin typeface="Cambria Math" panose="02040503050406030204" pitchFamily="18" charset="0"/>
+                          <a:ea typeface="Cambria Math" panose="02040503050406030204" pitchFamily="18" charset="0"/>
+                        </a:rPr>
+                        <m:t>𝑼𝑰</m:t>
+                      </m:r>
+                    </m:oMath>
+                  </m:oMathPara>
+                </a14:m>
+                <a:endParaRPr lang="fr-FR" sz="1200" b="1" dirty="0">
+                  <a:solidFill>
+                    <a:srgbClr val="FFB25A"/>
+                  </a:solidFill>
+                  <a:latin typeface="Arial Nova" panose="020B0504020202020204" pitchFamily="34" charset="0"/>
+                </a:endParaRPr>
+              </a:p>
+              <a:p>
+                <a:pPr algn="ctr"/>
+                <a:endParaRPr lang="fr-FR" sz="1200" b="1" dirty="0">
+                  <a:solidFill>
+                    <a:srgbClr val="FFB25A"/>
+                  </a:solidFill>
+                  <a:latin typeface="Arial Nova" panose="020B0504020202020204" pitchFamily="34" charset="0"/>
+                </a:endParaRPr>
+              </a:p>
+            </p:txBody>
+          </p:sp>
+        </mc:Choice>
+        <mc:Fallback>
+          <p:sp>
+            <p:nvSpPr>
+              <p:cNvPr id="2" name="ZoneTexte 1">
+                <a:extLst>
+                  <a:ext uri="{FF2B5EF4-FFF2-40B4-BE49-F238E27FC236}">
+                    <a16:creationId xmlns:a16="http://schemas.microsoft.com/office/drawing/2014/main" id="{CE9B1931-07DA-0F46-7F7A-32594AF6DF26}"/>
+                  </a:ext>
+                </a:extLst>
+              </p:cNvPr>
+              <p:cNvSpPr txBox="1">
+                <a:spLocks noRot="1" noChangeAspect="1" noMove="1" noResize="1" noEditPoints="1" noAdjustHandles="1" noChangeArrowheads="1" noChangeShapeType="1" noTextEdit="1"/>
+              </p:cNvSpPr>
+              <p:nvPr/>
+            </p:nvSpPr>
+            <p:spPr>
+              <a:xfrm>
+                <a:off x="4492269" y="3596097"/>
+                <a:ext cx="1161960" cy="646331"/>
+              </a:xfrm>
+              <a:prstGeom prst="rect">
+                <a:avLst/>
+              </a:prstGeom>
+              <a:blipFill>
+                <a:blip r:embed="rId2"/>
+                <a:stretch>
+                  <a:fillRect t="-943"/>
+                </a:stretch>
+              </a:blipFill>
+            </p:spPr>
+            <p:txBody>
+              <a:bodyPr/>
+              <a:lstStyle/>
+              <a:p>
+                <a:r>
+                  <a:rPr lang="fr-FR">
+                    <a:noFill/>
+                  </a:rPr>
+                  <a:t> </a:t>
+                </a:r>
+              </a:p>
+            </p:txBody>
+          </p:sp>
+        </mc:Fallback>
+      </mc:AlternateContent>
       <mc:AlternateContent xmlns:mc="http://schemas.openxmlformats.org/markup-compatibility/2006" xmlns:a14="http://schemas.microsoft.com/office/drawing/2010/main">
         <mc:Choice Requires="a14">
           <p:sp>
@@ -4289,7 +4485,7 @@
             </p:nvSpPr>
             <p:spPr>
               <a:blipFill>
-                <a:blip r:embed="rId2"/>
+                <a:blip r:embed="rId3"/>
                 <a:stretch>
                   <a:fillRect l="-2000" t="-5517" b="-27586"/>
                 </a:stretch>
@@ -5312,7 +5508,7 @@
           <p:nvPr/>
         </p:nvPicPr>
         <p:blipFill>
-          <a:blip r:embed="rId3"/>
+          <a:blip r:embed="rId4"/>
           <a:stretch>
             <a:fillRect/>
           </a:stretch>
@@ -5428,7 +5624,7 @@
           <p:nvPr/>
         </p:nvPicPr>
         <p:blipFill>
-          <a:blip r:embed="rId4"/>
+          <a:blip r:embed="rId5"/>
           <a:stretch>
             <a:fillRect/>
           </a:stretch>
@@ -5574,7 +5770,7 @@
             <p:nvPr/>
           </p:nvPicPr>
           <p:blipFill>
-            <a:blip r:embed="rId5"/>
+            <a:blip r:embed="rId6"/>
             <a:stretch>
               <a:fillRect/>
             </a:stretch>
@@ -5605,7 +5801,7 @@
           <p:nvPr/>
         </p:nvPicPr>
         <p:blipFill>
-          <a:blip r:embed="rId6"/>
+          <a:blip r:embed="rId7"/>
           <a:stretch>
             <a:fillRect/>
           </a:stretch>
@@ -5635,7 +5831,7 @@
           <p:nvPr/>
         </p:nvPicPr>
         <p:blipFill>
-          <a:blip r:embed="rId6"/>
+          <a:blip r:embed="rId7"/>
           <a:stretch>
             <a:fillRect/>
           </a:stretch>
@@ -5709,7 +5905,7 @@
           <p:nvPr/>
         </p:nvPicPr>
         <p:blipFill>
-          <a:blip r:embed="rId6"/>
+          <a:blip r:embed="rId7"/>
           <a:stretch>
             <a:fillRect/>
           </a:stretch>
@@ -5783,7 +5979,7 @@
           <p:nvPr/>
         </p:nvPicPr>
         <p:blipFill>
-          <a:blip r:embed="rId7"/>
+          <a:blip r:embed="rId8"/>
           <a:stretch>
             <a:fillRect/>
           </a:stretch>
@@ -5971,7 +6167,7 @@
           <p:nvPr/>
         </p:nvPicPr>
         <p:blipFill>
-          <a:blip r:embed="rId4"/>
+          <a:blip r:embed="rId5"/>
           <a:stretch>
             <a:fillRect/>
           </a:stretch>
@@ -6001,7 +6197,7 @@
           <p:nvPr/>
         </p:nvPicPr>
         <p:blipFill>
-          <a:blip r:embed="rId4"/>
+          <a:blip r:embed="rId5"/>
           <a:stretch>
             <a:fillRect/>
           </a:stretch>
@@ -6211,7 +6407,7 @@
             <p:nvPr/>
           </p:nvPicPr>
           <p:blipFill>
-            <a:blip r:embed="rId8"/>
+            <a:blip r:embed="rId9"/>
             <a:stretch>
               <a:fillRect/>
             </a:stretch>
@@ -6285,14 +6481,14 @@
           <p:nvPr/>
         </p:nvPicPr>
         <p:blipFill>
-          <a:blip r:embed="rId3"/>
+          <a:blip r:embed="rId4"/>
           <a:stretch>
             <a:fillRect/>
           </a:stretch>
         </p:blipFill>
         <p:spPr>
           <a:xfrm>
-            <a:off x="4635084" y="3835596"/>
+            <a:off x="4547143" y="4123553"/>
             <a:ext cx="288000" cy="100660"/>
           </a:xfrm>
           <a:prstGeom prst="rect">
@@ -6550,36 +6746,6 @@
           </p:txBody>
         </p:sp>
       </p:grpSp>
-      <p:pic>
-        <p:nvPicPr>
-          <p:cNvPr id="63" name="Image 62">
-            <a:extLst>
-              <a:ext uri="{FF2B5EF4-FFF2-40B4-BE49-F238E27FC236}">
-                <a16:creationId xmlns:a16="http://schemas.microsoft.com/office/drawing/2014/main" id="{8DAAFC9A-79A3-4B2C-A73E-32BE33F6248E}"/>
-              </a:ext>
-            </a:extLst>
-          </p:cNvPr>
-          <p:cNvPicPr>
-            <a:picLocks noChangeAspect="1"/>
-          </p:cNvPicPr>
-          <p:nvPr/>
-        </p:nvPicPr>
-        <p:blipFill>
-          <a:blip r:embed="rId3"/>
-          <a:stretch>
-            <a:fillRect/>
-          </a:stretch>
-        </p:blipFill>
-        <p:spPr>
-          <a:xfrm>
-            <a:off x="588545" y="1536359"/>
-            <a:ext cx="434918" cy="152010"/>
-          </a:xfrm>
-          <a:prstGeom prst="rect">
-            <a:avLst/>
-          </a:prstGeom>
-        </p:spPr>
-      </p:pic>
       <mc:AlternateContent xmlns:mc="http://schemas.openxmlformats.org/markup-compatibility/2006" xmlns:a14="http://schemas.microsoft.com/office/drawing/2010/main">
         <mc:Choice Requires="a14">
           <p:sp>
@@ -6669,7 +6835,7 @@
                 <a:avLst/>
               </a:prstGeom>
               <a:blipFill>
-                <a:blip r:embed="rId9"/>
+                <a:blip r:embed="rId10"/>
                 <a:stretch>
                   <a:fillRect t="-2222" b="-17778"/>
                 </a:stretch>
@@ -6690,8 +6856,8 @@
           </p:sp>
         </mc:Fallback>
       </mc:AlternateContent>
-      <mc:AlternateContent xmlns:mc="http://schemas.openxmlformats.org/markup-compatibility/2006" xmlns:a14="http://schemas.microsoft.com/office/drawing/2010/main">
-        <mc:Choice Requires="a14">
+      <mc:AlternateContent xmlns:mc="http://schemas.openxmlformats.org/markup-compatibility/2006">
+        <mc:Choice xmlns:a14="http://schemas.microsoft.com/office/drawing/2010/main" Requires="a14">
           <p:sp>
             <p:nvSpPr>
               <p:cNvPr id="65" name="ZoneTexte 64">
@@ -6707,7 +6873,7 @@
             <p:spPr>
               <a:xfrm>
                 <a:off x="2282648" y="3611652"/>
-                <a:ext cx="1161960" cy="276999"/>
+                <a:ext cx="1161960" cy="646331"/>
               </a:xfrm>
               <a:prstGeom prst="rect">
                 <a:avLst/>
@@ -6750,12 +6916,98 @@
                     <a:srgbClr val="FFB25A"/>
                   </a:solidFill>
                   <a:latin typeface="Arial Nova" panose="020B0504020202020204" pitchFamily="34" charset="0"/>
+                  <a:ea typeface="Cambria Math" panose="02040503050406030204" pitchFamily="18" charset="0"/>
+                  <a:cs typeface="Calibri" panose="020F0502020204030204" pitchFamily="34" charset="0"/>
+                </a:endParaRPr>
+              </a:p>
+              <a:p>
+                <a:pPr algn="ctr"/>
+                <a14:m>
+                  <m:oMathPara xmlns:m="http://schemas.openxmlformats.org/officeDocument/2006/math">
+                    <m:oMathParaPr>
+                      <m:jc m:val="centerGroup"/>
+                    </m:oMathParaPr>
+                    <m:oMath xmlns:m="http://schemas.openxmlformats.org/officeDocument/2006/math">
+                      <m:sSub>
+                        <m:sSubPr>
+                          <m:ctrlPr>
+                            <a:rPr lang="fr-FR" sz="1200" b="1" i="1" smtClean="0">
+                              <a:solidFill>
+                                <a:srgbClr val="FFB25A"/>
+                              </a:solidFill>
+                              <a:latin typeface="Cambria Math" panose="02040503050406030204" pitchFamily="18" charset="0"/>
+                              <a:ea typeface="Cambria Math" panose="02040503050406030204" pitchFamily="18" charset="0"/>
+                            </a:rPr>
+                          </m:ctrlPr>
+                        </m:sSubPr>
+                        <m:e>
+                          <m:r>
+                            <a:rPr lang="fr-FR" sz="1200" b="1" i="1" smtClean="0">
+                              <a:solidFill>
+                                <a:srgbClr val="FFB25A"/>
+                              </a:solidFill>
+                              <a:latin typeface="Cambria Math" panose="02040503050406030204" pitchFamily="18" charset="0"/>
+                              <a:ea typeface="Cambria Math" panose="02040503050406030204" pitchFamily="18" charset="0"/>
+                            </a:rPr>
+                            <m:t>𝓟</m:t>
+                          </m:r>
+                        </m:e>
+                        <m:sub>
+                          <m:r>
+                            <a:rPr lang="fr-FR" sz="1200" b="1" i="1" smtClean="0">
+                              <a:solidFill>
+                                <a:srgbClr val="FFB25A"/>
+                              </a:solidFill>
+                              <a:latin typeface="Cambria Math" panose="02040503050406030204" pitchFamily="18" charset="0"/>
+                              <a:ea typeface="Cambria Math" panose="02040503050406030204" pitchFamily="18" charset="0"/>
+                            </a:rPr>
+                            <m:t>𝒆𝒍𝒆𝒄</m:t>
+                          </m:r>
+                        </m:sub>
+                      </m:sSub>
+                      <m:r>
+                        <a:rPr lang="fr-FR" sz="1200" b="1" i="1" smtClean="0">
+                          <a:solidFill>
+                            <a:srgbClr val="FFB25A"/>
+                          </a:solidFill>
+                          <a:latin typeface="Cambria Math" panose="02040503050406030204" pitchFamily="18" charset="0"/>
+                          <a:ea typeface="Cambria Math" panose="02040503050406030204" pitchFamily="18" charset="0"/>
+                        </a:rPr>
+                        <m:t>=</m:t>
+                      </m:r>
+                      <m:r>
+                        <a:rPr lang="fr-FR" sz="1200" b="1" i="1" smtClean="0">
+                          <a:solidFill>
+                            <a:srgbClr val="FFB25A"/>
+                          </a:solidFill>
+                          <a:latin typeface="Cambria Math" panose="02040503050406030204" pitchFamily="18" charset="0"/>
+                          <a:ea typeface="Cambria Math" panose="02040503050406030204" pitchFamily="18" charset="0"/>
+                        </a:rPr>
+                        <m:t>𝑼𝑰</m:t>
+                      </m:r>
+                    </m:oMath>
+                  </m:oMathPara>
+                </a14:m>
+                <a:endParaRPr lang="fr-FR" sz="1200" b="1" dirty="0">
+                  <a:solidFill>
+                    <a:srgbClr val="FFB25A"/>
+                  </a:solidFill>
+                  <a:latin typeface="Arial Nova" panose="020B0504020202020204" pitchFamily="34" charset="0"/>
+                </a:endParaRPr>
+              </a:p>
+              <a:p>
+                <a:pPr algn="ctr"/>
+                <a:endParaRPr lang="fr-FR" sz="1200" b="1" dirty="0">
+                  <a:solidFill>
+                    <a:srgbClr val="FFB25A"/>
+                  </a:solidFill>
+                  <a:latin typeface="Arial Nova" panose="020B0504020202020204" pitchFamily="34" charset="0"/>
                 </a:endParaRPr>
               </a:p>
             </p:txBody>
           </p:sp>
         </mc:Choice>
-        <mc:Fallback xmlns="">
+        <mc:Fallback>
           <p:sp>
             <p:nvSpPr>
               <p:cNvPr id="65" name="ZoneTexte 64">
@@ -6773,15 +7025,15 @@
             <p:spPr>
               <a:xfrm>
                 <a:off x="2282648" y="3611652"/>
-                <a:ext cx="1161960" cy="276999"/>
+                <a:ext cx="1161960" cy="646331"/>
               </a:xfrm>
               <a:prstGeom prst="rect">
                 <a:avLst/>
               </a:prstGeom>
               <a:blipFill>
-                <a:blip r:embed="rId10"/>
+                <a:blip r:embed="rId11"/>
                 <a:stretch>
-                  <a:fillRect b="-15217"/>
+                  <a:fillRect/>
                 </a:stretch>
               </a:blipFill>
             </p:spPr>
@@ -6815,14 +7067,14 @@
           <p:nvPr/>
         </p:nvPicPr>
         <p:blipFill>
-          <a:blip r:embed="rId3"/>
+          <a:blip r:embed="rId4"/>
           <a:stretch>
             <a:fillRect/>
           </a:stretch>
         </p:blipFill>
         <p:spPr>
           <a:xfrm>
-            <a:off x="9046789" y="3958363"/>
+            <a:off x="7071699" y="4642941"/>
             <a:ext cx="288000" cy="100660"/>
           </a:xfrm>
           <a:prstGeom prst="rect">
@@ -6917,7 +7169,7 @@
             <p:nvPr/>
           </p:nvPicPr>
           <p:blipFill>
-            <a:blip r:embed="rId11"/>
+            <a:blip r:embed="rId12"/>
             <a:stretch>
               <a:fillRect/>
             </a:stretch>
@@ -6947,7 +7199,7 @@
         </p:nvGrpSpPr>
         <p:grpSpPr>
           <a:xfrm>
-            <a:off x="810280" y="1780222"/>
+            <a:off x="1114347" y="1755686"/>
             <a:ext cx="360000" cy="360000"/>
             <a:chOff x="262758" y="2633974"/>
             <a:chExt cx="720000" cy="720000"/>
@@ -7020,7 +7272,7 @@
             <p:nvPr/>
           </p:nvPicPr>
           <p:blipFill>
-            <a:blip r:embed="rId12"/>
+            <a:blip r:embed="rId13"/>
             <a:stretch>
               <a:fillRect/>
             </a:stretch>
@@ -7050,7 +7302,7 @@
         </p:nvGrpSpPr>
         <p:grpSpPr>
           <a:xfrm>
-            <a:off x="1216851" y="1780222"/>
+            <a:off x="748984" y="1355079"/>
             <a:ext cx="360000" cy="360000"/>
             <a:chOff x="5404964" y="4396133"/>
             <a:chExt cx="1800000" cy="1800000"/>
@@ -7123,7 +7375,7 @@
             <p:nvPr/>
           </p:nvPicPr>
           <p:blipFill>
-            <a:blip r:embed="rId13"/>
+            <a:blip r:embed="rId14"/>
             <a:stretch>
               <a:fillRect/>
             </a:stretch>
@@ -7153,7 +7405,7 @@
         </p:nvGrpSpPr>
         <p:grpSpPr>
           <a:xfrm>
-            <a:off x="8750745" y="3878395"/>
+            <a:off x="7482844" y="4360641"/>
             <a:ext cx="288000" cy="288000"/>
             <a:chOff x="5404964" y="4396133"/>
             <a:chExt cx="1800000" cy="1800000"/>
@@ -7226,7 +7478,7 @@
             <p:nvPr/>
           </p:nvPicPr>
           <p:blipFill>
-            <a:blip r:embed="rId13"/>
+            <a:blip r:embed="rId14"/>
             <a:stretch>
               <a:fillRect/>
             </a:stretch>
@@ -7257,7 +7509,7 @@
           <p:nvPr/>
         </p:nvPicPr>
         <p:blipFill>
-          <a:blip r:embed="rId14"/>
+          <a:blip r:embed="rId15"/>
           <a:stretch>
             <a:fillRect/>
           </a:stretch>
@@ -7286,7 +7538,7 @@
         </p:nvGrpSpPr>
         <p:grpSpPr>
           <a:xfrm>
-            <a:off x="461781" y="4858776"/>
+            <a:off x="398883" y="5155235"/>
             <a:ext cx="6954225" cy="770947"/>
             <a:chOff x="1363795" y="4921533"/>
             <a:chExt cx="6954225" cy="770947"/>
@@ -7457,7 +7709,7 @@
               <p:nvPr/>
             </p:nvPicPr>
             <p:blipFill>
-              <a:blip r:embed="rId12"/>
+              <a:blip r:embed="rId13"/>
               <a:stretch>
                 <a:fillRect/>
               </a:stretch>
@@ -7561,7 +7813,7 @@
             <p:nvPr/>
           </p:nvPicPr>
           <p:blipFill>
-            <a:blip r:embed="rId15"/>
+            <a:blip r:embed="rId16"/>
             <a:stretch>
               <a:fillRect/>
             </a:stretch>
@@ -7664,7 +7916,7 @@
             <p:nvPr/>
           </p:nvPicPr>
           <p:blipFill>
-            <a:blip r:embed="rId16"/>
+            <a:blip r:embed="rId17"/>
             <a:stretch>
               <a:fillRect/>
             </a:stretch>
@@ -7767,7 +8019,7 @@
             <p:nvPr/>
           </p:nvPicPr>
           <p:blipFill>
-            <a:blip r:embed="rId17"/>
+            <a:blip r:embed="rId18"/>
             <a:stretch>
               <a:fillRect/>
             </a:stretch>
@@ -7870,7 +8122,7 @@
             <p:nvPr/>
           </p:nvPicPr>
           <p:blipFill>
-            <a:blip r:embed="rId18"/>
+            <a:blip r:embed="rId19"/>
             <a:stretch>
               <a:fillRect/>
             </a:stretch>
@@ -7900,7 +8152,7 @@
         </p:nvGrpSpPr>
         <p:grpSpPr>
           <a:xfrm>
-            <a:off x="2029993" y="1780222"/>
+            <a:off x="1314267" y="975815"/>
             <a:ext cx="360000" cy="360000"/>
             <a:chOff x="10216711" y="4835236"/>
             <a:chExt cx="1800000" cy="1800000"/>
@@ -7973,7 +8225,7 @@
             <p:nvPr/>
           </p:nvPicPr>
           <p:blipFill>
-            <a:blip r:embed="rId19"/>
+            <a:blip r:embed="rId20"/>
             <a:stretch>
               <a:fillRect/>
             </a:stretch>
@@ -8003,7 +8255,7 @@
         </p:nvGrpSpPr>
         <p:grpSpPr>
           <a:xfrm>
-            <a:off x="1623422" y="1780222"/>
+            <a:off x="934347" y="982729"/>
             <a:ext cx="360000" cy="360000"/>
             <a:chOff x="7467428" y="2677562"/>
             <a:chExt cx="1800000" cy="1800000"/>
@@ -8076,7 +8328,7 @@
             <p:nvPr/>
           </p:nvPicPr>
           <p:blipFill>
-            <a:blip r:embed="rId20"/>
+            <a:blip r:embed="rId21"/>
             <a:stretch>
               <a:fillRect/>
             </a:stretch>
@@ -8179,7 +8431,7 @@
             <p:nvPr/>
           </p:nvPicPr>
           <p:blipFill>
-            <a:blip r:embed="rId21"/>
+            <a:blip r:embed="rId22"/>
             <a:stretch>
               <a:fillRect/>
             </a:stretch>
@@ -8209,7 +8461,7 @@
         </p:nvGrpSpPr>
         <p:grpSpPr>
           <a:xfrm>
-            <a:off x="10351620" y="3300079"/>
+            <a:off x="10111936" y="3317985"/>
             <a:ext cx="360000" cy="360000"/>
             <a:chOff x="10216711" y="4835236"/>
             <a:chExt cx="1800000" cy="1800000"/>
@@ -8282,7 +8534,7 @@
             <p:nvPr/>
           </p:nvPicPr>
           <p:blipFill>
-            <a:blip r:embed="rId19"/>
+            <a:blip r:embed="rId20"/>
             <a:stretch>
               <a:fillRect/>
             </a:stretch>
@@ -8312,7 +8564,7 @@
         </p:nvGrpSpPr>
         <p:grpSpPr>
           <a:xfrm>
-            <a:off x="9945049" y="3300079"/>
+            <a:off x="10517733" y="3325677"/>
             <a:ext cx="360000" cy="360000"/>
             <a:chOff x="7467428" y="2677562"/>
             <a:chExt cx="1800000" cy="1800000"/>
@@ -8385,7 +8637,7 @@
             <p:nvPr/>
           </p:nvPicPr>
           <p:blipFill>
-            <a:blip r:embed="rId20"/>
+            <a:blip r:embed="rId21"/>
             <a:stretch>
               <a:fillRect/>
             </a:stretch>
@@ -8401,6 +8653,259 @@
           </p:spPr>
         </p:pic>
       </p:grpSp>
+      <p:cxnSp>
+        <p:nvCxnSpPr>
+          <p:cNvPr id="3" name="Connecteur : en angle 2">
+            <a:extLst>
+              <a:ext uri="{FF2B5EF4-FFF2-40B4-BE49-F238E27FC236}">
+                <a16:creationId xmlns:a16="http://schemas.microsoft.com/office/drawing/2014/main" id="{AA27AC90-662E-BAC2-579B-0C9FBD7535F9}"/>
+              </a:ext>
+            </a:extLst>
+          </p:cNvPr>
+          <p:cNvCxnSpPr>
+            <a:cxnSpLocks/>
+            <a:stCxn id="17" idx="2"/>
+          </p:cNvCxnSpPr>
+          <p:nvPr/>
+        </p:nvCxnSpPr>
+        <p:spPr>
+          <a:xfrm rot="5400000" flipH="1">
+            <a:off x="2186113" y="620484"/>
+            <a:ext cx="2793998" cy="5052414"/>
+          </a:xfrm>
+          <a:prstGeom prst="bentConnector4">
+            <a:avLst>
+              <a:gd name="adj1" fmla="val -8182"/>
+              <a:gd name="adj2" fmla="val 113766"/>
+            </a:avLst>
+          </a:prstGeom>
+          <a:ln w="25400" cap="rnd">
+            <a:solidFill>
+              <a:srgbClr val="004F77"/>
+            </a:solidFill>
+            <a:tailEnd type="triangle" w="med" len="lg"/>
+          </a:ln>
+        </p:spPr>
+        <p:style>
+          <a:lnRef idx="1">
+            <a:schemeClr val="accent1"/>
+          </a:lnRef>
+          <a:fillRef idx="0">
+            <a:schemeClr val="accent1"/>
+          </a:fillRef>
+          <a:effectRef idx="0">
+            <a:schemeClr val="accent1"/>
+          </a:effectRef>
+          <a:fontRef idx="minor">
+            <a:schemeClr val="tx1"/>
+          </a:fontRef>
+        </p:style>
+      </p:cxnSp>
+      <p:cxnSp>
+        <p:nvCxnSpPr>
+          <p:cNvPr id="37" name="Connecteur : en angle 36">
+            <a:extLst>
+              <a:ext uri="{FF2B5EF4-FFF2-40B4-BE49-F238E27FC236}">
+                <a16:creationId xmlns:a16="http://schemas.microsoft.com/office/drawing/2014/main" id="{ACA503E6-976B-D586-F3E7-2F63C859C483}"/>
+              </a:ext>
+            </a:extLst>
+          </p:cNvPr>
+          <p:cNvCxnSpPr>
+            <a:cxnSpLocks/>
+            <a:stCxn id="107" idx="2"/>
+            <a:endCxn id="94" idx="2"/>
+          </p:cNvCxnSpPr>
+          <p:nvPr/>
+        </p:nvCxnSpPr>
+        <p:spPr>
+          <a:xfrm rot="5400000" flipH="1">
+            <a:off x="2642128" y="-358065"/>
+            <a:ext cx="3078388" cy="6864676"/>
+          </a:xfrm>
+          <a:prstGeom prst="bentConnector4">
+            <a:avLst>
+              <a:gd name="adj1" fmla="val -7426"/>
+              <a:gd name="adj2" fmla="val 107030"/>
+            </a:avLst>
+          </a:prstGeom>
+          <a:ln w="25400" cap="rnd">
+            <a:solidFill>
+              <a:srgbClr val="004F77"/>
+            </a:solidFill>
+            <a:tailEnd type="triangle" w="med" len="lg"/>
+          </a:ln>
+        </p:spPr>
+        <p:style>
+          <a:lnRef idx="1">
+            <a:schemeClr val="accent1"/>
+          </a:lnRef>
+          <a:fillRef idx="0">
+            <a:schemeClr val="accent1"/>
+          </a:fillRef>
+          <a:effectRef idx="0">
+            <a:schemeClr val="accent1"/>
+          </a:effectRef>
+          <a:fontRef idx="minor">
+            <a:schemeClr val="tx1"/>
+          </a:fontRef>
+        </p:style>
+      </p:cxnSp>
+      <p:cxnSp>
+        <p:nvCxnSpPr>
+          <p:cNvPr id="70" name="Connecteur : en angle 69">
+            <a:extLst>
+              <a:ext uri="{FF2B5EF4-FFF2-40B4-BE49-F238E27FC236}">
+                <a16:creationId xmlns:a16="http://schemas.microsoft.com/office/drawing/2014/main" id="{CC4F027C-53EF-44D4-17E7-77E8D55FFCF3}"/>
+              </a:ext>
+            </a:extLst>
+          </p:cNvPr>
+          <p:cNvCxnSpPr>
+            <a:cxnSpLocks/>
+            <a:stCxn id="131" idx="0"/>
+            <a:endCxn id="123" idx="0"/>
+          </p:cNvCxnSpPr>
+          <p:nvPr/>
+        </p:nvCxnSpPr>
+        <p:spPr>
+          <a:xfrm rot="16200000" flipV="1">
+            <a:off x="4738565" y="-2235387"/>
+            <a:ext cx="2309074" cy="8797669"/>
+          </a:xfrm>
+          <a:prstGeom prst="bentConnector3">
+            <a:avLst>
+              <a:gd name="adj1" fmla="val 106967"/>
+            </a:avLst>
+          </a:prstGeom>
+          <a:ln w="25400" cap="rnd">
+            <a:solidFill>
+              <a:srgbClr val="004F77"/>
+            </a:solidFill>
+            <a:tailEnd type="triangle" w="med" len="lg"/>
+          </a:ln>
+        </p:spPr>
+        <p:style>
+          <a:lnRef idx="1">
+            <a:schemeClr val="accent1"/>
+          </a:lnRef>
+          <a:fillRef idx="0">
+            <a:schemeClr val="accent1"/>
+          </a:fillRef>
+          <a:effectRef idx="0">
+            <a:schemeClr val="accent1"/>
+          </a:effectRef>
+          <a:fontRef idx="minor">
+            <a:schemeClr val="tx1"/>
+          </a:fontRef>
+        </p:style>
+      </p:cxnSp>
+      <p:cxnSp>
+        <p:nvCxnSpPr>
+          <p:cNvPr id="86" name="Connecteur : en angle 85">
+            <a:extLst>
+              <a:ext uri="{FF2B5EF4-FFF2-40B4-BE49-F238E27FC236}">
+                <a16:creationId xmlns:a16="http://schemas.microsoft.com/office/drawing/2014/main" id="{FF62F8F4-26D5-C1C0-F968-0D9C8E6202CE}"/>
+              </a:ext>
+            </a:extLst>
+          </p:cNvPr>
+          <p:cNvCxnSpPr>
+            <a:cxnSpLocks/>
+            <a:endCxn id="126" idx="0"/>
+          </p:cNvCxnSpPr>
+          <p:nvPr/>
+        </p:nvCxnSpPr>
+        <p:spPr>
+          <a:xfrm rot="10800000">
+            <a:off x="1113513" y="1004117"/>
+            <a:ext cx="9583391" cy="2312528"/>
+          </a:xfrm>
+          <a:prstGeom prst="bentConnector4">
+            <a:avLst>
+              <a:gd name="adj1" fmla="val -129"/>
+              <a:gd name="adj2" fmla="val 109885"/>
+            </a:avLst>
+          </a:prstGeom>
+          <a:ln w="25400" cap="rnd">
+            <a:solidFill>
+              <a:srgbClr val="004F77"/>
+            </a:solidFill>
+            <a:tailEnd type="triangle" w="med" len="lg"/>
+          </a:ln>
+        </p:spPr>
+        <p:style>
+          <a:lnRef idx="1">
+            <a:schemeClr val="accent1"/>
+          </a:lnRef>
+          <a:fillRef idx="0">
+            <a:schemeClr val="accent1"/>
+          </a:fillRef>
+          <a:effectRef idx="0">
+            <a:schemeClr val="accent1"/>
+          </a:effectRef>
+          <a:fontRef idx="minor">
+            <a:schemeClr val="tx1"/>
+          </a:fontRef>
+        </p:style>
+      </p:cxnSp>
+      <p:pic>
+        <p:nvPicPr>
+          <p:cNvPr id="97" name="Image 96">
+            <a:extLst>
+              <a:ext uri="{FF2B5EF4-FFF2-40B4-BE49-F238E27FC236}">
+                <a16:creationId xmlns:a16="http://schemas.microsoft.com/office/drawing/2014/main" id="{8DF50777-D213-0DD6-8E57-5C0488497C2F}"/>
+              </a:ext>
+            </a:extLst>
+          </p:cNvPr>
+          <p:cNvPicPr>
+            <a:picLocks noChangeAspect="1"/>
+          </p:cNvPicPr>
+          <p:nvPr/>
+        </p:nvPicPr>
+        <p:blipFill>
+          <a:blip r:embed="rId4"/>
+          <a:stretch>
+            <a:fillRect/>
+          </a:stretch>
+        </p:blipFill>
+        <p:spPr>
+          <a:xfrm rot="5400000">
+            <a:off x="10051477" y="2188574"/>
+            <a:ext cx="288000" cy="100660"/>
+          </a:xfrm>
+          <a:prstGeom prst="rect">
+            <a:avLst/>
+          </a:prstGeom>
+        </p:spPr>
+      </p:pic>
+      <p:pic>
+        <p:nvPicPr>
+          <p:cNvPr id="98" name="Image 97">
+            <a:extLst>
+              <a:ext uri="{FF2B5EF4-FFF2-40B4-BE49-F238E27FC236}">
+                <a16:creationId xmlns:a16="http://schemas.microsoft.com/office/drawing/2014/main" id="{24FD3C5D-FF5E-2EAC-8A1E-ABB221A8714D}"/>
+              </a:ext>
+            </a:extLst>
+          </p:cNvPr>
+          <p:cNvPicPr>
+            <a:picLocks noChangeAspect="1"/>
+          </p:cNvPicPr>
+          <p:nvPr/>
+        </p:nvPicPr>
+        <p:blipFill>
+          <a:blip r:embed="rId4"/>
+          <a:stretch>
+            <a:fillRect/>
+          </a:stretch>
+        </p:blipFill>
+        <p:spPr>
+          <a:xfrm rot="5400000">
+            <a:off x="10502500" y="2188574"/>
+            <a:ext cx="288000" cy="100660"/>
+          </a:xfrm>
+          <a:prstGeom prst="rect">
+            <a:avLst/>
+          </a:prstGeom>
+        </p:spPr>
+      </p:pic>
     </p:spTree>
     <p:extLst>
       <p:ext uri="{BB962C8B-B14F-4D97-AF65-F5344CB8AC3E}">
@@ -9124,6 +9629,24 @@
                 <a:latin typeface="Arial Nova" panose="020B0504020202020204" pitchFamily="34" charset="0"/>
               </a:rPr>
               <a:t>eMOTRONIC</a:t>
+            </a:r>
+            <a:endParaRPr lang="fr-FR" sz="1200" dirty="0">
+              <a:solidFill>
+                <a:srgbClr val="0C7391"/>
+              </a:solidFill>
+              <a:latin typeface="Arial Nova" panose="020B0504020202020204" pitchFamily="34" charset="0"/>
+            </a:endParaRPr>
+          </a:p>
+          <a:p>
+            <a:pPr algn="ctr"/>
+            <a:r>
+              <a:rPr lang="fr-FR" sz="1200" dirty="0">
+                <a:solidFill>
+                  <a:srgbClr val="0C7391"/>
+                </a:solidFill>
+                <a:latin typeface="Arial Nova" panose="020B0504020202020204" pitchFamily="34" charset="0"/>
+              </a:rPr>
+              <a:t>Hacheur</a:t>
             </a:r>
             <a:endParaRPr lang="fr-FR" sz="2000" dirty="0">
               <a:solidFill>
@@ -10719,8 +11242,8 @@
           </p:sp>
         </mc:Fallback>
       </mc:AlternateContent>
-      <mc:AlternateContent xmlns:mc="http://schemas.openxmlformats.org/markup-compatibility/2006" xmlns:a14="http://schemas.microsoft.com/office/drawing/2010/main">
-        <mc:Choice Requires="a14">
+      <mc:AlternateContent xmlns:mc="http://schemas.openxmlformats.org/markup-compatibility/2006">
+        <mc:Choice xmlns:a14="http://schemas.microsoft.com/office/drawing/2010/main" Requires="a14">
           <p:sp>
             <p:nvSpPr>
               <p:cNvPr id="65" name="ZoneTexte 64">
@@ -10736,7 +11259,7 @@
             <p:spPr>
               <a:xfrm>
                 <a:off x="2282648" y="3611652"/>
-                <a:ext cx="1161960" cy="276999"/>
+                <a:ext cx="1161960" cy="461665"/>
               </a:xfrm>
               <a:prstGeom prst="rect">
                 <a:avLst/>
@@ -10779,12 +11302,89 @@
                     <a:srgbClr val="FFB25A"/>
                   </a:solidFill>
                   <a:latin typeface="Arial Nova" panose="020B0504020202020204" pitchFamily="34" charset="0"/>
+                  <a:ea typeface="Cambria Math" panose="02040503050406030204" pitchFamily="18" charset="0"/>
+                  <a:cs typeface="Calibri" panose="020F0502020204030204" pitchFamily="34" charset="0"/>
+                </a:endParaRPr>
+              </a:p>
+              <a:p>
+                <a:pPr algn="ctr"/>
+                <a14:m>
+                  <m:oMathPara xmlns:m="http://schemas.openxmlformats.org/officeDocument/2006/math">
+                    <m:oMathParaPr>
+                      <m:jc m:val="centerGroup"/>
+                    </m:oMathParaPr>
+                    <m:oMath xmlns:m="http://schemas.openxmlformats.org/officeDocument/2006/math">
+                      <m:sSub>
+                        <m:sSubPr>
+                          <m:ctrlPr>
+                            <a:rPr lang="fr-FR" sz="1200" b="1" i="1" smtClean="0">
+                              <a:solidFill>
+                                <a:srgbClr val="FFB25A"/>
+                              </a:solidFill>
+                              <a:latin typeface="Cambria Math" panose="02040503050406030204" pitchFamily="18" charset="0"/>
+                              <a:ea typeface="Cambria Math" panose="02040503050406030204" pitchFamily="18" charset="0"/>
+                            </a:rPr>
+                          </m:ctrlPr>
+                        </m:sSubPr>
+                        <m:e>
+                          <m:r>
+                            <a:rPr lang="fr-FR" sz="1200" b="1" i="1" smtClean="0">
+                              <a:solidFill>
+                                <a:srgbClr val="FFB25A"/>
+                              </a:solidFill>
+                              <a:latin typeface="Cambria Math" panose="02040503050406030204" pitchFamily="18" charset="0"/>
+                              <a:ea typeface="Cambria Math" panose="02040503050406030204" pitchFamily="18" charset="0"/>
+                            </a:rPr>
+                            <m:t>𝓟</m:t>
+                          </m:r>
+                        </m:e>
+                        <m:sub>
+                          <m:r>
+                            <a:rPr lang="fr-FR" sz="1200" b="1" i="1" smtClean="0">
+                              <a:solidFill>
+                                <a:srgbClr val="FFB25A"/>
+                              </a:solidFill>
+                              <a:latin typeface="Cambria Math" panose="02040503050406030204" pitchFamily="18" charset="0"/>
+                              <a:ea typeface="Cambria Math" panose="02040503050406030204" pitchFamily="18" charset="0"/>
+                            </a:rPr>
+                            <m:t>𝒆𝒍𝒆𝒄</m:t>
+                          </m:r>
+                        </m:sub>
+                      </m:sSub>
+                      <m:r>
+                        <a:rPr lang="fr-FR" sz="1200" b="1" i="1" smtClean="0">
+                          <a:solidFill>
+                            <a:srgbClr val="FFB25A"/>
+                          </a:solidFill>
+                          <a:latin typeface="Cambria Math" panose="02040503050406030204" pitchFamily="18" charset="0"/>
+                          <a:ea typeface="Cambria Math" panose="02040503050406030204" pitchFamily="18" charset="0"/>
+                        </a:rPr>
+                        <m:t>=</m:t>
+                      </m:r>
+                      <m:r>
+                        <a:rPr lang="fr-FR" sz="1200" b="1" i="1" smtClean="0">
+                          <a:solidFill>
+                            <a:srgbClr val="FFB25A"/>
+                          </a:solidFill>
+                          <a:latin typeface="Cambria Math" panose="02040503050406030204" pitchFamily="18" charset="0"/>
+                          <a:ea typeface="Cambria Math" panose="02040503050406030204" pitchFamily="18" charset="0"/>
+                        </a:rPr>
+                        <m:t>𝑼𝑰</m:t>
+                      </m:r>
+                    </m:oMath>
+                  </m:oMathPara>
+                </a14:m>
+                <a:endParaRPr lang="fr-FR" sz="1200" b="1" dirty="0">
+                  <a:solidFill>
+                    <a:srgbClr val="FFB25A"/>
+                  </a:solidFill>
+                  <a:latin typeface="Arial Nova" panose="020B0504020202020204" pitchFamily="34" charset="0"/>
                 </a:endParaRPr>
               </a:p>
             </p:txBody>
           </p:sp>
         </mc:Choice>
-        <mc:Fallback xmlns="">
+        <mc:Fallback>
           <p:sp>
             <p:nvSpPr>
               <p:cNvPr id="65" name="ZoneTexte 64">
@@ -10802,7 +11402,7 @@
             <p:spPr>
               <a:xfrm>
                 <a:off x="2282648" y="3611652"/>
-                <a:ext cx="1161960" cy="276999"/>
+                <a:ext cx="1161960" cy="461665"/>
               </a:xfrm>
               <a:prstGeom prst="rect">
                 <a:avLst/>
@@ -10810,7 +11410,7 @@
               <a:blipFill>
                 <a:blip r:embed="rId10"/>
                 <a:stretch>
-                  <a:fillRect b="-15217"/>
+                  <a:fillRect/>
                 </a:stretch>
               </a:blipFill>
             </p:spPr>
@@ -10851,7 +11451,7 @@
         </p:blipFill>
         <p:spPr>
           <a:xfrm>
-            <a:off x="9046789" y="3958363"/>
+            <a:off x="7652702" y="4642941"/>
             <a:ext cx="288000" cy="100660"/>
           </a:xfrm>
           <a:prstGeom prst="rect">
@@ -11348,7 +11948,7 @@
         </p:nvGrpSpPr>
         <p:grpSpPr>
           <a:xfrm>
-            <a:off x="8692885" y="3904432"/>
+            <a:off x="8081703" y="4365490"/>
             <a:ext cx="288000" cy="288000"/>
             <a:chOff x="2661375" y="133118"/>
             <a:chExt cx="720000" cy="720000"/>
@@ -11600,8 +12200,8 @@
           </p:spPr>
         </p:pic>
       </p:grpSp>
-      <mc:AlternateContent xmlns:mc="http://schemas.openxmlformats.org/markup-compatibility/2006" xmlns:a14="http://schemas.microsoft.com/office/drawing/2010/main">
-        <mc:Choice Requires="a14">
+      <mc:AlternateContent xmlns:mc="http://schemas.openxmlformats.org/markup-compatibility/2006">
+        <mc:Choice xmlns:a14="http://schemas.microsoft.com/office/drawing/2010/main" Requires="a14">
           <p:sp>
             <p:nvSpPr>
               <p:cNvPr id="38" name="ZoneTexte 37">
@@ -11617,7 +12217,7 @@
             <p:spPr>
               <a:xfrm>
                 <a:off x="4434842" y="3600513"/>
-                <a:ext cx="1161960" cy="276999"/>
+                <a:ext cx="1161960" cy="461665"/>
               </a:xfrm>
               <a:prstGeom prst="rect">
                 <a:avLst/>
@@ -11660,12 +12260,89 @@
                     <a:srgbClr val="FFB25A"/>
                   </a:solidFill>
                   <a:latin typeface="Arial Nova" panose="020B0504020202020204" pitchFamily="34" charset="0"/>
+                  <a:ea typeface="Cambria Math" panose="02040503050406030204" pitchFamily="18" charset="0"/>
+                  <a:cs typeface="Calibri" panose="020F0502020204030204" pitchFamily="34" charset="0"/>
+                </a:endParaRPr>
+              </a:p>
+              <a:p>
+                <a:pPr algn="ctr"/>
+                <a14:m>
+                  <m:oMathPara xmlns:m="http://schemas.openxmlformats.org/officeDocument/2006/math">
+                    <m:oMathParaPr>
+                      <m:jc m:val="centerGroup"/>
+                    </m:oMathParaPr>
+                    <m:oMath xmlns:m="http://schemas.openxmlformats.org/officeDocument/2006/math">
+                      <m:sSub>
+                        <m:sSubPr>
+                          <m:ctrlPr>
+                            <a:rPr lang="fr-FR" sz="1200" b="1" i="1" smtClean="0">
+                              <a:solidFill>
+                                <a:srgbClr val="FFB25A"/>
+                              </a:solidFill>
+                              <a:latin typeface="Cambria Math" panose="02040503050406030204" pitchFamily="18" charset="0"/>
+                              <a:ea typeface="Cambria Math" panose="02040503050406030204" pitchFamily="18" charset="0"/>
+                            </a:rPr>
+                          </m:ctrlPr>
+                        </m:sSubPr>
+                        <m:e>
+                          <m:r>
+                            <a:rPr lang="fr-FR" sz="1200" b="1" i="1" smtClean="0">
+                              <a:solidFill>
+                                <a:srgbClr val="FFB25A"/>
+                              </a:solidFill>
+                              <a:latin typeface="Cambria Math" panose="02040503050406030204" pitchFamily="18" charset="0"/>
+                              <a:ea typeface="Cambria Math" panose="02040503050406030204" pitchFamily="18" charset="0"/>
+                            </a:rPr>
+                            <m:t>𝓟</m:t>
+                          </m:r>
+                        </m:e>
+                        <m:sub>
+                          <m:r>
+                            <a:rPr lang="fr-FR" sz="1200" b="1" i="1" smtClean="0">
+                              <a:solidFill>
+                                <a:srgbClr val="FFB25A"/>
+                              </a:solidFill>
+                              <a:latin typeface="Cambria Math" panose="02040503050406030204" pitchFamily="18" charset="0"/>
+                              <a:ea typeface="Cambria Math" panose="02040503050406030204" pitchFamily="18" charset="0"/>
+                            </a:rPr>
+                            <m:t>𝒆𝒍𝒆𝒄</m:t>
+                          </m:r>
+                        </m:sub>
+                      </m:sSub>
+                      <m:r>
+                        <a:rPr lang="fr-FR" sz="1200" b="1" i="1" smtClean="0">
+                          <a:solidFill>
+                            <a:srgbClr val="FFB25A"/>
+                          </a:solidFill>
+                          <a:latin typeface="Cambria Math" panose="02040503050406030204" pitchFamily="18" charset="0"/>
+                          <a:ea typeface="Cambria Math" panose="02040503050406030204" pitchFamily="18" charset="0"/>
+                        </a:rPr>
+                        <m:t>=</m:t>
+                      </m:r>
+                      <m:r>
+                        <a:rPr lang="fr-FR" sz="1200" b="1" i="1" smtClean="0">
+                          <a:solidFill>
+                            <a:srgbClr val="FFB25A"/>
+                          </a:solidFill>
+                          <a:latin typeface="Cambria Math" panose="02040503050406030204" pitchFamily="18" charset="0"/>
+                          <a:ea typeface="Cambria Math" panose="02040503050406030204" pitchFamily="18" charset="0"/>
+                        </a:rPr>
+                        <m:t>𝑼𝑰</m:t>
+                      </m:r>
+                    </m:oMath>
+                  </m:oMathPara>
+                </a14:m>
+                <a:endParaRPr lang="fr-FR" sz="1200" b="1" dirty="0">
+                  <a:solidFill>
+                    <a:srgbClr val="FFB25A"/>
+                  </a:solidFill>
+                  <a:latin typeface="Arial Nova" panose="020B0504020202020204" pitchFamily="34" charset="0"/>
                 </a:endParaRPr>
               </a:p>
             </p:txBody>
           </p:sp>
         </mc:Choice>
-        <mc:Fallback xmlns="">
+        <mc:Fallback>
           <p:sp>
             <p:nvSpPr>
               <p:cNvPr id="38" name="ZoneTexte 37">
@@ -11683,7 +12360,7 @@
             <p:spPr>
               <a:xfrm>
                 <a:off x="4434842" y="3600513"/>
-                <a:ext cx="1161960" cy="276999"/>
+                <a:ext cx="1161960" cy="461665"/>
               </a:xfrm>
               <a:prstGeom prst="rect">
                 <a:avLst/>
@@ -11691,7 +12368,7 @@
               <a:blipFill>
                 <a:blip r:embed="rId16"/>
                 <a:stretch>
-                  <a:fillRect t="-2222" b="-17778"/>
+                  <a:fillRect t="-1333"/>
                 </a:stretch>
               </a:blipFill>
             </p:spPr>
@@ -11710,6 +12387,54 @@
           </p:sp>
         </mc:Fallback>
       </mc:AlternateContent>
+      <p:cxnSp>
+        <p:nvCxnSpPr>
+          <p:cNvPr id="43" name="Connecteur : en angle 42">
+            <a:extLst>
+              <a:ext uri="{FF2B5EF4-FFF2-40B4-BE49-F238E27FC236}">
+                <a16:creationId xmlns:a16="http://schemas.microsoft.com/office/drawing/2014/main" id="{CB36E0AD-017E-725C-19A6-24C8AF9C3865}"/>
+              </a:ext>
+            </a:extLst>
+          </p:cNvPr>
+          <p:cNvCxnSpPr>
+            <a:stCxn id="19" idx="2"/>
+            <a:endCxn id="3" idx="2"/>
+          </p:cNvCxnSpPr>
+          <p:nvPr/>
+        </p:nvCxnSpPr>
+        <p:spPr>
+          <a:xfrm rot="5400000" flipH="1">
+            <a:off x="3610919" y="-63244"/>
+            <a:ext cx="2607218" cy="6635245"/>
+          </a:xfrm>
+          <a:prstGeom prst="bentConnector4">
+            <a:avLst>
+              <a:gd name="adj1" fmla="val -8768"/>
+              <a:gd name="adj2" fmla="val 118757"/>
+            </a:avLst>
+          </a:prstGeom>
+          <a:ln w="25400" cap="rnd">
+            <a:solidFill>
+              <a:srgbClr val="004F77"/>
+            </a:solidFill>
+            <a:tailEnd type="triangle" w="med" len="lg"/>
+          </a:ln>
+        </p:spPr>
+        <p:style>
+          <a:lnRef idx="1">
+            <a:schemeClr val="accent1"/>
+          </a:lnRef>
+          <a:fillRef idx="0">
+            <a:schemeClr val="accent1"/>
+          </a:fillRef>
+          <a:effectRef idx="0">
+            <a:schemeClr val="accent1"/>
+          </a:effectRef>
+          <a:fontRef idx="minor">
+            <a:schemeClr val="tx1"/>
+          </a:fontRef>
+        </p:style>
+      </p:cxnSp>
     </p:spTree>
     <p:extLst>
       <p:ext uri="{BB962C8B-B14F-4D97-AF65-F5344CB8AC3E}">

--- a/22_I3D/22_I3D_Corrige.pptx
+++ b/22_I3D/22_I3D_Corrige.pptx
@@ -360,7 +360,7 @@
           <a:p>
             <a:fld id="{D7F135F6-2A09-4FDD-9ECA-096E230CA0FA}" type="datetimeFigureOut">
               <a:rPr lang="fr-FR" smtClean="0"/>
-              <a:t>03/07/2023</a:t>
+              <a:t>06/04/2024</a:t>
             </a:fld>
             <a:endParaRPr lang="fr-FR"/>
           </a:p>
@@ -565,7 +565,7 @@
           <a:p>
             <a:fld id="{D7F135F6-2A09-4FDD-9ECA-096E230CA0FA}" type="datetimeFigureOut">
               <a:rPr lang="fr-FR" smtClean="0"/>
-              <a:t>03/07/2023</a:t>
+              <a:t>06/04/2024</a:t>
             </a:fld>
             <a:endParaRPr lang="fr-FR"/>
           </a:p>
@@ -821,7 +821,7 @@
           <a:p>
             <a:fld id="{D7F135F6-2A09-4FDD-9ECA-096E230CA0FA}" type="datetimeFigureOut">
               <a:rPr lang="fr-FR" smtClean="0"/>
-              <a:t>03/07/2023</a:t>
+              <a:t>06/04/2024</a:t>
             </a:fld>
             <a:endParaRPr lang="fr-FR"/>
           </a:p>
@@ -1027,7 +1027,7 @@
           <a:p>
             <a:fld id="{D7F135F6-2A09-4FDD-9ECA-096E230CA0FA}" type="datetimeFigureOut">
               <a:rPr lang="fr-FR" smtClean="0"/>
-              <a:t>03/07/2023</a:t>
+              <a:t>06/04/2024</a:t>
             </a:fld>
             <a:endParaRPr lang="fr-FR"/>
           </a:p>
@@ -1389,7 +1389,7 @@
           <a:p>
             <a:fld id="{D7F135F6-2A09-4FDD-9ECA-096E230CA0FA}" type="datetimeFigureOut">
               <a:rPr lang="fr-FR" smtClean="0"/>
-              <a:t>03/07/2023</a:t>
+              <a:t>06/04/2024</a:t>
             </a:fld>
             <a:endParaRPr lang="fr-FR"/>
           </a:p>
@@ -1664,7 +1664,7 @@
           <a:p>
             <a:fld id="{D7F135F6-2A09-4FDD-9ECA-096E230CA0FA}" type="datetimeFigureOut">
               <a:rPr lang="fr-FR" smtClean="0"/>
-              <a:t>03/07/2023</a:t>
+              <a:t>06/04/2024</a:t>
             </a:fld>
             <a:endParaRPr lang="fr-FR"/>
           </a:p>
@@ -2043,7 +2043,7 @@
           <a:p>
             <a:fld id="{D7F135F6-2A09-4FDD-9ECA-096E230CA0FA}" type="datetimeFigureOut">
               <a:rPr lang="fr-FR" smtClean="0"/>
-              <a:t>03/07/2023</a:t>
+              <a:t>06/04/2024</a:t>
             </a:fld>
             <a:endParaRPr lang="fr-FR"/>
           </a:p>
@@ -2161,7 +2161,7 @@
           <a:p>
             <a:fld id="{D7F135F6-2A09-4FDD-9ECA-096E230CA0FA}" type="datetimeFigureOut">
               <a:rPr lang="fr-FR" smtClean="0"/>
-              <a:t>03/07/2023</a:t>
+              <a:t>06/04/2024</a:t>
             </a:fld>
             <a:endParaRPr lang="fr-FR"/>
           </a:p>
@@ -2335,7 +2335,7 @@
           <a:p>
             <a:fld id="{D7F135F6-2A09-4FDD-9ECA-096E230CA0FA}" type="datetimeFigureOut">
               <a:rPr lang="fr-FR" smtClean="0"/>
-              <a:t>03/07/2023</a:t>
+              <a:t>06/04/2024</a:t>
             </a:fld>
             <a:endParaRPr lang="fr-FR"/>
           </a:p>
@@ -2692,7 +2692,7 @@
           <a:p>
             <a:fld id="{D7F135F6-2A09-4FDD-9ECA-096E230CA0FA}" type="datetimeFigureOut">
               <a:rPr lang="fr-FR" smtClean="0"/>
-              <a:t>03/07/2023</a:t>
+              <a:t>06/04/2024</a:t>
             </a:fld>
             <a:endParaRPr lang="fr-FR"/>
           </a:p>
@@ -3077,7 +3077,7 @@
           <a:p>
             <a:fld id="{D7F135F6-2A09-4FDD-9ECA-096E230CA0FA}" type="datetimeFigureOut">
               <a:rPr lang="fr-FR" smtClean="0"/>
-              <a:t>03/07/2023</a:t>
+              <a:t>06/04/2024</a:t>
             </a:fld>
             <a:endParaRPr lang="fr-FR"/>
           </a:p>
@@ -3367,7 +3367,7 @@
           <a:p>
             <a:fld id="{D7F135F6-2A09-4FDD-9ECA-096E230CA0FA}" type="datetimeFigureOut">
               <a:rPr lang="fr-FR" smtClean="0"/>
-              <a:t>03/07/2023</a:t>
+              <a:t>06/04/2024</a:t>
             </a:fld>
             <a:endParaRPr lang="fr-FR" dirty="0"/>
           </a:p>
@@ -4209,8 +4209,8 @@
           <a:chExt cx="0" cy="0"/>
         </a:xfrm>
       </p:grpSpPr>
-      <mc:AlternateContent xmlns:mc="http://schemas.openxmlformats.org/markup-compatibility/2006">
-        <mc:Choice xmlns:a14="http://schemas.microsoft.com/office/drawing/2010/main" Requires="a14">
+      <mc:AlternateContent xmlns:mc="http://schemas.openxmlformats.org/markup-compatibility/2006" xmlns:a14="http://schemas.microsoft.com/office/drawing/2010/main">
+        <mc:Choice Requires="a14">
           <p:sp>
             <p:nvSpPr>
               <p:cNvPr id="2" name="ZoneTexte 1">
@@ -4360,7 +4360,7 @@
             </p:txBody>
           </p:sp>
         </mc:Choice>
-        <mc:Fallback>
+        <mc:Fallback xmlns="">
           <p:sp>
             <p:nvSpPr>
               <p:cNvPr id="2" name="ZoneTexte 1">
@@ -5488,7 +5488,7 @@
                 </a:solidFill>
                 <a:latin typeface="Arial Nova" panose="020B0504020202020204" pitchFamily="34" charset="0"/>
               </a:rPr>
-              <a:t>Parallélogramme indéformables</a:t>
+              <a:t>Parallélogramme déformables</a:t>
             </a:r>
           </a:p>
         </p:txBody>
@@ -6856,8 +6856,8 @@
           </p:sp>
         </mc:Fallback>
       </mc:AlternateContent>
-      <mc:AlternateContent xmlns:mc="http://schemas.openxmlformats.org/markup-compatibility/2006">
-        <mc:Choice xmlns:a14="http://schemas.microsoft.com/office/drawing/2010/main" Requires="a14">
+      <mc:AlternateContent xmlns:mc="http://schemas.openxmlformats.org/markup-compatibility/2006" xmlns:a14="http://schemas.microsoft.com/office/drawing/2010/main">
+        <mc:Choice Requires="a14">
           <p:sp>
             <p:nvSpPr>
               <p:cNvPr id="65" name="ZoneTexte 64">
@@ -7007,7 +7007,7 @@
             </p:txBody>
           </p:sp>
         </mc:Choice>
-        <mc:Fallback>
+        <mc:Fallback xmlns="">
           <p:sp>
             <p:nvSpPr>
               <p:cNvPr id="65" name="ZoneTexte 64">
@@ -11242,8 +11242,8 @@
           </p:sp>
         </mc:Fallback>
       </mc:AlternateContent>
-      <mc:AlternateContent xmlns:mc="http://schemas.openxmlformats.org/markup-compatibility/2006">
-        <mc:Choice xmlns:a14="http://schemas.microsoft.com/office/drawing/2010/main" Requires="a14">
+      <mc:AlternateContent xmlns:mc="http://schemas.openxmlformats.org/markup-compatibility/2006" xmlns:a14="http://schemas.microsoft.com/office/drawing/2010/main">
+        <mc:Choice Requires="a14">
           <p:sp>
             <p:nvSpPr>
               <p:cNvPr id="65" name="ZoneTexte 64">
@@ -11384,7 +11384,7 @@
             </p:txBody>
           </p:sp>
         </mc:Choice>
-        <mc:Fallback>
+        <mc:Fallback xmlns="">
           <p:sp>
             <p:nvSpPr>
               <p:cNvPr id="65" name="ZoneTexte 64">
@@ -12200,8 +12200,8 @@
           </p:spPr>
         </p:pic>
       </p:grpSp>
-      <mc:AlternateContent xmlns:mc="http://schemas.openxmlformats.org/markup-compatibility/2006">
-        <mc:Choice xmlns:a14="http://schemas.microsoft.com/office/drawing/2010/main" Requires="a14">
+      <mc:AlternateContent xmlns:mc="http://schemas.openxmlformats.org/markup-compatibility/2006" xmlns:a14="http://schemas.microsoft.com/office/drawing/2010/main">
+        <mc:Choice Requires="a14">
           <p:sp>
             <p:nvSpPr>
               <p:cNvPr id="38" name="ZoneTexte 37">
@@ -12342,7 +12342,7 @@
             </p:txBody>
           </p:sp>
         </mc:Choice>
-        <mc:Fallback>
+        <mc:Fallback xmlns="">
           <p:sp>
             <p:nvSpPr>
               <p:cNvPr id="38" name="ZoneTexte 37">
@@ -14083,8 +14083,8 @@
           </p:sp>
         </mc:Fallback>
       </mc:AlternateContent>
-      <mc:AlternateContent xmlns:mc="http://schemas.openxmlformats.org/markup-compatibility/2006" xmlns:a14="http://schemas.microsoft.com/office/drawing/2010/main">
-        <mc:Choice Requires="a14">
+      <mc:AlternateContent xmlns:mc="http://schemas.openxmlformats.org/markup-compatibility/2006">
+        <mc:Choice xmlns:a14="http://schemas.microsoft.com/office/drawing/2010/main" Requires="a14">
           <p:sp>
             <p:nvSpPr>
               <p:cNvPr id="38" name="Espace réservé du contenu 2">
@@ -14761,7 +14761,7 @@
                               <a:rPr lang="fr-FR" b="0" i="1" smtClean="0">
                                 <a:latin typeface="Cambria Math" panose="02040503050406030204" pitchFamily="18" charset="0"/>
                               </a:rPr>
-                              <m:t>𝐵</m:t>
+                              <m:t>𝐶</m:t>
                             </m:r>
                           </m:e>
                           <m:sub>
@@ -14776,22 +14776,22 @@
                         <m:sSub>
                           <m:sSubPr>
                             <m:ctrlPr>
-                              <a:rPr lang="fr-FR" b="0" i="1" smtClean="0">
+                              <a:rPr lang="fr-FR" i="1">
                                 <a:latin typeface="Cambria Math" panose="02040503050406030204" pitchFamily="18" charset="0"/>
                               </a:rPr>
                             </m:ctrlPr>
                           </m:sSubPr>
                           <m:e>
                             <m:r>
-                              <a:rPr lang="fr-FR" b="0" i="1" smtClean="0">
-                                <a:latin typeface="Cambria Math" panose="02040503050406030204" pitchFamily="18" charset="0"/>
-                              </a:rPr>
-                              <m:t>𝐶</m:t>
+                              <a:rPr lang="fr-FR" i="1">
+                                <a:latin typeface="Cambria Math" panose="02040503050406030204" pitchFamily="18" charset="0"/>
+                              </a:rPr>
+                              <m:t>𝐵</m:t>
                             </m:r>
                           </m:e>
                           <m:sub>
                             <m:r>
-                              <a:rPr lang="fr-FR" b="0" i="1" smtClean="0">
+                              <a:rPr lang="fr-FR" i="1">
                                 <a:latin typeface="Cambria Math" panose="02040503050406030204" pitchFamily="18" charset="0"/>
                               </a:rPr>
                               <m:t>𝛼</m:t>
@@ -15283,7 +15283,7 @@
             </p:txBody>
           </p:sp>
         </mc:Choice>
-        <mc:Fallback xmlns="">
+        <mc:Fallback>
           <p:sp>
             <p:nvSpPr>
               <p:cNvPr id="38" name="Espace réservé du contenu 2">
@@ -16401,8 +16401,8 @@
           </a:p>
         </p:txBody>
       </p:sp>
-      <mc:AlternateContent xmlns:mc="http://schemas.openxmlformats.org/markup-compatibility/2006" xmlns:a14="http://schemas.microsoft.com/office/drawing/2010/main">
-        <mc:Choice Requires="a14">
+      <mc:AlternateContent xmlns:mc="http://schemas.openxmlformats.org/markup-compatibility/2006">
+        <mc:Choice xmlns:a14="http://schemas.microsoft.com/office/drawing/2010/main" Requires="a14">
           <p:sp>
             <p:nvSpPr>
               <p:cNvPr id="3" name="Espace réservé du contenu 2">
@@ -17409,7 +17409,7 @@
                       <a:rPr lang="fr-FR" b="0" i="1" smtClean="0">
                         <a:latin typeface="Cambria Math" panose="02040503050406030204" pitchFamily="18" charset="0"/>
                       </a:rPr>
-                      <m:t>+</m:t>
+                      <m:t>−</m:t>
                     </m:r>
                     <m:sSub>
                       <m:sSubPr>
@@ -17756,6 +17756,12 @@
                       </m:sSubPr>
                       <m:e>
                         <m:r>
+                          <a:rPr lang="fr-FR" b="0" i="1" smtClean="0">
+                            <a:latin typeface="Cambria Math" panose="02040503050406030204" pitchFamily="18" charset="0"/>
+                          </a:rPr>
+                          <m:t>−</m:t>
+                        </m:r>
+                        <m:r>
                           <a:rPr lang="fr-FR" i="1">
                             <a:latin typeface="Cambria Math" panose="02040503050406030204" pitchFamily="18" charset="0"/>
                           </a:rPr>
@@ -18247,6 +18253,12 @@
                       </a:rPr>
                       <m:t>⇔</m:t>
                     </m:r>
+                    <m:r>
+                      <a:rPr lang="fr-FR" b="0" i="1" smtClean="0">
+                        <a:latin typeface="Cambria Math" panose="02040503050406030204" pitchFamily="18" charset="0"/>
+                      </a:rPr>
+                      <m:t>−</m:t>
+                    </m:r>
                     <m:sSub>
                       <m:sSubPr>
                         <m:ctrlPr>
@@ -18701,6 +18713,12 @@
                       </m:sSubPr>
                       <m:e>
                         <m:r>
+                          <a:rPr lang="fr-FR" b="0" i="1" smtClean="0">
+                            <a:latin typeface="Cambria Math" panose="02040503050406030204" pitchFamily="18" charset="0"/>
+                          </a:rPr>
+                          <m:t>−</m:t>
+                        </m:r>
+                        <m:r>
                           <a:rPr lang="fr-FR" i="1">
                             <a:latin typeface="Cambria Math" panose="02040503050406030204" pitchFamily="18" charset="0"/>
                           </a:rPr>
@@ -19061,6 +19079,12 @@
                         <a:latin typeface="Cambria Math" panose="02040503050406030204" pitchFamily="18" charset="0"/>
                       </a:rPr>
                       <m:t>⇔</m:t>
+                    </m:r>
+                    <m:r>
+                      <a:rPr lang="fr-FR" b="0" i="1" smtClean="0">
+                        <a:latin typeface="Cambria Math" panose="02040503050406030204" pitchFamily="18" charset="0"/>
+                      </a:rPr>
+                      <m:t>−</m:t>
                     </m:r>
                     <m:sSub>
                       <m:sSubPr>
@@ -19633,421 +19657,7 @@
                               <a:rPr lang="fr-FR" i="1">
                                 <a:latin typeface="Cambria Math" panose="02040503050406030204" pitchFamily="18" charset="0"/>
                               </a:rPr>
-                              <m:t>𝑥</m:t>
-                            </m:r>
-                          </m:e>
-                          <m:sub>
-                            <m:r>
-                              <a:rPr lang="fr-FR" i="1">
-                                <a:latin typeface="Cambria Math" panose="02040503050406030204" pitchFamily="18" charset="0"/>
-                              </a:rPr>
-                              <m:t>𝑀</m:t>
-                            </m:r>
-                          </m:sub>
-                        </m:sSub>
-                        <m:r>
-                          <a:rPr lang="fr-FR" i="1">
-                            <a:latin typeface="Cambria Math" panose="02040503050406030204" pitchFamily="18" charset="0"/>
-                          </a:rPr>
-                          <m:t>−ℓ</m:t>
-                        </m:r>
-                        <m:func>
-                          <m:funcPr>
-                            <m:ctrlPr>
-                              <a:rPr lang="fr-FR" i="1">
-                                <a:latin typeface="Cambria Math" panose="02040503050406030204" pitchFamily="18" charset="0"/>
-                              </a:rPr>
-                            </m:ctrlPr>
-                          </m:funcPr>
-                          <m:fName>
-                            <m:r>
-                              <m:rPr>
-                                <m:sty m:val="p"/>
-                              </m:rPr>
-                              <a:rPr lang="fr-FR">
-                                <a:latin typeface="Cambria Math" panose="02040503050406030204" pitchFamily="18" charset="0"/>
-                              </a:rPr>
-                              <m:t>cos</m:t>
-                            </m:r>
-                          </m:fName>
-                          <m:e>
-                            <m:r>
-                              <a:rPr lang="fr-FR" i="1">
-                                <a:latin typeface="Cambria Math" panose="02040503050406030204" pitchFamily="18" charset="0"/>
-                              </a:rPr>
-                              <m:t>𝛼</m:t>
-                            </m:r>
-                          </m:e>
-                        </m:func>
-                      </m:e>
-                    </m:d>
-                    <m:acc>
-                      <m:accPr>
-                        <m:chr m:val="⃗"/>
-                        <m:ctrlPr>
-                          <a:rPr lang="fr-FR" i="1">
-                            <a:latin typeface="Cambria Math" panose="02040503050406030204" pitchFamily="18" charset="0"/>
-                          </a:rPr>
-                        </m:ctrlPr>
-                      </m:accPr>
-                      <m:e>
-                        <m:sSub>
-                          <m:sSubPr>
-                            <m:ctrlPr>
-                              <a:rPr lang="fr-FR" i="1">
-                                <a:latin typeface="Cambria Math" panose="02040503050406030204" pitchFamily="18" charset="0"/>
-                              </a:rPr>
-                            </m:ctrlPr>
-                          </m:sSubPr>
-                          <m:e>
-                            <m:r>
-                              <a:rPr lang="fr-FR" i="1">
-                                <a:latin typeface="Cambria Math" panose="02040503050406030204" pitchFamily="18" charset="0"/>
-                              </a:rPr>
-                              <m:t>𝑥</m:t>
-                            </m:r>
-                          </m:e>
-                          <m:sub>
-                            <m:r>
-                              <a:rPr lang="fr-FR" i="1">
-                                <a:latin typeface="Cambria Math" panose="02040503050406030204" pitchFamily="18" charset="0"/>
-                              </a:rPr>
-                              <m:t>0</m:t>
-                            </m:r>
-                          </m:sub>
-                        </m:sSub>
-                      </m:e>
-                    </m:acc>
-                    <m:r>
-                      <a:rPr lang="fr-FR">
-                        <a:latin typeface="Cambria Math" panose="02040503050406030204" pitchFamily="18" charset="0"/>
-                      </a:rPr>
-                      <m:t>+</m:t>
-                    </m:r>
-                    <m:d>
-                      <m:dPr>
-                        <m:ctrlPr>
-                          <a:rPr lang="fr-FR" i="1">
-                            <a:latin typeface="Cambria Math" panose="02040503050406030204" pitchFamily="18" charset="0"/>
-                          </a:rPr>
-                        </m:ctrlPr>
-                      </m:dPr>
-                      <m:e>
-                        <m:sSub>
-                          <m:sSubPr>
-                            <m:ctrlPr>
-                              <a:rPr lang="fr-FR" i="1">
-                                <a:latin typeface="Cambria Math" panose="02040503050406030204" pitchFamily="18" charset="0"/>
-                              </a:rPr>
-                            </m:ctrlPr>
-                          </m:sSubPr>
-                          <m:e>
-                            <m:r>
-                              <a:rPr lang="fr-FR" b="0" i="1" smtClean="0">
-                                <a:latin typeface="Cambria Math" panose="02040503050406030204" pitchFamily="18" charset="0"/>
-                              </a:rPr>
-                              <m:t>𝑦</m:t>
-                            </m:r>
-                          </m:e>
-                          <m:sub>
-                            <m:r>
-                              <a:rPr lang="fr-FR" i="1">
-                                <a:latin typeface="Cambria Math" panose="02040503050406030204" pitchFamily="18" charset="0"/>
-                              </a:rPr>
-                              <m:t>𝑀</m:t>
-                            </m:r>
-                          </m:sub>
-                        </m:sSub>
-                        <m:r>
-                          <a:rPr lang="fr-FR" i="1">
-                            <a:latin typeface="Cambria Math" panose="02040503050406030204" pitchFamily="18" charset="0"/>
-                          </a:rPr>
-                          <m:t>−ℓ</m:t>
-                        </m:r>
-                        <m:func>
-                          <m:funcPr>
-                            <m:ctrlPr>
-                              <a:rPr lang="fr-FR" i="1">
-                                <a:latin typeface="Cambria Math" panose="02040503050406030204" pitchFamily="18" charset="0"/>
-                              </a:rPr>
-                            </m:ctrlPr>
-                          </m:funcPr>
-                          <m:fName>
-                            <m:r>
-                              <m:rPr>
-                                <m:sty m:val="p"/>
-                              </m:rPr>
-                              <a:rPr lang="fr-FR" b="0" i="0" smtClean="0">
-                                <a:latin typeface="Cambria Math" panose="02040503050406030204" pitchFamily="18" charset="0"/>
-                              </a:rPr>
-                              <m:t>sin</m:t>
-                            </m:r>
-                          </m:fName>
-                          <m:e>
-                            <m:r>
-                              <a:rPr lang="fr-FR" i="1">
-                                <a:latin typeface="Cambria Math" panose="02040503050406030204" pitchFamily="18" charset="0"/>
-                              </a:rPr>
-                              <m:t>𝛼</m:t>
-                            </m:r>
-                          </m:e>
-                        </m:func>
-                      </m:e>
-                    </m:d>
-                    <m:acc>
-                      <m:accPr>
-                        <m:chr m:val="⃗"/>
-                        <m:ctrlPr>
-                          <a:rPr lang="fr-FR" i="1">
-                            <a:latin typeface="Cambria Math" panose="02040503050406030204" pitchFamily="18" charset="0"/>
-                          </a:rPr>
-                        </m:ctrlPr>
-                      </m:accPr>
-                      <m:e>
-                        <m:sSub>
-                          <m:sSubPr>
-                            <m:ctrlPr>
-                              <a:rPr lang="fr-FR" i="1">
-                                <a:latin typeface="Cambria Math" panose="02040503050406030204" pitchFamily="18" charset="0"/>
-                              </a:rPr>
-                            </m:ctrlPr>
-                          </m:sSubPr>
-                          <m:e>
-                            <m:r>
-                              <a:rPr lang="fr-FR" i="1">
-                                <a:latin typeface="Cambria Math" panose="02040503050406030204" pitchFamily="18" charset="0"/>
-                              </a:rPr>
-                              <m:t>𝑦</m:t>
-                            </m:r>
-                          </m:e>
-                          <m:sub>
-                            <m:r>
-                              <a:rPr lang="fr-FR" i="1">
-                                <a:latin typeface="Cambria Math" panose="02040503050406030204" pitchFamily="18" charset="0"/>
-                              </a:rPr>
-                              <m:t>0</m:t>
-                            </m:r>
-                          </m:sub>
-                        </m:sSub>
-                      </m:e>
-                    </m:acc>
-                    <m:r>
-                      <m:rPr>
-                        <m:nor/>
-                      </m:rPr>
-                      <a:rPr lang="fr-FR" dirty="0"/>
-                      <m:t> </m:t>
-                    </m:r>
-                    <m:r>
-                      <a:rPr lang="fr-FR">
-                        <a:latin typeface="Cambria Math" panose="02040503050406030204" pitchFamily="18" charset="0"/>
-                      </a:rPr>
-                      <m:t>+</m:t>
-                    </m:r>
-                    <m:d>
-                      <m:dPr>
-                        <m:ctrlPr>
-                          <a:rPr lang="fr-FR" i="1">
-                            <a:latin typeface="Cambria Math" panose="02040503050406030204" pitchFamily="18" charset="0"/>
-                          </a:rPr>
-                        </m:ctrlPr>
-                      </m:dPr>
-                      <m:e>
-                        <m:sSub>
-                          <m:sSubPr>
-                            <m:ctrlPr>
-                              <a:rPr lang="fr-FR" i="1">
-                                <a:latin typeface="Cambria Math" panose="02040503050406030204" pitchFamily="18" charset="0"/>
-                              </a:rPr>
-                            </m:ctrlPr>
-                          </m:sSubPr>
-                          <m:e>
-                            <m:r>
-                              <a:rPr lang="fr-FR" i="1">
-                                <a:latin typeface="Cambria Math" panose="02040503050406030204" pitchFamily="18" charset="0"/>
-                              </a:rPr>
-                              <m:t>𝑧</m:t>
-                            </m:r>
-                          </m:e>
-                          <m:sub>
-                            <m:r>
-                              <a:rPr lang="fr-FR" i="1">
-                                <a:latin typeface="Cambria Math" panose="02040503050406030204" pitchFamily="18" charset="0"/>
-                              </a:rPr>
-                              <m:t>𝑀</m:t>
-                            </m:r>
-                          </m:sub>
-                        </m:sSub>
-                        <m:r>
-                          <a:rPr lang="fr-FR">
-                            <a:latin typeface="Cambria Math" panose="02040503050406030204" pitchFamily="18" charset="0"/>
-                          </a:rPr>
-                          <m:t>−</m:t>
-                        </m:r>
-                        <m:sSub>
-                          <m:sSubPr>
-                            <m:ctrlPr>
-                              <a:rPr lang="fr-FR" i="1">
-                                <a:latin typeface="Cambria Math" panose="02040503050406030204" pitchFamily="18" charset="0"/>
-                              </a:rPr>
-                            </m:ctrlPr>
-                          </m:sSubPr>
-                          <m:e>
-                            <m:r>
-                              <a:rPr lang="fr-FR" i="1">
-                                <a:latin typeface="Cambria Math" panose="02040503050406030204" pitchFamily="18" charset="0"/>
-                              </a:rPr>
-                              <m:t>𝑧</m:t>
-                            </m:r>
-                          </m:e>
-                          <m:sub>
-                            <m:r>
-                              <a:rPr lang="fr-FR" i="1">
-                                <a:latin typeface="Cambria Math" panose="02040503050406030204" pitchFamily="18" charset="0"/>
-                              </a:rPr>
-                              <m:t>𝛼</m:t>
-                            </m:r>
-                          </m:sub>
-                        </m:sSub>
-                      </m:e>
-                    </m:d>
-                    <m:acc>
-                      <m:accPr>
-                        <m:chr m:val="⃗"/>
-                        <m:ctrlPr>
-                          <a:rPr lang="fr-FR" i="1">
-                            <a:latin typeface="Cambria Math" panose="02040503050406030204" pitchFamily="18" charset="0"/>
-                          </a:rPr>
-                        </m:ctrlPr>
-                      </m:accPr>
-                      <m:e>
-                        <m:sSub>
-                          <m:sSubPr>
-                            <m:ctrlPr>
-                              <a:rPr lang="fr-FR" i="1">
-                                <a:latin typeface="Cambria Math" panose="02040503050406030204" pitchFamily="18" charset="0"/>
-                              </a:rPr>
-                            </m:ctrlPr>
-                          </m:sSubPr>
-                          <m:e>
-                            <m:r>
-                              <a:rPr lang="fr-FR" i="1">
-                                <a:latin typeface="Cambria Math" panose="02040503050406030204" pitchFamily="18" charset="0"/>
-                              </a:rPr>
-                              <m:t>𝑧</m:t>
-                            </m:r>
-                          </m:e>
-                          <m:sub>
-                            <m:r>
-                              <a:rPr lang="fr-FR" i="1">
-                                <a:latin typeface="Cambria Math" panose="02040503050406030204" pitchFamily="18" charset="0"/>
-                              </a:rPr>
-                              <m:t>0</m:t>
-                            </m:r>
-                          </m:sub>
-                        </m:sSub>
-                      </m:e>
-                    </m:acc>
-                  </m:oMath>
-                </a14:m>
-                <a:endParaRPr lang="fr-FR" dirty="0"/>
-              </a:p>
-              <a:p>
-                <a14:m>
-                  <m:oMath xmlns:m="http://schemas.openxmlformats.org/officeDocument/2006/math">
-                    <m:r>
-                      <a:rPr lang="fr-FR" b="0" i="1" smtClean="0">
-                        <a:latin typeface="Cambria Math" panose="02040503050406030204" pitchFamily="18" charset="0"/>
-                      </a:rPr>
-                      <m:t>⇒</m:t>
-                    </m:r>
-                    <m:sSubSup>
-                      <m:sSubSupPr>
-                        <m:ctrlPr>
-                          <a:rPr lang="fr-FR" b="0" i="1" smtClean="0">
-                            <a:latin typeface="Cambria Math" panose="02040503050406030204" pitchFamily="18" charset="0"/>
-                          </a:rPr>
-                        </m:ctrlPr>
-                      </m:sSubSupPr>
-                      <m:e>
-                        <m:r>
-                          <a:rPr lang="fr-FR" i="1">
-                            <a:latin typeface="Cambria Math" panose="02040503050406030204" pitchFamily="18" charset="0"/>
-                          </a:rPr>
-                          <m:t>𝐿</m:t>
-                        </m:r>
-                      </m:e>
-                      <m:sub>
-                        <m:r>
-                          <a:rPr lang="fr-FR" i="1">
-                            <a:latin typeface="Cambria Math" panose="02040503050406030204" pitchFamily="18" charset="0"/>
-                          </a:rPr>
-                          <m:t>𝑏</m:t>
-                        </m:r>
-                      </m:sub>
-                      <m:sup>
-                        <m:r>
-                          <a:rPr lang="fr-FR" b="0" i="1" smtClean="0">
-                            <a:latin typeface="Cambria Math" panose="02040503050406030204" pitchFamily="18" charset="0"/>
-                          </a:rPr>
-                          <m:t>2</m:t>
-                        </m:r>
-                      </m:sup>
-                    </m:sSubSup>
-                    <m:r>
-                      <a:rPr lang="fr-FR" i="1">
-                        <a:latin typeface="Cambria Math" panose="02040503050406030204" pitchFamily="18" charset="0"/>
-                      </a:rPr>
-                      <m:t>=</m:t>
-                    </m:r>
-                    <m:sSup>
-                      <m:sSupPr>
-                        <m:ctrlPr>
-                          <a:rPr lang="fr-FR" b="0" i="1" smtClean="0">
-                            <a:latin typeface="Cambria Math" panose="02040503050406030204" pitchFamily="18" charset="0"/>
-                          </a:rPr>
-                        </m:ctrlPr>
-                      </m:sSupPr>
-                      <m:e>
-                        <m:d>
-                          <m:dPr>
-                            <m:ctrlPr>
-                              <a:rPr lang="fr-FR" i="1">
-                                <a:latin typeface="Cambria Math" panose="02040503050406030204" pitchFamily="18" charset="0"/>
-                              </a:rPr>
-                            </m:ctrlPr>
-                          </m:dPr>
-                          <m:e>
-                            <m:sSub>
-                              <m:sSubPr>
-                                <m:ctrlPr>
-                                  <a:rPr lang="fr-FR" i="1">
-                                    <a:latin typeface="Cambria Math" panose="02040503050406030204" pitchFamily="18" charset="0"/>
-                                  </a:rPr>
-                                </m:ctrlPr>
-                              </m:sSubPr>
-                              <m:e>
-                                <m:r>
-                                  <a:rPr lang="fr-FR" i="1">
-                                    <a:latin typeface="Cambria Math" panose="02040503050406030204" pitchFamily="18" charset="0"/>
-                                  </a:rPr>
-                                  <m:t>𝑥</m:t>
-                                </m:r>
-                              </m:e>
-                              <m:sub>
-                                <m:r>
-                                  <a:rPr lang="fr-FR" i="1">
-                                    <a:latin typeface="Cambria Math" panose="02040503050406030204" pitchFamily="18" charset="0"/>
-                                  </a:rPr>
-                                  <m:t>𝑀</m:t>
-                                </m:r>
-                              </m:sub>
-                            </m:sSub>
-                            <m:r>
-                              <a:rPr lang="fr-FR" i="1">
-                                <a:latin typeface="Cambria Math" panose="02040503050406030204" pitchFamily="18" charset="0"/>
-                              </a:rPr>
-                              <m:t>−ℓ</m:t>
+                              <m:t>ℓ</m:t>
                             </m:r>
                             <m:func>
                               <m:funcPr>
@@ -20077,6 +19687,438 @@
                                 </m:r>
                               </m:e>
                             </m:func>
+                            <m:r>
+                              <a:rPr lang="fr-FR" b="0" i="1" smtClean="0">
+                                <a:latin typeface="Cambria Math" panose="02040503050406030204" pitchFamily="18" charset="0"/>
+                              </a:rPr>
+                              <m:t>−</m:t>
+                            </m:r>
+                            <m:r>
+                              <a:rPr lang="fr-FR" i="1">
+                                <a:latin typeface="Cambria Math" panose="02040503050406030204" pitchFamily="18" charset="0"/>
+                              </a:rPr>
+                              <m:t>𝑥</m:t>
+                            </m:r>
+                          </m:e>
+                          <m:sub>
+                            <m:r>
+                              <a:rPr lang="fr-FR" i="1">
+                                <a:latin typeface="Cambria Math" panose="02040503050406030204" pitchFamily="18" charset="0"/>
+                              </a:rPr>
+                              <m:t>𝑀</m:t>
+                            </m:r>
+                          </m:sub>
+                        </m:sSub>
+                      </m:e>
+                    </m:d>
+                    <m:acc>
+                      <m:accPr>
+                        <m:chr m:val="⃗"/>
+                        <m:ctrlPr>
+                          <a:rPr lang="fr-FR" i="1">
+                            <a:latin typeface="Cambria Math" panose="02040503050406030204" pitchFamily="18" charset="0"/>
+                          </a:rPr>
+                        </m:ctrlPr>
+                      </m:accPr>
+                      <m:e>
+                        <m:sSub>
+                          <m:sSubPr>
+                            <m:ctrlPr>
+                              <a:rPr lang="fr-FR" i="1">
+                                <a:latin typeface="Cambria Math" panose="02040503050406030204" pitchFamily="18" charset="0"/>
+                              </a:rPr>
+                            </m:ctrlPr>
+                          </m:sSubPr>
+                          <m:e>
+                            <m:r>
+                              <a:rPr lang="fr-FR" i="1">
+                                <a:latin typeface="Cambria Math" panose="02040503050406030204" pitchFamily="18" charset="0"/>
+                              </a:rPr>
+                              <m:t>𝑥</m:t>
+                            </m:r>
+                          </m:e>
+                          <m:sub>
+                            <m:r>
+                              <a:rPr lang="fr-FR" i="1">
+                                <a:latin typeface="Cambria Math" panose="02040503050406030204" pitchFamily="18" charset="0"/>
+                              </a:rPr>
+                              <m:t>0</m:t>
+                            </m:r>
+                          </m:sub>
+                        </m:sSub>
+                      </m:e>
+                    </m:acc>
+                    <m:r>
+                      <a:rPr lang="fr-FR">
+                        <a:latin typeface="Cambria Math" panose="02040503050406030204" pitchFamily="18" charset="0"/>
+                      </a:rPr>
+                      <m:t>+</m:t>
+                    </m:r>
+                    <m:d>
+                      <m:dPr>
+                        <m:ctrlPr>
+                          <a:rPr lang="fr-FR" i="1">
+                            <a:latin typeface="Cambria Math" panose="02040503050406030204" pitchFamily="18" charset="0"/>
+                          </a:rPr>
+                        </m:ctrlPr>
+                      </m:dPr>
+                      <m:e>
+                        <m:r>
+                          <a:rPr lang="fr-FR" i="1">
+                            <a:latin typeface="Cambria Math" panose="02040503050406030204" pitchFamily="18" charset="0"/>
+                          </a:rPr>
+                          <m:t>ℓ</m:t>
+                        </m:r>
+                        <m:func>
+                          <m:funcPr>
+                            <m:ctrlPr>
+                              <a:rPr lang="fr-FR" i="1">
+                                <a:latin typeface="Cambria Math" panose="02040503050406030204" pitchFamily="18" charset="0"/>
+                              </a:rPr>
+                            </m:ctrlPr>
+                          </m:funcPr>
+                          <m:fName>
+                            <m:r>
+                              <m:rPr>
+                                <m:sty m:val="p"/>
+                              </m:rPr>
+                              <a:rPr lang="fr-FR" b="0" i="0" smtClean="0">
+                                <a:latin typeface="Cambria Math" panose="02040503050406030204" pitchFamily="18" charset="0"/>
+                              </a:rPr>
+                              <m:t>sin</m:t>
+                            </m:r>
+                          </m:fName>
+                          <m:e>
+                            <m:r>
+                              <a:rPr lang="fr-FR" i="1">
+                                <a:latin typeface="Cambria Math" panose="02040503050406030204" pitchFamily="18" charset="0"/>
+                              </a:rPr>
+                              <m:t>𝛼</m:t>
+                            </m:r>
+                          </m:e>
+                        </m:func>
+                        <m:r>
+                          <a:rPr lang="fr-FR" b="0" i="1" smtClean="0">
+                            <a:latin typeface="Cambria Math" panose="02040503050406030204" pitchFamily="18" charset="0"/>
+                          </a:rPr>
+                          <m:t>−</m:t>
+                        </m:r>
+                        <m:sSub>
+                          <m:sSubPr>
+                            <m:ctrlPr>
+                              <a:rPr lang="fr-FR" i="1">
+                                <a:latin typeface="Cambria Math" panose="02040503050406030204" pitchFamily="18" charset="0"/>
+                              </a:rPr>
+                            </m:ctrlPr>
+                          </m:sSubPr>
+                          <m:e>
+                            <m:r>
+                              <a:rPr lang="fr-FR" i="1">
+                                <a:latin typeface="Cambria Math" panose="02040503050406030204" pitchFamily="18" charset="0"/>
+                              </a:rPr>
+                              <m:t>𝑦</m:t>
+                            </m:r>
+                          </m:e>
+                          <m:sub>
+                            <m:r>
+                              <a:rPr lang="fr-FR" i="1">
+                                <a:latin typeface="Cambria Math" panose="02040503050406030204" pitchFamily="18" charset="0"/>
+                              </a:rPr>
+                              <m:t>𝑀</m:t>
+                            </m:r>
+                          </m:sub>
+                        </m:sSub>
+                      </m:e>
+                    </m:d>
+                    <m:acc>
+                      <m:accPr>
+                        <m:chr m:val="⃗"/>
+                        <m:ctrlPr>
+                          <a:rPr lang="fr-FR" i="1">
+                            <a:latin typeface="Cambria Math" panose="02040503050406030204" pitchFamily="18" charset="0"/>
+                          </a:rPr>
+                        </m:ctrlPr>
+                      </m:accPr>
+                      <m:e>
+                        <m:sSub>
+                          <m:sSubPr>
+                            <m:ctrlPr>
+                              <a:rPr lang="fr-FR" i="1">
+                                <a:latin typeface="Cambria Math" panose="02040503050406030204" pitchFamily="18" charset="0"/>
+                              </a:rPr>
+                            </m:ctrlPr>
+                          </m:sSubPr>
+                          <m:e>
+                            <m:r>
+                              <a:rPr lang="fr-FR" i="1">
+                                <a:latin typeface="Cambria Math" panose="02040503050406030204" pitchFamily="18" charset="0"/>
+                              </a:rPr>
+                              <m:t>𝑦</m:t>
+                            </m:r>
+                          </m:e>
+                          <m:sub>
+                            <m:r>
+                              <a:rPr lang="fr-FR" i="1">
+                                <a:latin typeface="Cambria Math" panose="02040503050406030204" pitchFamily="18" charset="0"/>
+                              </a:rPr>
+                              <m:t>0</m:t>
+                            </m:r>
+                          </m:sub>
+                        </m:sSub>
+                      </m:e>
+                    </m:acc>
+                    <m:r>
+                      <m:rPr>
+                        <m:nor/>
+                      </m:rPr>
+                      <a:rPr lang="fr-FR" dirty="0"/>
+                      <m:t> </m:t>
+                    </m:r>
+                    <m:r>
+                      <a:rPr lang="fr-FR">
+                        <a:latin typeface="Cambria Math" panose="02040503050406030204" pitchFamily="18" charset="0"/>
+                      </a:rPr>
+                      <m:t>+</m:t>
+                    </m:r>
+                    <m:d>
+                      <m:dPr>
+                        <m:ctrlPr>
+                          <a:rPr lang="fr-FR" i="1">
+                            <a:latin typeface="Cambria Math" panose="02040503050406030204" pitchFamily="18" charset="0"/>
+                          </a:rPr>
+                        </m:ctrlPr>
+                      </m:dPr>
+                      <m:e>
+                        <m:sSub>
+                          <m:sSubPr>
+                            <m:ctrlPr>
+                              <a:rPr lang="fr-FR" i="1">
+                                <a:latin typeface="Cambria Math" panose="02040503050406030204" pitchFamily="18" charset="0"/>
+                              </a:rPr>
+                            </m:ctrlPr>
+                          </m:sSubPr>
+                          <m:e>
+                            <m:r>
+                              <a:rPr lang="fr-FR" i="1">
+                                <a:latin typeface="Cambria Math" panose="02040503050406030204" pitchFamily="18" charset="0"/>
+                              </a:rPr>
+                              <m:t>𝑧</m:t>
+                            </m:r>
+                          </m:e>
+                          <m:sub>
+                            <m:r>
+                              <a:rPr lang="fr-FR" i="1">
+                                <a:latin typeface="Cambria Math" panose="02040503050406030204" pitchFamily="18" charset="0"/>
+                              </a:rPr>
+                              <m:t>𝛼</m:t>
+                            </m:r>
+                          </m:sub>
+                        </m:sSub>
+                        <m:r>
+                          <a:rPr lang="fr-FR" b="0" i="1" smtClean="0">
+                            <a:latin typeface="Cambria Math" panose="02040503050406030204" pitchFamily="18" charset="0"/>
+                          </a:rPr>
+                          <m:t>−</m:t>
+                        </m:r>
+                        <m:sSub>
+                          <m:sSubPr>
+                            <m:ctrlPr>
+                              <a:rPr lang="fr-FR" i="1">
+                                <a:latin typeface="Cambria Math" panose="02040503050406030204" pitchFamily="18" charset="0"/>
+                              </a:rPr>
+                            </m:ctrlPr>
+                          </m:sSubPr>
+                          <m:e>
+                            <m:r>
+                              <a:rPr lang="fr-FR" i="1">
+                                <a:latin typeface="Cambria Math" panose="02040503050406030204" pitchFamily="18" charset="0"/>
+                              </a:rPr>
+                              <m:t>𝑧</m:t>
+                            </m:r>
+                          </m:e>
+                          <m:sub>
+                            <m:r>
+                              <a:rPr lang="fr-FR" i="1">
+                                <a:latin typeface="Cambria Math" panose="02040503050406030204" pitchFamily="18" charset="0"/>
+                              </a:rPr>
+                              <m:t>𝑀</m:t>
+                            </m:r>
+                          </m:sub>
+                        </m:sSub>
+                      </m:e>
+                    </m:d>
+                    <m:acc>
+                      <m:accPr>
+                        <m:chr m:val="⃗"/>
+                        <m:ctrlPr>
+                          <a:rPr lang="fr-FR" i="1">
+                            <a:latin typeface="Cambria Math" panose="02040503050406030204" pitchFamily="18" charset="0"/>
+                          </a:rPr>
+                        </m:ctrlPr>
+                      </m:accPr>
+                      <m:e>
+                        <m:sSub>
+                          <m:sSubPr>
+                            <m:ctrlPr>
+                              <a:rPr lang="fr-FR" i="1">
+                                <a:latin typeface="Cambria Math" panose="02040503050406030204" pitchFamily="18" charset="0"/>
+                              </a:rPr>
+                            </m:ctrlPr>
+                          </m:sSubPr>
+                          <m:e>
+                            <m:r>
+                              <a:rPr lang="fr-FR" i="1">
+                                <a:latin typeface="Cambria Math" panose="02040503050406030204" pitchFamily="18" charset="0"/>
+                              </a:rPr>
+                              <m:t>𝑧</m:t>
+                            </m:r>
+                          </m:e>
+                          <m:sub>
+                            <m:r>
+                              <a:rPr lang="fr-FR" i="1">
+                                <a:latin typeface="Cambria Math" panose="02040503050406030204" pitchFamily="18" charset="0"/>
+                              </a:rPr>
+                              <m:t>0</m:t>
+                            </m:r>
+                          </m:sub>
+                        </m:sSub>
+                      </m:e>
+                    </m:acc>
+                  </m:oMath>
+                </a14:m>
+                <a:endParaRPr lang="fr-FR" dirty="0"/>
+              </a:p>
+              <a:p>
+                <a14:m>
+                  <m:oMath xmlns:m="http://schemas.openxmlformats.org/officeDocument/2006/math">
+                    <m:r>
+                      <a:rPr lang="fr-FR" b="0" i="1" smtClean="0">
+                        <a:latin typeface="Cambria Math" panose="02040503050406030204" pitchFamily="18" charset="0"/>
+                      </a:rPr>
+                      <m:t>⇒</m:t>
+                    </m:r>
+                    <m:sSubSup>
+                      <m:sSubSupPr>
+                        <m:ctrlPr>
+                          <a:rPr lang="fr-FR" b="0" i="1" smtClean="0">
+                            <a:latin typeface="Cambria Math" panose="02040503050406030204" pitchFamily="18" charset="0"/>
+                          </a:rPr>
+                        </m:ctrlPr>
+                      </m:sSubSupPr>
+                      <m:e>
+                        <m:r>
+                          <a:rPr lang="fr-FR" i="1">
+                            <a:latin typeface="Cambria Math" panose="02040503050406030204" pitchFamily="18" charset="0"/>
+                          </a:rPr>
+                          <m:t>𝐿</m:t>
+                        </m:r>
+                      </m:e>
+                      <m:sub>
+                        <m:r>
+                          <a:rPr lang="fr-FR" i="1">
+                            <a:latin typeface="Cambria Math" panose="02040503050406030204" pitchFamily="18" charset="0"/>
+                          </a:rPr>
+                          <m:t>𝑏</m:t>
+                        </m:r>
+                      </m:sub>
+                      <m:sup>
+                        <m:r>
+                          <a:rPr lang="fr-FR" b="0" i="1" smtClean="0">
+                            <a:latin typeface="Cambria Math" panose="02040503050406030204" pitchFamily="18" charset="0"/>
+                          </a:rPr>
+                          <m:t>2</m:t>
+                        </m:r>
+                      </m:sup>
+                    </m:sSubSup>
+                    <m:r>
+                      <a:rPr lang="fr-FR" i="1">
+                        <a:latin typeface="Cambria Math" panose="02040503050406030204" pitchFamily="18" charset="0"/>
+                      </a:rPr>
+                      <m:t>=</m:t>
+                    </m:r>
+                    <m:sSup>
+                      <m:sSupPr>
+                        <m:ctrlPr>
+                          <a:rPr lang="fr-FR" b="0" i="1" smtClean="0">
+                            <a:latin typeface="Cambria Math" panose="02040503050406030204" pitchFamily="18" charset="0"/>
+                          </a:rPr>
+                        </m:ctrlPr>
+                      </m:sSupPr>
+                      <m:e>
+                        <m:d>
+                          <m:dPr>
+                            <m:ctrlPr>
+                              <a:rPr lang="fr-FR" i="1">
+                                <a:latin typeface="Cambria Math" panose="02040503050406030204" pitchFamily="18" charset="0"/>
+                              </a:rPr>
+                            </m:ctrlPr>
+                          </m:dPr>
+                          <m:e>
+                            <m:r>
+                              <a:rPr lang="fr-FR" i="1">
+                                <a:latin typeface="Cambria Math" panose="02040503050406030204" pitchFamily="18" charset="0"/>
+                              </a:rPr>
+                              <m:t>ℓ</m:t>
+                            </m:r>
+                            <m:func>
+                              <m:funcPr>
+                                <m:ctrlPr>
+                                  <a:rPr lang="fr-FR" i="1">
+                                    <a:latin typeface="Cambria Math" panose="02040503050406030204" pitchFamily="18" charset="0"/>
+                                  </a:rPr>
+                                </m:ctrlPr>
+                              </m:funcPr>
+                              <m:fName>
+                                <m:r>
+                                  <m:rPr>
+                                    <m:sty m:val="p"/>
+                                  </m:rPr>
+                                  <a:rPr lang="fr-FR">
+                                    <a:latin typeface="Cambria Math" panose="02040503050406030204" pitchFamily="18" charset="0"/>
+                                  </a:rPr>
+                                  <m:t>cos</m:t>
+                                </m:r>
+                              </m:fName>
+                              <m:e>
+                                <m:r>
+                                  <a:rPr lang="fr-FR" i="1">
+                                    <a:latin typeface="Cambria Math" panose="02040503050406030204" pitchFamily="18" charset="0"/>
+                                  </a:rPr>
+                                  <m:t>𝛼</m:t>
+                                </m:r>
+                              </m:e>
+                            </m:func>
+                            <m:r>
+                              <a:rPr lang="fr-FR" b="0" i="1" smtClean="0">
+                                <a:latin typeface="Cambria Math" panose="02040503050406030204" pitchFamily="18" charset="0"/>
+                              </a:rPr>
+                              <m:t>−</m:t>
+                            </m:r>
+                            <m:sSub>
+                              <m:sSubPr>
+                                <m:ctrlPr>
+                                  <a:rPr lang="fr-FR" i="1">
+                                    <a:latin typeface="Cambria Math" panose="02040503050406030204" pitchFamily="18" charset="0"/>
+                                  </a:rPr>
+                                </m:ctrlPr>
+                              </m:sSubPr>
+                              <m:e>
+                                <m:r>
+                                  <a:rPr lang="fr-FR" i="1">
+                                    <a:latin typeface="Cambria Math" panose="02040503050406030204" pitchFamily="18" charset="0"/>
+                                  </a:rPr>
+                                  <m:t>𝑥</m:t>
+                                </m:r>
+                              </m:e>
+                              <m:sub>
+                                <m:r>
+                                  <a:rPr lang="fr-FR" i="1">
+                                    <a:latin typeface="Cambria Math" panose="02040503050406030204" pitchFamily="18" charset="0"/>
+                                  </a:rPr>
+                                  <m:t>𝑀</m:t>
+                                </m:r>
+                              </m:sub>
+                            </m:sSub>
                           </m:e>
                         </m:d>
                       </m:e>
@@ -20113,36 +20155,11 @@
                             </m:ctrlPr>
                           </m:dPr>
                           <m:e>
-                            <m:sSub>
-                              <m:sSubPr>
-                                <m:ctrlPr>
-                                  <a:rPr lang="fr-FR" i="1">
-                                    <a:latin typeface="Cambria Math" panose="02040503050406030204" pitchFamily="18" charset="0"/>
-                                  </a:rPr>
-                                </m:ctrlPr>
-                              </m:sSubPr>
-                              <m:e>
-                                <m:r>
-                                  <a:rPr lang="fr-FR" i="1">
-                                    <a:latin typeface="Cambria Math" panose="02040503050406030204" pitchFamily="18" charset="0"/>
-                                  </a:rPr>
-                                  <m:t>𝑦</m:t>
-                                </m:r>
-                              </m:e>
-                              <m:sub>
-                                <m:r>
-                                  <a:rPr lang="fr-FR" i="1">
-                                    <a:latin typeface="Cambria Math" panose="02040503050406030204" pitchFamily="18" charset="0"/>
-                                  </a:rPr>
-                                  <m:t>𝑀</m:t>
-                                </m:r>
-                              </m:sub>
-                            </m:sSub>
                             <m:r>
                               <a:rPr lang="fr-FR" i="1">
                                 <a:latin typeface="Cambria Math" panose="02040503050406030204" pitchFamily="18" charset="0"/>
                               </a:rPr>
-                              <m:t>−ℓ</m:t>
+                              <m:t>ℓ</m:t>
                             </m:r>
                             <m:func>
                               <m:funcPr>
@@ -20172,6 +20189,37 @@
                                 </m:r>
                               </m:e>
                             </m:func>
+                            <m:r>
+                              <a:rPr lang="fr-FR" b="0" i="1" smtClean="0">
+                                <a:latin typeface="Cambria Math" panose="02040503050406030204" pitchFamily="18" charset="0"/>
+                              </a:rPr>
+                              <m:t>−</m:t>
+                            </m:r>
+                            <m:sSub>
+                              <m:sSubPr>
+                                <m:ctrlPr>
+                                  <a:rPr lang="fr-FR" i="1">
+                                    <a:latin typeface="Cambria Math" panose="02040503050406030204" pitchFamily="18" charset="0"/>
+                                  </a:rPr>
+                                </m:ctrlPr>
+                              </m:sSubPr>
+                              <m:e>
+                                <m:r>
+                                  <a:rPr lang="fr-FR" i="1">
+                                    <a:latin typeface="Cambria Math" panose="02040503050406030204" pitchFamily="18" charset="0"/>
+                                  </a:rPr>
+                                  <m:t>𝑦</m:t>
+                                </m:r>
+                              </m:e>
+                              <m:sub>
+                                <m:r>
+                                  <a:rPr lang="fr-FR" i="1">
+                                    <a:latin typeface="Cambria Math" panose="02040503050406030204" pitchFamily="18" charset="0"/>
+                                  </a:rPr>
+                                  <m:t>𝑀</m:t>
+                                </m:r>
+                              </m:sub>
+                            </m:sSub>
                           </m:e>
                         </m:d>
                       </m:e>
@@ -20215,6 +20263,37 @@
                             </m:ctrlPr>
                           </m:dPr>
                           <m:e>
+                            <m:sSub>
+                              <m:sSubPr>
+                                <m:ctrlPr>
+                                  <a:rPr lang="fr-FR" i="1">
+                                    <a:latin typeface="Cambria Math" panose="02040503050406030204" pitchFamily="18" charset="0"/>
+                                  </a:rPr>
+                                </m:ctrlPr>
+                              </m:sSubPr>
+                              <m:e>
+                                <m:r>
+                                  <a:rPr lang="fr-FR" i="1">
+                                    <a:latin typeface="Cambria Math" panose="02040503050406030204" pitchFamily="18" charset="0"/>
+                                  </a:rPr>
+                                  <m:t>𝑧</m:t>
+                                </m:r>
+                              </m:e>
+                              <m:sub>
+                                <m:r>
+                                  <a:rPr lang="fr-FR" i="1">
+                                    <a:latin typeface="Cambria Math" panose="02040503050406030204" pitchFamily="18" charset="0"/>
+                                  </a:rPr>
+                                  <m:t>𝛼</m:t>
+                                </m:r>
+                              </m:sub>
+                            </m:sSub>
+                            <m:r>
+                              <a:rPr lang="fr-FR" b="0" i="1" smtClean="0">
+                                <a:latin typeface="Cambria Math" panose="02040503050406030204" pitchFamily="18" charset="0"/>
+                              </a:rPr>
+                              <m:t>−</m:t>
+                            </m:r>
                             <m:sSub>
                               <m:sSubPr>
                                 <m:ctrlPr>
@@ -20240,37 +20319,6 @@
                                 </m:r>
                               </m:sub>
                             </m:sSub>
-                            <m:r>
-                              <a:rPr lang="fr-FR">
-                                <a:latin typeface="Cambria Math" panose="02040503050406030204" pitchFamily="18" charset="0"/>
-                              </a:rPr>
-                              <m:t>−</m:t>
-                            </m:r>
-                            <m:sSub>
-                              <m:sSubPr>
-                                <m:ctrlPr>
-                                  <a:rPr lang="fr-FR" i="1">
-                                    <a:latin typeface="Cambria Math" panose="02040503050406030204" pitchFamily="18" charset="0"/>
-                                  </a:rPr>
-                                </m:ctrlPr>
-                              </m:sSubPr>
-                              <m:e>
-                                <m:r>
-                                  <a:rPr lang="fr-FR" i="1">
-                                    <a:latin typeface="Cambria Math" panose="02040503050406030204" pitchFamily="18" charset="0"/>
-                                  </a:rPr>
-                                  <m:t>𝑧</m:t>
-                                </m:r>
-                              </m:e>
-                              <m:sub>
-                                <m:r>
-                                  <a:rPr lang="fr-FR" i="1">
-                                    <a:latin typeface="Cambria Math" panose="02040503050406030204" pitchFamily="18" charset="0"/>
-                                  </a:rPr>
-                                  <m:t>𝛼</m:t>
-                                </m:r>
-                              </m:sub>
-                            </m:sSub>
                           </m:e>
                         </m:d>
                       </m:e>
@@ -20353,36 +20401,11 @@
                             </m:ctrlPr>
                           </m:dPr>
                           <m:e>
-                            <m:sSub>
-                              <m:sSubPr>
-                                <m:ctrlPr>
-                                  <a:rPr lang="fr-FR" i="1">
-                                    <a:latin typeface="Cambria Math" panose="02040503050406030204" pitchFamily="18" charset="0"/>
-                                  </a:rPr>
-                                </m:ctrlPr>
-                              </m:sSubPr>
-                              <m:e>
-                                <m:r>
-                                  <a:rPr lang="fr-FR" i="1">
-                                    <a:latin typeface="Cambria Math" panose="02040503050406030204" pitchFamily="18" charset="0"/>
-                                  </a:rPr>
-                                  <m:t>𝑥</m:t>
-                                </m:r>
-                              </m:e>
-                              <m:sub>
-                                <m:r>
-                                  <a:rPr lang="fr-FR" i="1">
-                                    <a:latin typeface="Cambria Math" panose="02040503050406030204" pitchFamily="18" charset="0"/>
-                                  </a:rPr>
-                                  <m:t>𝑀</m:t>
-                                </m:r>
-                              </m:sub>
-                            </m:sSub>
                             <m:r>
                               <a:rPr lang="fr-FR" i="1">
                                 <a:latin typeface="Cambria Math" panose="02040503050406030204" pitchFamily="18" charset="0"/>
                               </a:rPr>
-                              <m:t>−ℓ</m:t>
+                              <m:t>ℓ</m:t>
                             </m:r>
                             <m:func>
                               <m:funcPr>
@@ -20412,6 +20435,37 @@
                                 </m:r>
                               </m:e>
                             </m:func>
+                            <m:r>
+                              <a:rPr lang="fr-FR" i="1">
+                                <a:latin typeface="Cambria Math" panose="02040503050406030204" pitchFamily="18" charset="0"/>
+                              </a:rPr>
+                              <m:t>−</m:t>
+                            </m:r>
+                            <m:sSub>
+                              <m:sSubPr>
+                                <m:ctrlPr>
+                                  <a:rPr lang="fr-FR" i="1">
+                                    <a:latin typeface="Cambria Math" panose="02040503050406030204" pitchFamily="18" charset="0"/>
+                                  </a:rPr>
+                                </m:ctrlPr>
+                              </m:sSubPr>
+                              <m:e>
+                                <m:r>
+                                  <a:rPr lang="fr-FR" i="1">
+                                    <a:latin typeface="Cambria Math" panose="02040503050406030204" pitchFamily="18" charset="0"/>
+                                  </a:rPr>
+                                  <m:t>𝑥</m:t>
+                                </m:r>
+                              </m:e>
+                              <m:sub>
+                                <m:r>
+                                  <a:rPr lang="fr-FR" i="1">
+                                    <a:latin typeface="Cambria Math" panose="02040503050406030204" pitchFamily="18" charset="0"/>
+                                  </a:rPr>
+                                  <m:t>𝑀</m:t>
+                                </m:r>
+                              </m:sub>
+                            </m:sSub>
                           </m:e>
                         </m:d>
                       </m:e>
@@ -20448,36 +20502,11 @@
                             </m:ctrlPr>
                           </m:dPr>
                           <m:e>
-                            <m:sSub>
-                              <m:sSubPr>
-                                <m:ctrlPr>
-                                  <a:rPr lang="fr-FR" i="1">
-                                    <a:latin typeface="Cambria Math" panose="02040503050406030204" pitchFamily="18" charset="0"/>
-                                  </a:rPr>
-                                </m:ctrlPr>
-                              </m:sSubPr>
-                              <m:e>
-                                <m:r>
-                                  <a:rPr lang="fr-FR" i="1">
-                                    <a:latin typeface="Cambria Math" panose="02040503050406030204" pitchFamily="18" charset="0"/>
-                                  </a:rPr>
-                                  <m:t>𝑦</m:t>
-                                </m:r>
-                              </m:e>
-                              <m:sub>
-                                <m:r>
-                                  <a:rPr lang="fr-FR" i="1">
-                                    <a:latin typeface="Cambria Math" panose="02040503050406030204" pitchFamily="18" charset="0"/>
-                                  </a:rPr>
-                                  <m:t>𝑀</m:t>
-                                </m:r>
-                              </m:sub>
-                            </m:sSub>
                             <m:r>
                               <a:rPr lang="fr-FR" i="1">
                                 <a:latin typeface="Cambria Math" panose="02040503050406030204" pitchFamily="18" charset="0"/>
                               </a:rPr>
-                              <m:t>−ℓ</m:t>
+                              <m:t>ℓ</m:t>
                             </m:r>
                             <m:func>
                               <m:funcPr>
@@ -20507,6 +20536,37 @@
                                 </m:r>
                               </m:e>
                             </m:func>
+                            <m:r>
+                              <a:rPr lang="fr-FR" b="0" i="1" smtClean="0">
+                                <a:latin typeface="Cambria Math" panose="02040503050406030204" pitchFamily="18" charset="0"/>
+                              </a:rPr>
+                              <m:t>−</m:t>
+                            </m:r>
+                            <m:sSub>
+                              <m:sSubPr>
+                                <m:ctrlPr>
+                                  <a:rPr lang="fr-FR" i="1">
+                                    <a:latin typeface="Cambria Math" panose="02040503050406030204" pitchFamily="18" charset="0"/>
+                                  </a:rPr>
+                                </m:ctrlPr>
+                              </m:sSubPr>
+                              <m:e>
+                                <m:r>
+                                  <a:rPr lang="fr-FR" i="1">
+                                    <a:latin typeface="Cambria Math" panose="02040503050406030204" pitchFamily="18" charset="0"/>
+                                  </a:rPr>
+                                  <m:t>𝑦</m:t>
+                                </m:r>
+                              </m:e>
+                              <m:sub>
+                                <m:r>
+                                  <a:rPr lang="fr-FR" i="1">
+                                    <a:latin typeface="Cambria Math" panose="02040503050406030204" pitchFamily="18" charset="0"/>
+                                  </a:rPr>
+                                  <m:t>𝑀</m:t>
+                                </m:r>
+                              </m:sub>
+                            </m:sSub>
                           </m:e>
                         </m:d>
                       </m:e>
@@ -20550,6 +20610,37 @@
                             </m:ctrlPr>
                           </m:dPr>
                           <m:e>
+                            <m:sSub>
+                              <m:sSubPr>
+                                <m:ctrlPr>
+                                  <a:rPr lang="fr-FR" i="1">
+                                    <a:latin typeface="Cambria Math" panose="02040503050406030204" pitchFamily="18" charset="0"/>
+                                  </a:rPr>
+                                </m:ctrlPr>
+                              </m:sSubPr>
+                              <m:e>
+                                <m:r>
+                                  <a:rPr lang="fr-FR" i="1">
+                                    <a:latin typeface="Cambria Math" panose="02040503050406030204" pitchFamily="18" charset="0"/>
+                                  </a:rPr>
+                                  <m:t>𝑧</m:t>
+                                </m:r>
+                              </m:e>
+                              <m:sub>
+                                <m:r>
+                                  <a:rPr lang="fr-FR" i="1">
+                                    <a:latin typeface="Cambria Math" panose="02040503050406030204" pitchFamily="18" charset="0"/>
+                                  </a:rPr>
+                                  <m:t>𝛼</m:t>
+                                </m:r>
+                              </m:sub>
+                            </m:sSub>
+                            <m:r>
+                              <a:rPr lang="fr-FR">
+                                <a:latin typeface="Cambria Math" panose="02040503050406030204" pitchFamily="18" charset="0"/>
+                              </a:rPr>
+                              <m:t>−</m:t>
+                            </m:r>
                             <m:sSub>
                               <m:sSubPr>
                                 <m:ctrlPr>
@@ -20575,37 +20666,6 @@
                                 </m:r>
                               </m:sub>
                             </m:sSub>
-                            <m:r>
-                              <a:rPr lang="fr-FR">
-                                <a:latin typeface="Cambria Math" panose="02040503050406030204" pitchFamily="18" charset="0"/>
-                              </a:rPr>
-                              <m:t>−</m:t>
-                            </m:r>
-                            <m:sSub>
-                              <m:sSubPr>
-                                <m:ctrlPr>
-                                  <a:rPr lang="fr-FR" i="1">
-                                    <a:latin typeface="Cambria Math" panose="02040503050406030204" pitchFamily="18" charset="0"/>
-                                  </a:rPr>
-                                </m:ctrlPr>
-                              </m:sSubPr>
-                              <m:e>
-                                <m:r>
-                                  <a:rPr lang="fr-FR" i="1">
-                                    <a:latin typeface="Cambria Math" panose="02040503050406030204" pitchFamily="18" charset="0"/>
-                                  </a:rPr>
-                                  <m:t>𝑧</m:t>
-                                </m:r>
-                              </m:e>
-                              <m:sub>
-                                <m:r>
-                                  <a:rPr lang="fr-FR" i="1">
-                                    <a:latin typeface="Cambria Math" panose="02040503050406030204" pitchFamily="18" charset="0"/>
-                                  </a:rPr>
-                                  <m:t>𝛼</m:t>
-                                </m:r>
-                              </m:sub>
-                            </m:sSub>
                           </m:e>
                         </m:d>
                       </m:e>
@@ -20691,7 +20751,7 @@
                       <a:rPr lang="fr-FR" b="0" i="1" smtClean="0">
                         <a:latin typeface="Cambria Math" panose="02040503050406030204" pitchFamily="18" charset="0"/>
                       </a:rPr>
-                      <m:t>−</m:t>
+                      <m:t>+</m:t>
                     </m:r>
                     <m:rad>
                       <m:radPr>
@@ -20761,36 +20821,11 @@
                                 </m:ctrlPr>
                               </m:dPr>
                               <m:e>
-                                <m:sSub>
-                                  <m:sSubPr>
-                                    <m:ctrlPr>
-                                      <a:rPr lang="fr-FR" i="1">
-                                        <a:latin typeface="Cambria Math" panose="02040503050406030204" pitchFamily="18" charset="0"/>
-                                      </a:rPr>
-                                    </m:ctrlPr>
-                                  </m:sSubPr>
-                                  <m:e>
-                                    <m:r>
-                                      <a:rPr lang="fr-FR" i="1">
-                                        <a:latin typeface="Cambria Math" panose="02040503050406030204" pitchFamily="18" charset="0"/>
-                                      </a:rPr>
-                                      <m:t>𝑥</m:t>
-                                    </m:r>
-                                  </m:e>
-                                  <m:sub>
-                                    <m:r>
-                                      <a:rPr lang="fr-FR" i="1">
-                                        <a:latin typeface="Cambria Math" panose="02040503050406030204" pitchFamily="18" charset="0"/>
-                                      </a:rPr>
-                                      <m:t>𝑀</m:t>
-                                    </m:r>
-                                  </m:sub>
-                                </m:sSub>
                                 <m:r>
                                   <a:rPr lang="fr-FR" i="1">
                                     <a:latin typeface="Cambria Math" panose="02040503050406030204" pitchFamily="18" charset="0"/>
                                   </a:rPr>
-                                  <m:t>−ℓ</m:t>
+                                  <m:t>ℓ</m:t>
                                 </m:r>
                                 <m:func>
                                   <m:funcPr>
@@ -20820,42 +20855,12 @@
                                     </m:r>
                                   </m:e>
                                 </m:func>
-                              </m:e>
-                            </m:d>
-                          </m:e>
-                          <m:sup>
-                            <m:r>
-                              <a:rPr lang="fr-FR">
-                                <a:latin typeface="Cambria Math" panose="02040503050406030204" pitchFamily="18" charset="0"/>
-                              </a:rPr>
-                              <m:t>2</m:t>
-                            </m:r>
-                          </m:sup>
-                        </m:sSup>
-                        <m:r>
-                          <a:rPr lang="fr-FR">
-                            <a:latin typeface="Cambria Math" panose="02040503050406030204" pitchFamily="18" charset="0"/>
-                          </a:rPr>
-                          <m:t>−</m:t>
-                        </m:r>
-                        <m:sSup>
-                          <m:sSupPr>
-                            <m:ctrlPr>
-                              <a:rPr lang="fr-FR" i="1">
-                                <a:latin typeface="Cambria Math" panose="02040503050406030204" pitchFamily="18" charset="0"/>
-                              </a:rPr>
-                            </m:ctrlPr>
-                          </m:sSupPr>
-                          <m:e>
-                            <m:d>
-                              <m:dPr>
-                                <m:ctrlPr>
+                                <m:r>
                                   <a:rPr lang="fr-FR" i="1">
                                     <a:latin typeface="Cambria Math" panose="02040503050406030204" pitchFamily="18" charset="0"/>
                                   </a:rPr>
-                                </m:ctrlPr>
-                              </m:dPr>
-                              <m:e>
+                                  <m:t>−</m:t>
+                                </m:r>
                                 <m:sSub>
                                   <m:sSubPr>
                                     <m:ctrlPr>
@@ -20869,7 +20874,7 @@
                                       <a:rPr lang="fr-FR" i="1">
                                         <a:latin typeface="Cambria Math" panose="02040503050406030204" pitchFamily="18" charset="0"/>
                                       </a:rPr>
-                                      <m:t>𝑦</m:t>
+                                      <m:t>𝑥</m:t>
                                     </m:r>
                                   </m:e>
                                   <m:sub>
@@ -20881,11 +20886,47 @@
                                     </m:r>
                                   </m:sub>
                                 </m:sSub>
+                              </m:e>
+                            </m:d>
+                          </m:e>
+                          <m:sup>
+                            <m:r>
+                              <a:rPr lang="fr-FR">
+                                <a:latin typeface="Cambria Math" panose="02040503050406030204" pitchFamily="18" charset="0"/>
+                              </a:rPr>
+                              <m:t>2</m:t>
+                            </m:r>
+                          </m:sup>
+                        </m:sSup>
+                        <m:r>
+                          <a:rPr lang="fr-FR">
+                            <a:latin typeface="Cambria Math" panose="02040503050406030204" pitchFamily="18" charset="0"/>
+                          </a:rPr>
+                          <m:t>−</m:t>
+                        </m:r>
+                        <m:sSup>
+                          <m:sSupPr>
+                            <m:ctrlPr>
+                              <a:rPr lang="fr-FR" i="1">
+                                <a:latin typeface="Cambria Math" panose="02040503050406030204" pitchFamily="18" charset="0"/>
+                              </a:rPr>
+                            </m:ctrlPr>
+                          </m:sSupPr>
+                          <m:e>
+                            <m:d>
+                              <m:dPr>
+                                <m:ctrlPr>
+                                  <a:rPr lang="fr-FR" i="1">
+                                    <a:latin typeface="Cambria Math" panose="02040503050406030204" pitchFamily="18" charset="0"/>
+                                  </a:rPr>
+                                </m:ctrlPr>
+                              </m:dPr>
+                              <m:e>
                                 <m:r>
                                   <a:rPr lang="fr-FR" i="1">
                                     <a:latin typeface="Cambria Math" panose="02040503050406030204" pitchFamily="18" charset="0"/>
                                   </a:rPr>
-                                  <m:t>−ℓ</m:t>
+                                  <m:t>ℓ</m:t>
                                 </m:r>
                                 <m:func>
                                   <m:funcPr>
@@ -20915,6 +20956,37 @@
                                     </m:r>
                                   </m:e>
                                 </m:func>
+                                <m:r>
+                                  <a:rPr lang="fr-FR" i="1">
+                                    <a:latin typeface="Cambria Math" panose="02040503050406030204" pitchFamily="18" charset="0"/>
+                                  </a:rPr>
+                                  <m:t>−</m:t>
+                                </m:r>
+                                <m:sSub>
+                                  <m:sSubPr>
+                                    <m:ctrlPr>
+                                      <a:rPr lang="fr-FR" i="1">
+                                        <a:latin typeface="Cambria Math" panose="02040503050406030204" pitchFamily="18" charset="0"/>
+                                      </a:rPr>
+                                    </m:ctrlPr>
+                                  </m:sSubPr>
+                                  <m:e>
+                                    <m:r>
+                                      <a:rPr lang="fr-FR" i="1">
+                                        <a:latin typeface="Cambria Math" panose="02040503050406030204" pitchFamily="18" charset="0"/>
+                                      </a:rPr>
+                                      <m:t>𝑦</m:t>
+                                    </m:r>
+                                  </m:e>
+                                  <m:sub>
+                                    <m:r>
+                                      <a:rPr lang="fr-FR" i="1">
+                                        <a:latin typeface="Cambria Math" panose="02040503050406030204" pitchFamily="18" charset="0"/>
+                                      </a:rPr>
+                                      <m:t>𝑀</m:t>
+                                    </m:r>
+                                  </m:sub>
+                                </m:sSub>
                               </m:e>
                             </m:d>
                           </m:e>
@@ -20942,7 +21014,7 @@
             </p:txBody>
           </p:sp>
         </mc:Choice>
-        <mc:Fallback xmlns="">
+        <mc:Fallback>
           <p:sp>
             <p:nvSpPr>
               <p:cNvPr id="3" name="Espace réservé du contenu 2">
@@ -21018,10 +21090,10 @@
       </p:pic>
       <p:pic>
         <p:nvPicPr>
-          <p:cNvPr id="6" name="Image 5">
+          <p:cNvPr id="8" name="Image 7">
             <a:extLst>
               <a:ext uri="{FF2B5EF4-FFF2-40B4-BE49-F238E27FC236}">
-                <a16:creationId xmlns:a16="http://schemas.microsoft.com/office/drawing/2014/main" id="{7C3A7B4C-54DB-41F1-0688-0FA1A814112D}"/>
+                <a16:creationId xmlns:a16="http://schemas.microsoft.com/office/drawing/2014/main" id="{1A0D5C6A-3738-A2CD-D5D4-EBBADBA2AC86}"/>
               </a:ext>
             </a:extLst>
           </p:cNvPr>
@@ -21038,8 +21110,8 @@
         </p:blipFill>
         <p:spPr>
           <a:xfrm>
-            <a:off x="6567495" y="1754383"/>
-            <a:ext cx="3970139" cy="3422260"/>
+            <a:off x="6322547" y="1152190"/>
+            <a:ext cx="3888869" cy="3352205"/>
           </a:xfrm>
           <a:prstGeom prst="rect">
             <a:avLst/>
@@ -21101,8 +21173,8 @@
           </a:p>
         </p:txBody>
       </p:sp>
-      <mc:AlternateContent xmlns:mc="http://schemas.openxmlformats.org/markup-compatibility/2006" xmlns:a14="http://schemas.microsoft.com/office/drawing/2010/main">
-        <mc:Choice Requires="a14">
+      <mc:AlternateContent xmlns:mc="http://schemas.openxmlformats.org/markup-compatibility/2006">
+        <mc:Choice xmlns:a14="http://schemas.microsoft.com/office/drawing/2010/main" Requires="a14">
           <p:sp>
             <p:nvSpPr>
               <p:cNvPr id="3" name="Espace réservé du contenu 2">
@@ -21122,7 +21194,7 @@
             <p:spPr/>
             <p:txBody>
               <a:bodyPr>
-                <a:normAutofit fontScale="85000" lnSpcReduction="10000"/>
+                <a:normAutofit fontScale="92500" lnSpcReduction="20000"/>
               </a:bodyPr>
               <a:lstStyle/>
               <a:p>
@@ -21138,7 +21210,7 @@
                     <m:sSub>
                       <m:sSubPr>
                         <m:ctrlPr>
-                          <a:rPr lang="fr-FR" i="1">
+                          <a:rPr lang="fr-FR" i="1" smtClean="0">
                             <a:latin typeface="Cambria Math" panose="02040503050406030204" pitchFamily="18" charset="0"/>
                           </a:rPr>
                         </m:ctrlPr>
@@ -21192,16 +21264,16 @@
                       </m:sub>
                     </m:sSub>
                     <m:r>
-                      <a:rPr lang="fr-FR" b="0" i="1" smtClean="0">
+                      <a:rPr lang="fr-FR" i="1">
                         <a:latin typeface="Cambria Math" panose="02040503050406030204" pitchFamily="18" charset="0"/>
                       </a:rPr>
-                      <m:t>−</m:t>
+                      <m:t>+</m:t>
                     </m:r>
                     <m:rad>
                       <m:radPr>
                         <m:degHide m:val="on"/>
                         <m:ctrlPr>
-                          <a:rPr lang="fr-FR" b="0" i="1" smtClean="0">
+                          <a:rPr lang="fr-FR" i="1">
                             <a:latin typeface="Cambria Math" panose="02040503050406030204" pitchFamily="18" charset="0"/>
                           </a:rPr>
                         </m:ctrlPr>
@@ -21265,36 +21337,11 @@
                                 </m:ctrlPr>
                               </m:dPr>
                               <m:e>
-                                <m:sSub>
-                                  <m:sSubPr>
-                                    <m:ctrlPr>
-                                      <a:rPr lang="fr-FR" i="1">
-                                        <a:latin typeface="Cambria Math" panose="02040503050406030204" pitchFamily="18" charset="0"/>
-                                      </a:rPr>
-                                    </m:ctrlPr>
-                                  </m:sSubPr>
-                                  <m:e>
-                                    <m:r>
-                                      <a:rPr lang="fr-FR" i="1">
-                                        <a:latin typeface="Cambria Math" panose="02040503050406030204" pitchFamily="18" charset="0"/>
-                                      </a:rPr>
-                                      <m:t>𝑥</m:t>
-                                    </m:r>
-                                  </m:e>
-                                  <m:sub>
-                                    <m:r>
-                                      <a:rPr lang="fr-FR" i="1">
-                                        <a:latin typeface="Cambria Math" panose="02040503050406030204" pitchFamily="18" charset="0"/>
-                                      </a:rPr>
-                                      <m:t>𝑀</m:t>
-                                    </m:r>
-                                  </m:sub>
-                                </m:sSub>
                                 <m:r>
                                   <a:rPr lang="fr-FR" i="1">
                                     <a:latin typeface="Cambria Math" panose="02040503050406030204" pitchFamily="18" charset="0"/>
                                   </a:rPr>
-                                  <m:t>−ℓ</m:t>
+                                  <m:t>ℓ</m:t>
                                 </m:r>
                                 <m:func>
                                   <m:funcPr>
@@ -21324,42 +21371,12 @@
                                     </m:r>
                                   </m:e>
                                 </m:func>
-                              </m:e>
-                            </m:d>
-                          </m:e>
-                          <m:sup>
-                            <m:r>
-                              <a:rPr lang="fr-FR">
-                                <a:latin typeface="Cambria Math" panose="02040503050406030204" pitchFamily="18" charset="0"/>
-                              </a:rPr>
-                              <m:t>2</m:t>
-                            </m:r>
-                          </m:sup>
-                        </m:sSup>
-                        <m:r>
-                          <a:rPr lang="fr-FR">
-                            <a:latin typeface="Cambria Math" panose="02040503050406030204" pitchFamily="18" charset="0"/>
-                          </a:rPr>
-                          <m:t>−</m:t>
-                        </m:r>
-                        <m:sSup>
-                          <m:sSupPr>
-                            <m:ctrlPr>
-                              <a:rPr lang="fr-FR" i="1">
-                                <a:latin typeface="Cambria Math" panose="02040503050406030204" pitchFamily="18" charset="0"/>
-                              </a:rPr>
-                            </m:ctrlPr>
-                          </m:sSupPr>
-                          <m:e>
-                            <m:d>
-                              <m:dPr>
-                                <m:ctrlPr>
+                                <m:r>
                                   <a:rPr lang="fr-FR" i="1">
                                     <a:latin typeface="Cambria Math" panose="02040503050406030204" pitchFamily="18" charset="0"/>
                                   </a:rPr>
-                                </m:ctrlPr>
-                              </m:dPr>
-                              <m:e>
+                                  <m:t>−</m:t>
+                                </m:r>
                                 <m:sSub>
                                   <m:sSubPr>
                                     <m:ctrlPr>
@@ -21373,7 +21390,7 @@
                                       <a:rPr lang="fr-FR" i="1">
                                         <a:latin typeface="Cambria Math" panose="02040503050406030204" pitchFamily="18" charset="0"/>
                                       </a:rPr>
-                                      <m:t>𝑦</m:t>
+                                      <m:t>𝑥</m:t>
                                     </m:r>
                                   </m:e>
                                   <m:sub>
@@ -21385,11 +21402,47 @@
                                     </m:r>
                                   </m:sub>
                                 </m:sSub>
+                              </m:e>
+                            </m:d>
+                          </m:e>
+                          <m:sup>
+                            <m:r>
+                              <a:rPr lang="fr-FR">
+                                <a:latin typeface="Cambria Math" panose="02040503050406030204" pitchFamily="18" charset="0"/>
+                              </a:rPr>
+                              <m:t>2</m:t>
+                            </m:r>
+                          </m:sup>
+                        </m:sSup>
+                        <m:r>
+                          <a:rPr lang="fr-FR">
+                            <a:latin typeface="Cambria Math" panose="02040503050406030204" pitchFamily="18" charset="0"/>
+                          </a:rPr>
+                          <m:t>−</m:t>
+                        </m:r>
+                        <m:sSup>
+                          <m:sSupPr>
+                            <m:ctrlPr>
+                              <a:rPr lang="fr-FR" i="1">
+                                <a:latin typeface="Cambria Math" panose="02040503050406030204" pitchFamily="18" charset="0"/>
+                              </a:rPr>
+                            </m:ctrlPr>
+                          </m:sSupPr>
+                          <m:e>
+                            <m:d>
+                              <m:dPr>
+                                <m:ctrlPr>
+                                  <a:rPr lang="fr-FR" i="1">
+                                    <a:latin typeface="Cambria Math" panose="02040503050406030204" pitchFamily="18" charset="0"/>
+                                  </a:rPr>
+                                </m:ctrlPr>
+                              </m:dPr>
+                              <m:e>
                                 <m:r>
                                   <a:rPr lang="fr-FR" i="1">
                                     <a:latin typeface="Cambria Math" panose="02040503050406030204" pitchFamily="18" charset="0"/>
                                   </a:rPr>
-                                  <m:t>−ℓ</m:t>
+                                  <m:t>ℓ</m:t>
                                 </m:r>
                                 <m:func>
                                   <m:funcPr>
@@ -21419,6 +21472,37 @@
                                     </m:r>
                                   </m:e>
                                 </m:func>
+                                <m:r>
+                                  <a:rPr lang="fr-FR" i="1">
+                                    <a:latin typeface="Cambria Math" panose="02040503050406030204" pitchFamily="18" charset="0"/>
+                                  </a:rPr>
+                                  <m:t>−</m:t>
+                                </m:r>
+                                <m:sSub>
+                                  <m:sSubPr>
+                                    <m:ctrlPr>
+                                      <a:rPr lang="fr-FR" i="1">
+                                        <a:latin typeface="Cambria Math" panose="02040503050406030204" pitchFamily="18" charset="0"/>
+                                      </a:rPr>
+                                    </m:ctrlPr>
+                                  </m:sSubPr>
+                                  <m:e>
+                                    <m:r>
+                                      <a:rPr lang="fr-FR" i="1">
+                                        <a:latin typeface="Cambria Math" panose="02040503050406030204" pitchFamily="18" charset="0"/>
+                                      </a:rPr>
+                                      <m:t>𝑦</m:t>
+                                    </m:r>
+                                  </m:e>
+                                  <m:sub>
+                                    <m:r>
+                                      <a:rPr lang="fr-FR" i="1">
+                                        <a:latin typeface="Cambria Math" panose="02040503050406030204" pitchFamily="18" charset="0"/>
+                                      </a:rPr>
+                                      <m:t>𝑀</m:t>
+                                    </m:r>
+                                  </m:sub>
+                                </m:sSub>
                               </m:e>
                             </m:d>
                           </m:e>
@@ -21518,16 +21602,16 @@
                       </m:sub>
                     </m:sSub>
                     <m:r>
-                      <a:rPr lang="fr-FR" b="0" i="1" smtClean="0">
+                      <a:rPr lang="fr-FR" i="1">
                         <a:latin typeface="Cambria Math" panose="02040503050406030204" pitchFamily="18" charset="0"/>
                       </a:rPr>
-                      <m:t>−</m:t>
+                      <m:t>+</m:t>
                     </m:r>
                     <m:rad>
                       <m:radPr>
                         <m:degHide m:val="on"/>
                         <m:ctrlPr>
-                          <a:rPr lang="fr-FR" b="0" i="1" smtClean="0">
+                          <a:rPr lang="fr-FR" i="1">
                             <a:latin typeface="Cambria Math" panose="02040503050406030204" pitchFamily="18" charset="0"/>
                           </a:rPr>
                         </m:ctrlPr>
@@ -21591,6 +21675,46 @@
                                 </m:ctrlPr>
                               </m:dPr>
                               <m:e>
+                                <m:r>
+                                  <a:rPr lang="fr-FR" i="1">
+                                    <a:latin typeface="Cambria Math" panose="02040503050406030204" pitchFamily="18" charset="0"/>
+                                  </a:rPr>
+                                  <m:t>ℓ</m:t>
+                                </m:r>
+                                <m:func>
+                                  <m:funcPr>
+                                    <m:ctrlPr>
+                                      <a:rPr lang="fr-FR" i="1">
+                                        <a:latin typeface="Cambria Math" panose="02040503050406030204" pitchFamily="18" charset="0"/>
+                                      </a:rPr>
+                                    </m:ctrlPr>
+                                  </m:funcPr>
+                                  <m:fName>
+                                    <m:r>
+                                      <m:rPr>
+                                        <m:sty m:val="p"/>
+                                      </m:rPr>
+                                      <a:rPr lang="fr-FR">
+                                        <a:latin typeface="Cambria Math" panose="02040503050406030204" pitchFamily="18" charset="0"/>
+                                      </a:rPr>
+                                      <m:t>cos</m:t>
+                                    </m:r>
+                                  </m:fName>
+                                  <m:e>
+                                    <m:r>
+                                      <a:rPr lang="fr-FR" b="0" i="1" smtClean="0">
+                                        <a:latin typeface="Cambria Math" panose="02040503050406030204" pitchFamily="18" charset="0"/>
+                                      </a:rPr>
+                                      <m:t>𝛽</m:t>
+                                    </m:r>
+                                  </m:e>
+                                </m:func>
+                                <m:r>
+                                  <a:rPr lang="fr-FR" i="1">
+                                    <a:latin typeface="Cambria Math" panose="02040503050406030204" pitchFamily="18" charset="0"/>
+                                  </a:rPr>
+                                  <m:t>−</m:t>
+                                </m:r>
                                 <m:sSub>
                                   <m:sSubPr>
                                     <m:ctrlPr>
@@ -21616,16 +21740,52 @@
                                     </m:r>
                                   </m:sub>
                                 </m:sSub>
+                              </m:e>
+                            </m:d>
+                          </m:e>
+                          <m:sup>
+                            <m:r>
+                              <a:rPr lang="fr-FR">
+                                <a:latin typeface="Cambria Math" panose="02040503050406030204" pitchFamily="18" charset="0"/>
+                              </a:rPr>
+                              <m:t>2</m:t>
+                            </m:r>
+                          </m:sup>
+                        </m:sSup>
+                        <m:r>
+                          <a:rPr lang="fr-FR">
+                            <a:latin typeface="Cambria Math" panose="02040503050406030204" pitchFamily="18" charset="0"/>
+                          </a:rPr>
+                          <m:t>−</m:t>
+                        </m:r>
+                        <m:sSup>
+                          <m:sSupPr>
+                            <m:ctrlPr>
+                              <a:rPr lang="fr-FR" i="1">
+                                <a:latin typeface="Cambria Math" panose="02040503050406030204" pitchFamily="18" charset="0"/>
+                              </a:rPr>
+                            </m:ctrlPr>
+                          </m:sSupPr>
+                          <m:e>
+                            <m:d>
+                              <m:dPr>
+                                <m:ctrlPr>
+                                  <a:rPr lang="fr-FR" i="1">
+                                    <a:latin typeface="Cambria Math" panose="02040503050406030204" pitchFamily="18" charset="0"/>
+                                  </a:rPr>
+                                </m:ctrlPr>
+                              </m:dPr>
+                              <m:e>
                                 <m:r>
                                   <a:rPr lang="fr-FR" i="1">
                                     <a:latin typeface="Cambria Math" panose="02040503050406030204" pitchFamily="18" charset="0"/>
                                   </a:rPr>
-                                  <m:t>−ℓ</m:t>
+                                  <m:t>ℓ</m:t>
                                 </m:r>
                                 <m:func>
                                   <m:funcPr>
                                     <m:ctrlPr>
-                                      <a:rPr lang="fr-FR" i="1" smtClean="0">
+                                      <a:rPr lang="fr-FR" i="1">
                                         <a:latin typeface="Cambria Math" panose="02040503050406030204" pitchFamily="18" charset="0"/>
                                       </a:rPr>
                                     </m:ctrlPr>
@@ -21638,54 +21798,24 @@
                                       <a:rPr lang="fr-FR">
                                         <a:latin typeface="Cambria Math" panose="02040503050406030204" pitchFamily="18" charset="0"/>
                                       </a:rPr>
-                                      <m:t>cos</m:t>
+                                      <m:t>sin</m:t>
                                     </m:r>
                                   </m:fName>
                                   <m:e>
                                     <m:r>
-                                      <a:rPr lang="fr-FR" b="0" i="1" smtClean="0">
+                                      <a:rPr lang="fr-FR" i="1">
                                         <a:latin typeface="Cambria Math" panose="02040503050406030204" pitchFamily="18" charset="0"/>
                                       </a:rPr>
                                       <m:t>𝛽</m:t>
                                     </m:r>
                                   </m:e>
                                 </m:func>
-                              </m:e>
-                            </m:d>
-                          </m:e>
-                          <m:sup>
-                            <m:r>
-                              <a:rPr lang="fr-FR">
-                                <a:latin typeface="Cambria Math" panose="02040503050406030204" pitchFamily="18" charset="0"/>
-                              </a:rPr>
-                              <m:t>2</m:t>
-                            </m:r>
-                          </m:sup>
-                        </m:sSup>
-                        <m:r>
-                          <a:rPr lang="fr-FR">
-                            <a:latin typeface="Cambria Math" panose="02040503050406030204" pitchFamily="18" charset="0"/>
-                          </a:rPr>
-                          <m:t>−</m:t>
-                        </m:r>
-                        <m:sSup>
-                          <m:sSupPr>
-                            <m:ctrlPr>
-                              <a:rPr lang="fr-FR" i="1">
-                                <a:latin typeface="Cambria Math" panose="02040503050406030204" pitchFamily="18" charset="0"/>
-                              </a:rPr>
-                            </m:ctrlPr>
-                          </m:sSupPr>
-                          <m:e>
-                            <m:d>
-                              <m:dPr>
-                                <m:ctrlPr>
+                                <m:r>
                                   <a:rPr lang="fr-FR" i="1">
                                     <a:latin typeface="Cambria Math" panose="02040503050406030204" pitchFamily="18" charset="0"/>
                                   </a:rPr>
-                                </m:ctrlPr>
-                              </m:dPr>
-                              <m:e>
+                                  <m:t>−</m:t>
+                                </m:r>
                                 <m:sSub>
                                   <m:sSubPr>
                                     <m:ctrlPr>
@@ -21711,40 +21841,6 @@
                                     </m:r>
                                   </m:sub>
                                 </m:sSub>
-                                <m:r>
-                                  <a:rPr lang="fr-FR" i="1">
-                                    <a:latin typeface="Cambria Math" panose="02040503050406030204" pitchFamily="18" charset="0"/>
-                                  </a:rPr>
-                                  <m:t>−ℓ</m:t>
-                                </m:r>
-                                <m:func>
-                                  <m:funcPr>
-                                    <m:ctrlPr>
-                                      <a:rPr lang="fr-FR" i="1">
-                                        <a:latin typeface="Cambria Math" panose="02040503050406030204" pitchFamily="18" charset="0"/>
-                                      </a:rPr>
-                                    </m:ctrlPr>
-                                  </m:funcPr>
-                                  <m:fName>
-                                    <m:r>
-                                      <m:rPr>
-                                        <m:sty m:val="p"/>
-                                      </m:rPr>
-                                      <a:rPr lang="fr-FR">
-                                        <a:latin typeface="Cambria Math" panose="02040503050406030204" pitchFamily="18" charset="0"/>
-                                      </a:rPr>
-                                      <m:t>sin</m:t>
-                                    </m:r>
-                                  </m:fName>
-                                  <m:e>
-                                    <m:r>
-                                      <a:rPr lang="fr-FR" b="0" i="1" smtClean="0">
-                                        <a:latin typeface="Cambria Math" panose="02040503050406030204" pitchFamily="18" charset="0"/>
-                                      </a:rPr>
-                                      <m:t>𝛽</m:t>
-                                    </m:r>
-                                  </m:e>
-                                </m:func>
                               </m:e>
                             </m:d>
                           </m:e>
@@ -21856,16 +21952,16 @@
                       </m:sub>
                     </m:sSub>
                     <m:r>
-                      <a:rPr lang="fr-FR" b="0" i="1" smtClean="0">
+                      <a:rPr lang="fr-FR" i="1">
                         <a:latin typeface="Cambria Math" panose="02040503050406030204" pitchFamily="18" charset="0"/>
                       </a:rPr>
-                      <m:t>−</m:t>
+                      <m:t>+</m:t>
                     </m:r>
                     <m:rad>
                       <m:radPr>
                         <m:degHide m:val="on"/>
                         <m:ctrlPr>
-                          <a:rPr lang="fr-FR" b="0" i="1" smtClean="0">
+                          <a:rPr lang="fr-FR" i="1">
                             <a:latin typeface="Cambria Math" panose="02040503050406030204" pitchFamily="18" charset="0"/>
                           </a:rPr>
                         </m:ctrlPr>
@@ -21929,6 +22025,46 @@
                                 </m:ctrlPr>
                               </m:dPr>
                               <m:e>
+                                <m:r>
+                                  <a:rPr lang="fr-FR" i="1">
+                                    <a:latin typeface="Cambria Math" panose="02040503050406030204" pitchFamily="18" charset="0"/>
+                                  </a:rPr>
+                                  <m:t>ℓ</m:t>
+                                </m:r>
+                                <m:func>
+                                  <m:funcPr>
+                                    <m:ctrlPr>
+                                      <a:rPr lang="fr-FR" i="1">
+                                        <a:latin typeface="Cambria Math" panose="02040503050406030204" pitchFamily="18" charset="0"/>
+                                      </a:rPr>
+                                    </m:ctrlPr>
+                                  </m:funcPr>
+                                  <m:fName>
+                                    <m:r>
+                                      <m:rPr>
+                                        <m:sty m:val="p"/>
+                                      </m:rPr>
+                                      <a:rPr lang="fr-FR">
+                                        <a:latin typeface="Cambria Math" panose="02040503050406030204" pitchFamily="18" charset="0"/>
+                                      </a:rPr>
+                                      <m:t>cos</m:t>
+                                    </m:r>
+                                  </m:fName>
+                                  <m:e>
+                                    <m:r>
+                                      <a:rPr lang="fr-FR" b="0" i="1" smtClean="0">
+                                        <a:latin typeface="Cambria Math" panose="02040503050406030204" pitchFamily="18" charset="0"/>
+                                      </a:rPr>
+                                      <m:t>𝛾</m:t>
+                                    </m:r>
+                                  </m:e>
+                                </m:func>
+                                <m:r>
+                                  <a:rPr lang="fr-FR" i="1">
+                                    <a:latin typeface="Cambria Math" panose="02040503050406030204" pitchFamily="18" charset="0"/>
+                                  </a:rPr>
+                                  <m:t>−</m:t>
+                                </m:r>
                                 <m:sSub>
                                   <m:sSubPr>
                                     <m:ctrlPr>
@@ -21954,40 +22090,6 @@
                                     </m:r>
                                   </m:sub>
                                 </m:sSub>
-                                <m:r>
-                                  <a:rPr lang="fr-FR" i="1">
-                                    <a:latin typeface="Cambria Math" panose="02040503050406030204" pitchFamily="18" charset="0"/>
-                                  </a:rPr>
-                                  <m:t>−ℓ</m:t>
-                                </m:r>
-                                <m:func>
-                                  <m:funcPr>
-                                    <m:ctrlPr>
-                                      <a:rPr lang="fr-FR" i="1" smtClean="0">
-                                        <a:latin typeface="Cambria Math" panose="02040503050406030204" pitchFamily="18" charset="0"/>
-                                      </a:rPr>
-                                    </m:ctrlPr>
-                                  </m:funcPr>
-                                  <m:fName>
-                                    <m:r>
-                                      <m:rPr>
-                                        <m:sty m:val="p"/>
-                                      </m:rPr>
-                                      <a:rPr lang="fr-FR">
-                                        <a:latin typeface="Cambria Math" panose="02040503050406030204" pitchFamily="18" charset="0"/>
-                                      </a:rPr>
-                                      <m:t>cos</m:t>
-                                    </m:r>
-                                  </m:fName>
-                                  <m:e>
-                                    <m:r>
-                                      <a:rPr lang="fr-FR" b="0" i="1" smtClean="0">
-                                        <a:latin typeface="Cambria Math" panose="02040503050406030204" pitchFamily="18" charset="0"/>
-                                      </a:rPr>
-                                      <m:t>𝛾</m:t>
-                                    </m:r>
-                                  </m:e>
-                                </m:func>
                               </m:e>
                             </m:d>
                           </m:e>
@@ -22024,36 +22126,11 @@
                                 </m:ctrlPr>
                               </m:dPr>
                               <m:e>
-                                <m:sSub>
-                                  <m:sSubPr>
-                                    <m:ctrlPr>
-                                      <a:rPr lang="fr-FR" i="1">
-                                        <a:latin typeface="Cambria Math" panose="02040503050406030204" pitchFamily="18" charset="0"/>
-                                      </a:rPr>
-                                    </m:ctrlPr>
-                                  </m:sSubPr>
-                                  <m:e>
-                                    <m:r>
-                                      <a:rPr lang="fr-FR" i="1">
-                                        <a:latin typeface="Cambria Math" panose="02040503050406030204" pitchFamily="18" charset="0"/>
-                                      </a:rPr>
-                                      <m:t>𝑦</m:t>
-                                    </m:r>
-                                  </m:e>
-                                  <m:sub>
-                                    <m:r>
-                                      <a:rPr lang="fr-FR" i="1">
-                                        <a:latin typeface="Cambria Math" panose="02040503050406030204" pitchFamily="18" charset="0"/>
-                                      </a:rPr>
-                                      <m:t>𝑀</m:t>
-                                    </m:r>
-                                  </m:sub>
-                                </m:sSub>
                                 <m:r>
                                   <a:rPr lang="fr-FR" i="1">
                                     <a:latin typeface="Cambria Math" panose="02040503050406030204" pitchFamily="18" charset="0"/>
                                   </a:rPr>
-                                  <m:t>−ℓ</m:t>
+                                  <m:t>ℓ</m:t>
                                 </m:r>
                                 <m:func>
                                   <m:funcPr>
@@ -22083,6 +22160,37 @@
                                     </m:r>
                                   </m:e>
                                 </m:func>
+                                <m:r>
+                                  <a:rPr lang="fr-FR" i="1">
+                                    <a:latin typeface="Cambria Math" panose="02040503050406030204" pitchFamily="18" charset="0"/>
+                                  </a:rPr>
+                                  <m:t>−</m:t>
+                                </m:r>
+                                <m:sSub>
+                                  <m:sSubPr>
+                                    <m:ctrlPr>
+                                      <a:rPr lang="fr-FR" i="1">
+                                        <a:latin typeface="Cambria Math" panose="02040503050406030204" pitchFamily="18" charset="0"/>
+                                      </a:rPr>
+                                    </m:ctrlPr>
+                                  </m:sSubPr>
+                                  <m:e>
+                                    <m:r>
+                                      <a:rPr lang="fr-FR" i="1">
+                                        <a:latin typeface="Cambria Math" panose="02040503050406030204" pitchFamily="18" charset="0"/>
+                                      </a:rPr>
+                                      <m:t>𝑦</m:t>
+                                    </m:r>
+                                  </m:e>
+                                  <m:sub>
+                                    <m:r>
+                                      <a:rPr lang="fr-FR" i="1">
+                                        <a:latin typeface="Cambria Math" panose="02040503050406030204" pitchFamily="18" charset="0"/>
+                                      </a:rPr>
+                                      <m:t>𝑀</m:t>
+                                    </m:r>
+                                  </m:sub>
+                                </m:sSub>
                               </m:e>
                             </m:d>
                           </m:e>
@@ -22201,7 +22309,7 @@
                       <a:rPr lang="fr-FR" b="0" i="1" smtClean="0">
                         <a:latin typeface="Cambria Math" panose="02040503050406030204" pitchFamily="18" charset="0"/>
                       </a:rPr>
-                      <m:t>−</m:t>
+                      <m:t>+</m:t>
                     </m:r>
                     <m:rad>
                       <m:radPr>
@@ -22271,36 +22379,11 @@
                                 </m:ctrlPr>
                               </m:dPr>
                               <m:e>
-                                <m:sSub>
-                                  <m:sSubPr>
-                                    <m:ctrlPr>
-                                      <a:rPr lang="fr-FR" i="1">
-                                        <a:latin typeface="Cambria Math" panose="02040503050406030204" pitchFamily="18" charset="0"/>
-                                      </a:rPr>
-                                    </m:ctrlPr>
-                                  </m:sSubPr>
-                                  <m:e>
-                                    <m:r>
-                                      <a:rPr lang="fr-FR" i="1">
-                                        <a:latin typeface="Cambria Math" panose="02040503050406030204" pitchFamily="18" charset="0"/>
-                                      </a:rPr>
-                                      <m:t>𝑥</m:t>
-                                    </m:r>
-                                  </m:e>
-                                  <m:sub>
-                                    <m:r>
-                                      <a:rPr lang="fr-FR" i="1">
-                                        <a:latin typeface="Cambria Math" panose="02040503050406030204" pitchFamily="18" charset="0"/>
-                                      </a:rPr>
-                                      <m:t>𝑀</m:t>
-                                    </m:r>
-                                  </m:sub>
-                                </m:sSub>
                                 <m:r>
                                   <a:rPr lang="fr-FR" b="0" i="1" smtClean="0">
                                     <a:latin typeface="Cambria Math" panose="02040503050406030204" pitchFamily="18" charset="0"/>
                                   </a:rPr>
-                                  <m:t>+</m:t>
+                                  <m:t>−</m:t>
                                 </m:r>
                                 <m:f>
                                   <m:fPr>
@@ -22346,6 +22429,37 @@
                                     </m:r>
                                   </m:den>
                                 </m:f>
+                                <m:r>
+                                  <a:rPr lang="fr-FR" b="0" i="1" smtClean="0">
+                                    <a:latin typeface="Cambria Math" panose="02040503050406030204" pitchFamily="18" charset="0"/>
+                                  </a:rPr>
+                                  <m:t>−</m:t>
+                                </m:r>
+                                <m:sSub>
+                                  <m:sSubPr>
+                                    <m:ctrlPr>
+                                      <a:rPr lang="fr-FR" i="1">
+                                        <a:latin typeface="Cambria Math" panose="02040503050406030204" pitchFamily="18" charset="0"/>
+                                      </a:rPr>
+                                    </m:ctrlPr>
+                                  </m:sSubPr>
+                                  <m:e>
+                                    <m:r>
+                                      <a:rPr lang="fr-FR" i="1">
+                                        <a:latin typeface="Cambria Math" panose="02040503050406030204" pitchFamily="18" charset="0"/>
+                                      </a:rPr>
+                                      <m:t>𝑥</m:t>
+                                    </m:r>
+                                  </m:e>
+                                  <m:sub>
+                                    <m:r>
+                                      <a:rPr lang="fr-FR" i="1">
+                                        <a:latin typeface="Cambria Math" panose="02040503050406030204" pitchFamily="18" charset="0"/>
+                                      </a:rPr>
+                                      <m:t>𝑀</m:t>
+                                    </m:r>
+                                  </m:sub>
+                                </m:sSub>
                               </m:e>
                             </m:d>
                           </m:e>
@@ -22382,6 +22496,30 @@
                                 </m:ctrlPr>
                               </m:dPr>
                               <m:e>
+                                <m:r>
+                                  <a:rPr lang="fr-FR" b="0" i="1" smtClean="0">
+                                    <a:latin typeface="Cambria Math" panose="02040503050406030204" pitchFamily="18" charset="0"/>
+                                  </a:rPr>
+                                  <m:t>−</m:t>
+                                </m:r>
+                                <m:r>
+                                  <a:rPr lang="fr-FR" b="0" i="1" smtClean="0">
+                                    <a:latin typeface="Cambria Math" panose="02040503050406030204" pitchFamily="18" charset="0"/>
+                                  </a:rPr>
+                                  <m:t>0,5</m:t>
+                                </m:r>
+                                <m:r>
+                                  <a:rPr lang="fr-FR" i="1">
+                                    <a:latin typeface="Cambria Math" panose="02040503050406030204" pitchFamily="18" charset="0"/>
+                                  </a:rPr>
+                                  <m:t>ℓ</m:t>
+                                </m:r>
+                                <m:r>
+                                  <a:rPr lang="fr-FR" b="0" i="1" smtClean="0">
+                                    <a:latin typeface="Cambria Math" panose="02040503050406030204" pitchFamily="18" charset="0"/>
+                                  </a:rPr>
+                                  <m:t>−</m:t>
+                                </m:r>
                                 <m:sSub>
                                   <m:sSubPr>
                                     <m:ctrlPr>
@@ -22407,18 +22545,6 @@
                                     </m:r>
                                   </m:sub>
                                 </m:sSub>
-                                <m:r>
-                                  <a:rPr lang="fr-FR" b="0" i="1" smtClean="0">
-                                    <a:latin typeface="Cambria Math" panose="02040503050406030204" pitchFamily="18" charset="0"/>
-                                  </a:rPr>
-                                  <m:t>+0,5</m:t>
-                                </m:r>
-                                <m:r>
-                                  <a:rPr lang="fr-FR" i="1">
-                                    <a:latin typeface="Cambria Math" panose="02040503050406030204" pitchFamily="18" charset="0"/>
-                                  </a:rPr>
-                                  <m:t>ℓ</m:t>
-                                </m:r>
                               </m:e>
                             </m:d>
                           </m:e>
@@ -22501,7 +22627,7 @@
                       <a:rPr lang="fr-FR" b="0" i="1" smtClean="0">
                         <a:latin typeface="Cambria Math" panose="02040503050406030204" pitchFamily="18" charset="0"/>
                       </a:rPr>
-                      <m:t>−</m:t>
+                      <m:t>+</m:t>
                     </m:r>
                     <m:rad>
                       <m:radPr>
@@ -22571,37 +22697,6 @@
                                 </m:ctrlPr>
                               </m:dPr>
                               <m:e>
-                                <m:sSub>
-                                  <m:sSubPr>
-                                    <m:ctrlPr>
-                                      <a:rPr lang="fr-FR" i="1">
-                                        <a:latin typeface="Cambria Math" panose="02040503050406030204" pitchFamily="18" charset="0"/>
-                                      </a:rPr>
-                                    </m:ctrlPr>
-                                  </m:sSubPr>
-                                  <m:e>
-                                    <m:r>
-                                      <a:rPr lang="fr-FR" i="1">
-                                        <a:latin typeface="Cambria Math" panose="02040503050406030204" pitchFamily="18" charset="0"/>
-                                      </a:rPr>
-                                      <m:t>𝑥</m:t>
-                                    </m:r>
-                                  </m:e>
-                                  <m:sub>
-                                    <m:r>
-                                      <a:rPr lang="fr-FR" i="1">
-                                        <a:latin typeface="Cambria Math" panose="02040503050406030204" pitchFamily="18" charset="0"/>
-                                      </a:rPr>
-                                      <m:t>𝑀</m:t>
-                                    </m:r>
-                                  </m:sub>
-                                </m:sSub>
-                                <m:r>
-                                  <a:rPr lang="fr-FR" i="1">
-                                    <a:latin typeface="Cambria Math" panose="02040503050406030204" pitchFamily="18" charset="0"/>
-                                  </a:rPr>
-                                  <m:t>−</m:t>
-                                </m:r>
                                 <m:f>
                                   <m:fPr>
                                     <m:ctrlPr>
@@ -22646,6 +22741,37 @@
                                     </m:r>
                                   </m:den>
                                 </m:f>
+                                <m:r>
+                                  <a:rPr lang="fr-FR" i="1">
+                                    <a:latin typeface="Cambria Math" panose="02040503050406030204" pitchFamily="18" charset="0"/>
+                                  </a:rPr>
+                                  <m:t>−</m:t>
+                                </m:r>
+                                <m:sSub>
+                                  <m:sSubPr>
+                                    <m:ctrlPr>
+                                      <a:rPr lang="fr-FR" i="1">
+                                        <a:latin typeface="Cambria Math" panose="02040503050406030204" pitchFamily="18" charset="0"/>
+                                      </a:rPr>
+                                    </m:ctrlPr>
+                                  </m:sSubPr>
+                                  <m:e>
+                                    <m:r>
+                                      <a:rPr lang="fr-FR" i="1">
+                                        <a:latin typeface="Cambria Math" panose="02040503050406030204" pitchFamily="18" charset="0"/>
+                                      </a:rPr>
+                                      <m:t>𝑥</m:t>
+                                    </m:r>
+                                  </m:e>
+                                  <m:sub>
+                                    <m:r>
+                                      <a:rPr lang="fr-FR" i="1">
+                                        <a:latin typeface="Cambria Math" panose="02040503050406030204" pitchFamily="18" charset="0"/>
+                                      </a:rPr>
+                                      <m:t>𝑀</m:t>
+                                    </m:r>
+                                  </m:sub>
+                                </m:sSub>
                               </m:e>
                             </m:d>
                           </m:e>
@@ -22682,6 +22808,30 @@
                                 </m:ctrlPr>
                               </m:dPr>
                               <m:e>
+                                <m:r>
+                                  <a:rPr lang="fr-FR" b="0" i="1" smtClean="0">
+                                    <a:latin typeface="Cambria Math" panose="02040503050406030204" pitchFamily="18" charset="0"/>
+                                  </a:rPr>
+                                  <m:t>−</m:t>
+                                </m:r>
+                                <m:r>
+                                  <a:rPr lang="fr-FR" b="0" i="1" smtClean="0">
+                                    <a:latin typeface="Cambria Math" panose="02040503050406030204" pitchFamily="18" charset="0"/>
+                                  </a:rPr>
+                                  <m:t>0,5</m:t>
+                                </m:r>
+                                <m:r>
+                                  <a:rPr lang="fr-FR" i="1">
+                                    <a:latin typeface="Cambria Math" panose="02040503050406030204" pitchFamily="18" charset="0"/>
+                                  </a:rPr>
+                                  <m:t>ℓ</m:t>
+                                </m:r>
+                                <m:r>
+                                  <a:rPr lang="fr-FR" b="0" i="1" smtClean="0">
+                                    <a:latin typeface="Cambria Math" panose="02040503050406030204" pitchFamily="18" charset="0"/>
+                                  </a:rPr>
+                                  <m:t>−</m:t>
+                                </m:r>
                                 <m:sSub>
                                   <m:sSubPr>
                                     <m:ctrlPr>
@@ -22707,18 +22857,6 @@
                                     </m:r>
                                   </m:sub>
                                 </m:sSub>
-                                <m:r>
-                                  <a:rPr lang="fr-FR" b="0" i="1" smtClean="0">
-                                    <a:latin typeface="Cambria Math" panose="02040503050406030204" pitchFamily="18" charset="0"/>
-                                  </a:rPr>
-                                  <m:t>+0,5</m:t>
-                                </m:r>
-                                <m:r>
-                                  <a:rPr lang="fr-FR" i="1">
-                                    <a:latin typeface="Cambria Math" panose="02040503050406030204" pitchFamily="18" charset="0"/>
-                                  </a:rPr>
-                                  <m:t>ℓ</m:t>
-                                </m:r>
                               </m:e>
                             </m:d>
                           </m:e>
@@ -22801,7 +22939,7 @@
                       <a:rPr lang="fr-FR" b="0" i="1" smtClean="0">
                         <a:latin typeface="Cambria Math" panose="02040503050406030204" pitchFamily="18" charset="0"/>
                       </a:rPr>
-                      <m:t>−</m:t>
+                      <m:t>+</m:t>
                     </m:r>
                     <m:rad>
                       <m:radPr>
@@ -22871,6 +23009,12 @@
                                 </m:ctrlPr>
                               </m:dPr>
                               <m:e>
+                                <m:r>
+                                  <a:rPr lang="fr-FR" i="1">
+                                    <a:latin typeface="Cambria Math" panose="02040503050406030204" pitchFamily="18" charset="0"/>
+                                  </a:rPr>
+                                  <m:t>−</m:t>
+                                </m:r>
                                 <m:sSub>
                                   <m:sSubPr>
                                     <m:ctrlPr>
@@ -22896,56 +23040,6 @@
                                     </m:r>
                                   </m:sub>
                                 </m:sSub>
-                                <m:r>
-                                  <a:rPr lang="fr-FR" i="1">
-                                    <a:latin typeface="Cambria Math" panose="02040503050406030204" pitchFamily="18" charset="0"/>
-                                  </a:rPr>
-                                  <m:t>−</m:t>
-                                </m:r>
-                                <m:f>
-                                  <m:fPr>
-                                    <m:ctrlPr>
-                                      <a:rPr lang="fr-FR" i="1">
-                                        <a:latin typeface="Cambria Math" panose="02040503050406030204" pitchFamily="18" charset="0"/>
-                                      </a:rPr>
-                                    </m:ctrlPr>
-                                  </m:fPr>
-                                  <m:num>
-                                    <m:r>
-                                      <a:rPr lang="fr-FR" i="1">
-                                        <a:latin typeface="Cambria Math" panose="02040503050406030204" pitchFamily="18" charset="0"/>
-                                      </a:rPr>
-                                      <m:t>ℓ</m:t>
-                                    </m:r>
-                                    <m:rad>
-                                      <m:radPr>
-                                        <m:degHide m:val="on"/>
-                                        <m:ctrlPr>
-                                          <a:rPr lang="fr-FR" i="1">
-                                            <a:latin typeface="Cambria Math" panose="02040503050406030204" pitchFamily="18" charset="0"/>
-                                          </a:rPr>
-                                        </m:ctrlPr>
-                                      </m:radPr>
-                                      <m:deg/>
-                                      <m:e>
-                                        <m:r>
-                                          <a:rPr lang="fr-FR" b="0" i="1" smtClean="0">
-                                            <a:latin typeface="Cambria Math" panose="02040503050406030204" pitchFamily="18" charset="0"/>
-                                          </a:rPr>
-                                          <m:t>2</m:t>
-                                        </m:r>
-                                      </m:e>
-                                    </m:rad>
-                                  </m:num>
-                                  <m:den>
-                                    <m:r>
-                                      <a:rPr lang="fr-FR" i="1">
-                                        <a:latin typeface="Cambria Math" panose="02040503050406030204" pitchFamily="18" charset="0"/>
-                                      </a:rPr>
-                                      <m:t>2</m:t>
-                                    </m:r>
-                                  </m:den>
-                                </m:f>
                               </m:e>
                             </m:d>
                           </m:e>
@@ -22982,6 +23076,12 @@
                                 </m:ctrlPr>
                               </m:dPr>
                               <m:e>
+                                <m:r>
+                                  <a:rPr lang="fr-FR" b="0" i="1" smtClean="0">
+                                    <a:latin typeface="Cambria Math" panose="02040503050406030204" pitchFamily="18" charset="0"/>
+                                  </a:rPr>
+                                  <m:t>ℓ−</m:t>
+                                </m:r>
                                 <m:sSub>
                                   <m:sSubPr>
                                     <m:ctrlPr>
@@ -23007,56 +23107,6 @@
                                     </m:r>
                                   </m:sub>
                                 </m:sSub>
-                                <m:r>
-                                  <a:rPr lang="fr-FR" i="1">
-                                    <a:latin typeface="Cambria Math" panose="02040503050406030204" pitchFamily="18" charset="0"/>
-                                  </a:rPr>
-                                  <m:t>−</m:t>
-                                </m:r>
-                                <m:f>
-                                  <m:fPr>
-                                    <m:ctrlPr>
-                                      <a:rPr lang="fr-FR" i="1">
-                                        <a:latin typeface="Cambria Math" panose="02040503050406030204" pitchFamily="18" charset="0"/>
-                                      </a:rPr>
-                                    </m:ctrlPr>
-                                  </m:fPr>
-                                  <m:num>
-                                    <m:r>
-                                      <a:rPr lang="fr-FR" i="1">
-                                        <a:latin typeface="Cambria Math" panose="02040503050406030204" pitchFamily="18" charset="0"/>
-                                      </a:rPr>
-                                      <m:t>ℓ</m:t>
-                                    </m:r>
-                                    <m:rad>
-                                      <m:radPr>
-                                        <m:degHide m:val="on"/>
-                                        <m:ctrlPr>
-                                          <a:rPr lang="fr-FR" i="1">
-                                            <a:latin typeface="Cambria Math" panose="02040503050406030204" pitchFamily="18" charset="0"/>
-                                          </a:rPr>
-                                        </m:ctrlPr>
-                                      </m:radPr>
-                                      <m:deg/>
-                                      <m:e>
-                                        <m:r>
-                                          <a:rPr lang="fr-FR" i="1">
-                                            <a:latin typeface="Cambria Math" panose="02040503050406030204" pitchFamily="18" charset="0"/>
-                                          </a:rPr>
-                                          <m:t>2</m:t>
-                                        </m:r>
-                                      </m:e>
-                                    </m:rad>
-                                  </m:num>
-                                  <m:den>
-                                    <m:r>
-                                      <a:rPr lang="fr-FR" i="1">
-                                        <a:latin typeface="Cambria Math" panose="02040503050406030204" pitchFamily="18" charset="0"/>
-                                      </a:rPr>
-                                      <m:t>2</m:t>
-                                    </m:r>
-                                  </m:den>
-                                </m:f>
                               </m:e>
                             </m:d>
                           </m:e>
@@ -23082,7 +23132,7 @@
             </p:txBody>
           </p:sp>
         </mc:Choice>
-        <mc:Fallback xmlns="">
+        <mc:Fallback>
           <p:sp>
             <p:nvSpPr>
               <p:cNvPr id="3" name="Espace réservé du contenu 2">
@@ -23103,7 +23153,7 @@
               <a:blipFill>
                 <a:blip r:embed="rId2"/>
                 <a:stretch>
-                  <a:fillRect l="-1121" t="-2204"/>
+                  <a:fillRect l="-1223" t="-2900"/>
                 </a:stretch>
               </a:blipFill>
             </p:spPr>

--- a/22_I3D/22_I3D_Corrige.pptx
+++ b/22_I3D/22_I3D_Corrige.pptx
@@ -16,7 +16,7 @@
     <p:sldId id="272" r:id="rId10"/>
   </p:sldIdLst>
   <p:sldSz cx="12192000" cy="6858000"/>
-  <p:notesSz cx="6858000" cy="9144000"/>
+  <p:notesSz cx="7315200" cy="9601200"/>
   <p:defaultTextStyle>
     <a:defPPr>
       <a:defRPr lang="en-US"/>
@@ -360,7 +360,7 @@
           <a:p>
             <a:fld id="{D7F135F6-2A09-4FDD-9ECA-096E230CA0FA}" type="datetimeFigureOut">
               <a:rPr lang="fr-FR" smtClean="0"/>
-              <a:t>06/04/2024</a:t>
+              <a:t>03/06/2024</a:t>
             </a:fld>
             <a:endParaRPr lang="fr-FR"/>
           </a:p>
@@ -565,7 +565,7 @@
           <a:p>
             <a:fld id="{D7F135F6-2A09-4FDD-9ECA-096E230CA0FA}" type="datetimeFigureOut">
               <a:rPr lang="fr-FR" smtClean="0"/>
-              <a:t>06/04/2024</a:t>
+              <a:t>03/06/2024</a:t>
             </a:fld>
             <a:endParaRPr lang="fr-FR"/>
           </a:p>
@@ -821,7 +821,7 @@
           <a:p>
             <a:fld id="{D7F135F6-2A09-4FDD-9ECA-096E230CA0FA}" type="datetimeFigureOut">
               <a:rPr lang="fr-FR" smtClean="0"/>
-              <a:t>06/04/2024</a:t>
+              <a:t>03/06/2024</a:t>
             </a:fld>
             <a:endParaRPr lang="fr-FR"/>
           </a:p>
@@ -1027,7 +1027,7 @@
           <a:p>
             <a:fld id="{D7F135F6-2A09-4FDD-9ECA-096E230CA0FA}" type="datetimeFigureOut">
               <a:rPr lang="fr-FR" smtClean="0"/>
-              <a:t>06/04/2024</a:t>
+              <a:t>03/06/2024</a:t>
             </a:fld>
             <a:endParaRPr lang="fr-FR"/>
           </a:p>
@@ -1389,7 +1389,7 @@
           <a:p>
             <a:fld id="{D7F135F6-2A09-4FDD-9ECA-096E230CA0FA}" type="datetimeFigureOut">
               <a:rPr lang="fr-FR" smtClean="0"/>
-              <a:t>06/04/2024</a:t>
+              <a:t>03/06/2024</a:t>
             </a:fld>
             <a:endParaRPr lang="fr-FR"/>
           </a:p>
@@ -1664,7 +1664,7 @@
           <a:p>
             <a:fld id="{D7F135F6-2A09-4FDD-9ECA-096E230CA0FA}" type="datetimeFigureOut">
               <a:rPr lang="fr-FR" smtClean="0"/>
-              <a:t>06/04/2024</a:t>
+              <a:t>03/06/2024</a:t>
             </a:fld>
             <a:endParaRPr lang="fr-FR"/>
           </a:p>
@@ -2043,7 +2043,7 @@
           <a:p>
             <a:fld id="{D7F135F6-2A09-4FDD-9ECA-096E230CA0FA}" type="datetimeFigureOut">
               <a:rPr lang="fr-FR" smtClean="0"/>
-              <a:t>06/04/2024</a:t>
+              <a:t>03/06/2024</a:t>
             </a:fld>
             <a:endParaRPr lang="fr-FR"/>
           </a:p>
@@ -2161,7 +2161,7 @@
           <a:p>
             <a:fld id="{D7F135F6-2A09-4FDD-9ECA-096E230CA0FA}" type="datetimeFigureOut">
               <a:rPr lang="fr-FR" smtClean="0"/>
-              <a:t>06/04/2024</a:t>
+              <a:t>03/06/2024</a:t>
             </a:fld>
             <a:endParaRPr lang="fr-FR"/>
           </a:p>
@@ -2335,7 +2335,7 @@
           <a:p>
             <a:fld id="{D7F135F6-2A09-4FDD-9ECA-096E230CA0FA}" type="datetimeFigureOut">
               <a:rPr lang="fr-FR" smtClean="0"/>
-              <a:t>06/04/2024</a:t>
+              <a:t>03/06/2024</a:t>
             </a:fld>
             <a:endParaRPr lang="fr-FR"/>
           </a:p>
@@ -2692,7 +2692,7 @@
           <a:p>
             <a:fld id="{D7F135F6-2A09-4FDD-9ECA-096E230CA0FA}" type="datetimeFigureOut">
               <a:rPr lang="fr-FR" smtClean="0"/>
-              <a:t>06/04/2024</a:t>
+              <a:t>03/06/2024</a:t>
             </a:fld>
             <a:endParaRPr lang="fr-FR"/>
           </a:p>
@@ -3077,7 +3077,7 @@
           <a:p>
             <a:fld id="{D7F135F6-2A09-4FDD-9ECA-096E230CA0FA}" type="datetimeFigureOut">
               <a:rPr lang="fr-FR" smtClean="0"/>
-              <a:t>06/04/2024</a:t>
+              <a:t>03/06/2024</a:t>
             </a:fld>
             <a:endParaRPr lang="fr-FR"/>
           </a:p>
@@ -3367,7 +3367,7 @@
           <a:p>
             <a:fld id="{D7F135F6-2A09-4FDD-9ECA-096E230CA0FA}" type="datetimeFigureOut">
               <a:rPr lang="fr-FR" smtClean="0"/>
-              <a:t>06/04/2024</a:t>
+              <a:t>03/06/2024</a:t>
             </a:fld>
             <a:endParaRPr lang="fr-FR" dirty="0"/>
           </a:p>
@@ -4405,8 +4405,8 @@
           </p:sp>
         </mc:Fallback>
       </mc:AlternateContent>
-      <mc:AlternateContent xmlns:mc="http://schemas.openxmlformats.org/markup-compatibility/2006" xmlns:a14="http://schemas.microsoft.com/office/drawing/2010/main">
-        <mc:Choice Requires="a14">
+      <mc:AlternateContent xmlns:mc="http://schemas.openxmlformats.org/markup-compatibility/2006">
+        <mc:Choice xmlns:a14="http://schemas.microsoft.com/office/drawing/2010/main" Requires="a14">
           <p:sp>
             <p:nvSpPr>
               <p:cNvPr id="4" name="Titre 3">
@@ -4430,7 +4430,7 @@
               <a:p>
                 <a:r>
                   <a:rPr lang="fr-FR" dirty="0"/>
-                  <a:t>Chaine fonctionnelle de l’axe </a:t>
+                  <a:t>I3D – Chaine fonctionnelle de l’axe </a:t>
                 </a:r>
                 <a14:m>
                   <m:oMath xmlns:m="http://schemas.openxmlformats.org/officeDocument/2006/math">
@@ -4466,7 +4466,7 @@
             </p:txBody>
           </p:sp>
         </mc:Choice>
-        <mc:Fallback xmlns="">
+        <mc:Fallback>
           <p:sp>
             <p:nvSpPr>
               <p:cNvPr id="4" name="Titre 3">
@@ -8906,6 +8906,36 @@
           </a:prstGeom>
         </p:spPr>
       </p:pic>
+      <p:pic>
+        <p:nvPicPr>
+          <p:cNvPr id="5" name="Image 4">
+            <a:extLst>
+              <a:ext uri="{FF2B5EF4-FFF2-40B4-BE49-F238E27FC236}">
+                <a16:creationId xmlns:a16="http://schemas.microsoft.com/office/drawing/2014/main" id="{2A0AF101-3CA7-1CB6-DE8E-CBB6F19A9BE1}"/>
+              </a:ext>
+            </a:extLst>
+          </p:cNvPr>
+          <p:cNvPicPr>
+            <a:picLocks noChangeAspect="1"/>
+          </p:cNvPicPr>
+          <p:nvPr/>
+        </p:nvPicPr>
+        <p:blipFill>
+          <a:blip r:embed="rId23"/>
+          <a:stretch>
+            <a:fillRect/>
+          </a:stretch>
+        </p:blipFill>
+        <p:spPr>
+          <a:xfrm>
+            <a:off x="10778287" y="0"/>
+            <a:ext cx="1330325" cy="2519680"/>
+          </a:xfrm>
+          <a:prstGeom prst="rect">
+            <a:avLst/>
+          </a:prstGeom>
+        </p:spPr>
+      </p:pic>
     </p:spTree>
     <p:extLst>
       <p:ext uri="{BB962C8B-B14F-4D97-AF65-F5344CB8AC3E}">
@@ -8959,7 +8989,7 @@
           <a:p>
             <a:r>
               <a:rPr lang="fr-FR" dirty="0"/>
-              <a:t>Chaine fonctionnelle de la tête chauffante</a:t>
+              <a:t>I3D – Chaine fonctionnelle de la tête chauffante</a:t>
             </a:r>
           </a:p>
         </p:txBody>
@@ -12435,6 +12465,36 @@
           </a:fontRef>
         </p:style>
       </p:cxnSp>
+      <p:pic>
+        <p:nvPicPr>
+          <p:cNvPr id="40" name="Image 39">
+            <a:extLst>
+              <a:ext uri="{FF2B5EF4-FFF2-40B4-BE49-F238E27FC236}">
+                <a16:creationId xmlns:a16="http://schemas.microsoft.com/office/drawing/2014/main" id="{B90E1ECC-0BF5-22ED-E273-25A8BC864403}"/>
+              </a:ext>
+            </a:extLst>
+          </p:cNvPr>
+          <p:cNvPicPr>
+            <a:picLocks noChangeAspect="1"/>
+          </p:cNvPicPr>
+          <p:nvPr/>
+        </p:nvPicPr>
+        <p:blipFill>
+          <a:blip r:embed="rId10"/>
+          <a:stretch>
+            <a:fillRect/>
+          </a:stretch>
+        </p:blipFill>
+        <p:spPr>
+          <a:xfrm>
+            <a:off x="10586063" y="6519"/>
+            <a:ext cx="1330325" cy="2519680"/>
+          </a:xfrm>
+          <a:prstGeom prst="rect">
+            <a:avLst/>
+          </a:prstGeom>
+        </p:spPr>
+      </p:pic>
     </p:spTree>
     <p:extLst>
       <p:ext uri="{BB962C8B-B14F-4D97-AF65-F5344CB8AC3E}">
@@ -14083,8 +14143,8 @@
           </p:sp>
         </mc:Fallback>
       </mc:AlternateContent>
-      <mc:AlternateContent xmlns:mc="http://schemas.openxmlformats.org/markup-compatibility/2006">
-        <mc:Choice xmlns:a14="http://schemas.microsoft.com/office/drawing/2010/main" Requires="a14">
+      <mc:AlternateContent xmlns:mc="http://schemas.openxmlformats.org/markup-compatibility/2006" xmlns:a14="http://schemas.microsoft.com/office/drawing/2010/main">
+        <mc:Choice Requires="a14">
           <p:sp>
             <p:nvSpPr>
               <p:cNvPr id="38" name="Espace réservé du contenu 2">
@@ -15283,7 +15343,7 @@
             </p:txBody>
           </p:sp>
         </mc:Choice>
-        <mc:Fallback>
+        <mc:Fallback xmlns="">
           <p:sp>
             <p:nvSpPr>
               <p:cNvPr id="38" name="Espace réservé du contenu 2">
@@ -16401,8 +16461,8 @@
           </a:p>
         </p:txBody>
       </p:sp>
-      <mc:AlternateContent xmlns:mc="http://schemas.openxmlformats.org/markup-compatibility/2006">
-        <mc:Choice xmlns:a14="http://schemas.microsoft.com/office/drawing/2010/main" Requires="a14">
+      <mc:AlternateContent xmlns:mc="http://schemas.openxmlformats.org/markup-compatibility/2006" xmlns:a14="http://schemas.microsoft.com/office/drawing/2010/main">
+        <mc:Choice Requires="a14">
           <p:sp>
             <p:nvSpPr>
               <p:cNvPr id="3" name="Espace réservé du contenu 2">
@@ -18251,13 +18311,7 @@
                       <a:rPr lang="fr-FR" b="0" i="1" smtClean="0">
                         <a:latin typeface="Cambria Math" panose="02040503050406030204" pitchFamily="18" charset="0"/>
                       </a:rPr>
-                      <m:t>⇔</m:t>
-                    </m:r>
-                    <m:r>
-                      <a:rPr lang="fr-FR" b="0" i="1" smtClean="0">
-                        <a:latin typeface="Cambria Math" panose="02040503050406030204" pitchFamily="18" charset="0"/>
-                      </a:rPr>
-                      <m:t>−</m:t>
+                      <m:t>⇔−</m:t>
                     </m:r>
                     <m:sSub>
                       <m:sSubPr>
@@ -19078,13 +19132,7 @@
                       <a:rPr lang="fr-FR" b="0" i="1" smtClean="0">
                         <a:latin typeface="Cambria Math" panose="02040503050406030204" pitchFamily="18" charset="0"/>
                       </a:rPr>
-                      <m:t>⇔</m:t>
-                    </m:r>
-                    <m:r>
-                      <a:rPr lang="fr-FR" b="0" i="1" smtClean="0">
-                        <a:latin typeface="Cambria Math" panose="02040503050406030204" pitchFamily="18" charset="0"/>
-                      </a:rPr>
-                      <m:t>−</m:t>
+                      <m:t>⇔−</m:t>
                     </m:r>
                     <m:sSub>
                       <m:sSubPr>
@@ -21014,7 +21062,7 @@
             </p:txBody>
           </p:sp>
         </mc:Choice>
-        <mc:Fallback>
+        <mc:Fallback xmlns="">
           <p:sp>
             <p:nvSpPr>
               <p:cNvPr id="3" name="Espace réservé du contenu 2">
@@ -21173,8 +21221,8 @@
           </a:p>
         </p:txBody>
       </p:sp>
-      <mc:AlternateContent xmlns:mc="http://schemas.openxmlformats.org/markup-compatibility/2006">
-        <mc:Choice xmlns:a14="http://schemas.microsoft.com/office/drawing/2010/main" Requires="a14">
+      <mc:AlternateContent xmlns:mc="http://schemas.openxmlformats.org/markup-compatibility/2006" xmlns:a14="http://schemas.microsoft.com/office/drawing/2010/main">
+        <mc:Choice Requires="a14">
           <p:sp>
             <p:nvSpPr>
               <p:cNvPr id="3" name="Espace réservé du contenu 2">
@@ -22500,13 +22548,7 @@
                                   <a:rPr lang="fr-FR" b="0" i="1" smtClean="0">
                                     <a:latin typeface="Cambria Math" panose="02040503050406030204" pitchFamily="18" charset="0"/>
                                   </a:rPr>
-                                  <m:t>−</m:t>
-                                </m:r>
-                                <m:r>
-                                  <a:rPr lang="fr-FR" b="0" i="1" smtClean="0">
-                                    <a:latin typeface="Cambria Math" panose="02040503050406030204" pitchFamily="18" charset="0"/>
-                                  </a:rPr>
-                                  <m:t>0,5</m:t>
+                                  <m:t>−0,5</m:t>
                                 </m:r>
                                 <m:r>
                                   <a:rPr lang="fr-FR" i="1">
@@ -22812,13 +22854,7 @@
                                   <a:rPr lang="fr-FR" b="0" i="1" smtClean="0">
                                     <a:latin typeface="Cambria Math" panose="02040503050406030204" pitchFamily="18" charset="0"/>
                                   </a:rPr>
-                                  <m:t>−</m:t>
-                                </m:r>
-                                <m:r>
-                                  <a:rPr lang="fr-FR" b="0" i="1" smtClean="0">
-                                    <a:latin typeface="Cambria Math" panose="02040503050406030204" pitchFamily="18" charset="0"/>
-                                  </a:rPr>
-                                  <m:t>0,5</m:t>
+                                  <m:t>−0,5</m:t>
                                 </m:r>
                                 <m:r>
                                   <a:rPr lang="fr-FR" i="1">
@@ -23132,7 +23168,7 @@
             </p:txBody>
           </p:sp>
         </mc:Choice>
-        <mc:Fallback>
+        <mc:Fallback xmlns="">
           <p:sp>
             <p:nvSpPr>
               <p:cNvPr id="3" name="Espace réservé du contenu 2">

--- a/22_I3D/22_I3D_Corrige.pptx
+++ b/22_I3D/22_I3D_Corrige.pptx
@@ -360,7 +360,7 @@
           <a:p>
             <a:fld id="{D7F135F6-2A09-4FDD-9ECA-096E230CA0FA}" type="datetimeFigureOut">
               <a:rPr lang="fr-FR" smtClean="0"/>
-              <a:t>03/06/2024</a:t>
+              <a:t>04/06/2024</a:t>
             </a:fld>
             <a:endParaRPr lang="fr-FR"/>
           </a:p>
@@ -565,7 +565,7 @@
           <a:p>
             <a:fld id="{D7F135F6-2A09-4FDD-9ECA-096E230CA0FA}" type="datetimeFigureOut">
               <a:rPr lang="fr-FR" smtClean="0"/>
-              <a:t>03/06/2024</a:t>
+              <a:t>04/06/2024</a:t>
             </a:fld>
             <a:endParaRPr lang="fr-FR"/>
           </a:p>
@@ -821,7 +821,7 @@
           <a:p>
             <a:fld id="{D7F135F6-2A09-4FDD-9ECA-096E230CA0FA}" type="datetimeFigureOut">
               <a:rPr lang="fr-FR" smtClean="0"/>
-              <a:t>03/06/2024</a:t>
+              <a:t>04/06/2024</a:t>
             </a:fld>
             <a:endParaRPr lang="fr-FR"/>
           </a:p>
@@ -1027,7 +1027,7 @@
           <a:p>
             <a:fld id="{D7F135F6-2A09-4FDD-9ECA-096E230CA0FA}" type="datetimeFigureOut">
               <a:rPr lang="fr-FR" smtClean="0"/>
-              <a:t>03/06/2024</a:t>
+              <a:t>04/06/2024</a:t>
             </a:fld>
             <a:endParaRPr lang="fr-FR"/>
           </a:p>
@@ -1389,7 +1389,7 @@
           <a:p>
             <a:fld id="{D7F135F6-2A09-4FDD-9ECA-096E230CA0FA}" type="datetimeFigureOut">
               <a:rPr lang="fr-FR" smtClean="0"/>
-              <a:t>03/06/2024</a:t>
+              <a:t>04/06/2024</a:t>
             </a:fld>
             <a:endParaRPr lang="fr-FR"/>
           </a:p>
@@ -1664,7 +1664,7 @@
           <a:p>
             <a:fld id="{D7F135F6-2A09-4FDD-9ECA-096E230CA0FA}" type="datetimeFigureOut">
               <a:rPr lang="fr-FR" smtClean="0"/>
-              <a:t>03/06/2024</a:t>
+              <a:t>04/06/2024</a:t>
             </a:fld>
             <a:endParaRPr lang="fr-FR"/>
           </a:p>
@@ -2043,7 +2043,7 @@
           <a:p>
             <a:fld id="{D7F135F6-2A09-4FDD-9ECA-096E230CA0FA}" type="datetimeFigureOut">
               <a:rPr lang="fr-FR" smtClean="0"/>
-              <a:t>03/06/2024</a:t>
+              <a:t>04/06/2024</a:t>
             </a:fld>
             <a:endParaRPr lang="fr-FR"/>
           </a:p>
@@ -2161,7 +2161,7 @@
           <a:p>
             <a:fld id="{D7F135F6-2A09-4FDD-9ECA-096E230CA0FA}" type="datetimeFigureOut">
               <a:rPr lang="fr-FR" smtClean="0"/>
-              <a:t>03/06/2024</a:t>
+              <a:t>04/06/2024</a:t>
             </a:fld>
             <a:endParaRPr lang="fr-FR"/>
           </a:p>
@@ -2335,7 +2335,7 @@
           <a:p>
             <a:fld id="{D7F135F6-2A09-4FDD-9ECA-096E230CA0FA}" type="datetimeFigureOut">
               <a:rPr lang="fr-FR" smtClean="0"/>
-              <a:t>03/06/2024</a:t>
+              <a:t>04/06/2024</a:t>
             </a:fld>
             <a:endParaRPr lang="fr-FR"/>
           </a:p>
@@ -2692,7 +2692,7 @@
           <a:p>
             <a:fld id="{D7F135F6-2A09-4FDD-9ECA-096E230CA0FA}" type="datetimeFigureOut">
               <a:rPr lang="fr-FR" smtClean="0"/>
-              <a:t>03/06/2024</a:t>
+              <a:t>04/06/2024</a:t>
             </a:fld>
             <a:endParaRPr lang="fr-FR"/>
           </a:p>
@@ -3077,7 +3077,7 @@
           <a:p>
             <a:fld id="{D7F135F6-2A09-4FDD-9ECA-096E230CA0FA}" type="datetimeFigureOut">
               <a:rPr lang="fr-FR" smtClean="0"/>
-              <a:t>03/06/2024</a:t>
+              <a:t>04/06/2024</a:t>
             </a:fld>
             <a:endParaRPr lang="fr-FR"/>
           </a:p>
@@ -3367,7 +3367,7 @@
           <a:p>
             <a:fld id="{D7F135F6-2A09-4FDD-9ECA-096E230CA0FA}" type="datetimeFigureOut">
               <a:rPr lang="fr-FR" smtClean="0"/>
-              <a:t>03/06/2024</a:t>
+              <a:t>04/06/2024</a:t>
             </a:fld>
             <a:endParaRPr lang="fr-FR" dirty="0"/>
           </a:p>
@@ -4405,8 +4405,8 @@
           </p:sp>
         </mc:Fallback>
       </mc:AlternateContent>
-      <mc:AlternateContent xmlns:mc="http://schemas.openxmlformats.org/markup-compatibility/2006">
-        <mc:Choice xmlns:a14="http://schemas.microsoft.com/office/drawing/2010/main" Requires="a14">
+      <mc:AlternateContent xmlns:mc="http://schemas.openxmlformats.org/markup-compatibility/2006" xmlns:a14="http://schemas.microsoft.com/office/drawing/2010/main">
+        <mc:Choice Requires="a14">
           <p:sp>
             <p:nvSpPr>
               <p:cNvPr id="4" name="Titre 3">
@@ -4466,7 +4466,7 @@
             </p:txBody>
           </p:sp>
         </mc:Choice>
-        <mc:Fallback>
+        <mc:Fallback xmlns="">
           <p:sp>
             <p:nvSpPr>
               <p:cNvPr id="4" name="Titre 3">
@@ -5479,18 +5479,6 @@
               <a:t>Poulie courroie</a:t>
             </a:r>
           </a:p>
-          <a:p>
-            <a:pPr algn="ctr"/>
-            <a:r>
-              <a:rPr lang="fr-FR" sz="900" dirty="0">
-                <a:solidFill>
-                  <a:srgbClr val="EE685D"/>
-                </a:solidFill>
-                <a:latin typeface="Arial Nova" panose="020B0504020202020204" pitchFamily="34" charset="0"/>
-              </a:rPr>
-              <a:t>Parallélogramme déformables</a:t>
-            </a:r>
-          </a:p>
         </p:txBody>
       </p:sp>
       <p:pic>
@@ -6226,7 +6214,7 @@
         </p:nvSpPr>
         <p:spPr>
           <a:xfrm>
-            <a:off x="9634981" y="3314700"/>
+            <a:off x="11740216" y="3314700"/>
             <a:ext cx="1365662" cy="1194790"/>
           </a:xfrm>
           <a:prstGeom prst="roundRect">
@@ -6292,7 +6280,7 @@
         </p:nvCxnSpPr>
         <p:spPr>
           <a:xfrm flipV="1">
-            <a:off x="8911620" y="3588469"/>
+            <a:off x="11016855" y="3588469"/>
             <a:ext cx="720000" cy="1536"/>
           </a:xfrm>
           <a:prstGeom prst="straightConnector1">
@@ -6510,7 +6498,7 @@
         </p:nvGrpSpPr>
         <p:grpSpPr>
           <a:xfrm rot="5400000" flipV="1">
-            <a:off x="10181964" y="3934713"/>
+            <a:off x="12287199" y="3934713"/>
             <a:ext cx="835963" cy="1617775"/>
             <a:chOff x="9150640" y="2423323"/>
             <a:chExt cx="835963" cy="2135794"/>
@@ -6635,7 +6623,7 @@
         </p:nvGrpSpPr>
         <p:grpSpPr>
           <a:xfrm>
-            <a:off x="8594944" y="2722269"/>
+            <a:off x="10700179" y="2722269"/>
             <a:ext cx="1566153" cy="577809"/>
             <a:chOff x="9058474" y="2836569"/>
             <a:chExt cx="1566153" cy="577809"/>
@@ -7516,7 +7504,7 @@
         </p:blipFill>
         <p:spPr>
           <a:xfrm>
-            <a:off x="9082791" y="3441988"/>
+            <a:off x="11188026" y="3441988"/>
             <a:ext cx="288000" cy="105516"/>
           </a:xfrm>
           <a:prstGeom prst="rect">
@@ -7934,109 +7922,6 @@
       </p:grpSp>
       <p:grpSp>
         <p:nvGrpSpPr>
-          <p:cNvPr id="115" name="Groupe 114">
-            <a:extLst>
-              <a:ext uri="{FF2B5EF4-FFF2-40B4-BE49-F238E27FC236}">
-                <a16:creationId xmlns:a16="http://schemas.microsoft.com/office/drawing/2014/main" id="{C37448ED-B1B8-F1BB-24B8-35C8774FD58E}"/>
-              </a:ext>
-            </a:extLst>
-          </p:cNvPr>
-          <p:cNvGrpSpPr/>
-          <p:nvPr/>
-        </p:nvGrpSpPr>
-        <p:grpSpPr>
-          <a:xfrm>
-            <a:off x="8333456" y="3750042"/>
-            <a:ext cx="360000" cy="360000"/>
-            <a:chOff x="3533664" y="4396133"/>
-            <a:chExt cx="1800000" cy="1800000"/>
-          </a:xfrm>
-        </p:grpSpPr>
-        <p:sp>
-          <p:nvSpPr>
-            <p:cNvPr id="116" name="Ellipse 115">
-              <a:extLst>
-                <a:ext uri="{FF2B5EF4-FFF2-40B4-BE49-F238E27FC236}">
-                  <a16:creationId xmlns:a16="http://schemas.microsoft.com/office/drawing/2014/main" id="{D02DCB71-A1A5-A680-8ADE-2B15DC7B03FD}"/>
-                </a:ext>
-              </a:extLst>
-            </p:cNvPr>
-            <p:cNvSpPr/>
-            <p:nvPr/>
-          </p:nvSpPr>
-          <p:spPr>
-            <a:xfrm>
-              <a:off x="3533664" y="4396133"/>
-              <a:ext cx="1800000" cy="1800000"/>
-            </a:xfrm>
-            <a:prstGeom prst="ellipse">
-              <a:avLst/>
-            </a:prstGeom>
-            <a:solidFill>
-              <a:srgbClr val="EF7268"/>
-            </a:solidFill>
-            <a:ln>
-              <a:noFill/>
-            </a:ln>
-          </p:spPr>
-          <p:style>
-            <a:lnRef idx="2">
-              <a:schemeClr val="accent1">
-                <a:shade val="50000"/>
-              </a:schemeClr>
-            </a:lnRef>
-            <a:fillRef idx="1">
-              <a:schemeClr val="accent1"/>
-            </a:fillRef>
-            <a:effectRef idx="0">
-              <a:schemeClr val="accent1"/>
-            </a:effectRef>
-            <a:fontRef idx="minor">
-              <a:schemeClr val="lt1"/>
-            </a:fontRef>
-          </p:style>
-          <p:txBody>
-            <a:bodyPr rtlCol="0" anchor="ctr"/>
-            <a:lstStyle/>
-            <a:p>
-              <a:pPr algn="ctr"/>
-              <a:endParaRPr lang="fr-FR" dirty="0"/>
-            </a:p>
-          </p:txBody>
-        </p:sp>
-        <p:pic>
-          <p:nvPicPr>
-            <p:cNvPr id="117" name="Image 116">
-              <a:extLst>
-                <a:ext uri="{FF2B5EF4-FFF2-40B4-BE49-F238E27FC236}">
-                  <a16:creationId xmlns:a16="http://schemas.microsoft.com/office/drawing/2014/main" id="{E8BA0F34-A665-1C51-9583-4F502F07E582}"/>
-                </a:ext>
-              </a:extLst>
-            </p:cNvPr>
-            <p:cNvPicPr>
-              <a:picLocks noChangeAspect="1"/>
-            </p:cNvPicPr>
-            <p:nvPr/>
-          </p:nvPicPr>
-          <p:blipFill>
-            <a:blip r:embed="rId18"/>
-            <a:stretch>
-              <a:fillRect/>
-            </a:stretch>
-          </p:blipFill>
-          <p:spPr>
-            <a:xfrm>
-              <a:off x="3681584" y="4594762"/>
-              <a:ext cx="1427962" cy="1471564"/>
-            </a:xfrm>
-            <a:prstGeom prst="rect">
-              <a:avLst/>
-            </a:prstGeom>
-          </p:spPr>
-        </p:pic>
-      </p:grpSp>
-      <p:grpSp>
-        <p:nvGrpSpPr>
           <p:cNvPr id="118" name="Groupe 117">
             <a:extLst>
               <a:ext uri="{FF2B5EF4-FFF2-40B4-BE49-F238E27FC236}">
@@ -8049,7 +7934,7 @@
         </p:nvGrpSpPr>
         <p:grpSpPr>
           <a:xfrm>
-            <a:off x="7616680" y="3750042"/>
+            <a:off x="8380331" y="3744856"/>
             <a:ext cx="360000" cy="360000"/>
             <a:chOff x="6192322" y="2195517"/>
             <a:chExt cx="1800000" cy="1800000"/>
@@ -8122,7 +8007,7 @@
             <p:nvPr/>
           </p:nvPicPr>
           <p:blipFill>
-            <a:blip r:embed="rId19"/>
+            <a:blip r:embed="rId18"/>
             <a:stretch>
               <a:fillRect/>
             </a:stretch>
@@ -8225,7 +8110,7 @@
             <p:nvPr/>
           </p:nvPicPr>
           <p:blipFill>
-            <a:blip r:embed="rId20"/>
+            <a:blip r:embed="rId19"/>
             <a:stretch>
               <a:fillRect/>
             </a:stretch>
@@ -8328,7 +8213,7 @@
             <p:nvPr/>
           </p:nvPicPr>
           <p:blipFill>
-            <a:blip r:embed="rId21"/>
+            <a:blip r:embed="rId20"/>
             <a:stretch>
               <a:fillRect/>
             </a:stretch>
@@ -8431,7 +8316,7 @@
             <p:nvPr/>
           </p:nvPicPr>
           <p:blipFill>
-            <a:blip r:embed="rId22"/>
+            <a:blip r:embed="rId21"/>
             <a:stretch>
               <a:fillRect/>
             </a:stretch>
@@ -8461,7 +8346,7 @@
         </p:nvGrpSpPr>
         <p:grpSpPr>
           <a:xfrm>
-            <a:off x="10111936" y="3317985"/>
+            <a:off x="12217171" y="3317985"/>
             <a:ext cx="360000" cy="360000"/>
             <a:chOff x="10216711" y="4835236"/>
             <a:chExt cx="1800000" cy="1800000"/>
@@ -8534,7 +8419,7 @@
             <p:nvPr/>
           </p:nvPicPr>
           <p:blipFill>
-            <a:blip r:embed="rId20"/>
+            <a:blip r:embed="rId19"/>
             <a:stretch>
               <a:fillRect/>
             </a:stretch>
@@ -8564,7 +8449,7 @@
         </p:nvGrpSpPr>
         <p:grpSpPr>
           <a:xfrm>
-            <a:off x="10517733" y="3325677"/>
+            <a:off x="12622968" y="3325677"/>
             <a:ext cx="360000" cy="360000"/>
             <a:chOff x="7467428" y="2677562"/>
             <a:chExt cx="1800000" cy="1800000"/>
@@ -8637,7 +8522,7 @@
             <p:nvPr/>
           </p:nvPicPr>
           <p:blipFill>
-            <a:blip r:embed="rId21"/>
+            <a:blip r:embed="rId20"/>
             <a:stretch>
               <a:fillRect/>
             </a:stretch>
@@ -8768,12 +8653,12 @@
         </p:nvCxnSpPr>
         <p:spPr>
           <a:xfrm rot="16200000" flipV="1">
-            <a:off x="4738565" y="-2235387"/>
-            <a:ext cx="2309074" cy="8797669"/>
+            <a:off x="5791182" y="-3288004"/>
+            <a:ext cx="2309074" cy="10902904"/>
           </a:xfrm>
           <a:prstGeom prst="bentConnector3">
             <a:avLst>
-              <a:gd name="adj1" fmla="val 106967"/>
+              <a:gd name="adj1" fmla="val 109900"/>
             </a:avLst>
           </a:prstGeom>
           <a:ln w="25400" cap="rnd">
@@ -8809,19 +8694,19 @@
           </p:cNvPr>
           <p:cNvCxnSpPr>
             <a:cxnSpLocks/>
+            <a:stCxn id="135" idx="0"/>
             <a:endCxn id="126" idx="0"/>
           </p:cNvCxnSpPr>
           <p:nvPr/>
         </p:nvCxnSpPr>
         <p:spPr>
-          <a:xfrm rot="10800000">
-            <a:off x="1113513" y="1004117"/>
-            <a:ext cx="9583391" cy="2312528"/>
+          <a:xfrm rot="16200000" flipV="1">
+            <a:off x="5786349" y="-3668720"/>
+            <a:ext cx="2342948" cy="11688621"/>
           </a:xfrm>
-          <a:prstGeom prst="bentConnector4">
+          <a:prstGeom prst="bentConnector3">
             <a:avLst>
-              <a:gd name="adj1" fmla="val -129"/>
-              <a:gd name="adj2" fmla="val 109885"/>
+              <a:gd name="adj1" fmla="val 109757"/>
             </a:avLst>
           </a:prstGeom>
           <a:ln w="25400" cap="rnd">
@@ -8868,7 +8753,7 @@
         </p:blipFill>
         <p:spPr>
           <a:xfrm rot="5400000">
-            <a:off x="10051477" y="2188574"/>
+            <a:off x="12156712" y="2188574"/>
             <a:ext cx="288000" cy="100660"/>
           </a:xfrm>
           <a:prstGeom prst="rect">
@@ -8898,7 +8783,7 @@
         </p:blipFill>
         <p:spPr>
           <a:xfrm rot="5400000">
-            <a:off x="10502500" y="2188574"/>
+            <a:off x="12607735" y="2188574"/>
             <a:ext cx="288000" cy="100660"/>
           </a:xfrm>
           <a:prstGeom prst="rect">
@@ -8921,14 +8806,14 @@
           <p:nvPr/>
         </p:nvPicPr>
         <p:blipFill>
-          <a:blip r:embed="rId23"/>
+          <a:blip r:embed="rId22"/>
           <a:stretch>
             <a:fillRect/>
           </a:stretch>
         </p:blipFill>
         <p:spPr>
           <a:xfrm>
-            <a:off x="10778287" y="0"/>
+            <a:off x="13387068" y="-718804"/>
             <a:ext cx="1330325" cy="2519680"/>
           </a:xfrm>
           <a:prstGeom prst="rect">
@@ -8936,6 +8821,906 @@
           </a:prstGeom>
         </p:spPr>
       </p:pic>
+      <p:sp>
+        <p:nvSpPr>
+          <p:cNvPr id="30" name="Rectangle : coins arrondis 29">
+            <a:extLst>
+              <a:ext uri="{FF2B5EF4-FFF2-40B4-BE49-F238E27FC236}">
+                <a16:creationId xmlns:a16="http://schemas.microsoft.com/office/drawing/2014/main" id="{18444911-74AE-D179-35B8-83A1D92415D8}"/>
+              </a:ext>
+            </a:extLst>
+          </p:cNvPr>
+          <p:cNvSpPr/>
+          <p:nvPr/>
+        </p:nvSpPr>
+        <p:spPr>
+          <a:xfrm>
+            <a:off x="9645287" y="3321440"/>
+            <a:ext cx="1365662" cy="534390"/>
+          </a:xfrm>
+          <a:prstGeom prst="roundRect">
+            <a:avLst>
+              <a:gd name="adj" fmla="val 11914"/>
+            </a:avLst>
+          </a:prstGeom>
+          <a:noFill/>
+          <a:ln w="19050">
+            <a:solidFill>
+              <a:srgbClr val="EE685D"/>
+            </a:solidFill>
+          </a:ln>
+        </p:spPr>
+        <p:style>
+          <a:lnRef idx="2">
+            <a:schemeClr val="accent1">
+              <a:shade val="50000"/>
+            </a:schemeClr>
+          </a:lnRef>
+          <a:fillRef idx="1">
+            <a:schemeClr val="accent1"/>
+          </a:fillRef>
+          <a:effectRef idx="0">
+            <a:schemeClr val="accent1"/>
+          </a:effectRef>
+          <a:fontRef idx="minor">
+            <a:schemeClr val="lt1"/>
+          </a:fontRef>
+        </p:style>
+        <p:txBody>
+          <a:bodyPr rtlCol="0" anchor="ctr"/>
+          <a:lstStyle/>
+          <a:p>
+            <a:pPr algn="ctr"/>
+            <a:r>
+              <a:rPr lang="fr-FR" sz="1400" dirty="0">
+                <a:solidFill>
+                  <a:srgbClr val="EE685D"/>
+                </a:solidFill>
+                <a:latin typeface="Arial Nova" panose="020B0504020202020204" pitchFamily="34" charset="0"/>
+              </a:rPr>
+              <a:t>Transmettre</a:t>
+            </a:r>
+          </a:p>
+        </p:txBody>
+      </p:sp>
+      <p:cxnSp>
+        <p:nvCxnSpPr>
+          <p:cNvPr id="31" name="Connecteur droit avec flèche 30">
+            <a:extLst>
+              <a:ext uri="{FF2B5EF4-FFF2-40B4-BE49-F238E27FC236}">
+                <a16:creationId xmlns:a16="http://schemas.microsoft.com/office/drawing/2014/main" id="{1971488B-12D3-3192-1B12-471588960EAC}"/>
+              </a:ext>
+            </a:extLst>
+          </p:cNvPr>
+          <p:cNvCxnSpPr>
+            <a:cxnSpLocks/>
+          </p:cNvCxnSpPr>
+          <p:nvPr/>
+        </p:nvCxnSpPr>
+        <p:spPr>
+          <a:xfrm flipV="1">
+            <a:off x="8931734" y="3583570"/>
+            <a:ext cx="720000" cy="1536"/>
+          </a:xfrm>
+          <a:prstGeom prst="straightConnector1">
+            <a:avLst/>
+          </a:prstGeom>
+          <a:ln w="25400" cap="rnd">
+            <a:solidFill>
+              <a:srgbClr val="68348B"/>
+            </a:solidFill>
+            <a:tailEnd type="triangle" w="med" len="lg"/>
+          </a:ln>
+        </p:spPr>
+        <p:style>
+          <a:lnRef idx="1">
+            <a:schemeClr val="accent1"/>
+          </a:lnRef>
+          <a:fillRef idx="0">
+            <a:schemeClr val="accent1"/>
+          </a:fillRef>
+          <a:effectRef idx="0">
+            <a:schemeClr val="accent1"/>
+          </a:effectRef>
+          <a:fontRef idx="minor">
+            <a:schemeClr val="tx1"/>
+          </a:fontRef>
+        </p:style>
+      </p:cxnSp>
+      <p:sp>
+        <p:nvSpPr>
+          <p:cNvPr id="40" name="Rectangle : coins arrondis 39">
+            <a:extLst>
+              <a:ext uri="{FF2B5EF4-FFF2-40B4-BE49-F238E27FC236}">
+                <a16:creationId xmlns:a16="http://schemas.microsoft.com/office/drawing/2014/main" id="{6AAACCB8-3C45-C1AD-84DC-3D1813D022CD}"/>
+              </a:ext>
+            </a:extLst>
+          </p:cNvPr>
+          <p:cNvSpPr/>
+          <p:nvPr/>
+        </p:nvSpPr>
+        <p:spPr>
+          <a:xfrm>
+            <a:off x="9653155" y="3971373"/>
+            <a:ext cx="1365662" cy="652851"/>
+          </a:xfrm>
+          <a:prstGeom prst="roundRect">
+            <a:avLst>
+              <a:gd name="adj" fmla="val 11914"/>
+            </a:avLst>
+          </a:prstGeom>
+          <a:solidFill>
+            <a:srgbClr val="F7B8B3"/>
+          </a:solidFill>
+          <a:ln w="19050">
+            <a:solidFill>
+              <a:srgbClr val="F7B8B3"/>
+            </a:solidFill>
+          </a:ln>
+        </p:spPr>
+        <p:style>
+          <a:lnRef idx="2">
+            <a:schemeClr val="accent1">
+              <a:shade val="50000"/>
+            </a:schemeClr>
+          </a:lnRef>
+          <a:fillRef idx="1">
+            <a:schemeClr val="accent1"/>
+          </a:fillRef>
+          <a:effectRef idx="0">
+            <a:schemeClr val="accent1"/>
+          </a:effectRef>
+          <a:fontRef idx="minor">
+            <a:schemeClr val="lt1"/>
+          </a:fontRef>
+        </p:style>
+        <p:txBody>
+          <a:bodyPr rtlCol="0" anchor="ctr"/>
+          <a:lstStyle/>
+          <a:p>
+            <a:pPr algn="ctr"/>
+            <a:r>
+              <a:rPr lang="fr-FR" sz="900" dirty="0">
+                <a:solidFill>
+                  <a:srgbClr val="EE685D"/>
+                </a:solidFill>
+                <a:latin typeface="Arial Nova" panose="020B0504020202020204" pitchFamily="34" charset="0"/>
+              </a:rPr>
+              <a:t>Poulie courroie</a:t>
+            </a:r>
+          </a:p>
+          <a:p>
+            <a:pPr algn="ctr"/>
+            <a:r>
+              <a:rPr lang="fr-FR" sz="900" dirty="0">
+                <a:solidFill>
+                  <a:srgbClr val="EE685D"/>
+                </a:solidFill>
+                <a:latin typeface="Arial Nova" panose="020B0504020202020204" pitchFamily="34" charset="0"/>
+              </a:rPr>
+              <a:t>Parallélogrammes déformables</a:t>
+            </a:r>
+          </a:p>
+        </p:txBody>
+      </p:sp>
+      <p:grpSp>
+        <p:nvGrpSpPr>
+          <p:cNvPr id="41" name="Groupe 40">
+            <a:extLst>
+              <a:ext uri="{FF2B5EF4-FFF2-40B4-BE49-F238E27FC236}">
+                <a16:creationId xmlns:a16="http://schemas.microsoft.com/office/drawing/2014/main" id="{525A4F01-43D9-7810-A7F5-382C94062800}"/>
+              </a:ext>
+            </a:extLst>
+          </p:cNvPr>
+          <p:cNvGrpSpPr/>
+          <p:nvPr/>
+        </p:nvGrpSpPr>
+        <p:grpSpPr>
+          <a:xfrm>
+            <a:off x="9586680" y="4348828"/>
+            <a:ext cx="288000" cy="288000"/>
+            <a:chOff x="5404964" y="4396133"/>
+            <a:chExt cx="1800000" cy="1800000"/>
+          </a:xfrm>
+        </p:grpSpPr>
+        <p:sp>
+          <p:nvSpPr>
+            <p:cNvPr id="42" name="Ellipse 41">
+              <a:extLst>
+                <a:ext uri="{FF2B5EF4-FFF2-40B4-BE49-F238E27FC236}">
+                  <a16:creationId xmlns:a16="http://schemas.microsoft.com/office/drawing/2014/main" id="{4A553CD1-B349-96C9-5256-D90D4A005984}"/>
+                </a:ext>
+              </a:extLst>
+            </p:cNvPr>
+            <p:cNvSpPr/>
+            <p:nvPr/>
+          </p:nvSpPr>
+          <p:spPr>
+            <a:xfrm>
+              <a:off x="5404964" y="4396133"/>
+              <a:ext cx="1800000" cy="1800000"/>
+            </a:xfrm>
+            <a:prstGeom prst="ellipse">
+              <a:avLst/>
+            </a:prstGeom>
+            <a:solidFill>
+              <a:srgbClr val="00517A"/>
+            </a:solidFill>
+            <a:ln>
+              <a:noFill/>
+            </a:ln>
+          </p:spPr>
+          <p:style>
+            <a:lnRef idx="2">
+              <a:schemeClr val="accent1">
+                <a:shade val="50000"/>
+              </a:schemeClr>
+            </a:lnRef>
+            <a:fillRef idx="1">
+              <a:schemeClr val="accent1"/>
+            </a:fillRef>
+            <a:effectRef idx="0">
+              <a:schemeClr val="accent1"/>
+            </a:effectRef>
+            <a:fontRef idx="minor">
+              <a:schemeClr val="lt1"/>
+            </a:fontRef>
+          </p:style>
+          <p:txBody>
+            <a:bodyPr rtlCol="0" anchor="ctr"/>
+            <a:lstStyle/>
+            <a:p>
+              <a:pPr algn="ctr"/>
+              <a:endParaRPr lang="fr-FR"/>
+            </a:p>
+          </p:txBody>
+        </p:sp>
+        <p:pic>
+          <p:nvPicPr>
+            <p:cNvPr id="51" name="Image 50">
+              <a:extLst>
+                <a:ext uri="{FF2B5EF4-FFF2-40B4-BE49-F238E27FC236}">
+                  <a16:creationId xmlns:a16="http://schemas.microsoft.com/office/drawing/2014/main" id="{6CE8F5F8-8782-0645-868A-16260F46945C}"/>
+                </a:ext>
+              </a:extLst>
+            </p:cNvPr>
+            <p:cNvPicPr>
+              <a:picLocks noChangeAspect="1"/>
+            </p:cNvPicPr>
+            <p:nvPr/>
+          </p:nvPicPr>
+          <p:blipFill>
+            <a:blip r:embed="rId14"/>
+            <a:stretch>
+              <a:fillRect/>
+            </a:stretch>
+          </p:blipFill>
+          <p:spPr>
+            <a:xfrm>
+              <a:off x="5543445" y="4536296"/>
+              <a:ext cx="1358232" cy="1440000"/>
+            </a:xfrm>
+            <a:prstGeom prst="rect">
+              <a:avLst/>
+            </a:prstGeom>
+          </p:spPr>
+        </p:pic>
+      </p:grpSp>
+      <p:grpSp>
+        <p:nvGrpSpPr>
+          <p:cNvPr id="63" name="Groupe 62">
+            <a:extLst>
+              <a:ext uri="{FF2B5EF4-FFF2-40B4-BE49-F238E27FC236}">
+                <a16:creationId xmlns:a16="http://schemas.microsoft.com/office/drawing/2014/main" id="{C57A9942-842E-A995-CC8F-F4DD985DFD3B}"/>
+              </a:ext>
+            </a:extLst>
+          </p:cNvPr>
+          <p:cNvGrpSpPr/>
+          <p:nvPr/>
+        </p:nvGrpSpPr>
+        <p:grpSpPr>
+          <a:xfrm>
+            <a:off x="10437292" y="3738229"/>
+            <a:ext cx="360000" cy="360000"/>
+            <a:chOff x="3533664" y="4396133"/>
+            <a:chExt cx="1800000" cy="1800000"/>
+          </a:xfrm>
+        </p:grpSpPr>
+        <p:sp>
+          <p:nvSpPr>
+            <p:cNvPr id="66" name="Ellipse 65">
+              <a:extLst>
+                <a:ext uri="{FF2B5EF4-FFF2-40B4-BE49-F238E27FC236}">
+                  <a16:creationId xmlns:a16="http://schemas.microsoft.com/office/drawing/2014/main" id="{C05BB78C-2CF6-3548-BF60-0A8ACE6DDFC4}"/>
+                </a:ext>
+              </a:extLst>
+            </p:cNvPr>
+            <p:cNvSpPr/>
+            <p:nvPr/>
+          </p:nvSpPr>
+          <p:spPr>
+            <a:xfrm>
+              <a:off x="3533664" y="4396133"/>
+              <a:ext cx="1800000" cy="1800000"/>
+            </a:xfrm>
+            <a:prstGeom prst="ellipse">
+              <a:avLst/>
+            </a:prstGeom>
+            <a:solidFill>
+              <a:srgbClr val="EF7268"/>
+            </a:solidFill>
+            <a:ln>
+              <a:noFill/>
+            </a:ln>
+          </p:spPr>
+          <p:style>
+            <a:lnRef idx="2">
+              <a:schemeClr val="accent1">
+                <a:shade val="50000"/>
+              </a:schemeClr>
+            </a:lnRef>
+            <a:fillRef idx="1">
+              <a:schemeClr val="accent1"/>
+            </a:fillRef>
+            <a:effectRef idx="0">
+              <a:schemeClr val="accent1"/>
+            </a:effectRef>
+            <a:fontRef idx="minor">
+              <a:schemeClr val="lt1"/>
+            </a:fontRef>
+          </p:style>
+          <p:txBody>
+            <a:bodyPr rtlCol="0" anchor="ctr"/>
+            <a:lstStyle/>
+            <a:p>
+              <a:pPr algn="ctr"/>
+              <a:endParaRPr lang="fr-FR" dirty="0"/>
+            </a:p>
+          </p:txBody>
+        </p:sp>
+        <p:pic>
+          <p:nvPicPr>
+            <p:cNvPr id="67" name="Image 66">
+              <a:extLst>
+                <a:ext uri="{FF2B5EF4-FFF2-40B4-BE49-F238E27FC236}">
+                  <a16:creationId xmlns:a16="http://schemas.microsoft.com/office/drawing/2014/main" id="{4CBD32B9-82F4-73A6-DBD9-D4F3B2F26CBE}"/>
+                </a:ext>
+              </a:extLst>
+            </p:cNvPr>
+            <p:cNvPicPr>
+              <a:picLocks noChangeAspect="1"/>
+            </p:cNvPicPr>
+            <p:nvPr/>
+          </p:nvPicPr>
+          <p:blipFill>
+            <a:blip r:embed="rId23"/>
+            <a:stretch>
+              <a:fillRect/>
+            </a:stretch>
+          </p:blipFill>
+          <p:spPr>
+            <a:xfrm>
+              <a:off x="3681584" y="4594762"/>
+              <a:ext cx="1427962" cy="1471564"/>
+            </a:xfrm>
+            <a:prstGeom prst="rect">
+              <a:avLst/>
+            </a:prstGeom>
+          </p:spPr>
+        </p:pic>
+      </p:grpSp>
+      <mc:AlternateContent xmlns:mc="http://schemas.openxmlformats.org/markup-compatibility/2006">
+        <mc:Choice xmlns:a14="http://schemas.microsoft.com/office/drawing/2010/main" Requires="a14">
+          <p:sp>
+            <p:nvSpPr>
+              <p:cNvPr id="84" name="ZoneTexte 83">
+                <a:extLst>
+                  <a:ext uri="{FF2B5EF4-FFF2-40B4-BE49-F238E27FC236}">
+                    <a16:creationId xmlns:a16="http://schemas.microsoft.com/office/drawing/2014/main" id="{62D95F2C-DD11-4F84-03B0-C2672AFF58D6}"/>
+                  </a:ext>
+                </a:extLst>
+              </p:cNvPr>
+              <p:cNvSpPr txBox="1"/>
+              <p:nvPr/>
+            </p:nvSpPr>
+            <p:spPr>
+              <a:xfrm>
+                <a:off x="6617430" y="3779357"/>
+                <a:ext cx="1161960" cy="276999"/>
+              </a:xfrm>
+              <a:prstGeom prst="rect">
+                <a:avLst/>
+              </a:prstGeom>
+              <a:noFill/>
+            </p:spPr>
+            <p:txBody>
+              <a:bodyPr wrap="square" rtlCol="0">
+                <a:spAutoFit/>
+              </a:bodyPr>
+              <a:lstStyle/>
+              <a:p>
+                <a:pPr algn="ctr"/>
+                <a14:m>
+                  <m:oMathPara xmlns:m="http://schemas.openxmlformats.org/officeDocument/2006/math">
+                    <m:oMathParaPr>
+                      <m:jc m:val="centerGroup"/>
+                    </m:oMathParaPr>
+                    <m:oMath xmlns:m="http://schemas.openxmlformats.org/officeDocument/2006/math">
+                      <m:sSub>
+                        <m:sSubPr>
+                          <m:ctrlPr>
+                            <a:rPr lang="fr-FR" sz="1200" b="1" i="1" smtClean="0">
+                              <a:solidFill>
+                                <a:srgbClr val="FFB25A"/>
+                              </a:solidFill>
+                              <a:latin typeface="Cambria Math" panose="02040503050406030204" pitchFamily="18" charset="0"/>
+                              <a:ea typeface="Cambria Math" panose="02040503050406030204" pitchFamily="18" charset="0"/>
+                            </a:rPr>
+                          </m:ctrlPr>
+                        </m:sSubPr>
+                        <m:e>
+                          <m:r>
+                            <a:rPr lang="fr-FR" sz="1200" b="1" i="1" smtClean="0">
+                              <a:solidFill>
+                                <a:srgbClr val="FFB25A"/>
+                              </a:solidFill>
+                              <a:latin typeface="Cambria Math" panose="02040503050406030204" pitchFamily="18" charset="0"/>
+                              <a:ea typeface="Cambria Math" panose="02040503050406030204" pitchFamily="18" charset="0"/>
+                            </a:rPr>
+                            <m:t>𝓟</m:t>
+                          </m:r>
+                        </m:e>
+                        <m:sub>
+                          <m:r>
+                            <a:rPr lang="fr-FR" sz="1200" b="1" i="1" smtClean="0">
+                              <a:solidFill>
+                                <a:srgbClr val="FFB25A"/>
+                              </a:solidFill>
+                              <a:latin typeface="Cambria Math" panose="02040503050406030204" pitchFamily="18" charset="0"/>
+                              <a:ea typeface="Cambria Math" panose="02040503050406030204" pitchFamily="18" charset="0"/>
+                            </a:rPr>
+                            <m:t>𝒎</m:t>
+                          </m:r>
+                        </m:sub>
+                      </m:sSub>
+                      <m:r>
+                        <a:rPr lang="fr-FR" sz="1200" b="1" i="1" smtClean="0">
+                          <a:solidFill>
+                            <a:srgbClr val="FFB25A"/>
+                          </a:solidFill>
+                          <a:latin typeface="Cambria Math" panose="02040503050406030204" pitchFamily="18" charset="0"/>
+                          <a:ea typeface="Cambria Math" panose="02040503050406030204" pitchFamily="18" charset="0"/>
+                        </a:rPr>
+                        <m:t>=</m:t>
+                      </m:r>
+                      <m:sSub>
+                        <m:sSubPr>
+                          <m:ctrlPr>
+                            <a:rPr lang="fr-FR" sz="1200" b="1" i="1" smtClean="0">
+                              <a:solidFill>
+                                <a:srgbClr val="FFB25A"/>
+                              </a:solidFill>
+                              <a:latin typeface="Cambria Math" panose="02040503050406030204" pitchFamily="18" charset="0"/>
+                              <a:ea typeface="Cambria Math" panose="02040503050406030204" pitchFamily="18" charset="0"/>
+                            </a:rPr>
+                          </m:ctrlPr>
+                        </m:sSubPr>
+                        <m:e>
+                          <m:r>
+                            <a:rPr lang="fr-FR" sz="1200" b="1" i="1" smtClean="0">
+                              <a:solidFill>
+                                <a:srgbClr val="FFB25A"/>
+                              </a:solidFill>
+                              <a:latin typeface="Cambria Math" panose="02040503050406030204" pitchFamily="18" charset="0"/>
+                              <a:ea typeface="Cambria Math" panose="02040503050406030204" pitchFamily="18" charset="0"/>
+                            </a:rPr>
+                            <m:t>𝑪</m:t>
+                          </m:r>
+                        </m:e>
+                        <m:sub>
+                          <m:r>
+                            <a:rPr lang="fr-FR" sz="1200" b="1" i="1" smtClean="0">
+                              <a:solidFill>
+                                <a:srgbClr val="FFB25A"/>
+                              </a:solidFill>
+                              <a:latin typeface="Cambria Math" panose="02040503050406030204" pitchFamily="18" charset="0"/>
+                              <a:ea typeface="Cambria Math" panose="02040503050406030204" pitchFamily="18" charset="0"/>
+                            </a:rPr>
+                            <m:t>𝒎</m:t>
+                          </m:r>
+                        </m:sub>
+                      </m:sSub>
+                      <m:sSub>
+                        <m:sSubPr>
+                          <m:ctrlPr>
+                            <a:rPr lang="fr-FR" sz="1200" b="1" i="1" smtClean="0">
+                              <a:solidFill>
+                                <a:srgbClr val="FFB25A"/>
+                              </a:solidFill>
+                              <a:latin typeface="Cambria Math" panose="02040503050406030204" pitchFamily="18" charset="0"/>
+                              <a:ea typeface="Cambria Math" panose="02040503050406030204" pitchFamily="18" charset="0"/>
+                            </a:rPr>
+                          </m:ctrlPr>
+                        </m:sSubPr>
+                        <m:e>
+                          <m:r>
+                            <a:rPr lang="fr-FR" sz="1200" b="1" i="1" smtClean="0">
+                              <a:solidFill>
+                                <a:srgbClr val="FFB25A"/>
+                              </a:solidFill>
+                              <a:latin typeface="Cambria Math" panose="02040503050406030204" pitchFamily="18" charset="0"/>
+                              <a:ea typeface="Cambria Math" panose="02040503050406030204" pitchFamily="18" charset="0"/>
+                            </a:rPr>
+                            <m:t>𝝎</m:t>
+                          </m:r>
+                        </m:e>
+                        <m:sub>
+                          <m:r>
+                            <a:rPr lang="fr-FR" sz="1200" b="1" i="1" smtClean="0">
+                              <a:solidFill>
+                                <a:srgbClr val="FFB25A"/>
+                              </a:solidFill>
+                              <a:latin typeface="Cambria Math" panose="02040503050406030204" pitchFamily="18" charset="0"/>
+                              <a:ea typeface="Cambria Math" panose="02040503050406030204" pitchFamily="18" charset="0"/>
+                            </a:rPr>
+                            <m:t>𝒎</m:t>
+                          </m:r>
+                        </m:sub>
+                      </m:sSub>
+                    </m:oMath>
+                  </m:oMathPara>
+                </a14:m>
+                <a:endParaRPr lang="fr-FR" sz="1200" b="1" dirty="0">
+                  <a:solidFill>
+                    <a:srgbClr val="FFB25A"/>
+                  </a:solidFill>
+                  <a:latin typeface="Arial Nova" panose="020B0504020202020204" pitchFamily="34" charset="0"/>
+                </a:endParaRPr>
+              </a:p>
+            </p:txBody>
+          </p:sp>
+        </mc:Choice>
+        <mc:Fallback>
+          <p:sp>
+            <p:nvSpPr>
+              <p:cNvPr id="84" name="ZoneTexte 83">
+                <a:extLst>
+                  <a:ext uri="{FF2B5EF4-FFF2-40B4-BE49-F238E27FC236}">
+                    <a16:creationId xmlns:a16="http://schemas.microsoft.com/office/drawing/2014/main" id="{62D95F2C-DD11-4F84-03B0-C2672AFF58D6}"/>
+                  </a:ext>
+                </a:extLst>
+              </p:cNvPr>
+              <p:cNvSpPr txBox="1">
+                <a:spLocks noRot="1" noChangeAspect="1" noMove="1" noResize="1" noEditPoints="1" noAdjustHandles="1" noChangeArrowheads="1" noChangeShapeType="1" noTextEdit="1"/>
+              </p:cNvSpPr>
+              <p:nvPr/>
+            </p:nvSpPr>
+            <p:spPr>
+              <a:xfrm>
+                <a:off x="6617430" y="3779357"/>
+                <a:ext cx="1161960" cy="276999"/>
+              </a:xfrm>
+              <a:prstGeom prst="rect">
+                <a:avLst/>
+              </a:prstGeom>
+              <a:blipFill>
+                <a:blip r:embed="rId24"/>
+                <a:stretch>
+                  <a:fillRect/>
+                </a:stretch>
+              </a:blipFill>
+            </p:spPr>
+            <p:txBody>
+              <a:bodyPr/>
+              <a:lstStyle/>
+              <a:p>
+                <a:r>
+                  <a:rPr lang="fr-FR">
+                    <a:noFill/>
+                  </a:rPr>
+                  <a:t> </a:t>
+                </a:r>
+              </a:p>
+            </p:txBody>
+          </p:sp>
+        </mc:Fallback>
+      </mc:AlternateContent>
+      <p:pic>
+        <p:nvPicPr>
+          <p:cNvPr id="92" name="Image 91">
+            <a:extLst>
+              <a:ext uri="{FF2B5EF4-FFF2-40B4-BE49-F238E27FC236}">
+                <a16:creationId xmlns:a16="http://schemas.microsoft.com/office/drawing/2014/main" id="{CE50E801-54C8-7B27-52F7-223ACEF88E76}"/>
+              </a:ext>
+            </a:extLst>
+          </p:cNvPr>
+          <p:cNvPicPr>
+            <a:picLocks noChangeAspect="1"/>
+          </p:cNvPicPr>
+          <p:nvPr/>
+        </p:nvPicPr>
+        <p:blipFill>
+          <a:blip r:embed="rId15"/>
+          <a:stretch>
+            <a:fillRect/>
+          </a:stretch>
+        </p:blipFill>
+        <p:spPr>
+          <a:xfrm>
+            <a:off x="9136654" y="3400161"/>
+            <a:ext cx="288000" cy="105516"/>
+          </a:xfrm>
+          <a:prstGeom prst="rect">
+            <a:avLst/>
+          </a:prstGeom>
+        </p:spPr>
+      </p:pic>
+      <mc:AlternateContent xmlns:mc="http://schemas.openxmlformats.org/markup-compatibility/2006">
+        <mc:Choice xmlns:a14="http://schemas.microsoft.com/office/drawing/2010/main" Requires="a14">
+          <p:sp>
+            <p:nvSpPr>
+              <p:cNvPr id="96" name="ZoneTexte 95">
+                <a:extLst>
+                  <a:ext uri="{FF2B5EF4-FFF2-40B4-BE49-F238E27FC236}">
+                    <a16:creationId xmlns:a16="http://schemas.microsoft.com/office/drawing/2014/main" id="{FE6E6DD2-37B6-5AFE-C8A0-6BC2560C5063}"/>
+                  </a:ext>
+                </a:extLst>
+              </p:cNvPr>
+              <p:cNvSpPr txBox="1"/>
+              <p:nvPr/>
+            </p:nvSpPr>
+            <p:spPr>
+              <a:xfrm>
+                <a:off x="8735274" y="3763890"/>
+                <a:ext cx="1161960" cy="461665"/>
+              </a:xfrm>
+              <a:prstGeom prst="rect">
+                <a:avLst/>
+              </a:prstGeom>
+              <a:noFill/>
+            </p:spPr>
+            <p:txBody>
+              <a:bodyPr wrap="square" rtlCol="0">
+                <a:spAutoFit/>
+              </a:bodyPr>
+              <a:lstStyle/>
+              <a:p>
+                <a:pPr algn="ctr"/>
+                <a14:m>
+                  <m:oMathPara xmlns:m="http://schemas.openxmlformats.org/officeDocument/2006/math">
+                    <m:oMathParaPr>
+                      <m:jc m:val="centerGroup"/>
+                    </m:oMathParaPr>
+                    <m:oMath xmlns:m="http://schemas.openxmlformats.org/officeDocument/2006/math">
+                      <m:sSub>
+                        <m:sSubPr>
+                          <m:ctrlPr>
+                            <a:rPr lang="fr-FR" sz="1200" b="1" i="1" smtClean="0">
+                              <a:solidFill>
+                                <a:srgbClr val="FFB25A"/>
+                              </a:solidFill>
+                              <a:latin typeface="Cambria Math" panose="02040503050406030204" pitchFamily="18" charset="0"/>
+                              <a:ea typeface="Cambria Math" panose="02040503050406030204" pitchFamily="18" charset="0"/>
+                            </a:rPr>
+                          </m:ctrlPr>
+                        </m:sSubPr>
+                        <m:e>
+                          <m:r>
+                            <a:rPr lang="fr-FR" sz="1200" b="1" i="1" smtClean="0">
+                              <a:solidFill>
+                                <a:srgbClr val="FFB25A"/>
+                              </a:solidFill>
+                              <a:latin typeface="Cambria Math" panose="02040503050406030204" pitchFamily="18" charset="0"/>
+                              <a:ea typeface="Cambria Math" panose="02040503050406030204" pitchFamily="18" charset="0"/>
+                            </a:rPr>
+                            <m:t>𝓟</m:t>
+                          </m:r>
+                        </m:e>
+                        <m:sub>
+                          <m:r>
+                            <a:rPr lang="fr-FR" sz="1200" b="1" i="1" smtClean="0">
+                              <a:solidFill>
+                                <a:srgbClr val="FFB25A"/>
+                              </a:solidFill>
+                              <a:latin typeface="Cambria Math" panose="02040503050406030204" pitchFamily="18" charset="0"/>
+                              <a:ea typeface="Cambria Math" panose="02040503050406030204" pitchFamily="18" charset="0"/>
+                            </a:rPr>
+                            <m:t>𝒎</m:t>
+                          </m:r>
+                        </m:sub>
+                      </m:sSub>
+                      <m:r>
+                        <a:rPr lang="fr-FR" sz="1200" b="1" i="1" smtClean="0">
+                          <a:solidFill>
+                            <a:srgbClr val="FFB25A"/>
+                          </a:solidFill>
+                          <a:latin typeface="Cambria Math" panose="02040503050406030204" pitchFamily="18" charset="0"/>
+                          <a:ea typeface="Cambria Math" panose="02040503050406030204" pitchFamily="18" charset="0"/>
+                        </a:rPr>
+                        <m:t>=</m:t>
+                      </m:r>
+                      <m:r>
+                        <a:rPr lang="fr-FR" sz="1200" b="1" i="1" smtClean="0">
+                          <a:solidFill>
+                            <a:srgbClr val="FFB25A"/>
+                          </a:solidFill>
+                          <a:latin typeface="Cambria Math" panose="02040503050406030204" pitchFamily="18" charset="0"/>
+                          <a:ea typeface="Cambria Math" panose="02040503050406030204" pitchFamily="18" charset="0"/>
+                        </a:rPr>
+                        <m:t>𝑭𝑽</m:t>
+                      </m:r>
+                    </m:oMath>
+                  </m:oMathPara>
+                </a14:m>
+                <a:endParaRPr lang="fr-FR" sz="1200" b="1" dirty="0">
+                  <a:solidFill>
+                    <a:srgbClr val="FFB25A"/>
+                  </a:solidFill>
+                  <a:latin typeface="Arial Nova" panose="020B0504020202020204" pitchFamily="34" charset="0"/>
+                  <a:ea typeface="Cambria Math" panose="02040503050406030204" pitchFamily="18" charset="0"/>
+                </a:endParaRPr>
+              </a:p>
+              <a:p>
+                <a:pPr algn="ctr"/>
+                <a14:m>
+                  <m:oMathPara xmlns:m="http://schemas.openxmlformats.org/officeDocument/2006/math">
+                    <m:oMathParaPr>
+                      <m:jc m:val="centerGroup"/>
+                    </m:oMathParaPr>
+                    <m:oMath xmlns:m="http://schemas.openxmlformats.org/officeDocument/2006/math">
+                      <m:r>
+                        <a:rPr lang="fr-FR" sz="1200" b="1" i="1" smtClean="0">
+                          <a:solidFill>
+                            <a:srgbClr val="FFB25A"/>
+                          </a:solidFill>
+                          <a:latin typeface="Cambria Math" panose="02040503050406030204" pitchFamily="18" charset="0"/>
+                          <a:ea typeface="Cambria Math" panose="02040503050406030204" pitchFamily="18" charset="0"/>
+                        </a:rPr>
+                        <m:t>𝑽</m:t>
+                      </m:r>
+                      <m:r>
+                        <a:rPr lang="fr-FR" sz="1200" b="1" i="1" smtClean="0">
+                          <a:solidFill>
+                            <a:srgbClr val="FFB25A"/>
+                          </a:solidFill>
+                          <a:latin typeface="Cambria Math" panose="02040503050406030204" pitchFamily="18" charset="0"/>
+                          <a:ea typeface="Cambria Math" panose="02040503050406030204" pitchFamily="18" charset="0"/>
+                        </a:rPr>
+                        <m:t>=</m:t>
+                      </m:r>
+                      <m:sSub>
+                        <m:sSubPr>
+                          <m:ctrlPr>
+                            <a:rPr lang="fr-FR" sz="1200" b="1" i="1" smtClean="0">
+                              <a:solidFill>
+                                <a:srgbClr val="FFB25A"/>
+                              </a:solidFill>
+                              <a:latin typeface="Cambria Math" panose="02040503050406030204" pitchFamily="18" charset="0"/>
+                              <a:ea typeface="Cambria Math" panose="02040503050406030204" pitchFamily="18" charset="0"/>
+                            </a:rPr>
+                          </m:ctrlPr>
+                        </m:sSubPr>
+                        <m:e>
+                          <m:r>
+                            <a:rPr lang="fr-FR" sz="1200" b="1" i="1" smtClean="0">
+                              <a:solidFill>
+                                <a:srgbClr val="FFB25A"/>
+                              </a:solidFill>
+                              <a:latin typeface="Cambria Math" panose="02040503050406030204" pitchFamily="18" charset="0"/>
+                              <a:ea typeface="Cambria Math" panose="02040503050406030204" pitchFamily="18" charset="0"/>
+                            </a:rPr>
+                            <m:t>𝑹</m:t>
+                          </m:r>
+                        </m:e>
+                        <m:sub>
+                          <m:r>
+                            <a:rPr lang="fr-FR" sz="1200" b="1" i="1" smtClean="0">
+                              <a:solidFill>
+                                <a:srgbClr val="FFB25A"/>
+                              </a:solidFill>
+                              <a:latin typeface="Cambria Math" panose="02040503050406030204" pitchFamily="18" charset="0"/>
+                              <a:ea typeface="Cambria Math" panose="02040503050406030204" pitchFamily="18" charset="0"/>
+                            </a:rPr>
+                            <m:t>𝑷</m:t>
+                          </m:r>
+                        </m:sub>
+                      </m:sSub>
+                      <m:sSub>
+                        <m:sSubPr>
+                          <m:ctrlPr>
+                            <a:rPr lang="fr-FR" sz="1200" b="1" i="0" smtClean="0">
+                              <a:solidFill>
+                                <a:srgbClr val="FFB25A"/>
+                              </a:solidFill>
+                              <a:latin typeface="Cambria Math" panose="02040503050406030204" pitchFamily="18" charset="0"/>
+                              <a:ea typeface="Cambria Math" panose="02040503050406030204" pitchFamily="18" charset="0"/>
+                            </a:rPr>
+                          </m:ctrlPr>
+                        </m:sSubPr>
+                        <m:e>
+                          <m:r>
+                            <a:rPr lang="fr-FR" sz="1200" b="1" i="0" smtClean="0">
+                              <a:solidFill>
+                                <a:srgbClr val="FFB25A"/>
+                              </a:solidFill>
+                              <a:latin typeface="Cambria Math" panose="02040503050406030204" pitchFamily="18" charset="0"/>
+                              <a:ea typeface="Cambria Math" panose="02040503050406030204" pitchFamily="18" charset="0"/>
+                            </a:rPr>
+                            <m:t>𝛀</m:t>
+                          </m:r>
+                        </m:e>
+                        <m:sub>
+                          <m:r>
+                            <a:rPr lang="fr-FR" sz="1200" b="1" i="0" smtClean="0">
+                              <a:solidFill>
+                                <a:srgbClr val="FFB25A"/>
+                              </a:solidFill>
+                              <a:latin typeface="Cambria Math" panose="02040503050406030204" pitchFamily="18" charset="0"/>
+                              <a:ea typeface="Cambria Math" panose="02040503050406030204" pitchFamily="18" charset="0"/>
+                            </a:rPr>
+                            <m:t>𝐦</m:t>
+                          </m:r>
+                        </m:sub>
+                      </m:sSub>
+                    </m:oMath>
+                  </m:oMathPara>
+                </a14:m>
+                <a:endParaRPr lang="fr-FR" sz="1200" b="1" dirty="0">
+                  <a:solidFill>
+                    <a:srgbClr val="FFB25A"/>
+                  </a:solidFill>
+                  <a:latin typeface="Arial Nova" panose="020B0504020202020204" pitchFamily="34" charset="0"/>
+                  <a:ea typeface="Cambria Math" panose="02040503050406030204" pitchFamily="18" charset="0"/>
+                </a:endParaRPr>
+              </a:p>
+            </p:txBody>
+          </p:sp>
+        </mc:Choice>
+        <mc:Fallback>
+          <p:sp>
+            <p:nvSpPr>
+              <p:cNvPr id="96" name="ZoneTexte 95">
+                <a:extLst>
+                  <a:ext uri="{FF2B5EF4-FFF2-40B4-BE49-F238E27FC236}">
+                    <a16:creationId xmlns:a16="http://schemas.microsoft.com/office/drawing/2014/main" id="{FE6E6DD2-37B6-5AFE-C8A0-6BC2560C5063}"/>
+                  </a:ext>
+                </a:extLst>
+              </p:cNvPr>
+              <p:cNvSpPr txBox="1">
+                <a:spLocks noRot="1" noChangeAspect="1" noMove="1" noResize="1" noEditPoints="1" noAdjustHandles="1" noChangeArrowheads="1" noChangeShapeType="1" noTextEdit="1"/>
+              </p:cNvSpPr>
+              <p:nvPr/>
+            </p:nvSpPr>
+            <p:spPr>
+              <a:xfrm>
+                <a:off x="8735274" y="3763890"/>
+                <a:ext cx="1161960" cy="461665"/>
+              </a:xfrm>
+              <a:prstGeom prst="rect">
+                <a:avLst/>
+              </a:prstGeom>
+              <a:blipFill>
+                <a:blip r:embed="rId25"/>
+                <a:stretch>
+                  <a:fillRect/>
+                </a:stretch>
+              </a:blipFill>
+            </p:spPr>
+            <p:txBody>
+              <a:bodyPr/>
+              <a:lstStyle/>
+              <a:p>
+                <a:r>
+                  <a:rPr lang="fr-FR">
+                    <a:noFill/>
+                  </a:rPr>
+                  <a:t> </a:t>
+                </a:r>
+              </a:p>
+            </p:txBody>
+          </p:sp>
+        </mc:Fallback>
+      </mc:AlternateContent>
     </p:spTree>
     <p:extLst>
       <p:ext uri="{BB962C8B-B14F-4D97-AF65-F5344CB8AC3E}">
@@ -12480,7 +13265,7 @@
           <p:nvPr/>
         </p:nvPicPr>
         <p:blipFill>
-          <a:blip r:embed="rId10"/>
+          <a:blip r:embed="rId17"/>
           <a:stretch>
             <a:fillRect/>
           </a:stretch>

--- a/22_I3D/22_I3D_Corrige.pptx
+++ b/22_I3D/22_I3D_Corrige.pptx
@@ -9209,8 +9209,8 @@
           </p:spPr>
         </p:pic>
       </p:grpSp>
-      <mc:AlternateContent xmlns:mc="http://schemas.openxmlformats.org/markup-compatibility/2006">
-        <mc:Choice xmlns:a14="http://schemas.microsoft.com/office/drawing/2010/main" Requires="a14">
+      <mc:AlternateContent xmlns:mc="http://schemas.openxmlformats.org/markup-compatibility/2006" xmlns:a14="http://schemas.microsoft.com/office/drawing/2010/main">
+        <mc:Choice Requires="a14">
           <p:sp>
             <p:nvSpPr>
               <p:cNvPr id="84" name="ZoneTexte 83">
@@ -9380,7 +9380,7 @@
             </p:txBody>
           </p:sp>
         </mc:Choice>
-        <mc:Fallback>
+        <mc:Fallback xmlns="">
           <p:sp>
             <p:nvSpPr>
               <p:cNvPr id="84" name="ZoneTexte 83">
@@ -9455,8 +9455,8 @@
           </a:prstGeom>
         </p:spPr>
       </p:pic>
-      <mc:AlternateContent xmlns:mc="http://schemas.openxmlformats.org/markup-compatibility/2006">
-        <mc:Choice xmlns:a14="http://schemas.microsoft.com/office/drawing/2010/main" Requires="a14">
+      <mc:AlternateContent xmlns:mc="http://schemas.openxmlformats.org/markup-compatibility/2006" xmlns:a14="http://schemas.microsoft.com/office/drawing/2010/main">
+        <mc:Choice Requires="a14">
           <p:sp>
             <p:nvSpPr>
               <p:cNvPr id="96" name="ZoneTexte 95">
@@ -9628,7 +9628,7 @@
                       <m:sSub>
                         <m:sSubPr>
                           <m:ctrlPr>
-                            <a:rPr lang="fr-FR" sz="1200" b="1" i="0" smtClean="0">
+                            <a:rPr lang="fr-FR" sz="1200" b="1" i="1" smtClean="0">
                               <a:solidFill>
                                 <a:srgbClr val="FFB25A"/>
                               </a:solidFill>
@@ -9676,7 +9676,7 @@
             </p:txBody>
           </p:sp>
         </mc:Choice>
-        <mc:Fallback>
+        <mc:Fallback xmlns="">
           <p:sp>
             <p:nvSpPr>
               <p:cNvPr id="96" name="ZoneTexte 95">
@@ -13250,36 +13250,6 @@
           </a:fontRef>
         </p:style>
       </p:cxnSp>
-      <p:pic>
-        <p:nvPicPr>
-          <p:cNvPr id="40" name="Image 39">
-            <a:extLst>
-              <a:ext uri="{FF2B5EF4-FFF2-40B4-BE49-F238E27FC236}">
-                <a16:creationId xmlns:a16="http://schemas.microsoft.com/office/drawing/2014/main" id="{B90E1ECC-0BF5-22ED-E273-25A8BC864403}"/>
-              </a:ext>
-            </a:extLst>
-          </p:cNvPr>
-          <p:cNvPicPr>
-            <a:picLocks noChangeAspect="1"/>
-          </p:cNvPicPr>
-          <p:nvPr/>
-        </p:nvPicPr>
-        <p:blipFill>
-          <a:blip r:embed="rId17"/>
-          <a:stretch>
-            <a:fillRect/>
-          </a:stretch>
-        </p:blipFill>
-        <p:spPr>
-          <a:xfrm>
-            <a:off x="10586063" y="6519"/>
-            <a:ext cx="1330325" cy="2519680"/>
-          </a:xfrm>
-          <a:prstGeom prst="rect">
-            <a:avLst/>
-          </a:prstGeom>
-        </p:spPr>
-      </p:pic>
     </p:spTree>
     <p:extLst>
       <p:ext uri="{BB962C8B-B14F-4D97-AF65-F5344CB8AC3E}">

--- a/22_I3D/22_I3D_Corrige.pptx
+++ b/22_I3D/22_I3D_Corrige.pptx
@@ -360,7 +360,7 @@
           <a:p>
             <a:fld id="{D7F135F6-2A09-4FDD-9ECA-096E230CA0FA}" type="datetimeFigureOut">
               <a:rPr lang="fr-FR" smtClean="0"/>
-              <a:t>04/06/2024</a:t>
+              <a:t>09/05/2025</a:t>
             </a:fld>
             <a:endParaRPr lang="fr-FR"/>
           </a:p>
@@ -565,7 +565,7 @@
           <a:p>
             <a:fld id="{D7F135F6-2A09-4FDD-9ECA-096E230CA0FA}" type="datetimeFigureOut">
               <a:rPr lang="fr-FR" smtClean="0"/>
-              <a:t>04/06/2024</a:t>
+              <a:t>09/05/2025</a:t>
             </a:fld>
             <a:endParaRPr lang="fr-FR"/>
           </a:p>
@@ -821,7 +821,7 @@
           <a:p>
             <a:fld id="{D7F135F6-2A09-4FDD-9ECA-096E230CA0FA}" type="datetimeFigureOut">
               <a:rPr lang="fr-FR" smtClean="0"/>
-              <a:t>04/06/2024</a:t>
+              <a:t>09/05/2025</a:t>
             </a:fld>
             <a:endParaRPr lang="fr-FR"/>
           </a:p>
@@ -1027,7 +1027,7 @@
           <a:p>
             <a:fld id="{D7F135F6-2A09-4FDD-9ECA-096E230CA0FA}" type="datetimeFigureOut">
               <a:rPr lang="fr-FR" smtClean="0"/>
-              <a:t>04/06/2024</a:t>
+              <a:t>09/05/2025</a:t>
             </a:fld>
             <a:endParaRPr lang="fr-FR"/>
           </a:p>
@@ -1389,7 +1389,7 @@
           <a:p>
             <a:fld id="{D7F135F6-2A09-4FDD-9ECA-096E230CA0FA}" type="datetimeFigureOut">
               <a:rPr lang="fr-FR" smtClean="0"/>
-              <a:t>04/06/2024</a:t>
+              <a:t>09/05/2025</a:t>
             </a:fld>
             <a:endParaRPr lang="fr-FR"/>
           </a:p>
@@ -1664,7 +1664,7 @@
           <a:p>
             <a:fld id="{D7F135F6-2A09-4FDD-9ECA-096E230CA0FA}" type="datetimeFigureOut">
               <a:rPr lang="fr-FR" smtClean="0"/>
-              <a:t>04/06/2024</a:t>
+              <a:t>09/05/2025</a:t>
             </a:fld>
             <a:endParaRPr lang="fr-FR"/>
           </a:p>
@@ -2043,7 +2043,7 @@
           <a:p>
             <a:fld id="{D7F135F6-2A09-4FDD-9ECA-096E230CA0FA}" type="datetimeFigureOut">
               <a:rPr lang="fr-FR" smtClean="0"/>
-              <a:t>04/06/2024</a:t>
+              <a:t>09/05/2025</a:t>
             </a:fld>
             <a:endParaRPr lang="fr-FR"/>
           </a:p>
@@ -2161,7 +2161,7 @@
           <a:p>
             <a:fld id="{D7F135F6-2A09-4FDD-9ECA-096E230CA0FA}" type="datetimeFigureOut">
               <a:rPr lang="fr-FR" smtClean="0"/>
-              <a:t>04/06/2024</a:t>
+              <a:t>09/05/2025</a:t>
             </a:fld>
             <a:endParaRPr lang="fr-FR"/>
           </a:p>
@@ -2335,7 +2335,7 @@
           <a:p>
             <a:fld id="{D7F135F6-2A09-4FDD-9ECA-096E230CA0FA}" type="datetimeFigureOut">
               <a:rPr lang="fr-FR" smtClean="0"/>
-              <a:t>04/06/2024</a:t>
+              <a:t>09/05/2025</a:t>
             </a:fld>
             <a:endParaRPr lang="fr-FR"/>
           </a:p>
@@ -2692,7 +2692,7 @@
           <a:p>
             <a:fld id="{D7F135F6-2A09-4FDD-9ECA-096E230CA0FA}" type="datetimeFigureOut">
               <a:rPr lang="fr-FR" smtClean="0"/>
-              <a:t>04/06/2024</a:t>
+              <a:t>09/05/2025</a:t>
             </a:fld>
             <a:endParaRPr lang="fr-FR"/>
           </a:p>
@@ -3077,7 +3077,7 @@
           <a:p>
             <a:fld id="{D7F135F6-2A09-4FDD-9ECA-096E230CA0FA}" type="datetimeFigureOut">
               <a:rPr lang="fr-FR" smtClean="0"/>
-              <a:t>04/06/2024</a:t>
+              <a:t>09/05/2025</a:t>
             </a:fld>
             <a:endParaRPr lang="fr-FR"/>
           </a:p>
@@ -3367,7 +3367,7 @@
           <a:p>
             <a:fld id="{D7F135F6-2A09-4FDD-9ECA-096E230CA0FA}" type="datetimeFigureOut">
               <a:rPr lang="fr-FR" smtClean="0"/>
-              <a:t>04/06/2024</a:t>
+              <a:t>09/05/2025</a:t>
             </a:fld>
             <a:endParaRPr lang="fr-FR" dirty="0"/>
           </a:p>
@@ -13365,31 +13365,6 @@
       </p:grpSpPr>
       <p:sp>
         <p:nvSpPr>
-          <p:cNvPr id="2" name="Titre 1">
-            <a:extLst>
-              <a:ext uri="{FF2B5EF4-FFF2-40B4-BE49-F238E27FC236}">
-                <a16:creationId xmlns:a16="http://schemas.microsoft.com/office/drawing/2014/main" id="{0FC769BE-B647-6111-6B3E-950C44C2680C}"/>
-              </a:ext>
-            </a:extLst>
-          </p:cNvPr>
-          <p:cNvSpPr>
-            <a:spLocks noGrp="1"/>
-          </p:cNvSpPr>
-          <p:nvPr>
-            <p:ph type="title"/>
-          </p:nvPr>
-        </p:nvSpPr>
-        <p:spPr/>
-        <p:txBody>
-          <a:bodyPr/>
-          <a:lstStyle/>
-          <a:p>
-            <a:endParaRPr lang="fr-FR" dirty="0"/>
-          </a:p>
-        </p:txBody>
-      </p:sp>
-      <p:sp>
-        <p:nvSpPr>
           <p:cNvPr id="6" name="Forme libre : forme 5">
             <a:extLst>
               <a:ext uri="{FF2B5EF4-FFF2-40B4-BE49-F238E27FC236}">
@@ -14898,8 +14873,8 @@
           </p:sp>
         </mc:Fallback>
       </mc:AlternateContent>
-      <mc:AlternateContent xmlns:mc="http://schemas.openxmlformats.org/markup-compatibility/2006" xmlns:a14="http://schemas.microsoft.com/office/drawing/2010/main">
-        <mc:Choice Requires="a14">
+      <mc:AlternateContent xmlns:mc="http://schemas.openxmlformats.org/markup-compatibility/2006">
+        <mc:Choice xmlns:a14="http://schemas.microsoft.com/office/drawing/2010/main" Requires="a14">
           <p:sp>
             <p:nvSpPr>
               <p:cNvPr id="38" name="Espace réservé du contenu 2">
@@ -14916,8 +14891,8 @@
             </p:nvSpPr>
             <p:spPr>
               <a:xfrm>
-                <a:off x="6143475" y="981887"/>
-                <a:ext cx="5930730" cy="5253339"/>
+                <a:off x="6143475" y="1636912"/>
+                <a:ext cx="5930730" cy="4598314"/>
               </a:xfrm>
               <a:prstGeom prst="rect">
                 <a:avLst/>
@@ -16098,7 +16073,7 @@
             </p:txBody>
           </p:sp>
         </mc:Choice>
-        <mc:Fallback xmlns="">
+        <mc:Fallback>
           <p:sp>
             <p:nvSpPr>
               <p:cNvPr id="38" name="Espace réservé du contenu 2">
@@ -16115,8 +16090,8 @@
             </p:nvSpPr>
             <p:spPr>
               <a:xfrm>
-                <a:off x="6143475" y="981887"/>
-                <a:ext cx="5930730" cy="5253339"/>
+                <a:off x="6143475" y="1636912"/>
+                <a:ext cx="5930730" cy="4598314"/>
               </a:xfrm>
               <a:prstGeom prst="rect">
                 <a:avLst/>
@@ -16284,7 +16259,7 @@
         </p:nvGrpSpPr>
         <p:grpSpPr>
           <a:xfrm>
-            <a:off x="10419453" y="911202"/>
+            <a:off x="8974193" y="2384402"/>
             <a:ext cx="1080000" cy="1080000"/>
             <a:chOff x="10419453" y="930257"/>
             <a:chExt cx="1080000" cy="1080000"/>
@@ -16395,7 +16370,7 @@
         </p:nvGrpSpPr>
         <p:grpSpPr>
           <a:xfrm rot="20700000">
-            <a:off x="10260670" y="793015"/>
+            <a:off x="8815410" y="2266215"/>
             <a:ext cx="1080000" cy="1080000"/>
             <a:chOff x="10419453" y="930257"/>
             <a:chExt cx="1080000" cy="1080000"/>
@@ -16506,7 +16481,7 @@
         </p:nvSpPr>
         <p:spPr>
           <a:xfrm>
-            <a:off x="10346522" y="1919202"/>
+            <a:off x="8901262" y="3392402"/>
             <a:ext cx="144000" cy="144000"/>
           </a:xfrm>
           <a:prstGeom prst="ellipse">
@@ -16560,7 +16535,7 @@
         </p:nvSpPr>
         <p:spPr>
           <a:xfrm>
-            <a:off x="10391522" y="1965606"/>
+            <a:off x="8946262" y="3438806"/>
             <a:ext cx="54000" cy="54000"/>
           </a:xfrm>
           <a:prstGeom prst="ellipse">
@@ -16600,8 +16575,8 @@
           </a:p>
         </p:txBody>
       </p:sp>
-      <mc:AlternateContent xmlns:mc="http://schemas.openxmlformats.org/markup-compatibility/2006" xmlns:a14="http://schemas.microsoft.com/office/drawing/2010/main">
-        <mc:Choice Requires="a14">
+      <mc:AlternateContent xmlns:mc="http://schemas.openxmlformats.org/markup-compatibility/2006">
+        <mc:Choice xmlns:a14="http://schemas.microsoft.com/office/drawing/2010/main" Requires="a14">
           <p:sp>
             <p:nvSpPr>
               <p:cNvPr id="50" name="ZoneTexte 49">
@@ -16616,7 +16591,7 @@
             </p:nvSpPr>
             <p:spPr>
               <a:xfrm>
-                <a:off x="11486695" y="1838852"/>
+                <a:off x="10041435" y="3312052"/>
                 <a:ext cx="281423" cy="276999"/>
               </a:xfrm>
               <a:prstGeom prst="rect">
@@ -16682,7 +16657,7 @@
             </p:txBody>
           </p:sp>
         </mc:Choice>
-        <mc:Fallback xmlns="">
+        <mc:Fallback>
           <p:sp>
             <p:nvSpPr>
               <p:cNvPr id="50" name="ZoneTexte 49">
@@ -16699,7 +16674,7 @@
             </p:nvSpPr>
             <p:spPr>
               <a:xfrm>
-                <a:off x="11486695" y="1838852"/>
+                <a:off x="10041435" y="3312052"/>
                 <a:ext cx="281423" cy="276999"/>
               </a:xfrm>
               <a:prstGeom prst="rect">
@@ -16708,7 +16683,7 @@
               <a:blipFill>
                 <a:blip r:embed="rId14"/>
                 <a:stretch>
-                  <a:fillRect l="-13043" r="-8696" b="-15556"/>
+                  <a:fillRect l="-13043" r="-8696" b="-15217"/>
                 </a:stretch>
               </a:blipFill>
             </p:spPr>
@@ -16727,8 +16702,8 @@
           </p:sp>
         </mc:Fallback>
       </mc:AlternateContent>
-      <mc:AlternateContent xmlns:mc="http://schemas.openxmlformats.org/markup-compatibility/2006" xmlns:a14="http://schemas.microsoft.com/office/drawing/2010/main">
-        <mc:Choice Requires="a14">
+      <mc:AlternateContent xmlns:mc="http://schemas.openxmlformats.org/markup-compatibility/2006">
+        <mc:Choice xmlns:a14="http://schemas.microsoft.com/office/drawing/2010/main" Requires="a14">
           <p:sp>
             <p:nvSpPr>
               <p:cNvPr id="51" name="ZoneTexte 50">
@@ -16743,7 +16718,7 @@
             </p:nvSpPr>
             <p:spPr>
               <a:xfrm>
-                <a:off x="10490522" y="843387"/>
+                <a:off x="9045262" y="2316587"/>
                 <a:ext cx="283091" cy="276999"/>
               </a:xfrm>
               <a:prstGeom prst="rect">
@@ -16809,7 +16784,7 @@
             </p:txBody>
           </p:sp>
         </mc:Choice>
-        <mc:Fallback xmlns="">
+        <mc:Fallback>
           <p:sp>
             <p:nvSpPr>
               <p:cNvPr id="51" name="ZoneTexte 50">
@@ -16826,7 +16801,7 @@
             </p:nvSpPr>
             <p:spPr>
               <a:xfrm>
-                <a:off x="10490522" y="843387"/>
+                <a:off x="9045262" y="2316587"/>
                 <a:ext cx="283091" cy="276999"/>
               </a:xfrm>
               <a:prstGeom prst="rect">
@@ -16835,7 +16810,7 @@
               <a:blipFill>
                 <a:blip r:embed="rId15"/>
                 <a:stretch>
-                  <a:fillRect l="-21739" r="-6522" b="-23913"/>
+                  <a:fillRect l="-21739" r="-6522" b="-26667"/>
                 </a:stretch>
               </a:blipFill>
             </p:spPr>
@@ -16854,8 +16829,8 @@
           </p:sp>
         </mc:Fallback>
       </mc:AlternateContent>
-      <mc:AlternateContent xmlns:mc="http://schemas.openxmlformats.org/markup-compatibility/2006" xmlns:a14="http://schemas.microsoft.com/office/drawing/2010/main">
-        <mc:Choice Requires="a14">
+      <mc:AlternateContent xmlns:mc="http://schemas.openxmlformats.org/markup-compatibility/2006">
+        <mc:Choice xmlns:a14="http://schemas.microsoft.com/office/drawing/2010/main" Requires="a14">
           <p:sp>
             <p:nvSpPr>
               <p:cNvPr id="54" name="ZoneTexte 53">
@@ -16870,7 +16845,7 @@
             </p:nvSpPr>
             <p:spPr>
               <a:xfrm>
-                <a:off x="11467203" y="1499529"/>
+                <a:off x="10021943" y="2972729"/>
                 <a:ext cx="300915" cy="276999"/>
               </a:xfrm>
               <a:prstGeom prst="rect">
@@ -16936,7 +16911,7 @@
             </p:txBody>
           </p:sp>
         </mc:Choice>
-        <mc:Fallback xmlns="">
+        <mc:Fallback>
           <p:sp>
             <p:nvSpPr>
               <p:cNvPr id="54" name="ZoneTexte 53">
@@ -16953,7 +16928,7 @@
             </p:nvSpPr>
             <p:spPr>
               <a:xfrm>
-                <a:off x="11467203" y="1499529"/>
+                <a:off x="10021943" y="2972729"/>
                 <a:ext cx="300915" cy="276999"/>
               </a:xfrm>
               <a:prstGeom prst="rect">
@@ -16995,7 +16970,7 @@
         </p:nvSpPr>
         <p:spPr>
           <a:xfrm flipV="1">
-            <a:off x="9556790" y="1141753"/>
+            <a:off x="8111530" y="2614953"/>
             <a:ext cx="1714460" cy="1714454"/>
           </a:xfrm>
           <a:prstGeom prst="arc">
@@ -17035,8 +17010,8 @@
           </a:p>
         </p:txBody>
       </p:sp>
-      <mc:AlternateContent xmlns:mc="http://schemas.openxmlformats.org/markup-compatibility/2006" xmlns:a14="http://schemas.microsoft.com/office/drawing/2010/main">
-        <mc:Choice Requires="a14">
+      <mc:AlternateContent xmlns:mc="http://schemas.openxmlformats.org/markup-compatibility/2006">
+        <mc:Choice xmlns:a14="http://schemas.microsoft.com/office/drawing/2010/main" Requires="a14">
           <p:sp>
             <p:nvSpPr>
               <p:cNvPr id="56" name="ZoneTexte 55">
@@ -17051,7 +17026,7 @@
             </p:nvSpPr>
             <p:spPr>
               <a:xfrm>
-                <a:off x="11127674" y="1489466"/>
+                <a:off x="9682414" y="2962666"/>
                 <a:ext cx="152927" cy="215444"/>
               </a:xfrm>
               <a:prstGeom prst="rect">
@@ -17086,7 +17061,7 @@
             </p:txBody>
           </p:sp>
         </mc:Choice>
-        <mc:Fallback xmlns="">
+        <mc:Fallback>
           <p:sp>
             <p:nvSpPr>
               <p:cNvPr id="56" name="ZoneTexte 55">
@@ -17103,7 +17078,7 @@
             </p:nvSpPr>
             <p:spPr>
               <a:xfrm>
-                <a:off x="11127674" y="1489466"/>
+                <a:off x="9682414" y="2962666"/>
                 <a:ext cx="152927" cy="215444"/>
               </a:xfrm>
               <a:prstGeom prst="rect">
